--- a/lapps-tutorial-intro-lrec2014.pptx
+++ b/lapps-tutorial-intro-lrec2014.pptx
@@ -11,28 +11,25 @@
     <p:sldId id="258" r:id="rId5"/>
     <p:sldId id="259" r:id="rId6"/>
     <p:sldId id="260" r:id="rId7"/>
-    <p:sldId id="261" r:id="rId8"/>
-    <p:sldId id="263" r:id="rId9"/>
-    <p:sldId id="264" r:id="rId10"/>
-    <p:sldId id="266" r:id="rId11"/>
-    <p:sldId id="267" r:id="rId12"/>
-    <p:sldId id="269" r:id="rId13"/>
-    <p:sldId id="270" r:id="rId14"/>
-    <p:sldId id="272" r:id="rId15"/>
-    <p:sldId id="273" r:id="rId16"/>
-    <p:sldId id="285" r:id="rId17"/>
-    <p:sldId id="277" r:id="rId18"/>
-    <p:sldId id="275" r:id="rId19"/>
-    <p:sldId id="279" r:id="rId20"/>
-    <p:sldId id="296" r:id="rId21"/>
-    <p:sldId id="286" r:id="rId22"/>
-    <p:sldId id="289" r:id="rId23"/>
-    <p:sldId id="290" r:id="rId24"/>
-    <p:sldId id="291" r:id="rId25"/>
-    <p:sldId id="292" r:id="rId26"/>
-    <p:sldId id="293" r:id="rId27"/>
-    <p:sldId id="294" r:id="rId28"/>
-    <p:sldId id="295" r:id="rId29"/>
+    <p:sldId id="264" r:id="rId8"/>
+    <p:sldId id="266" r:id="rId9"/>
+    <p:sldId id="267" r:id="rId10"/>
+    <p:sldId id="269" r:id="rId11"/>
+    <p:sldId id="270" r:id="rId12"/>
+    <p:sldId id="272" r:id="rId13"/>
+    <p:sldId id="273" r:id="rId14"/>
+    <p:sldId id="285" r:id="rId15"/>
+    <p:sldId id="297" r:id="rId16"/>
+    <p:sldId id="275" r:id="rId17"/>
+    <p:sldId id="296" r:id="rId18"/>
+    <p:sldId id="298" r:id="rId19"/>
+    <p:sldId id="289" r:id="rId20"/>
+    <p:sldId id="290" r:id="rId21"/>
+    <p:sldId id="291" r:id="rId22"/>
+    <p:sldId id="292" r:id="rId23"/>
+    <p:sldId id="293" r:id="rId24"/>
+    <p:sldId id="294" r:id="rId25"/>
+    <p:sldId id="295" r:id="rId26"/>
   </p:sldIdLst>
   <p:sldSz cx="9144000" cy="6858000" type="screen4x3"/>
   <p:notesSz cx="6858000" cy="9144000"/>
@@ -428,7 +425,7 @@
           <a:p>
             <a:fld id="{96581693-F97A-9B4B-8826-3E3FB14A6760}" type="datetimeFigureOut">
               <a:rPr lang="en-US" smtClean="0"/>
-              <a:t>5/24/14</a:t>
+              <a:t>5/25/14</a:t>
             </a:fld>
             <a:endParaRPr lang="en-US"/>
           </a:p>
@@ -632,7 +629,7 @@
           <a:p>
             <a:fld id="{96581693-F97A-9B4B-8826-3E3FB14A6760}" type="datetimeFigureOut">
               <a:rPr lang="en-US" smtClean="0"/>
-              <a:t>5/24/14</a:t>
+              <a:t>5/25/14</a:t>
             </a:fld>
             <a:endParaRPr lang="en-US"/>
           </a:p>
@@ -826,7 +823,7 @@
           <a:p>
             <a:fld id="{96581693-F97A-9B4B-8826-3E3FB14A6760}" type="datetimeFigureOut">
               <a:rPr lang="en-US" smtClean="0"/>
-              <a:t>5/24/14</a:t>
+              <a:t>5/25/14</a:t>
             </a:fld>
             <a:endParaRPr lang="en-US"/>
           </a:p>
@@ -1096,7 +1093,7 @@
           <a:p>
             <a:fld id="{96581693-F97A-9B4B-8826-3E3FB14A6760}" type="datetimeFigureOut">
               <a:rPr lang="en-US" smtClean="0"/>
-              <a:t>5/24/14</a:t>
+              <a:t>5/25/14</a:t>
             </a:fld>
             <a:endParaRPr lang="en-US"/>
           </a:p>
@@ -1408,7 +1405,7 @@
           <a:p>
             <a:fld id="{96581693-F97A-9B4B-8826-3E3FB14A6760}" type="datetimeFigureOut">
               <a:rPr lang="en-US" smtClean="0"/>
-              <a:t>5/24/14</a:t>
+              <a:t>5/25/14</a:t>
             </a:fld>
             <a:endParaRPr lang="en-US"/>
           </a:p>
@@ -1854,7 +1851,7 @@
           <a:p>
             <a:fld id="{96581693-F97A-9B4B-8826-3E3FB14A6760}" type="datetimeFigureOut">
               <a:rPr lang="en-US" smtClean="0"/>
-              <a:t>5/24/14</a:t>
+              <a:t>5/25/14</a:t>
             </a:fld>
             <a:endParaRPr lang="en-US"/>
           </a:p>
@@ -1996,7 +1993,7 @@
           <a:p>
             <a:fld id="{96581693-F97A-9B4B-8826-3E3FB14A6760}" type="datetimeFigureOut">
               <a:rPr lang="en-US" smtClean="0"/>
-              <a:t>5/24/14</a:t>
+              <a:t>5/25/14</a:t>
             </a:fld>
             <a:endParaRPr lang="en-US"/>
           </a:p>
@@ -2115,7 +2112,7 @@
           <a:p>
             <a:fld id="{96581693-F97A-9B4B-8826-3E3FB14A6760}" type="datetimeFigureOut">
               <a:rPr lang="en-US" smtClean="0"/>
-              <a:t>5/24/14</a:t>
+              <a:t>5/25/14</a:t>
             </a:fld>
             <a:endParaRPr lang="en-US"/>
           </a:p>
@@ -2416,7 +2413,7 @@
           <a:p>
             <a:fld id="{96581693-F97A-9B4B-8826-3E3FB14A6760}" type="datetimeFigureOut">
               <a:rPr lang="en-US" smtClean="0"/>
-              <a:t>5/24/14</a:t>
+              <a:t>5/25/14</a:t>
             </a:fld>
             <a:endParaRPr lang="en-US"/>
           </a:p>
@@ -2693,7 +2690,7 @@
           <a:p>
             <a:fld id="{96581693-F97A-9B4B-8826-3E3FB14A6760}" type="datetimeFigureOut">
               <a:rPr lang="en-US" smtClean="0"/>
-              <a:t>5/24/14</a:t>
+              <a:t>5/25/14</a:t>
             </a:fld>
             <a:endParaRPr lang="en-US"/>
           </a:p>
@@ -4070,7 +4067,7 @@
           <a:p>
             <a:r>
               <a:rPr lang="en-US" dirty="0" smtClean="0"/>
-              <a:t>Interoperability among Services</a:t>
+              <a:t>LAPPS WS-EV Repository</a:t>
             </a:r>
             <a:endParaRPr lang="en-US" dirty="0"/>
           </a:p>
@@ -4089,351 +4086,62 @@
         <p:spPr/>
         <p:txBody>
           <a:bodyPr>
-            <a:noAutofit/>
+            <a:normAutofit/>
           </a:bodyPr>
           <a:lstStyle/>
           <a:p>
-            <a:pPr>
-              <a:lnSpc>
-                <a:spcPct val="120000"/>
-              </a:lnSpc>
-            </a:pPr>
-            <a:r>
-              <a:rPr lang="en-US" sz="1600" dirty="0"/>
-              <a:t>Each </a:t>
-            </a:r>
-            <a:r>
-              <a:rPr lang="en-US" sz="1600" dirty="0" smtClean="0"/>
-              <a:t>service in the LAPPS Grid publishes </a:t>
-            </a:r>
-            <a:r>
-              <a:rPr lang="en-US" sz="1600" dirty="0">
+            <a:r>
+              <a:rPr lang="en-US" sz="2000" b="1" dirty="0" smtClean="0">
                 <a:solidFill>
-                  <a:srgbClr val="800000"/>
+                  <a:srgbClr val="953735"/>
                 </a:solidFill>
               </a:rPr>
-              <a:t>metadata</a:t>
-            </a:r>
-            <a:r>
-              <a:rPr lang="en-US" sz="1600" dirty="0"/>
-              <a:t> </a:t>
-            </a:r>
-            <a:r>
-              <a:rPr lang="en-US" sz="1600" dirty="0" smtClean="0"/>
-              <a:t>describing what </a:t>
-            </a:r>
-            <a:r>
-              <a:rPr lang="en-US" sz="1600" dirty="0"/>
-              <a:t>it requires for input </a:t>
-            </a:r>
-            <a:r>
-              <a:rPr lang="en-US" sz="1600" dirty="0" smtClean="0"/>
-              <a:t>and what </a:t>
-            </a:r>
-            <a:r>
-              <a:rPr lang="en-US" sz="1600" dirty="0"/>
-              <a:t>it produces as </a:t>
-            </a:r>
-            <a:r>
-              <a:rPr lang="en-US" sz="1600" dirty="0" smtClean="0"/>
-              <a:t>output</a:t>
-            </a:r>
-          </a:p>
-          <a:p>
-            <a:pPr lvl="1">
-              <a:lnSpc>
-                <a:spcPct val="120000"/>
-              </a:lnSpc>
-            </a:pPr>
-            <a:r>
-              <a:rPr lang="en-US" sz="1400" dirty="0" smtClean="0"/>
-              <a:t>Processes constructing </a:t>
-            </a:r>
-            <a:r>
-              <a:rPr lang="en-US" sz="1400" dirty="0"/>
-              <a:t>a service pipeline </a:t>
-            </a:r>
-            <a:r>
-              <a:rPr lang="en-US" sz="1400" dirty="0" smtClean="0"/>
-              <a:t>query </a:t>
-            </a:r>
-            <a:r>
-              <a:rPr lang="en-US" sz="1400" dirty="0"/>
-              <a:t>each service to determine </a:t>
-            </a:r>
-            <a:r>
-              <a:rPr lang="en-US" sz="1400" dirty="0" smtClean="0"/>
-              <a:t>compatibility</a:t>
-            </a:r>
-          </a:p>
-          <a:p>
-            <a:pPr>
-              <a:lnSpc>
-                <a:spcPct val="120000"/>
-              </a:lnSpc>
-            </a:pPr>
-            <a:r>
-              <a:rPr lang="en-US" sz="1600" dirty="0" smtClean="0"/>
-              <a:t>Use </a:t>
-            </a:r>
-            <a:r>
-              <a:rPr lang="en-US" sz="1600" b="1" dirty="0" smtClean="0">
-                <a:solidFill>
-                  <a:srgbClr val="800000"/>
-                </a:solidFill>
-              </a:rPr>
-              <a:t>JSON</a:t>
-            </a:r>
-            <a:r>
-              <a:rPr lang="en-US" sz="1600" b="1" dirty="0">
-                <a:solidFill>
-                  <a:srgbClr val="800000"/>
-                </a:solidFill>
-              </a:rPr>
-              <a:t>-based serialization for Linked Data (JSON-LD) </a:t>
-            </a:r>
-            <a:r>
-              <a:rPr lang="en-US" sz="1600" dirty="0"/>
-              <a:t>to represent linguistically annotated data for </a:t>
-            </a:r>
-            <a:r>
-              <a:rPr lang="en-US" sz="1600" dirty="0" smtClean="0"/>
-              <a:t>web </a:t>
-            </a:r>
-            <a:r>
-              <a:rPr lang="en-US" sz="1600" dirty="0"/>
-              <a:t>service exchange. </a:t>
-            </a:r>
-            <a:endParaRPr lang="en-US" sz="1600" dirty="0" smtClean="0"/>
-          </a:p>
-          <a:p>
-            <a:pPr lvl="1">
-              <a:lnSpc>
-                <a:spcPct val="120000"/>
-              </a:lnSpc>
-            </a:pPr>
-            <a:r>
-              <a:rPr lang="en-US" sz="1400" dirty="0" smtClean="0"/>
-              <a:t>lightweight</a:t>
-            </a:r>
-            <a:r>
-              <a:rPr lang="en-US" sz="1400" dirty="0"/>
-              <a:t>, text-based, language-independent data interchange </a:t>
-            </a:r>
-            <a:r>
-              <a:rPr lang="en-US" sz="1400" dirty="0" smtClean="0"/>
-              <a:t>format</a:t>
-            </a:r>
-          </a:p>
-          <a:p>
-            <a:pPr lvl="1">
-              <a:lnSpc>
-                <a:spcPct val="120000"/>
-              </a:lnSpc>
-            </a:pPr>
-            <a:r>
-              <a:rPr lang="en-US" sz="1400" dirty="0" smtClean="0"/>
-              <a:t>small </a:t>
-            </a:r>
-            <a:r>
-              <a:rPr lang="en-US" sz="1400" dirty="0"/>
-              <a:t>set of formatting rules for </a:t>
-            </a:r>
-            <a:r>
-              <a:rPr lang="en-US" sz="1400" dirty="0" smtClean="0"/>
-              <a:t>portable representation </a:t>
-            </a:r>
-            <a:r>
-              <a:rPr lang="en-US" sz="1400" dirty="0"/>
-              <a:t>of structured </a:t>
-            </a:r>
-            <a:r>
-              <a:rPr lang="en-US" sz="1400" dirty="0" smtClean="0"/>
-              <a:t>data </a:t>
-            </a:r>
-          </a:p>
-          <a:p>
-            <a:pPr lvl="1">
-              <a:lnSpc>
-                <a:spcPct val="120000"/>
-              </a:lnSpc>
-            </a:pPr>
-            <a:r>
-              <a:rPr lang="en-US" sz="1400" dirty="0" smtClean="0"/>
-              <a:t>based </a:t>
-            </a:r>
-            <a:r>
-              <a:rPr lang="en-US" sz="1400" dirty="0"/>
-              <a:t>on the W3C Resource Definition Framework (RDF</a:t>
-            </a:r>
-            <a:r>
-              <a:rPr lang="en-US" sz="1400" dirty="0" smtClean="0"/>
-              <a:t>)</a:t>
-            </a:r>
-          </a:p>
-          <a:p>
-            <a:pPr lvl="2">
-              <a:lnSpc>
-                <a:spcPct val="120000"/>
-              </a:lnSpc>
-            </a:pPr>
-            <a:r>
-              <a:rPr lang="en-US" sz="1200" dirty="0" smtClean="0"/>
-              <a:t>trivially </a:t>
-            </a:r>
-            <a:r>
-              <a:rPr lang="en-US" sz="1200" dirty="0" err="1"/>
-              <a:t>mappable</a:t>
-            </a:r>
-            <a:r>
-              <a:rPr lang="en-US" sz="1200" dirty="0"/>
-              <a:t> to and from other graph-based formats such as ISO LAF/</a:t>
-            </a:r>
-            <a:r>
-              <a:rPr lang="en-US" sz="1200" dirty="0" err="1"/>
-              <a:t>GrAF</a:t>
-            </a:r>
-            <a:r>
-              <a:rPr lang="en-US" sz="1200" dirty="0"/>
-              <a:t> </a:t>
-            </a:r>
-            <a:r>
-              <a:rPr lang="en-US" sz="1200" dirty="0" smtClean="0"/>
-              <a:t>, UIMA CAS </a:t>
-            </a:r>
-          </a:p>
-          <a:p>
-            <a:pPr lvl="1">
-              <a:lnSpc>
-                <a:spcPct val="120000"/>
-              </a:lnSpc>
-            </a:pPr>
-            <a:r>
-              <a:rPr lang="en-US" sz="1400" dirty="0" smtClean="0"/>
-              <a:t>enables </a:t>
-            </a:r>
-            <a:r>
-              <a:rPr lang="en-US" sz="1400" dirty="0"/>
-              <a:t>services to reference categories and definitions in web-based repositories and ontologies </a:t>
-            </a:r>
-            <a:r>
-              <a:rPr lang="en-US" sz="1400" dirty="0" smtClean="0"/>
-              <a:t>or </a:t>
-            </a:r>
-            <a:r>
-              <a:rPr lang="en-US" sz="1400" dirty="0"/>
-              <a:t>any </a:t>
-            </a:r>
-            <a:r>
-              <a:rPr lang="en-US" sz="1400" dirty="0" smtClean="0"/>
-              <a:t>concept defined at </a:t>
-            </a:r>
-            <a:r>
-              <a:rPr lang="en-US" sz="1400" dirty="0"/>
-              <a:t>a given </a:t>
-            </a:r>
-            <a:r>
-              <a:rPr lang="en-US" sz="1400" dirty="0" smtClean="0"/>
-              <a:t>URI </a:t>
-            </a:r>
-          </a:p>
-          <a:p>
-            <a:pPr>
-              <a:lnSpc>
-                <a:spcPct val="120000"/>
-              </a:lnSpc>
-            </a:pPr>
-            <a:r>
-              <a:rPr lang="en-US" sz="1600" b="1" dirty="0" smtClean="0">
-                <a:solidFill>
-                  <a:srgbClr val="800000"/>
-                </a:solidFill>
-              </a:rPr>
-              <a:t>LAPPS data </a:t>
-            </a:r>
-            <a:r>
-              <a:rPr lang="en-US" sz="1600" b="1" dirty="0">
-                <a:solidFill>
-                  <a:srgbClr val="800000"/>
-                </a:solidFill>
-              </a:rPr>
-              <a:t>converters </a:t>
-            </a:r>
-            <a:r>
-              <a:rPr lang="en-US" sz="1600" dirty="0" smtClean="0"/>
-              <a:t>map </a:t>
-            </a:r>
-            <a:r>
-              <a:rPr lang="en-US" sz="1600" dirty="0"/>
-              <a:t>from commonly used formats to </a:t>
-            </a:r>
-            <a:r>
-              <a:rPr lang="en-US" sz="1600" dirty="0" smtClean="0"/>
-              <a:t>JSON</a:t>
-            </a:r>
-            <a:r>
-              <a:rPr lang="en-US" sz="1600" dirty="0"/>
-              <a:t>-LD </a:t>
-            </a:r>
-            <a:endParaRPr lang="en-US" sz="1600" dirty="0" smtClean="0"/>
-          </a:p>
-          <a:p>
-            <a:pPr lvl="1">
-              <a:lnSpc>
-                <a:spcPct val="120000"/>
-              </a:lnSpc>
-            </a:pPr>
-            <a:r>
-              <a:rPr lang="en-US" sz="1400" dirty="0" smtClean="0"/>
-              <a:t>Converters </a:t>
-            </a:r>
-            <a:r>
-              <a:rPr lang="en-US" sz="1400" b="1" dirty="0" smtClean="0">
-                <a:solidFill>
-                  <a:srgbClr val="800000"/>
-                </a:solidFill>
-              </a:rPr>
-              <a:t>automatically </a:t>
-            </a:r>
-            <a:r>
-              <a:rPr lang="en-US" sz="1400" b="1" dirty="0">
-                <a:solidFill>
-                  <a:srgbClr val="800000"/>
-                </a:solidFill>
-              </a:rPr>
-              <a:t>invoked </a:t>
-            </a:r>
-            <a:r>
-              <a:rPr lang="en-US" sz="1400" dirty="0"/>
-              <a:t>as needed to meet the I/O </a:t>
-            </a:r>
-            <a:r>
-              <a:rPr lang="en-US" sz="1400" dirty="0" smtClean="0"/>
-              <a:t>requirements </a:t>
-            </a:r>
-            <a:r>
-              <a:rPr lang="en-US" sz="1400" dirty="0"/>
-              <a:t>of pipelined </a:t>
-            </a:r>
-            <a:r>
-              <a:rPr lang="en-US" sz="1400" dirty="0" smtClean="0"/>
-              <a:t>services </a:t>
-            </a:r>
-          </a:p>
-          <a:p>
-            <a:pPr>
-              <a:lnSpc>
-                <a:spcPct val="120000"/>
-              </a:lnSpc>
-            </a:pPr>
-            <a:endParaRPr lang="en-US" sz="1600" dirty="0"/>
+              <a:t>http://vocab.lappsgrid.org</a:t>
+            </a:r>
+          </a:p>
+          <a:p>
+            <a:r>
+              <a:rPr lang="en-US" sz="2000" dirty="0" smtClean="0"/>
+              <a:t>Shallow hierarchy of elements</a:t>
+            </a:r>
+          </a:p>
+          <a:p>
+            <a:pPr lvl="1"/>
+            <a:r>
+              <a:rPr lang="en-US" sz="1800" dirty="0" smtClean="0"/>
+              <a:t>Inheritance</a:t>
+            </a:r>
           </a:p>
         </p:txBody>
       </p:sp>
+      <p:pic>
+        <p:nvPicPr>
+          <p:cNvPr id="8" name="Picture 7"/>
+          <p:cNvPicPr>
+            <a:picLocks noChangeAspect="1"/>
+          </p:cNvPicPr>
+          <p:nvPr/>
+        </p:nvPicPr>
+        <p:blipFill>
+          <a:blip r:embed="rId2"/>
+          <a:stretch>
+            <a:fillRect/>
+          </a:stretch>
+        </p:blipFill>
+        <p:spPr>
+          <a:xfrm>
+            <a:off x="1986383" y="2787215"/>
+            <a:ext cx="4492411" cy="3057662"/>
+          </a:xfrm>
+          <a:prstGeom prst="rect">
+            <a:avLst/>
+          </a:prstGeom>
+        </p:spPr>
+      </p:pic>
     </p:spTree>
     <p:extLst>
       <p:ext uri="{BB962C8B-B14F-4D97-AF65-F5344CB8AC3E}">
-        <p14:creationId xmlns:p14="http://schemas.microsoft.com/office/powerpoint/2010/main" val="3689712268"/>
+        <p14:creationId xmlns:p14="http://schemas.microsoft.com/office/powerpoint/2010/main" val="4202885342"/>
       </p:ext>
     </p:extLst>
   </p:cSld>
@@ -4484,7 +4192,7 @@
           <a:p>
             <a:r>
               <a:rPr lang="en-US" dirty="0" smtClean="0"/>
-              <a:t>LAPPS/ISO Exchange Vocabulary</a:t>
+              <a:t>JSON-LD and WS-EV</a:t>
             </a:r>
             <a:endParaRPr lang="en-US" dirty="0"/>
           </a:p>
@@ -4502,168 +4210,186 @@
         </p:nvSpPr>
         <p:spPr/>
         <p:txBody>
-          <a:bodyPr>
-            <a:normAutofit/>
-          </a:bodyPr>
+          <a:bodyPr/>
           <a:lstStyle/>
           <a:p>
             <a:r>
-              <a:rPr lang="en-US" dirty="0" smtClean="0"/>
-              <a:t>No </a:t>
-            </a:r>
-            <a:r>
               <a:rPr lang="en-US" dirty="0"/>
-              <a:t>accepted standard for module description or input/output interchange </a:t>
-            </a:r>
-            <a:r>
-              <a:rPr lang="en-US" dirty="0" smtClean="0"/>
-              <a:t>in </a:t>
+              <a:t>References in </a:t>
+            </a:r>
+            <a:r>
+              <a:rPr lang="en-US" dirty="0" smtClean="0"/>
+              <a:t>JSON</a:t>
             </a:r>
             <a:r>
               <a:rPr lang="en-US" dirty="0"/>
-              <a:t>the language application domain </a:t>
-            </a:r>
-            <a:r>
-              <a:rPr lang="en-US" dirty="0" smtClean="0"/>
-              <a:t>currently exists</a:t>
-            </a:r>
-          </a:p>
-          <a:p>
+              <a:t>-LD representation point </a:t>
+            </a:r>
+            <a:r>
+              <a:rPr lang="en-US" dirty="0" smtClean="0"/>
+              <a:t>to URIs providing </a:t>
+            </a:r>
             <a:r>
               <a:rPr lang="en-US" b="1" dirty="0" smtClean="0">
                 <a:solidFill>
-                  <a:srgbClr val="800000"/>
+                  <a:srgbClr val="953735"/>
                 </a:solidFill>
               </a:rPr>
-              <a:t>LAPPS/ISO Web </a:t>
-            </a:r>
-            <a:r>
-              <a:rPr lang="en-US" b="1" dirty="0">
+              <a:t>definitions</a:t>
+            </a:r>
+            <a:r>
+              <a:rPr lang="en-US" dirty="0" smtClean="0"/>
+              <a:t> </a:t>
+            </a:r>
+            <a:r>
+              <a:rPr lang="en-US" dirty="0"/>
+              <a:t>for specific linguistic </a:t>
+            </a:r>
+            <a:r>
+              <a:rPr lang="en-US" dirty="0" smtClean="0"/>
+              <a:t>categories in the WS-EV</a:t>
+            </a:r>
+          </a:p>
+          <a:p>
+            <a:r>
+              <a:rPr lang="en-US" dirty="0" smtClean="0"/>
+              <a:t>Also point to </a:t>
+            </a:r>
+            <a:r>
+              <a:rPr lang="en-US" b="1" dirty="0" smtClean="0">
                 <a:solidFill>
-                  <a:srgbClr val="800000"/>
-                </a:solidFill>
-              </a:rPr>
-              <a:t>Service Exchange Vocabulary (WS-EV) </a:t>
-            </a:r>
-            <a:endParaRPr lang="en-US" b="1" dirty="0" smtClean="0">
-              <a:solidFill>
-                <a:srgbClr val="800000"/>
-              </a:solidFill>
-            </a:endParaRPr>
-          </a:p>
-          <a:p>
-            <a:pPr lvl="1"/>
-            <a:r>
-              <a:rPr lang="en-US" dirty="0" smtClean="0"/>
-              <a:t>specifies </a:t>
-            </a:r>
-            <a:r>
-              <a:rPr lang="en-US" dirty="0"/>
-              <a:t>a </a:t>
-            </a:r>
-            <a:r>
-              <a:rPr lang="en-US" dirty="0" smtClean="0"/>
-              <a:t>terminology </a:t>
-            </a:r>
-            <a:r>
-              <a:rPr lang="en-US" dirty="0"/>
-              <a:t>for a core of linguistic objects and features exchanged among NLP tools that consume and produce linguistically annotated </a:t>
-            </a:r>
-            <a:r>
-              <a:rPr lang="en-US" dirty="0" smtClean="0"/>
-              <a:t>data </a:t>
-            </a:r>
-          </a:p>
-          <a:p>
-            <a:pPr lvl="1"/>
-            <a:r>
-              <a:rPr lang="en-US" dirty="0" smtClean="0"/>
-              <a:t>addresses </a:t>
-            </a:r>
-            <a:r>
-              <a:rPr lang="en-US" dirty="0"/>
-              <a:t>a need within the </a:t>
-            </a:r>
-            <a:r>
-              <a:rPr lang="en-US" dirty="0" smtClean="0"/>
-              <a:t>community </a:t>
-            </a:r>
-            <a:r>
-              <a:rPr lang="en-US" dirty="0"/>
-              <a:t>to </a:t>
-            </a:r>
-            <a:r>
-              <a:rPr lang="en-US" dirty="0" smtClean="0"/>
-              <a:t>identify </a:t>
-            </a:r>
-            <a:r>
-              <a:rPr lang="en-US" dirty="0"/>
-              <a:t>a standard </a:t>
-            </a:r>
-            <a:r>
-              <a:rPr lang="en-US" dirty="0" smtClean="0"/>
-              <a:t>terminology and indicate </a:t>
-            </a:r>
-            <a:r>
-              <a:rPr lang="en-US" dirty="0"/>
-              <a:t>the relations among </a:t>
-            </a:r>
-            <a:r>
-              <a:rPr lang="en-US" dirty="0" smtClean="0"/>
-              <a:t>them</a:t>
-            </a:r>
-          </a:p>
-          <a:p>
-            <a:pPr marL="457200" lvl="1" indent="0">
-              <a:buNone/>
-            </a:pPr>
-            <a:r>
-              <a:rPr lang="en-US" dirty="0" smtClean="0"/>
-              <a:t> </a:t>
-            </a:r>
-          </a:p>
-          <a:p>
-            <a:pPr marL="400050" lvl="1" indent="0" algn="ctr">
-              <a:buNone/>
-            </a:pPr>
-            <a:r>
-              <a:rPr lang="en-US" sz="1600" dirty="0" smtClean="0">
-                <a:solidFill>
-                  <a:schemeClr val="tx2">
-                    <a:lumMod val="60000"/>
-                    <a:lumOff val="40000"/>
+                  <a:schemeClr val="accent2">
+                    <a:lumMod val="75000"/>
                   </a:schemeClr>
                 </a:solidFill>
               </a:rPr>
-              <a:t>Repositories such as </a:t>
-            </a:r>
-            <a:r>
-              <a:rPr lang="en-US" sz="1600" dirty="0" err="1" smtClean="0">
+              <a:t>documentation</a:t>
+            </a:r>
+            <a:r>
+              <a:rPr lang="en-US" dirty="0" smtClean="0"/>
+              <a:t> </a:t>
+            </a:r>
+            <a:r>
+              <a:rPr lang="en-US" dirty="0"/>
+              <a:t>for processing software and </a:t>
+            </a:r>
+            <a:r>
+              <a:rPr lang="en-US" dirty="0" smtClean="0"/>
+              <a:t>rules </a:t>
+            </a:r>
+            <a:r>
+              <a:rPr lang="en-US" dirty="0"/>
+              <a:t>for </a:t>
+            </a:r>
+            <a:r>
+              <a:rPr lang="en-US" dirty="0" smtClean="0"/>
+              <a:t>processes </a:t>
+            </a:r>
+            <a:r>
+              <a:rPr lang="en-US" dirty="0"/>
+              <a:t>such as tokenization, entity recognition, etc</a:t>
+            </a:r>
+            <a:r>
+              <a:rPr lang="en-US" dirty="0" smtClean="0"/>
+              <a:t>.</a:t>
+            </a:r>
+          </a:p>
+          <a:p>
+            <a:pPr lvl="1"/>
+            <a:r>
+              <a:rPr lang="en-US" dirty="0" smtClean="0"/>
+              <a:t>Often left unspecified </a:t>
+            </a:r>
+            <a:r>
+              <a:rPr lang="en-US" dirty="0"/>
+              <a:t>in annotated resources </a:t>
+            </a:r>
+            <a:endParaRPr lang="en-US" dirty="0" smtClean="0"/>
+          </a:p>
+          <a:p>
+            <a:pPr lvl="1"/>
+            <a:r>
+              <a:rPr lang="en-US" dirty="0" smtClean="0"/>
+              <a:t>Not </a:t>
+            </a:r>
+            <a:r>
+              <a:rPr lang="en-US" dirty="0"/>
+              <a:t>required for web service exchange in the LAPPS </a:t>
+            </a:r>
+            <a:r>
+              <a:rPr lang="en-US" dirty="0" smtClean="0"/>
+              <a:t>Grid</a:t>
+            </a:r>
+          </a:p>
+          <a:p>
+            <a:pPr lvl="1"/>
+            <a:r>
+              <a:rPr lang="en-US" b="1" dirty="0" smtClean="0">
                 <a:solidFill>
-                  <a:schemeClr val="tx2">
-                    <a:lumMod val="60000"/>
-                    <a:lumOff val="40000"/>
+                  <a:schemeClr val="accent2">
+                    <a:lumMod val="75000"/>
                   </a:schemeClr>
                 </a:solidFill>
               </a:rPr>
-              <a:t>ISOCat</a:t>
-            </a:r>
-            <a:r>
-              <a:rPr lang="en-US" sz="1600" dirty="0" smtClean="0">
+              <a:t>BUT</a:t>
+            </a:r>
+            <a:r>
+              <a:rPr lang="en-US" dirty="0" smtClean="0">
                 <a:solidFill>
-                  <a:schemeClr val="tx2">
-                    <a:lumMod val="60000"/>
-                    <a:lumOff val="40000"/>
+                  <a:schemeClr val="accent2">
+                    <a:lumMod val="75000"/>
                   </a:schemeClr>
                 </a:solidFill>
               </a:rPr>
-              <a:t> etc. focus on data categories, do not define items such as Token, provide multiple definitions for the same concept, do not specify relations among terms, etc.</a:t>
-            </a:r>
-            <a:endParaRPr lang="en-US" sz="1600" dirty="0">
+              <a:t> </a:t>
+            </a:r>
+            <a:r>
+              <a:rPr lang="en-US" dirty="0" smtClean="0"/>
+              <a:t>inclusion </a:t>
+            </a:r>
+            <a:r>
+              <a:rPr lang="en-US" dirty="0"/>
+              <a:t>of such references can contribute to </a:t>
+            </a:r>
+            <a:r>
+              <a:rPr lang="en-US" dirty="0" smtClean="0"/>
+              <a:t>better </a:t>
+            </a:r>
+            <a:r>
+              <a:rPr lang="en-US" dirty="0"/>
+              <a:t>replication and evaluation of results in the </a:t>
+            </a:r>
+            <a:r>
+              <a:rPr lang="en-US" dirty="0" smtClean="0"/>
+              <a:t>field</a:t>
+            </a:r>
+          </a:p>
+          <a:p>
+            <a:pPr lvl="1"/>
+            <a:r>
+              <a:rPr lang="en-US" b="1" dirty="0">
+                <a:solidFill>
+                  <a:schemeClr val="accent1">
+                    <a:lumMod val="75000"/>
+                  </a:schemeClr>
+                </a:solidFill>
+              </a:rPr>
+              <a:t>P</a:t>
+            </a:r>
+            <a:r>
+              <a:rPr lang="en-US" b="1" dirty="0" smtClean="0">
+                <a:solidFill>
+                  <a:schemeClr val="accent1">
+                    <a:lumMod val="75000"/>
+                  </a:schemeClr>
+                </a:solidFill>
+              </a:rPr>
+              <a:t>romote best practice! </a:t>
+            </a:r>
+            <a:endParaRPr lang="en-US" b="1" dirty="0">
               <a:solidFill>
-                <a:schemeClr val="tx2">
-                  <a:lumMod val="60000"/>
-                  <a:lumOff val="40000"/>
+                <a:schemeClr val="accent1">
+                  <a:lumMod val="75000"/>
                 </a:schemeClr>
               </a:solidFill>
             </a:endParaRPr>
@@ -4673,7 +4399,7 @@
     </p:spTree>
     <p:extLst>
       <p:ext uri="{BB962C8B-B14F-4D97-AF65-F5344CB8AC3E}">
-        <p14:creationId xmlns:p14="http://schemas.microsoft.com/office/powerpoint/2010/main" val="1214842164"/>
+        <p14:creationId xmlns:p14="http://schemas.microsoft.com/office/powerpoint/2010/main" val="1671843054"/>
       </p:ext>
     </p:extLst>
   </p:cSld>
@@ -4719,12 +4445,22 @@
         </p:nvSpPr>
         <p:spPr/>
         <p:txBody>
-          <a:bodyPr/>
+          <a:bodyPr>
+            <a:normAutofit/>
+          </a:bodyPr>
           <a:lstStyle/>
           <a:p>
             <a:r>
               <a:rPr lang="en-US" dirty="0" smtClean="0"/>
-              <a:t>LAPPS WS-EV Repository</a:t>
+              <a:t>User definition </a:t>
+            </a:r>
+            <a:r>
+              <a:rPr lang="en-US" dirty="0"/>
+              <a:t>of objects and </a:t>
+            </a:r>
+            <a:r>
+              <a:rPr lang="en-US" dirty="0" smtClean="0"/>
+              <a:t>features</a:t>
             </a:r>
             <a:endParaRPr lang="en-US" dirty="0"/>
           </a:p>
@@ -4748,57 +4484,119 @@
           <a:lstStyle/>
           <a:p>
             <a:r>
-              <a:rPr lang="en-US" sz="2000" b="1" dirty="0" smtClean="0">
+              <a:rPr lang="en-US" dirty="0"/>
+              <a:t>M</a:t>
+            </a:r>
+            <a:r>
+              <a:rPr lang="en-US" dirty="0" smtClean="0"/>
+              <a:t>any </a:t>
+            </a:r>
+            <a:r>
+              <a:rPr lang="en-US" dirty="0"/>
+              <a:t>web services will require definition of objects and properties not included in the WS-EVR or elsewhere </a:t>
+            </a:r>
+          </a:p>
+          <a:p>
+            <a:r>
+              <a:rPr lang="en-US" dirty="0" smtClean="0"/>
+              <a:t>Options</a:t>
+            </a:r>
+          </a:p>
+          <a:p>
+            <a:pPr marL="914400" lvl="1" indent="-457200">
+              <a:buFont typeface="+mj-lt"/>
+              <a:buAutoNum type="arabicPeriod"/>
+            </a:pPr>
+            <a:r>
+              <a:rPr lang="en-US" b="1" dirty="0" smtClean="0">
                 <a:solidFill>
                   <a:srgbClr val="953735"/>
                 </a:solidFill>
               </a:rPr>
-              <a:t>http://vocab.lappsgrid.org</a:t>
-            </a:r>
-          </a:p>
-          <a:p>
-            <a:r>
-              <a:rPr lang="en-US" sz="2000" dirty="0" smtClean="0"/>
-              <a:t>Shallow hierarchy of elements</a:t>
-            </a:r>
-          </a:p>
-          <a:p>
-            <a:pPr lvl="1"/>
-            <a:r>
-              <a:rPr lang="en-US" sz="1800" dirty="0" smtClean="0"/>
-              <a:t>Inheritance</a:t>
-            </a:r>
+              <a:t>Provide a URI </a:t>
+            </a:r>
+            <a:r>
+              <a:rPr lang="en-US" dirty="0"/>
+              <a:t>where a new term or other documentation is </a:t>
+            </a:r>
+            <a:r>
+              <a:rPr lang="en-US" dirty="0" smtClean="0"/>
+              <a:t>defined</a:t>
+            </a:r>
+          </a:p>
+          <a:p>
+            <a:pPr marL="914400" lvl="1" indent="-457200">
+              <a:buFont typeface="+mj-lt"/>
+              <a:buAutoNum type="arabicPeriod"/>
+            </a:pPr>
+            <a:r>
+              <a:rPr lang="en-US" b="1" dirty="0" smtClean="0">
+                <a:solidFill>
+                  <a:srgbClr val="953735"/>
+                </a:solidFill>
+              </a:rPr>
+              <a:t>Add </a:t>
+            </a:r>
+            <a:r>
+              <a:rPr lang="en-US" b="1" dirty="0">
+                <a:solidFill>
+                  <a:srgbClr val="953735"/>
+                </a:solidFill>
+              </a:rPr>
+              <a:t>a definition to the WS-</a:t>
+            </a:r>
+            <a:r>
+              <a:rPr lang="en-US" b="1" dirty="0" smtClean="0">
+                <a:solidFill>
+                  <a:srgbClr val="953735"/>
+                </a:solidFill>
+              </a:rPr>
+              <a:t>EVR</a:t>
+            </a:r>
+          </a:p>
+          <a:p>
+            <a:pPr lvl="2"/>
+            <a:r>
+              <a:rPr lang="en-US" dirty="0"/>
+              <a:t>S</a:t>
+            </a:r>
+            <a:r>
+              <a:rPr lang="en-US" dirty="0" smtClean="0"/>
+              <a:t>ervice </a:t>
+            </a:r>
+            <a:r>
+              <a:rPr lang="en-US" dirty="0"/>
+              <a:t>providers use the name space automatically assigned to them at the time of </a:t>
+            </a:r>
+            <a:r>
+              <a:rPr lang="en-US" dirty="0" smtClean="0"/>
+              <a:t>registration</a:t>
+            </a:r>
+          </a:p>
+          <a:p>
+            <a:pPr lvl="3"/>
+            <a:r>
+              <a:rPr lang="en-US" dirty="0" smtClean="0"/>
+              <a:t>Avoids name clashes </a:t>
+            </a:r>
+          </a:p>
+          <a:p>
+            <a:pPr lvl="3"/>
+            <a:r>
+              <a:rPr lang="en-US" dirty="0" smtClean="0"/>
+              <a:t>Makes a distinction between general categories used across services and more idiosyncratic categories </a:t>
+            </a:r>
+          </a:p>
+          <a:p>
+            <a:pPr lvl="3"/>
+            <a:endParaRPr lang="en-US" dirty="0"/>
           </a:p>
         </p:txBody>
       </p:sp>
-      <p:pic>
-        <p:nvPicPr>
-          <p:cNvPr id="8" name="Picture 7"/>
-          <p:cNvPicPr>
-            <a:picLocks noChangeAspect="1"/>
-          </p:cNvPicPr>
-          <p:nvPr/>
-        </p:nvPicPr>
-        <p:blipFill>
-          <a:blip r:embed="rId2"/>
-          <a:stretch>
-            <a:fillRect/>
-          </a:stretch>
-        </p:blipFill>
-        <p:spPr>
-          <a:xfrm>
-            <a:off x="1986383" y="2787215"/>
-            <a:ext cx="4492411" cy="3057662"/>
-          </a:xfrm>
-          <a:prstGeom prst="rect">
-            <a:avLst/>
-          </a:prstGeom>
-        </p:spPr>
-      </p:pic>
     </p:spTree>
     <p:extLst>
       <p:ext uri="{BB962C8B-B14F-4D97-AF65-F5344CB8AC3E}">
-        <p14:creationId xmlns:p14="http://schemas.microsoft.com/office/powerpoint/2010/main" val="4202885342"/>
+        <p14:creationId xmlns:p14="http://schemas.microsoft.com/office/powerpoint/2010/main" val="2574380720"/>
       </p:ext>
     </p:extLst>
   </p:cSld>
@@ -4848,461 +4646,6 @@
           <a:lstStyle/>
           <a:p>
             <a:r>
-              <a:rPr lang="en-US" dirty="0" smtClean="0"/>
-              <a:t>JSON-LD and WS-EV</a:t>
-            </a:r>
-            <a:endParaRPr lang="en-US" dirty="0"/>
-          </a:p>
-        </p:txBody>
-      </p:sp>
-      <p:sp>
-        <p:nvSpPr>
-          <p:cNvPr id="3" name="Content Placeholder 2"/>
-          <p:cNvSpPr>
-            <a:spLocks noGrp="1"/>
-          </p:cNvSpPr>
-          <p:nvPr>
-            <p:ph idx="1"/>
-          </p:nvPr>
-        </p:nvSpPr>
-        <p:spPr/>
-        <p:txBody>
-          <a:bodyPr/>
-          <a:lstStyle/>
-          <a:p>
-            <a:r>
-              <a:rPr lang="en-US" dirty="0"/>
-              <a:t>References in </a:t>
-            </a:r>
-            <a:r>
-              <a:rPr lang="en-US" dirty="0" smtClean="0"/>
-              <a:t>JSON</a:t>
-            </a:r>
-            <a:r>
-              <a:rPr lang="en-US" dirty="0"/>
-              <a:t>-LD representation point </a:t>
-            </a:r>
-            <a:r>
-              <a:rPr lang="en-US" dirty="0" smtClean="0"/>
-              <a:t>to URIs providing </a:t>
-            </a:r>
-            <a:r>
-              <a:rPr lang="en-US" b="1" dirty="0" smtClean="0">
-                <a:solidFill>
-                  <a:srgbClr val="953735"/>
-                </a:solidFill>
-              </a:rPr>
-              <a:t>definitions</a:t>
-            </a:r>
-            <a:r>
-              <a:rPr lang="en-US" dirty="0" smtClean="0"/>
-              <a:t> </a:t>
-            </a:r>
-            <a:r>
-              <a:rPr lang="en-US" dirty="0"/>
-              <a:t>for specific linguistic </a:t>
-            </a:r>
-            <a:r>
-              <a:rPr lang="en-US" dirty="0" smtClean="0"/>
-              <a:t>categories in the WS-EV</a:t>
-            </a:r>
-          </a:p>
-          <a:p>
-            <a:r>
-              <a:rPr lang="en-US" dirty="0" smtClean="0"/>
-              <a:t>Also point to </a:t>
-            </a:r>
-            <a:r>
-              <a:rPr lang="en-US" b="1" dirty="0" smtClean="0">
-                <a:solidFill>
-                  <a:schemeClr val="accent2">
-                    <a:lumMod val="75000"/>
-                  </a:schemeClr>
-                </a:solidFill>
-              </a:rPr>
-              <a:t>documentation</a:t>
-            </a:r>
-            <a:r>
-              <a:rPr lang="en-US" dirty="0" smtClean="0"/>
-              <a:t> </a:t>
-            </a:r>
-            <a:r>
-              <a:rPr lang="en-US" dirty="0"/>
-              <a:t>for processing software and </a:t>
-            </a:r>
-            <a:r>
-              <a:rPr lang="en-US" dirty="0" smtClean="0"/>
-              <a:t>rules </a:t>
-            </a:r>
-            <a:r>
-              <a:rPr lang="en-US" dirty="0"/>
-              <a:t>for </a:t>
-            </a:r>
-            <a:r>
-              <a:rPr lang="en-US" dirty="0" smtClean="0"/>
-              <a:t>processes </a:t>
-            </a:r>
-            <a:r>
-              <a:rPr lang="en-US" dirty="0"/>
-              <a:t>such as tokenization, entity recognition, etc</a:t>
-            </a:r>
-            <a:r>
-              <a:rPr lang="en-US" dirty="0" smtClean="0"/>
-              <a:t>.</a:t>
-            </a:r>
-          </a:p>
-          <a:p>
-            <a:pPr lvl="1"/>
-            <a:r>
-              <a:rPr lang="en-US" dirty="0" smtClean="0"/>
-              <a:t>Often left unspecified </a:t>
-            </a:r>
-            <a:r>
-              <a:rPr lang="en-US" dirty="0"/>
-              <a:t>in annotated resources </a:t>
-            </a:r>
-            <a:endParaRPr lang="en-US" dirty="0" smtClean="0"/>
-          </a:p>
-          <a:p>
-            <a:pPr lvl="1"/>
-            <a:r>
-              <a:rPr lang="en-US" dirty="0" smtClean="0"/>
-              <a:t>Not </a:t>
-            </a:r>
-            <a:r>
-              <a:rPr lang="en-US" dirty="0"/>
-              <a:t>required for web service exchange in the LAPPS </a:t>
-            </a:r>
-            <a:r>
-              <a:rPr lang="en-US" dirty="0" smtClean="0"/>
-              <a:t>Grid</a:t>
-            </a:r>
-          </a:p>
-          <a:p>
-            <a:pPr lvl="1"/>
-            <a:r>
-              <a:rPr lang="en-US" b="1" dirty="0" smtClean="0">
-                <a:solidFill>
-                  <a:schemeClr val="accent2">
-                    <a:lumMod val="75000"/>
-                  </a:schemeClr>
-                </a:solidFill>
-              </a:rPr>
-              <a:t>BUT</a:t>
-            </a:r>
-            <a:r>
-              <a:rPr lang="en-US" dirty="0" smtClean="0">
-                <a:solidFill>
-                  <a:schemeClr val="accent2">
-                    <a:lumMod val="75000"/>
-                  </a:schemeClr>
-                </a:solidFill>
-              </a:rPr>
-              <a:t> </a:t>
-            </a:r>
-            <a:r>
-              <a:rPr lang="en-US" dirty="0" smtClean="0"/>
-              <a:t>inclusion </a:t>
-            </a:r>
-            <a:r>
-              <a:rPr lang="en-US" dirty="0"/>
-              <a:t>of such references can contribute to </a:t>
-            </a:r>
-            <a:r>
-              <a:rPr lang="en-US" dirty="0" smtClean="0"/>
-              <a:t>better </a:t>
-            </a:r>
-            <a:r>
-              <a:rPr lang="en-US" dirty="0"/>
-              <a:t>replication and evaluation of results in the </a:t>
-            </a:r>
-            <a:r>
-              <a:rPr lang="en-US" dirty="0" smtClean="0"/>
-              <a:t>field</a:t>
-            </a:r>
-          </a:p>
-          <a:p>
-            <a:pPr lvl="1"/>
-            <a:r>
-              <a:rPr lang="en-US" b="1" dirty="0">
-                <a:solidFill>
-                  <a:schemeClr val="accent1">
-                    <a:lumMod val="75000"/>
-                  </a:schemeClr>
-                </a:solidFill>
-              </a:rPr>
-              <a:t>P</a:t>
-            </a:r>
-            <a:r>
-              <a:rPr lang="en-US" b="1" dirty="0" smtClean="0">
-                <a:solidFill>
-                  <a:schemeClr val="accent1">
-                    <a:lumMod val="75000"/>
-                  </a:schemeClr>
-                </a:solidFill>
-              </a:rPr>
-              <a:t>romote best practice! </a:t>
-            </a:r>
-            <a:endParaRPr lang="en-US" b="1" dirty="0">
-              <a:solidFill>
-                <a:schemeClr val="accent1">
-                  <a:lumMod val="75000"/>
-                </a:schemeClr>
-              </a:solidFill>
-            </a:endParaRPr>
-          </a:p>
-        </p:txBody>
-      </p:sp>
-    </p:spTree>
-    <p:extLst>
-      <p:ext uri="{BB962C8B-B14F-4D97-AF65-F5344CB8AC3E}">
-        <p14:creationId xmlns:p14="http://schemas.microsoft.com/office/powerpoint/2010/main" val="1671843054"/>
-      </p:ext>
-    </p:extLst>
-  </p:cSld>
-  <p:clrMapOvr>
-    <a:masterClrMapping/>
-  </p:clrMapOvr>
-  <p:timing>
-    <p:tnLst>
-      <p:par>
-        <p:cTn xmlns:p14="http://schemas.microsoft.com/office/powerpoint/2010/main" id="1" dur="indefinite" restart="never" nodeType="tmRoot"/>
-      </p:par>
-    </p:tnLst>
-  </p:timing>
-</p:sld>
-</file>
-
-<file path=ppt/slides/slide14.xml><?xml version="1.0" encoding="utf-8"?>
-<p:sld xmlns:a="http://schemas.openxmlformats.org/drawingml/2006/main" xmlns:r="http://schemas.openxmlformats.org/officeDocument/2006/relationships" xmlns:p="http://schemas.openxmlformats.org/presentationml/2006/main">
-  <p:cSld>
-    <p:spTree>
-      <p:nvGrpSpPr>
-        <p:cNvPr id="1" name=""/>
-        <p:cNvGrpSpPr/>
-        <p:nvPr/>
-      </p:nvGrpSpPr>
-      <p:grpSpPr>
-        <a:xfrm>
-          <a:off x="0" y="0"/>
-          <a:ext cx="0" cy="0"/>
-          <a:chOff x="0" y="0"/>
-          <a:chExt cx="0" cy="0"/>
-        </a:xfrm>
-      </p:grpSpPr>
-      <p:sp>
-        <p:nvSpPr>
-          <p:cNvPr id="2" name="Title 1"/>
-          <p:cNvSpPr>
-            <a:spLocks noGrp="1"/>
-          </p:cNvSpPr>
-          <p:nvPr>
-            <p:ph type="title"/>
-          </p:nvPr>
-        </p:nvSpPr>
-        <p:spPr/>
-        <p:txBody>
-          <a:bodyPr>
-            <a:normAutofit/>
-          </a:bodyPr>
-          <a:lstStyle/>
-          <a:p>
-            <a:r>
-              <a:rPr lang="en-US" dirty="0" smtClean="0"/>
-              <a:t>User definition </a:t>
-            </a:r>
-            <a:r>
-              <a:rPr lang="en-US" dirty="0"/>
-              <a:t>of objects and </a:t>
-            </a:r>
-            <a:r>
-              <a:rPr lang="en-US" dirty="0" smtClean="0"/>
-              <a:t>features</a:t>
-            </a:r>
-            <a:endParaRPr lang="en-US" dirty="0"/>
-          </a:p>
-        </p:txBody>
-      </p:sp>
-      <p:sp>
-        <p:nvSpPr>
-          <p:cNvPr id="3" name="Content Placeholder 2"/>
-          <p:cNvSpPr>
-            <a:spLocks noGrp="1"/>
-          </p:cNvSpPr>
-          <p:nvPr>
-            <p:ph idx="1"/>
-          </p:nvPr>
-        </p:nvSpPr>
-        <p:spPr/>
-        <p:txBody>
-          <a:bodyPr>
-            <a:normAutofit/>
-          </a:bodyPr>
-          <a:lstStyle/>
-          <a:p>
-            <a:r>
-              <a:rPr lang="en-US" dirty="0"/>
-              <a:t>M</a:t>
-            </a:r>
-            <a:r>
-              <a:rPr lang="en-US" dirty="0" smtClean="0"/>
-              <a:t>any </a:t>
-            </a:r>
-            <a:r>
-              <a:rPr lang="en-US" dirty="0"/>
-              <a:t>web services will require definition of objects and properties not included in the WS-EVR or elsewhere </a:t>
-            </a:r>
-          </a:p>
-          <a:p>
-            <a:r>
-              <a:rPr lang="en-US" dirty="0" smtClean="0"/>
-              <a:t>Options</a:t>
-            </a:r>
-          </a:p>
-          <a:p>
-            <a:pPr marL="914400" lvl="1" indent="-457200">
-              <a:buFont typeface="+mj-lt"/>
-              <a:buAutoNum type="arabicPeriod"/>
-            </a:pPr>
-            <a:r>
-              <a:rPr lang="en-US" b="1" dirty="0" smtClean="0">
-                <a:solidFill>
-                  <a:srgbClr val="953735"/>
-                </a:solidFill>
-              </a:rPr>
-              <a:t>Provide a URI </a:t>
-            </a:r>
-            <a:r>
-              <a:rPr lang="en-US" dirty="0"/>
-              <a:t>where a new term or other documentation is </a:t>
-            </a:r>
-            <a:r>
-              <a:rPr lang="en-US" dirty="0" smtClean="0"/>
-              <a:t>defined</a:t>
-            </a:r>
-          </a:p>
-          <a:p>
-            <a:pPr marL="914400" lvl="1" indent="-457200">
-              <a:buFont typeface="+mj-lt"/>
-              <a:buAutoNum type="arabicPeriod"/>
-            </a:pPr>
-            <a:r>
-              <a:rPr lang="en-US" b="1" dirty="0" smtClean="0">
-                <a:solidFill>
-                  <a:srgbClr val="953735"/>
-                </a:solidFill>
-              </a:rPr>
-              <a:t>Add </a:t>
-            </a:r>
-            <a:r>
-              <a:rPr lang="en-US" b="1" dirty="0">
-                <a:solidFill>
-                  <a:srgbClr val="953735"/>
-                </a:solidFill>
-              </a:rPr>
-              <a:t>a definition to the WS-</a:t>
-            </a:r>
-            <a:r>
-              <a:rPr lang="en-US" b="1" dirty="0" smtClean="0">
-                <a:solidFill>
-                  <a:srgbClr val="953735"/>
-                </a:solidFill>
-              </a:rPr>
-              <a:t>EVR</a:t>
-            </a:r>
-          </a:p>
-          <a:p>
-            <a:pPr lvl="2"/>
-            <a:r>
-              <a:rPr lang="en-US" dirty="0"/>
-              <a:t>S</a:t>
-            </a:r>
-            <a:r>
-              <a:rPr lang="en-US" dirty="0" smtClean="0"/>
-              <a:t>ervice </a:t>
-            </a:r>
-            <a:r>
-              <a:rPr lang="en-US" dirty="0"/>
-              <a:t>providers use the name space automatically assigned to them at the time of </a:t>
-            </a:r>
-            <a:r>
-              <a:rPr lang="en-US" dirty="0" smtClean="0"/>
-              <a:t>registration</a:t>
-            </a:r>
-          </a:p>
-          <a:p>
-            <a:pPr lvl="3"/>
-            <a:r>
-              <a:rPr lang="en-US" dirty="0" smtClean="0"/>
-              <a:t>Avoids name clashes </a:t>
-            </a:r>
-          </a:p>
-          <a:p>
-            <a:pPr lvl="3"/>
-            <a:r>
-              <a:rPr lang="en-US" dirty="0" smtClean="0"/>
-              <a:t>Makes a distinction between general categories used across services and more idiosyncratic categories </a:t>
-            </a:r>
-          </a:p>
-          <a:p>
-            <a:pPr lvl="3"/>
-            <a:endParaRPr lang="en-US" dirty="0"/>
-          </a:p>
-        </p:txBody>
-      </p:sp>
-    </p:spTree>
-    <p:extLst>
-      <p:ext uri="{BB962C8B-B14F-4D97-AF65-F5344CB8AC3E}">
-        <p14:creationId xmlns:p14="http://schemas.microsoft.com/office/powerpoint/2010/main" val="2574380720"/>
-      </p:ext>
-    </p:extLst>
-  </p:cSld>
-  <p:clrMapOvr>
-    <a:masterClrMapping/>
-  </p:clrMapOvr>
-  <p:timing>
-    <p:tnLst>
-      <p:par>
-        <p:cTn xmlns:p14="http://schemas.microsoft.com/office/powerpoint/2010/main" id="1" dur="indefinite" restart="never" nodeType="tmRoot"/>
-      </p:par>
-    </p:tnLst>
-  </p:timing>
-</p:sld>
-</file>
-
-<file path=ppt/slides/slide15.xml><?xml version="1.0" encoding="utf-8"?>
-<p:sld xmlns:a="http://schemas.openxmlformats.org/drawingml/2006/main" xmlns:r="http://schemas.openxmlformats.org/officeDocument/2006/relationships" xmlns:p="http://schemas.openxmlformats.org/presentationml/2006/main">
-  <p:cSld>
-    <p:spTree>
-      <p:nvGrpSpPr>
-        <p:cNvPr id="1" name=""/>
-        <p:cNvGrpSpPr/>
-        <p:nvPr/>
-      </p:nvGrpSpPr>
-      <p:grpSpPr>
-        <a:xfrm>
-          <a:off x="0" y="0"/>
-          <a:ext cx="0" cy="0"/>
-          <a:chOff x="0" y="0"/>
-          <a:chExt cx="0" cy="0"/>
-        </a:xfrm>
-      </p:grpSpPr>
-      <p:sp>
-        <p:nvSpPr>
-          <p:cNvPr id="2" name="Title 1"/>
-          <p:cNvSpPr>
-            <a:spLocks noGrp="1"/>
-          </p:cNvSpPr>
-          <p:nvPr>
-            <p:ph type="title"/>
-          </p:nvPr>
-        </p:nvSpPr>
-        <p:spPr/>
-        <p:txBody>
-          <a:bodyPr/>
-          <a:lstStyle/>
-          <a:p>
-            <a:r>
               <a:rPr lang="en-US" dirty="0"/>
               <a:t>LAPPS Web Composer </a:t>
             </a:r>
@@ -5494,7 +4837,7 @@
 </p:sld>
 </file>
 
-<file path=ppt/slides/slide16.xml><?xml version="1.0" encoding="utf-8"?>
+<file path=ppt/slides/slide14.xml><?xml version="1.0" encoding="utf-8"?>
 <p:sld xmlns:a="http://schemas.openxmlformats.org/drawingml/2006/main" xmlns:r="http://schemas.openxmlformats.org/officeDocument/2006/relationships" xmlns:p="http://schemas.openxmlformats.org/presentationml/2006/main">
   <p:cSld>
     <p:spTree>
@@ -5855,7 +5198,604 @@
 </p:sld>
 </file>
 
-<file path=ppt/slides/slide17.xml><?xml version="1.0" encoding="utf-8"?>
+<file path=ppt/slides/slide15.xml><?xml version="1.0" encoding="utf-8"?>
+<p:sld xmlns:a="http://schemas.openxmlformats.org/drawingml/2006/main" xmlns:r="http://schemas.openxmlformats.org/officeDocument/2006/relationships" xmlns:p="http://schemas.openxmlformats.org/presentationml/2006/main">
+  <p:cSld>
+    <p:spTree>
+      <p:nvGrpSpPr>
+        <p:cNvPr id="1" name=""/>
+        <p:cNvGrpSpPr/>
+        <p:nvPr/>
+      </p:nvGrpSpPr>
+      <p:grpSpPr>
+        <a:xfrm>
+          <a:off x="0" y="0"/>
+          <a:ext cx="0" cy="0"/>
+          <a:chOff x="0" y="0"/>
+          <a:chExt cx="0" cy="0"/>
+        </a:xfrm>
+      </p:grpSpPr>
+      <p:sp>
+        <p:nvSpPr>
+          <p:cNvPr id="2" name="Title 1"/>
+          <p:cNvSpPr>
+            <a:spLocks noGrp="1"/>
+          </p:cNvSpPr>
+          <p:nvPr>
+            <p:ph type="title"/>
+          </p:nvPr>
+        </p:nvSpPr>
+        <p:spPr>
+          <a:xfrm>
+            <a:off x="457200" y="274638"/>
+            <a:ext cx="8229600" cy="483284"/>
+          </a:xfrm>
+        </p:spPr>
+        <p:txBody>
+          <a:bodyPr>
+            <a:normAutofit fontScale="90000"/>
+          </a:bodyPr>
+          <a:lstStyle/>
+          <a:p>
+            <a:r>
+              <a:rPr lang="en-US" dirty="0" smtClean="0"/>
+              <a:t>Composer</a:t>
+            </a:r>
+            <a:endParaRPr lang="en-US" dirty="0"/>
+          </a:p>
+        </p:txBody>
+      </p:sp>
+      <p:pic>
+        <p:nvPicPr>
+          <p:cNvPr id="4" name="Picture 3"/>
+          <p:cNvPicPr>
+            <a:picLocks noChangeAspect="1"/>
+          </p:cNvPicPr>
+          <p:nvPr/>
+        </p:nvPicPr>
+        <p:blipFill>
+          <a:blip r:embed="rId2"/>
+          <a:stretch>
+            <a:fillRect/>
+          </a:stretch>
+        </p:blipFill>
+        <p:spPr>
+          <a:xfrm>
+            <a:off x="1358713" y="640318"/>
+            <a:ext cx="5816787" cy="5575603"/>
+          </a:xfrm>
+          <a:prstGeom prst="rect">
+            <a:avLst/>
+          </a:prstGeom>
+          <a:ln>
+            <a:noFill/>
+          </a:ln>
+        </p:spPr>
+      </p:pic>
+      <p:grpSp>
+        <p:nvGrpSpPr>
+          <p:cNvPr id="11" name="Group 10"/>
+          <p:cNvGrpSpPr/>
+          <p:nvPr/>
+        </p:nvGrpSpPr>
+        <p:grpSpPr>
+          <a:xfrm>
+            <a:off x="3932757" y="1153953"/>
+            <a:ext cx="3645991" cy="2681570"/>
+            <a:chOff x="3932757" y="1153953"/>
+            <a:chExt cx="3645991" cy="2681570"/>
+          </a:xfrm>
+        </p:grpSpPr>
+        <p:cxnSp>
+          <p:nvCxnSpPr>
+            <p:cNvPr id="8" name="Straight Connector 7"/>
+            <p:cNvCxnSpPr/>
+            <p:nvPr/>
+          </p:nvCxnSpPr>
+          <p:spPr>
+            <a:xfrm flipH="1">
+              <a:off x="3932757" y="1891391"/>
+              <a:ext cx="1153881" cy="1944132"/>
+            </a:xfrm>
+            <a:prstGeom prst="line">
+              <a:avLst/>
+            </a:prstGeom>
+            <a:ln w="12700" cmpd="sng">
+              <a:solidFill>
+                <a:schemeClr val="tx2">
+                  <a:lumMod val="60000"/>
+                  <a:lumOff val="40000"/>
+                </a:schemeClr>
+              </a:solidFill>
+            </a:ln>
+          </p:spPr>
+          <p:style>
+            <a:lnRef idx="2">
+              <a:schemeClr val="accent1"/>
+            </a:lnRef>
+            <a:fillRef idx="0">
+              <a:schemeClr val="accent1"/>
+            </a:fillRef>
+            <a:effectRef idx="1">
+              <a:schemeClr val="accent1"/>
+            </a:effectRef>
+            <a:fontRef idx="minor">
+              <a:schemeClr val="tx1"/>
+            </a:fontRef>
+          </p:style>
+        </p:cxnSp>
+        <p:sp>
+          <p:nvSpPr>
+            <p:cNvPr id="6" name="Line Callout 1 5"/>
+            <p:cNvSpPr/>
+            <p:nvPr/>
+          </p:nvSpPr>
+          <p:spPr>
+            <a:xfrm>
+              <a:off x="4847667" y="1153953"/>
+              <a:ext cx="2731081" cy="612648"/>
+            </a:xfrm>
+            <a:prstGeom prst="borderCallout1">
+              <a:avLst>
+                <a:gd name="adj1" fmla="val 18750"/>
+                <a:gd name="adj2" fmla="val -8333"/>
+                <a:gd name="adj3" fmla="val 191631"/>
+                <a:gd name="adj4" fmla="val -55833"/>
+              </a:avLst>
+            </a:prstGeom>
+            <a:solidFill>
+              <a:srgbClr val="DCE6F2"/>
+            </a:solidFill>
+          </p:spPr>
+          <p:style>
+            <a:lnRef idx="1">
+              <a:schemeClr val="accent1"/>
+            </a:lnRef>
+            <a:fillRef idx="3">
+              <a:schemeClr val="accent1"/>
+            </a:fillRef>
+            <a:effectRef idx="2">
+              <a:schemeClr val="accent1"/>
+            </a:effectRef>
+            <a:fontRef idx="minor">
+              <a:schemeClr val="lt1"/>
+            </a:fontRef>
+          </p:style>
+          <p:txBody>
+            <a:bodyPr rtlCol="0" anchor="ctr"/>
+            <a:lstStyle/>
+            <a:p>
+              <a:pPr algn="ctr"/>
+              <a:r>
+                <a:rPr lang="en-US" baseline="30000" dirty="0">
+                  <a:solidFill>
+                    <a:schemeClr val="tx1"/>
+                  </a:solidFill>
+                  <a:latin typeface="Avenir Book"/>
+                  <a:cs typeface="Avenir Book"/>
+                </a:rPr>
+                <a:t>Drag</a:t>
+              </a:r>
+              <a:r>
+                <a:rPr lang="en-US" dirty="0">
+                  <a:solidFill>
+                    <a:schemeClr val="tx1"/>
+                  </a:solidFill>
+                  <a:latin typeface="Avenir Book"/>
+                  <a:cs typeface="Avenir Book"/>
+                </a:rPr>
+                <a:t> </a:t>
+              </a:r>
+              <a:r>
+                <a:rPr lang="en-US" baseline="30000" dirty="0">
+                  <a:solidFill>
+                    <a:schemeClr val="tx1"/>
+                  </a:solidFill>
+                  <a:latin typeface="Avenir Book"/>
+                  <a:cs typeface="Avenir Book"/>
+                </a:rPr>
+                <a:t>service names from the </a:t>
+              </a:r>
+              <a:r>
+                <a:rPr lang="en-US" baseline="30000" dirty="0" smtClean="0">
+                  <a:solidFill>
+                    <a:schemeClr val="tx1"/>
+                  </a:solidFill>
+                  <a:latin typeface="Avenir Book"/>
+                  <a:cs typeface="Avenir Book"/>
+                </a:rPr>
+                <a:t>available services </a:t>
+              </a:r>
+              <a:r>
+                <a:rPr lang="en-US" baseline="30000" dirty="0">
+                  <a:solidFill>
+                    <a:schemeClr val="tx1"/>
+                  </a:solidFill>
+                  <a:latin typeface="Avenir Book"/>
+                  <a:cs typeface="Avenir Book"/>
+                </a:rPr>
+                <a:t>tab, drop into </a:t>
+              </a:r>
+              <a:r>
+                <a:rPr lang="en-US" baseline="30000" dirty="0" smtClean="0">
+                  <a:solidFill>
+                    <a:schemeClr val="tx1"/>
+                  </a:solidFill>
+                  <a:latin typeface="Avenir Book"/>
+                  <a:cs typeface="Avenir Book"/>
+                </a:rPr>
+                <a:t>selected </a:t>
+              </a:r>
+              <a:r>
+                <a:rPr lang="en-US" baseline="30000" dirty="0">
+                  <a:solidFill>
+                    <a:schemeClr val="tx1"/>
+                  </a:solidFill>
+                  <a:latin typeface="Avenir Book"/>
+                  <a:cs typeface="Avenir Book"/>
+                </a:rPr>
+                <a:t>services tab</a:t>
+              </a:r>
+              <a:endParaRPr lang="en-US" dirty="0"/>
+            </a:p>
+          </p:txBody>
+        </p:sp>
+      </p:grpSp>
+      <p:sp>
+        <p:nvSpPr>
+          <p:cNvPr id="12" name="Line Callout 1 11"/>
+          <p:cNvSpPr/>
+          <p:nvPr/>
+        </p:nvSpPr>
+        <p:spPr>
+          <a:xfrm>
+            <a:off x="4246831" y="464313"/>
+            <a:ext cx="1734236" cy="600875"/>
+          </a:xfrm>
+          <a:prstGeom prst="borderCallout1">
+            <a:avLst>
+              <a:gd name="adj1" fmla="val 18750"/>
+              <a:gd name="adj2" fmla="val -8333"/>
+              <a:gd name="adj3" fmla="val 136364"/>
+              <a:gd name="adj4" fmla="val -37939"/>
+            </a:avLst>
+          </a:prstGeom>
+          <a:solidFill>
+            <a:schemeClr val="accent6">
+              <a:lumMod val="20000"/>
+              <a:lumOff val="80000"/>
+            </a:schemeClr>
+          </a:solidFill>
+          <a:ln>
+            <a:solidFill>
+              <a:srgbClr val="E46C0A"/>
+            </a:solidFill>
+          </a:ln>
+        </p:spPr>
+        <p:style>
+          <a:lnRef idx="1">
+            <a:schemeClr val="accent1"/>
+          </a:lnRef>
+          <a:fillRef idx="3">
+            <a:schemeClr val="accent1"/>
+          </a:fillRef>
+          <a:effectRef idx="2">
+            <a:schemeClr val="accent1"/>
+          </a:effectRef>
+          <a:fontRef idx="minor">
+            <a:schemeClr val="lt1"/>
+          </a:fontRef>
+        </p:style>
+        <p:txBody>
+          <a:bodyPr rtlCol="0" anchor="ctr"/>
+          <a:lstStyle/>
+          <a:p>
+            <a:pPr algn="ctr"/>
+            <a:r>
+              <a:rPr lang="en-US" sz="1600" baseline="30000" dirty="0" smtClean="0">
+                <a:solidFill>
+                  <a:srgbClr val="000000"/>
+                </a:solidFill>
+                <a:latin typeface="Avenir Book"/>
+                <a:cs typeface="Avenir Book"/>
+              </a:rPr>
+              <a:t>Select </a:t>
+            </a:r>
+            <a:r>
+              <a:rPr lang="en-US" sz="1600" baseline="30000" dirty="0">
+                <a:solidFill>
+                  <a:srgbClr val="000000"/>
+                </a:solidFill>
+                <a:latin typeface="Avenir Book"/>
+                <a:cs typeface="Avenir Book"/>
+              </a:rPr>
+              <a:t>a data source service or upload text in ad-hoc document </a:t>
+            </a:r>
+            <a:r>
+              <a:rPr lang="en-US" sz="1600" baseline="30000" dirty="0" smtClean="0">
+                <a:solidFill>
+                  <a:srgbClr val="000000"/>
+                </a:solidFill>
+                <a:latin typeface="Avenir Book"/>
+                <a:cs typeface="Avenir Book"/>
+              </a:rPr>
+              <a:t>field</a:t>
+            </a:r>
+            <a:endParaRPr lang="en-US" sz="1600" dirty="0">
+              <a:solidFill>
+                <a:srgbClr val="000000"/>
+              </a:solidFill>
+              <a:latin typeface="Avenir Book"/>
+              <a:cs typeface="Avenir Book"/>
+            </a:endParaRPr>
+          </a:p>
+        </p:txBody>
+      </p:sp>
+      <p:sp>
+        <p:nvSpPr>
+          <p:cNvPr id="13" name="Line Callout 1 12"/>
+          <p:cNvSpPr/>
+          <p:nvPr/>
+        </p:nvSpPr>
+        <p:spPr>
+          <a:xfrm>
+            <a:off x="6616042" y="4342690"/>
+            <a:ext cx="2070757" cy="675984"/>
+          </a:xfrm>
+          <a:prstGeom prst="borderCallout1">
+            <a:avLst>
+              <a:gd name="adj1" fmla="val 18750"/>
+              <a:gd name="adj2" fmla="val -8333"/>
+              <a:gd name="adj3" fmla="val 85751"/>
+              <a:gd name="adj4" fmla="val -53831"/>
+            </a:avLst>
+          </a:prstGeom>
+          <a:solidFill>
+            <a:schemeClr val="accent3">
+              <a:lumMod val="20000"/>
+              <a:lumOff val="80000"/>
+            </a:schemeClr>
+          </a:solidFill>
+          <a:ln>
+            <a:solidFill>
+              <a:schemeClr val="accent3">
+                <a:lumMod val="75000"/>
+              </a:schemeClr>
+            </a:solidFill>
+          </a:ln>
+        </p:spPr>
+        <p:style>
+          <a:lnRef idx="1">
+            <a:schemeClr val="accent1"/>
+          </a:lnRef>
+          <a:fillRef idx="3">
+            <a:schemeClr val="accent1"/>
+          </a:fillRef>
+          <a:effectRef idx="2">
+            <a:schemeClr val="accent1"/>
+          </a:effectRef>
+          <a:fontRef idx="minor">
+            <a:schemeClr val="lt1"/>
+          </a:fontRef>
+        </p:style>
+        <p:txBody>
+          <a:bodyPr rtlCol="0" anchor="ctr"/>
+          <a:lstStyle/>
+          <a:p>
+            <a:pPr algn="ctr"/>
+            <a:r>
+              <a:rPr lang="en-US" baseline="30000" dirty="0" smtClean="0">
+                <a:solidFill>
+                  <a:srgbClr val="000000"/>
+                </a:solidFill>
+                <a:latin typeface="Avenir Book"/>
+                <a:cs typeface="Avenir Book"/>
+              </a:rPr>
+              <a:t>User configures </a:t>
+            </a:r>
+            <a:r>
+              <a:rPr lang="en-US" baseline="30000" dirty="0">
+                <a:solidFill>
+                  <a:srgbClr val="000000"/>
+                </a:solidFill>
+                <a:latin typeface="Avenir Book"/>
+                <a:cs typeface="Avenir Book"/>
+              </a:rPr>
+              <a:t>which steps generate the gold and predicted annotations</a:t>
+            </a:r>
+            <a:endParaRPr lang="en-US" dirty="0">
+              <a:solidFill>
+                <a:srgbClr val="000000"/>
+              </a:solidFill>
+              <a:latin typeface="Avenir Book"/>
+              <a:cs typeface="Avenir Book"/>
+            </a:endParaRPr>
+          </a:p>
+        </p:txBody>
+      </p:sp>
+    </p:spTree>
+    <p:extLst>
+      <p:ext uri="{BB962C8B-B14F-4D97-AF65-F5344CB8AC3E}">
+        <p14:creationId xmlns:p14="http://schemas.microsoft.com/office/powerpoint/2010/main" val="2374174980"/>
+      </p:ext>
+    </p:extLst>
+  </p:cSld>
+  <p:clrMapOvr>
+    <a:masterClrMapping/>
+  </p:clrMapOvr>
+  <p:timing>
+    <p:tnLst>
+      <p:par>
+        <p:cTn xmlns:p14="http://schemas.microsoft.com/office/powerpoint/2010/main" id="1" dur="indefinite" restart="never" nodeType="tmRoot">
+          <p:childTnLst>
+            <p:seq concurrent="1" nextAc="seek">
+              <p:cTn id="2" dur="indefinite" nodeType="mainSeq">
+                <p:childTnLst>
+                  <p:par>
+                    <p:cTn id="3" fill="hold">
+                      <p:stCondLst>
+                        <p:cond delay="indefinite"/>
+                      </p:stCondLst>
+                      <p:childTnLst>
+                        <p:par>
+                          <p:cTn id="4" fill="hold">
+                            <p:stCondLst>
+                              <p:cond delay="0"/>
+                            </p:stCondLst>
+                            <p:childTnLst>
+                              <p:par>
+                                <p:cTn id="5" presetID="1" presetClass="entr" presetSubtype="0" fill="hold" grpId="0" nodeType="clickEffect">
+                                  <p:stCondLst>
+                                    <p:cond delay="0"/>
+                                  </p:stCondLst>
+                                  <p:childTnLst>
+                                    <p:set>
+                                      <p:cBhvr>
+                                        <p:cTn id="6" dur="1" fill="hold">
+                                          <p:stCondLst>
+                                            <p:cond delay="0"/>
+                                          </p:stCondLst>
+                                        </p:cTn>
+                                        <p:tgtEl>
+                                          <p:spTgt spid="12"/>
+                                        </p:tgtEl>
+                                        <p:attrNameLst>
+                                          <p:attrName>style.visibility</p:attrName>
+                                        </p:attrNameLst>
+                                      </p:cBhvr>
+                                      <p:to>
+                                        <p:strVal val="visible"/>
+                                      </p:to>
+                                    </p:set>
+                                  </p:childTnLst>
+                                </p:cTn>
+                              </p:par>
+                            </p:childTnLst>
+                          </p:cTn>
+                        </p:par>
+                      </p:childTnLst>
+                    </p:cTn>
+                  </p:par>
+                  <p:par>
+                    <p:cTn id="7" fill="hold">
+                      <p:stCondLst>
+                        <p:cond delay="indefinite"/>
+                      </p:stCondLst>
+                      <p:childTnLst>
+                        <p:par>
+                          <p:cTn id="8" fill="hold">
+                            <p:stCondLst>
+                              <p:cond delay="0"/>
+                            </p:stCondLst>
+                            <p:childTnLst>
+                              <p:par>
+                                <p:cTn id="9" presetID="1" presetClass="entr" presetSubtype="0" fill="hold" nodeType="clickEffect">
+                                  <p:stCondLst>
+                                    <p:cond delay="0"/>
+                                  </p:stCondLst>
+                                  <p:childTnLst>
+                                    <p:set>
+                                      <p:cBhvr>
+                                        <p:cTn id="10" dur="1" fill="hold">
+                                          <p:stCondLst>
+                                            <p:cond delay="0"/>
+                                          </p:stCondLst>
+                                        </p:cTn>
+                                        <p:tgtEl>
+                                          <p:spTgt spid="11"/>
+                                        </p:tgtEl>
+                                        <p:attrNameLst>
+                                          <p:attrName>style.visibility</p:attrName>
+                                        </p:attrNameLst>
+                                      </p:cBhvr>
+                                      <p:to>
+                                        <p:strVal val="visible"/>
+                                      </p:to>
+                                    </p:set>
+                                  </p:childTnLst>
+                                </p:cTn>
+                              </p:par>
+                            </p:childTnLst>
+                          </p:cTn>
+                        </p:par>
+                      </p:childTnLst>
+                    </p:cTn>
+                  </p:par>
+                  <p:par>
+                    <p:cTn id="11" fill="hold">
+                      <p:stCondLst>
+                        <p:cond delay="indefinite"/>
+                      </p:stCondLst>
+                      <p:childTnLst>
+                        <p:par>
+                          <p:cTn id="12" fill="hold">
+                            <p:stCondLst>
+                              <p:cond delay="0"/>
+                            </p:stCondLst>
+                            <p:childTnLst>
+                              <p:par>
+                                <p:cTn id="13" presetID="1" presetClass="entr" presetSubtype="0" fill="hold" grpId="0" nodeType="clickEffect">
+                                  <p:stCondLst>
+                                    <p:cond delay="0"/>
+                                  </p:stCondLst>
+                                  <p:childTnLst>
+                                    <p:set>
+                                      <p:cBhvr>
+                                        <p:cTn id="14" dur="1" fill="hold">
+                                          <p:stCondLst>
+                                            <p:cond delay="0"/>
+                                          </p:stCondLst>
+                                        </p:cTn>
+                                        <p:tgtEl>
+                                          <p:spTgt spid="13"/>
+                                        </p:tgtEl>
+                                        <p:attrNameLst>
+                                          <p:attrName>style.visibility</p:attrName>
+                                        </p:attrNameLst>
+                                      </p:cBhvr>
+                                      <p:to>
+                                        <p:strVal val="visible"/>
+                                      </p:to>
+                                    </p:set>
+                                  </p:childTnLst>
+                                </p:cTn>
+                              </p:par>
+                            </p:childTnLst>
+                          </p:cTn>
+                        </p:par>
+                      </p:childTnLst>
+                    </p:cTn>
+                  </p:par>
+                </p:childTnLst>
+              </p:cTn>
+              <p:prevCondLst>
+                <p:cond evt="onPrev" delay="0">
+                  <p:tgtEl>
+                    <p:sldTgt/>
+                  </p:tgtEl>
+                </p:cond>
+              </p:prevCondLst>
+              <p:nextCondLst>
+                <p:cond evt="onNext" delay="0">
+                  <p:tgtEl>
+                    <p:sldTgt/>
+                  </p:tgtEl>
+                </p:cond>
+              </p:nextCondLst>
+            </p:seq>
+          </p:childTnLst>
+        </p:cTn>
+      </p:par>
+    </p:tnLst>
+    <p:bldLst>
+      <p:bldP spid="12" grpId="0" animBg="1"/>
+      <p:bldP spid="13" grpId="0" animBg="1"/>
+    </p:bldLst>
+  </p:timing>
+</p:sld>
+</file>
+
+<file path=ppt/slides/slide16.xml><?xml version="1.0" encoding="utf-8"?>
 <p:sld xmlns:a="http://schemas.openxmlformats.org/drawingml/2006/main" xmlns:r="http://schemas.openxmlformats.org/officeDocument/2006/relationships" xmlns:p="http://schemas.openxmlformats.org/presentationml/2006/main">
   <p:cSld>
     <p:spTree>
@@ -5889,7 +5829,7 @@
           <a:p>
             <a:r>
               <a:rPr lang="en-US" dirty="0" smtClean="0"/>
-              <a:t>Open Advancement</a:t>
+              <a:t>Open Advancement in a Nutshell</a:t>
             </a:r>
             <a:endParaRPr lang="en-US" dirty="0"/>
           </a:p>
@@ -5908,57 +5848,21 @@
         <p:spPr/>
         <p:txBody>
           <a:bodyPr>
-            <a:normAutofit fontScale="92500" lnSpcReduction="10000"/>
+            <a:normAutofit/>
           </a:bodyPr>
           <a:lstStyle/>
           <a:p>
-            <a:r>
-              <a:rPr lang="en-US" dirty="0" smtClean="0"/>
-              <a:t>CMU is providing the tooling and infrastructure for two major services</a:t>
-            </a:r>
-          </a:p>
-          <a:p>
-            <a:pPr lvl="1"/>
-            <a:r>
-              <a:rPr lang="en-US" dirty="0" smtClean="0"/>
-              <a:t>Based on the existing OAQA framework developed at CMU</a:t>
-            </a:r>
-          </a:p>
-          <a:p>
-            <a:pPr lvl="1"/>
-            <a:r>
-              <a:rPr lang="en-US" dirty="0" smtClean="0"/>
-              <a:t>Implement </a:t>
-            </a:r>
-            <a:r>
-              <a:rPr lang="en-US" dirty="0"/>
-              <a:t>state-of-the-art Open </a:t>
-            </a:r>
-            <a:r>
-              <a:rPr lang="en-US" dirty="0" smtClean="0"/>
-              <a:t>Advancement techniques</a:t>
-            </a:r>
-          </a:p>
-          <a:p>
+            <a:pPr marL="457200" indent="-457200">
+              <a:buFont typeface="+mj-lt"/>
+              <a:buAutoNum type="arabicPeriod"/>
+            </a:pPr>
             <a:r>
               <a:rPr lang="en-US" b="1" dirty="0" smtClean="0">
                 <a:solidFill>
-                  <a:schemeClr val="accent2">
-                    <a:lumMod val="75000"/>
-                  </a:schemeClr>
+                  <a:srgbClr val="953735"/>
                 </a:solidFill>
               </a:rPr>
-              <a:t>Provides </a:t>
-            </a:r>
-            <a:r>
-              <a:rPr lang="en-US" b="1" dirty="0">
-                <a:solidFill>
-                  <a:schemeClr val="accent2">
-                    <a:lumMod val="75000"/>
-                  </a:schemeClr>
-                </a:solidFill>
-              </a:rPr>
-              <a:t>an unprecedented tool for NLP develop</a:t>
+              <a:t>Evaluate </a:t>
             </a:r>
             <a:r>
               <a:rPr lang="en-US" b="1" dirty="0">
@@ -5966,92 +5870,176 @@
                   <a:srgbClr val="953735"/>
                 </a:solidFill>
               </a:rPr>
-              <a:t>ment</a:t>
+              <a:t>multiple possible solutions to a given </a:t>
+            </a:r>
+            <a:r>
+              <a:rPr lang="en-US" b="1" dirty="0" smtClean="0">
+                <a:solidFill>
+                  <a:srgbClr val="953735"/>
+                </a:solidFill>
+              </a:rPr>
+              <a:t>problem</a:t>
+            </a:r>
+          </a:p>
+          <a:p>
+            <a:pPr lvl="1"/>
+            <a:r>
+              <a:rPr lang="en-US" dirty="0" smtClean="0"/>
+              <a:t>Determine </a:t>
             </a:r>
             <a:r>
               <a:rPr lang="en-US" dirty="0"/>
-              <a:t> </a:t>
+              <a:t>the optimal solution available using given components, </a:t>
+            </a:r>
+            <a:r>
+              <a:rPr lang="en-US" dirty="0" smtClean="0"/>
+              <a:t>resources, </a:t>
+            </a:r>
+            <a:r>
+              <a:rPr lang="en-US" dirty="0"/>
+              <a:t>and evaluation </a:t>
+            </a:r>
+            <a:r>
+              <a:rPr lang="en-US" dirty="0" smtClean="0"/>
+              <a:t>data</a:t>
+            </a:r>
+          </a:p>
+          <a:p>
+            <a:pPr marL="457200" indent="-457200">
+              <a:buFont typeface="+mj-lt"/>
+              <a:buAutoNum type="arabicPeriod"/>
+            </a:pPr>
+            <a:r>
+              <a:rPr lang="en-US" b="1" dirty="0" smtClean="0">
+                <a:solidFill>
+                  <a:srgbClr val="953735"/>
+                </a:solidFill>
+              </a:rPr>
+              <a:t>Output </a:t>
+            </a:r>
+            <a:r>
+              <a:rPr lang="en-US" b="1" dirty="0">
+                <a:solidFill>
+                  <a:srgbClr val="953735"/>
+                </a:solidFill>
+              </a:rPr>
+              <a:t>of the optimal solution </a:t>
+            </a:r>
+            <a:r>
+              <a:rPr lang="en-US" b="1" dirty="0" smtClean="0">
+                <a:solidFill>
+                  <a:srgbClr val="953735"/>
+                </a:solidFill>
+              </a:rPr>
+              <a:t>subjected </a:t>
+            </a:r>
+            <a:r>
+              <a:rPr lang="en-US" b="1" dirty="0">
+                <a:solidFill>
+                  <a:srgbClr val="953735"/>
+                </a:solidFill>
+              </a:rPr>
+              <a:t>to error </a:t>
+            </a:r>
+            <a:r>
+              <a:rPr lang="en-US" b="1" dirty="0" smtClean="0">
+                <a:solidFill>
+                  <a:srgbClr val="953735"/>
+                </a:solidFill>
+              </a:rPr>
+              <a:t>analysis</a:t>
+            </a:r>
+          </a:p>
+          <a:p>
+            <a:pPr lvl="1"/>
+            <a:r>
+              <a:rPr lang="en-US" dirty="0" smtClean="0"/>
+              <a:t>Identify </a:t>
+            </a:r>
+            <a:r>
+              <a:rPr lang="en-US" dirty="0"/>
+              <a:t>the most frequent errors with the highest impact </a:t>
             </a:r>
             <a:endParaRPr lang="en-US" dirty="0" smtClean="0"/>
           </a:p>
           <a:p>
             <a:pPr lvl="1"/>
             <a:r>
-              <a:rPr lang="en-US" dirty="0" smtClean="0"/>
-              <a:t>Could take </a:t>
-            </a:r>
-            <a:r>
               <a:rPr lang="en-US" dirty="0"/>
-              <a:t>the field to a new level of </a:t>
-            </a:r>
-            <a:r>
-              <a:rPr lang="en-US" dirty="0" smtClean="0"/>
-              <a:t>productivity </a:t>
-            </a:r>
-          </a:p>
-          <a:p>
-            <a:r>
-              <a:rPr lang="en-US" dirty="0" smtClean="0"/>
-              <a:t>OA approach has </a:t>
+              <a:t>C</a:t>
+            </a:r>
+            <a:r>
+              <a:rPr lang="en-US" dirty="0" smtClean="0"/>
+              <a:t>onsider possible enhancements </a:t>
+            </a:r>
+          </a:p>
+          <a:p>
+            <a:pPr lvl="2"/>
+            <a:r>
+              <a:rPr lang="en-US" dirty="0" smtClean="0"/>
+              <a:t>Aim to achieve the </a:t>
             </a:r>
             <a:r>
               <a:rPr lang="en-US" dirty="0"/>
-              <a:t>been successful in enabling rapid identification of </a:t>
-            </a:r>
-            <a:endParaRPr lang="en-US" dirty="0" smtClean="0"/>
+              <a:t>largest </a:t>
+            </a:r>
+            <a:r>
+              <a:rPr lang="en-US" dirty="0" smtClean="0"/>
+              <a:t>possible </a:t>
+            </a:r>
+            <a:r>
+              <a:rPr lang="en-US" dirty="0"/>
+              <a:t>reduction in error rate by addressing the most </a:t>
+            </a:r>
+            <a:r>
+              <a:rPr lang="en-US" dirty="0" smtClean="0"/>
+              <a:t>frequent error types</a:t>
+            </a:r>
+          </a:p>
+          <a:p>
+            <a:pPr marL="457200" indent="-457200">
+              <a:buFont typeface="+mj-lt"/>
+              <a:buAutoNum type="arabicPeriod"/>
+            </a:pPr>
+            <a:r>
+              <a:rPr lang="en-US" b="1" dirty="0" smtClean="0">
+                <a:solidFill>
+                  <a:srgbClr val="953735"/>
+                </a:solidFill>
+              </a:rPr>
+              <a:t>Evaluate performance </a:t>
+            </a:r>
+            <a:r>
+              <a:rPr lang="en-US" b="1" dirty="0">
+                <a:solidFill>
+                  <a:srgbClr val="953735"/>
+                </a:solidFill>
+              </a:rPr>
+              <a:t>of </a:t>
+            </a:r>
+            <a:r>
+              <a:rPr lang="en-US" b="1" dirty="0" smtClean="0">
+                <a:solidFill>
+                  <a:srgbClr val="953735"/>
+                </a:solidFill>
+              </a:rPr>
+              <a:t>new configurations </a:t>
+            </a:r>
           </a:p>
           <a:p>
             <a:pPr lvl="1"/>
             <a:r>
               <a:rPr lang="en-US" dirty="0" smtClean="0"/>
-              <a:t>frequent </a:t>
+              <a:t>Determine if a </a:t>
             </a:r>
             <a:r>
               <a:rPr lang="en-US" dirty="0"/>
-              <a:t>error categories within modules and </a:t>
-            </a:r>
-            <a:r>
-              <a:rPr lang="en-US" dirty="0" smtClean="0"/>
-              <a:t>documents</a:t>
-            </a:r>
-          </a:p>
-          <a:p>
-            <a:pPr lvl="1"/>
-            <a:r>
-              <a:rPr lang="en-US" dirty="0" smtClean="0"/>
-              <a:t>which </a:t>
-            </a:r>
-            <a:r>
-              <a:rPr lang="en-US" dirty="0"/>
-              <a:t>module(s) and error type(s) have the greatest impact on overall </a:t>
-            </a:r>
-            <a:r>
-              <a:rPr lang="en-US" dirty="0" smtClean="0"/>
-              <a:t>performance</a:t>
-            </a:r>
-          </a:p>
-          <a:p>
-            <a:r>
-              <a:rPr lang="en-US" dirty="0" smtClean="0"/>
-              <a:t>Used </a:t>
-            </a:r>
-            <a:r>
-              <a:rPr lang="en-US" dirty="0"/>
-              <a:t>in the development of IBM’s Watson to achieve steady </a:t>
-            </a:r>
-            <a:r>
-              <a:rPr lang="en-US" dirty="0" smtClean="0"/>
-              <a:t>performance </a:t>
-            </a:r>
-            <a:r>
-              <a:rPr lang="en-US" dirty="0"/>
-              <a:t>gains over the four years of its </a:t>
-            </a:r>
-            <a:r>
-              <a:rPr lang="en-US" dirty="0" smtClean="0"/>
-              <a:t>development</a:t>
-            </a:r>
-            <a:endParaRPr lang="en-US" dirty="0"/>
+              <a:t>significant improvement has been achieved in comparison with prior </a:t>
+            </a:r>
+            <a:r>
+              <a:rPr lang="en-US" dirty="0" smtClean="0"/>
+              <a:t>baselines</a:t>
+            </a:r>
           </a:p>
           <a:p>
             <a:endParaRPr lang="en-US" dirty="0"/>
@@ -6061,7 +6049,7 @@
     </p:spTree>
     <p:extLst>
       <p:ext uri="{BB962C8B-B14F-4D97-AF65-F5344CB8AC3E}">
-        <p14:creationId xmlns:p14="http://schemas.microsoft.com/office/powerpoint/2010/main" val="2477052427"/>
+        <p14:creationId xmlns:p14="http://schemas.microsoft.com/office/powerpoint/2010/main" val="1584549060"/>
       </p:ext>
     </p:extLst>
   </p:cSld>
@@ -6078,7 +6066,7 @@
 </p:sld>
 </file>
 
-<file path=ppt/slides/slide18.xml><?xml version="1.0" encoding="utf-8"?>
+<file path=ppt/slides/slide17.xml><?xml version="1.0" encoding="utf-8"?>
 <p:sld xmlns:a="http://schemas.openxmlformats.org/drawingml/2006/main" xmlns:r="http://schemas.openxmlformats.org/officeDocument/2006/relationships" xmlns:p="http://schemas.openxmlformats.org/presentationml/2006/main">
   <p:cSld>
     <p:spTree>
@@ -6105,752 +6093,12 @@
             <p:ph type="title"/>
           </p:nvPr>
         </p:nvSpPr>
-        <p:spPr/>
-        <p:txBody>
-          <a:bodyPr/>
-          <a:lstStyle/>
-          <a:p>
-            <a:r>
-              <a:rPr lang="en-US" dirty="0" smtClean="0"/>
-              <a:t>Open Advancement in a Nutshell</a:t>
-            </a:r>
-            <a:endParaRPr lang="en-US" dirty="0"/>
-          </a:p>
-        </p:txBody>
-      </p:sp>
-      <p:sp>
-        <p:nvSpPr>
-          <p:cNvPr id="3" name="Content Placeholder 2"/>
-          <p:cNvSpPr>
-            <a:spLocks noGrp="1"/>
-          </p:cNvSpPr>
-          <p:nvPr>
-            <p:ph idx="1"/>
-          </p:nvPr>
-        </p:nvSpPr>
-        <p:spPr/>
-        <p:txBody>
-          <a:bodyPr>
-            <a:normAutofit/>
-          </a:bodyPr>
-          <a:lstStyle/>
-          <a:p>
-            <a:pPr marL="457200" indent="-457200">
-              <a:buFont typeface="+mj-lt"/>
-              <a:buAutoNum type="arabicPeriod"/>
-            </a:pPr>
-            <a:r>
-              <a:rPr lang="en-US" b="1" dirty="0" smtClean="0">
-                <a:solidFill>
-                  <a:srgbClr val="953735"/>
-                </a:solidFill>
-              </a:rPr>
-              <a:t>Evaluate </a:t>
-            </a:r>
-            <a:r>
-              <a:rPr lang="en-US" b="1" dirty="0">
-                <a:solidFill>
-                  <a:srgbClr val="953735"/>
-                </a:solidFill>
-              </a:rPr>
-              <a:t>multiple possible solutions to a given </a:t>
-            </a:r>
-            <a:r>
-              <a:rPr lang="en-US" b="1" dirty="0" smtClean="0">
-                <a:solidFill>
-                  <a:srgbClr val="953735"/>
-                </a:solidFill>
-              </a:rPr>
-              <a:t>problem</a:t>
-            </a:r>
-          </a:p>
-          <a:p>
-            <a:pPr lvl="1"/>
-            <a:r>
-              <a:rPr lang="en-US" dirty="0" smtClean="0"/>
-              <a:t>Determine </a:t>
-            </a:r>
-            <a:r>
-              <a:rPr lang="en-US" dirty="0"/>
-              <a:t>the optimal solution available using given components, </a:t>
-            </a:r>
-            <a:r>
-              <a:rPr lang="en-US" dirty="0" smtClean="0"/>
-              <a:t>resources, </a:t>
-            </a:r>
-            <a:r>
-              <a:rPr lang="en-US" dirty="0"/>
-              <a:t>and evaluation </a:t>
-            </a:r>
-            <a:r>
-              <a:rPr lang="en-US" dirty="0" smtClean="0"/>
-              <a:t>data</a:t>
-            </a:r>
-          </a:p>
-          <a:p>
-            <a:pPr marL="457200" indent="-457200">
-              <a:buFont typeface="+mj-lt"/>
-              <a:buAutoNum type="arabicPeriod"/>
-            </a:pPr>
-            <a:r>
-              <a:rPr lang="en-US" b="1" dirty="0" smtClean="0">
-                <a:solidFill>
-                  <a:srgbClr val="953735"/>
-                </a:solidFill>
-              </a:rPr>
-              <a:t>Output </a:t>
-            </a:r>
-            <a:r>
-              <a:rPr lang="en-US" b="1" dirty="0">
-                <a:solidFill>
-                  <a:srgbClr val="953735"/>
-                </a:solidFill>
-              </a:rPr>
-              <a:t>of the optimal solution </a:t>
-            </a:r>
-            <a:r>
-              <a:rPr lang="en-US" b="1" dirty="0" smtClean="0">
-                <a:solidFill>
-                  <a:srgbClr val="953735"/>
-                </a:solidFill>
-              </a:rPr>
-              <a:t>subjected </a:t>
-            </a:r>
-            <a:r>
-              <a:rPr lang="en-US" b="1" dirty="0">
-                <a:solidFill>
-                  <a:srgbClr val="953735"/>
-                </a:solidFill>
-              </a:rPr>
-              <a:t>to error </a:t>
-            </a:r>
-            <a:r>
-              <a:rPr lang="en-US" b="1" dirty="0" smtClean="0">
-                <a:solidFill>
-                  <a:srgbClr val="953735"/>
-                </a:solidFill>
-              </a:rPr>
-              <a:t>analysis</a:t>
-            </a:r>
-          </a:p>
-          <a:p>
-            <a:pPr lvl="1"/>
-            <a:r>
-              <a:rPr lang="en-US" dirty="0" smtClean="0"/>
-              <a:t>Identify </a:t>
-            </a:r>
-            <a:r>
-              <a:rPr lang="en-US" dirty="0"/>
-              <a:t>the most frequent errors with the highest impact </a:t>
-            </a:r>
-            <a:endParaRPr lang="en-US" dirty="0" smtClean="0"/>
-          </a:p>
-          <a:p>
-            <a:pPr lvl="1"/>
-            <a:r>
-              <a:rPr lang="en-US" dirty="0"/>
-              <a:t>C</a:t>
-            </a:r>
-            <a:r>
-              <a:rPr lang="en-US" dirty="0" smtClean="0"/>
-              <a:t>onsider possible enhancements </a:t>
-            </a:r>
-          </a:p>
-          <a:p>
-            <a:pPr lvl="2"/>
-            <a:r>
-              <a:rPr lang="en-US" dirty="0" smtClean="0"/>
-              <a:t>Aim to achieve the </a:t>
-            </a:r>
-            <a:r>
-              <a:rPr lang="en-US" dirty="0"/>
-              <a:t>largest </a:t>
-            </a:r>
-            <a:r>
-              <a:rPr lang="en-US" dirty="0" smtClean="0"/>
-              <a:t>possible </a:t>
-            </a:r>
-            <a:r>
-              <a:rPr lang="en-US" dirty="0"/>
-              <a:t>reduction in error rate by addressing the most </a:t>
-            </a:r>
-            <a:r>
-              <a:rPr lang="en-US" dirty="0" smtClean="0"/>
-              <a:t>frequent error types</a:t>
-            </a:r>
-          </a:p>
-          <a:p>
-            <a:pPr marL="457200" indent="-457200">
-              <a:buFont typeface="+mj-lt"/>
-              <a:buAutoNum type="arabicPeriod"/>
-            </a:pPr>
-            <a:r>
-              <a:rPr lang="en-US" b="1" dirty="0" smtClean="0">
-                <a:solidFill>
-                  <a:srgbClr val="953735"/>
-                </a:solidFill>
-              </a:rPr>
-              <a:t>Evaluate performance </a:t>
-            </a:r>
-            <a:r>
-              <a:rPr lang="en-US" b="1" dirty="0">
-                <a:solidFill>
-                  <a:srgbClr val="953735"/>
-                </a:solidFill>
-              </a:rPr>
-              <a:t>of </a:t>
-            </a:r>
-            <a:r>
-              <a:rPr lang="en-US" b="1" dirty="0" smtClean="0">
-                <a:solidFill>
-                  <a:srgbClr val="953735"/>
-                </a:solidFill>
-              </a:rPr>
-              <a:t>new configurations </a:t>
-            </a:r>
-          </a:p>
-          <a:p>
-            <a:pPr lvl="1"/>
-            <a:r>
-              <a:rPr lang="en-US" dirty="0" smtClean="0"/>
-              <a:t>Determine if a </a:t>
-            </a:r>
-            <a:r>
-              <a:rPr lang="en-US" dirty="0"/>
-              <a:t>significant improvement has been achieved in comparison with prior </a:t>
-            </a:r>
-            <a:r>
-              <a:rPr lang="en-US" dirty="0" smtClean="0"/>
-              <a:t>baselines</a:t>
-            </a:r>
-          </a:p>
-          <a:p>
-            <a:endParaRPr lang="en-US" dirty="0"/>
-          </a:p>
-        </p:txBody>
-      </p:sp>
-    </p:spTree>
-    <p:extLst>
-      <p:ext uri="{BB962C8B-B14F-4D97-AF65-F5344CB8AC3E}">
-        <p14:creationId xmlns:p14="http://schemas.microsoft.com/office/powerpoint/2010/main" val="1584549060"/>
-      </p:ext>
-    </p:extLst>
-  </p:cSld>
-  <p:clrMapOvr>
-    <a:masterClrMapping/>
-  </p:clrMapOvr>
-  <p:timing>
-    <p:tnLst>
-      <p:par>
-        <p:cTn xmlns:p14="http://schemas.microsoft.com/office/powerpoint/2010/main" id="1" dur="indefinite" restart="never" nodeType="tmRoot"/>
-      </p:par>
-    </p:tnLst>
-  </p:timing>
-</p:sld>
-</file>
-
-<file path=ppt/slides/slide19.xml><?xml version="1.0" encoding="utf-8"?>
-<p:sld xmlns:a="http://schemas.openxmlformats.org/drawingml/2006/main" xmlns:r="http://schemas.openxmlformats.org/officeDocument/2006/relationships" xmlns:p="http://schemas.openxmlformats.org/presentationml/2006/main">
-  <p:cSld>
-    <p:spTree>
-      <p:nvGrpSpPr>
-        <p:cNvPr id="1" name=""/>
-        <p:cNvGrpSpPr/>
-        <p:nvPr/>
-      </p:nvGrpSpPr>
-      <p:grpSpPr>
-        <a:xfrm>
-          <a:off x="0" y="0"/>
-          <a:ext cx="0" cy="0"/>
-          <a:chOff x="0" y="0"/>
-          <a:chExt cx="0" cy="0"/>
-        </a:xfrm>
-      </p:grpSpPr>
-      <p:sp>
-        <p:nvSpPr>
-          <p:cNvPr id="2" name="Title 1"/>
-          <p:cNvSpPr>
-            <a:spLocks noGrp="1"/>
-          </p:cNvSpPr>
-          <p:nvPr>
-            <p:ph type="title"/>
-          </p:nvPr>
-        </p:nvSpPr>
-        <p:spPr/>
-        <p:txBody>
-          <a:bodyPr/>
-          <a:lstStyle/>
-          <a:p>
-            <a:r>
-              <a:rPr lang="en-US" dirty="0"/>
-              <a:t>Resource Access </a:t>
-            </a:r>
-          </a:p>
-        </p:txBody>
-      </p:sp>
-      <p:sp>
-        <p:nvSpPr>
-          <p:cNvPr id="3" name="Content Placeholder 2"/>
-          <p:cNvSpPr>
-            <a:spLocks noGrp="1"/>
-          </p:cNvSpPr>
-          <p:nvPr>
-            <p:ph idx="1"/>
-          </p:nvPr>
-        </p:nvSpPr>
-        <p:spPr/>
-        <p:txBody>
-          <a:bodyPr/>
-          <a:lstStyle/>
-          <a:p>
-            <a:endParaRPr lang="en-US" dirty="0"/>
-          </a:p>
-        </p:txBody>
-      </p:sp>
-    </p:spTree>
-    <p:extLst>
-      <p:ext uri="{BB962C8B-B14F-4D97-AF65-F5344CB8AC3E}">
-        <p14:creationId xmlns:p14="http://schemas.microsoft.com/office/powerpoint/2010/main" val="3958955670"/>
-      </p:ext>
-    </p:extLst>
-  </p:cSld>
-  <p:clrMapOvr>
-    <a:masterClrMapping/>
-  </p:clrMapOvr>
-  <p:timing>
-    <p:tnLst>
-      <p:par>
-        <p:cTn xmlns:p14="http://schemas.microsoft.com/office/powerpoint/2010/main" id="1" dur="indefinite" restart="never" nodeType="tmRoot"/>
-      </p:par>
-    </p:tnLst>
-  </p:timing>
-</p:sld>
-</file>
-
-<file path=ppt/slides/slide2.xml><?xml version="1.0" encoding="utf-8"?>
-<p:sld xmlns:a="http://schemas.openxmlformats.org/drawingml/2006/main" xmlns:r="http://schemas.openxmlformats.org/officeDocument/2006/relationships" xmlns:p="http://schemas.openxmlformats.org/presentationml/2006/main">
-  <p:cSld>
-    <p:spTree>
-      <p:nvGrpSpPr>
-        <p:cNvPr id="1" name=""/>
-        <p:cNvGrpSpPr/>
-        <p:nvPr/>
-      </p:nvGrpSpPr>
-      <p:grpSpPr>
-        <a:xfrm>
-          <a:off x="0" y="0"/>
-          <a:ext cx="0" cy="0"/>
-          <a:chOff x="0" y="0"/>
-          <a:chExt cx="0" cy="0"/>
-        </a:xfrm>
-      </p:grpSpPr>
-      <p:sp>
-        <p:nvSpPr>
-          <p:cNvPr id="2" name="Title 1"/>
-          <p:cNvSpPr>
-            <a:spLocks noGrp="1"/>
-          </p:cNvSpPr>
-          <p:nvPr>
-            <p:ph type="title"/>
-          </p:nvPr>
-        </p:nvSpPr>
-        <p:spPr/>
-        <p:txBody>
-          <a:bodyPr/>
-          <a:lstStyle/>
-          <a:p>
-            <a:r>
-              <a:rPr lang="en-US" dirty="0" smtClean="0"/>
-              <a:t>Today’s Outline</a:t>
-            </a:r>
-            <a:endParaRPr lang="en-US" dirty="0"/>
-          </a:p>
-        </p:txBody>
-      </p:sp>
-      <p:sp>
-        <p:nvSpPr>
-          <p:cNvPr id="3" name="Content Placeholder 2"/>
-          <p:cNvSpPr>
-            <a:spLocks noGrp="1"/>
-          </p:cNvSpPr>
-          <p:nvPr>
-            <p:ph idx="1"/>
-          </p:nvPr>
-        </p:nvSpPr>
         <p:spPr>
           <a:xfrm>
-            <a:off x="552788" y="1199138"/>
-            <a:ext cx="8229600" cy="4980317"/>
+            <a:off x="457200" y="28509"/>
+            <a:ext cx="8229600" cy="1143000"/>
           </a:xfrm>
         </p:spPr>
-        <p:txBody>
-          <a:bodyPr>
-            <a:noAutofit/>
-          </a:bodyPr>
-          <a:lstStyle/>
-          <a:p>
-            <a:pPr marL="0" indent="0">
-              <a:lnSpc>
-                <a:spcPct val="90000"/>
-              </a:lnSpc>
-              <a:buNone/>
-            </a:pPr>
-            <a:r>
-              <a:rPr lang="en-US" sz="1800" dirty="0"/>
-              <a:t>Part I. </a:t>
-            </a:r>
-            <a:r>
-              <a:rPr lang="en-US" sz="1800" dirty="0" smtClean="0"/>
-              <a:t>Introduction</a:t>
-            </a:r>
-          </a:p>
-          <a:p>
-            <a:pPr marL="857250" lvl="1" indent="-457200">
-              <a:lnSpc>
-                <a:spcPct val="90000"/>
-              </a:lnSpc>
-              <a:buFont typeface="+mj-lt"/>
-              <a:buAutoNum type="arabicPeriod"/>
-            </a:pPr>
-            <a:r>
-              <a:rPr lang="en-US" sz="1600" dirty="0" smtClean="0"/>
-              <a:t>The </a:t>
-            </a:r>
-            <a:r>
-              <a:rPr lang="en-US" sz="1600" dirty="0"/>
-              <a:t>LAPPS </a:t>
-            </a:r>
-            <a:r>
-              <a:rPr lang="en-US" sz="1600" dirty="0" smtClean="0"/>
-              <a:t>Grid</a:t>
-            </a:r>
-          </a:p>
-          <a:p>
-            <a:pPr marL="800100" lvl="2" indent="0">
-              <a:lnSpc>
-                <a:spcPct val="90000"/>
-              </a:lnSpc>
-              <a:buNone/>
-            </a:pPr>
-            <a:r>
-              <a:rPr lang="en-US" sz="1400" i="1" dirty="0" smtClean="0"/>
-              <a:t>Nancy Ide, James </a:t>
-            </a:r>
-            <a:r>
-              <a:rPr lang="en-US" sz="1400" i="1" dirty="0" err="1" smtClean="0"/>
-              <a:t>Pustejovsky</a:t>
-            </a:r>
-            <a:r>
-              <a:rPr lang="en-US" sz="1400" i="1" dirty="0" smtClean="0"/>
-              <a:t>, Chris </a:t>
-            </a:r>
-            <a:r>
-              <a:rPr lang="en-US" sz="1400" i="1" dirty="0" err="1" smtClean="0"/>
-              <a:t>Cieri</a:t>
-            </a:r>
-            <a:r>
-              <a:rPr lang="en-US" sz="1400" i="1" dirty="0" smtClean="0"/>
-              <a:t>, Denise </a:t>
-            </a:r>
-            <a:r>
-              <a:rPr lang="en-US" sz="1400" i="1" dirty="0" err="1" smtClean="0"/>
-              <a:t>DiPersio</a:t>
-            </a:r>
-            <a:r>
-              <a:rPr lang="en-US" sz="1400" i="1" dirty="0" smtClean="0"/>
-              <a:t> </a:t>
-            </a:r>
-            <a:endParaRPr lang="en-US" sz="1200" dirty="0" smtClean="0"/>
-          </a:p>
-          <a:p>
-            <a:pPr marL="1257300" lvl="2" indent="-457200">
-              <a:lnSpc>
-                <a:spcPct val="90000"/>
-              </a:lnSpc>
-            </a:pPr>
-            <a:r>
-              <a:rPr lang="en-US" sz="1400" dirty="0" smtClean="0"/>
-              <a:t>Project </a:t>
-            </a:r>
-            <a:r>
-              <a:rPr lang="en-US" sz="1400" dirty="0"/>
-              <a:t>overview</a:t>
-            </a:r>
-            <a:endParaRPr lang="en-US" sz="800" dirty="0"/>
-          </a:p>
-          <a:p>
-            <a:pPr marL="1257300" lvl="2" indent="-457200">
-              <a:lnSpc>
-                <a:spcPct val="90000"/>
-              </a:lnSpc>
-            </a:pPr>
-            <a:r>
-              <a:rPr lang="en-US" sz="1400" dirty="0" smtClean="0"/>
-              <a:t>Architecture</a:t>
-            </a:r>
-            <a:endParaRPr lang="en-US" sz="800" dirty="0"/>
-          </a:p>
-          <a:p>
-            <a:pPr marL="1714500" lvl="3" indent="-457200">
-              <a:lnSpc>
-                <a:spcPct val="90000"/>
-              </a:lnSpc>
-            </a:pPr>
-            <a:r>
-              <a:rPr lang="en-US" sz="1200" dirty="0" smtClean="0"/>
-              <a:t>Core </a:t>
-            </a:r>
-            <a:r>
-              <a:rPr lang="en-US" sz="1200" dirty="0"/>
-              <a:t>nodes and distributed services </a:t>
-            </a:r>
-            <a:endParaRPr lang="en-US" sz="700" dirty="0"/>
-          </a:p>
-          <a:p>
-            <a:pPr marL="1714500" lvl="3" indent="-457200">
-              <a:lnSpc>
-                <a:spcPct val="90000"/>
-              </a:lnSpc>
-            </a:pPr>
-            <a:r>
-              <a:rPr lang="en-US" sz="1200" dirty="0" smtClean="0"/>
-              <a:t>The </a:t>
-            </a:r>
-            <a:r>
-              <a:rPr lang="en-US" sz="1200" dirty="0"/>
-              <a:t>composer platform</a:t>
-            </a:r>
-            <a:endParaRPr lang="en-US" sz="700" dirty="0"/>
-          </a:p>
-          <a:p>
-            <a:pPr marL="1714500" lvl="3" indent="-457200">
-              <a:lnSpc>
-                <a:spcPct val="90000"/>
-              </a:lnSpc>
-            </a:pPr>
-            <a:r>
-              <a:rPr lang="en-US" sz="1200" dirty="0" smtClean="0"/>
-              <a:t>Licensing </a:t>
-            </a:r>
-            <a:endParaRPr lang="en-US" sz="700" dirty="0"/>
-          </a:p>
-          <a:p>
-            <a:pPr marL="1257300" lvl="2" indent="-457200">
-              <a:lnSpc>
-                <a:spcPct val="90000"/>
-              </a:lnSpc>
-            </a:pPr>
-            <a:r>
-              <a:rPr lang="en-US" sz="1400" dirty="0" smtClean="0"/>
-              <a:t>Available </a:t>
-            </a:r>
-            <a:r>
-              <a:rPr lang="en-US" sz="1400" dirty="0"/>
-              <a:t>services</a:t>
-            </a:r>
-            <a:endParaRPr lang="en-US" sz="800" dirty="0"/>
-          </a:p>
-          <a:p>
-            <a:pPr marL="1714500" lvl="3" indent="-457200">
-              <a:lnSpc>
-                <a:spcPct val="90000"/>
-              </a:lnSpc>
-            </a:pPr>
-            <a:r>
-              <a:rPr lang="en-US" sz="1200" dirty="0" smtClean="0"/>
-              <a:t>Data </a:t>
-            </a:r>
-            <a:r>
-              <a:rPr lang="en-US" sz="1200" dirty="0"/>
-              <a:t>sources</a:t>
-            </a:r>
-            <a:endParaRPr lang="en-US" sz="700" dirty="0"/>
-          </a:p>
-          <a:p>
-            <a:pPr marL="1714500" lvl="3" indent="-457200">
-              <a:lnSpc>
-                <a:spcPct val="90000"/>
-              </a:lnSpc>
-            </a:pPr>
-            <a:r>
-              <a:rPr lang="en-US" sz="1200" dirty="0" smtClean="0"/>
-              <a:t>NLP </a:t>
-            </a:r>
-            <a:r>
-              <a:rPr lang="en-US" sz="1200" dirty="0"/>
-              <a:t>components</a:t>
-            </a:r>
-            <a:endParaRPr lang="en-US" sz="700" dirty="0"/>
-          </a:p>
-          <a:p>
-            <a:pPr marL="1714500" lvl="3" indent="-457200">
-              <a:lnSpc>
-                <a:spcPct val="90000"/>
-              </a:lnSpc>
-            </a:pPr>
-            <a:r>
-              <a:rPr lang="en-US" sz="1200" dirty="0" smtClean="0"/>
-              <a:t>Open </a:t>
-            </a:r>
-            <a:r>
-              <a:rPr lang="en-US" sz="1200" dirty="0"/>
-              <a:t>Advancement evaluation </a:t>
-            </a:r>
-            <a:r>
-              <a:rPr lang="en-US" sz="1200" dirty="0" smtClean="0"/>
-              <a:t>services</a:t>
-            </a:r>
-          </a:p>
-          <a:p>
-            <a:pPr marL="857250" lvl="1" indent="-457200">
-              <a:lnSpc>
-                <a:spcPct val="90000"/>
-              </a:lnSpc>
-              <a:buFont typeface="+mj-lt"/>
-              <a:buAutoNum type="arabicPeriod"/>
-            </a:pPr>
-            <a:r>
-              <a:rPr lang="en-US" sz="1600" dirty="0"/>
-              <a:t>Overview of LAPPS web service technology</a:t>
-            </a:r>
-          </a:p>
-          <a:p>
-            <a:pPr marL="400050" lvl="1" indent="0">
-              <a:lnSpc>
-                <a:spcPct val="90000"/>
-              </a:lnSpc>
-              <a:buNone/>
-            </a:pPr>
-            <a:r>
-              <a:rPr lang="en-US" sz="1600" i="1" dirty="0"/>
-              <a:t>	      </a:t>
-            </a:r>
-            <a:r>
-              <a:rPr lang="en-US" sz="1400" i="1" dirty="0"/>
-              <a:t> Nancy Ide</a:t>
-            </a:r>
-          </a:p>
-          <a:p>
-            <a:pPr lvl="2" indent="-342900">
-              <a:lnSpc>
-                <a:spcPct val="90000"/>
-              </a:lnSpc>
-            </a:pPr>
-            <a:r>
-              <a:rPr lang="en-US" sz="1400" dirty="0"/>
-              <a:t>How LAPPS web services work: communication </a:t>
-            </a:r>
-          </a:p>
-          <a:p>
-            <a:pPr lvl="3" indent="-342900">
-              <a:lnSpc>
-                <a:spcPct val="90000"/>
-              </a:lnSpc>
-            </a:pPr>
-            <a:r>
-              <a:rPr lang="en-US" sz="1200" dirty="0"/>
-              <a:t>Protocols and wrappers </a:t>
-            </a:r>
-          </a:p>
-          <a:p>
-            <a:pPr lvl="3" indent="-342900">
-              <a:lnSpc>
-                <a:spcPct val="90000"/>
-              </a:lnSpc>
-            </a:pPr>
-            <a:r>
-              <a:rPr lang="en-US" sz="1200" dirty="0"/>
-              <a:t>Data interchange: JSON and JSON-LD for syntactic interoperability</a:t>
-            </a:r>
-          </a:p>
-          <a:p>
-            <a:pPr lvl="3" indent="-342900">
-              <a:lnSpc>
-                <a:spcPct val="90000"/>
-              </a:lnSpc>
-            </a:pPr>
-            <a:r>
-              <a:rPr lang="en-US" sz="1200" dirty="0"/>
-              <a:t>Data interchange: issues and options for semantic interoperability (LAPPS Web Service Exchange </a:t>
-            </a:r>
-            <a:r>
-              <a:rPr lang="en-US" sz="1200" dirty="0" smtClean="0"/>
-              <a:t>Vocabulary)</a:t>
-            </a:r>
-            <a:endParaRPr lang="en-US" sz="1200" dirty="0"/>
-          </a:p>
-          <a:p>
-            <a:pPr lvl="2" indent="-342900">
-              <a:lnSpc>
-                <a:spcPct val="90000"/>
-              </a:lnSpc>
-            </a:pPr>
-            <a:r>
-              <a:rPr lang="en-US" sz="1400" dirty="0"/>
-              <a:t>Advantages of web services for NLP applications</a:t>
-            </a:r>
-            <a:endParaRPr lang="en-US" sz="1200" dirty="0"/>
-          </a:p>
-          <a:p>
-            <a:pPr marL="1714500" lvl="3" indent="-457200">
-              <a:lnSpc>
-                <a:spcPct val="90000"/>
-              </a:lnSpc>
-            </a:pPr>
-            <a:endParaRPr lang="en-US" sz="1200" dirty="0" smtClean="0"/>
-          </a:p>
-          <a:p>
-            <a:pPr marL="800100" lvl="2" indent="0">
-              <a:lnSpc>
-                <a:spcPct val="90000"/>
-              </a:lnSpc>
-              <a:buNone/>
-            </a:pPr>
-            <a:endParaRPr lang="en-US" sz="1400" dirty="0"/>
-          </a:p>
-        </p:txBody>
-      </p:sp>
-    </p:spTree>
-    <p:extLst>
-      <p:ext uri="{BB962C8B-B14F-4D97-AF65-F5344CB8AC3E}">
-        <p14:creationId xmlns:p14="http://schemas.microsoft.com/office/powerpoint/2010/main" val="2404281558"/>
-      </p:ext>
-    </p:extLst>
-  </p:cSld>
-  <p:clrMapOvr>
-    <a:masterClrMapping/>
-  </p:clrMapOvr>
-</p:sld>
-</file>
-
-<file path=ppt/slides/slide20.xml><?xml version="1.0" encoding="utf-8"?>
-<p:sld xmlns:a="http://schemas.openxmlformats.org/drawingml/2006/main" xmlns:r="http://schemas.openxmlformats.org/officeDocument/2006/relationships" xmlns:p="http://schemas.openxmlformats.org/presentationml/2006/main">
-  <p:cSld>
-    <p:spTree>
-      <p:nvGrpSpPr>
-        <p:cNvPr id="1" name=""/>
-        <p:cNvGrpSpPr/>
-        <p:nvPr/>
-      </p:nvGrpSpPr>
-      <p:grpSpPr>
-        <a:xfrm>
-          <a:off x="0" y="0"/>
-          <a:ext cx="0" cy="0"/>
-          <a:chOff x="0" y="0"/>
-          <a:chExt cx="0" cy="0"/>
-        </a:xfrm>
-      </p:grpSpPr>
-      <p:sp>
-        <p:nvSpPr>
-          <p:cNvPr id="2" name="Title 1"/>
-          <p:cNvSpPr>
-            <a:spLocks noGrp="1"/>
-          </p:cNvSpPr>
-          <p:nvPr>
-            <p:ph type="title"/>
-          </p:nvPr>
-        </p:nvSpPr>
-        <p:spPr/>
         <p:txBody>
           <a:bodyPr/>
           <a:lstStyle/>
@@ -6882,7 +6130,7 @@
         </p:spPr>
         <p:txBody>
           <a:bodyPr vert="horz" lIns="91440" tIns="45720" rIns="91440" bIns="45720" rtlCol="0">
-            <a:normAutofit fontScale="77500" lnSpcReduction="20000"/>
+            <a:normAutofit fontScale="85000" lnSpcReduction="20000"/>
           </a:bodyPr>
           <a:lstStyle>
             <a:lvl1pPr marL="342900" indent="-342900" algn="l" defTabSz="457200" rtl="0" eaLnBrk="1" latinLnBrk="0" hangingPunct="1">
@@ -7043,9 +6291,27 @@
               </a:lnSpc>
             </a:pPr>
             <a:r>
+              <a:rPr lang="en-US" b="1" dirty="0" smtClean="0">
+                <a:solidFill>
+                  <a:schemeClr val="accent2">
+                    <a:lumMod val="50000"/>
+                  </a:schemeClr>
+                </a:solidFill>
+              </a:rPr>
+              <a:t>Prototype of eventual LAPPS functionality</a:t>
+            </a:r>
+          </a:p>
+          <a:p>
+            <a:pPr>
+              <a:lnSpc>
+                <a:spcPct val="120000"/>
+              </a:lnSpc>
+            </a:pPr>
+            <a:r>
               <a:rPr lang="en-US" dirty="0" smtClean="0"/>
               <a:t>Composer </a:t>
             </a:r>
+            <a:endParaRPr lang="en-US" dirty="0" smtClean="0"/>
           </a:p>
           <a:p>
             <a:pPr lvl="1">
@@ -7066,7 +6332,46 @@
             </a:pPr>
             <a:r>
               <a:rPr lang="en-US" dirty="0" smtClean="0"/>
-              <a:t>register/delete LAPPS data sources and web services</a:t>
+              <a:t>register/delete LAPPS data sources and web </a:t>
+            </a:r>
+            <a:r>
+              <a:rPr lang="en-US" dirty="0" smtClean="0"/>
+              <a:t>services, choose </a:t>
+            </a:r>
+            <a:r>
+              <a:rPr lang="en-US" dirty="0" smtClean="0"/>
+              <a:t>a registered data source as the input </a:t>
+            </a:r>
+            <a:r>
+              <a:rPr lang="en-US" dirty="0" smtClean="0"/>
+              <a:t>document, edit </a:t>
+            </a:r>
+            <a:r>
+              <a:rPr lang="en-US" dirty="0" smtClean="0"/>
+              <a:t>ad-hoc text documents to serve as </a:t>
+            </a:r>
+            <a:r>
+              <a:rPr lang="en-US" dirty="0" smtClean="0"/>
+              <a:t>input, browse</a:t>
+            </a:r>
+            <a:r>
+              <a:rPr lang="en-US" dirty="0" smtClean="0"/>
+              <a:t>/filter/select available services</a:t>
+            </a:r>
+          </a:p>
+          <a:p>
+            <a:pPr lvl="1">
+              <a:lnSpc>
+                <a:spcPct val="120000"/>
+              </a:lnSpc>
+            </a:pPr>
+            <a:r>
+              <a:rPr lang="en-US" dirty="0" smtClean="0"/>
+              <a:t>Initial prototype of open advancement for </a:t>
+            </a:r>
+            <a:r>
+              <a:rPr lang="en-US" dirty="0" smtClean="0"/>
+              <a:t>LAPPS </a:t>
             </a:r>
           </a:p>
           <a:p>
@@ -7077,8 +6382,60 @@
             </a:pPr>
             <a:r>
               <a:rPr lang="en-US" dirty="0" smtClean="0"/>
-              <a:t>choose a registered data source as the input document  </a:t>
-            </a:r>
+              <a:t>supports </a:t>
+            </a:r>
+            <a:r>
+              <a:rPr lang="en-US" dirty="0" smtClean="0"/>
+              <a:t>drag</a:t>
+            </a:r>
+            <a:r>
+              <a:rPr lang="en-US" dirty="0" smtClean="0"/>
+              <a:t>/drop/re-order/group atomic services to create service </a:t>
+            </a:r>
+            <a:r>
+              <a:rPr lang="en-US" dirty="0" smtClean="0"/>
+              <a:t>pipelines, run </a:t>
+            </a:r>
+            <a:r>
+              <a:rPr lang="en-US" dirty="0" smtClean="0"/>
+              <a:t>services in parallel for "options" </a:t>
+            </a:r>
+            <a:r>
+              <a:rPr lang="en-US" dirty="0" smtClean="0"/>
+              <a:t>group, run </a:t>
+            </a:r>
+            <a:r>
+              <a:rPr lang="en-US" dirty="0" smtClean="0"/>
+              <a:t>services sequentially for "phases" group (the main pipeline is under "phases" group by default)</a:t>
+            </a:r>
+          </a:p>
+          <a:p>
+            <a:pPr lvl="1">
+              <a:lnSpc>
+                <a:spcPct val="120000"/>
+              </a:lnSpc>
+            </a:pPr>
+            <a:r>
+              <a:rPr lang="nb-NO" dirty="0" err="1" smtClean="0"/>
+              <a:t>Built</a:t>
+            </a:r>
+            <a:r>
+              <a:rPr lang="nb-NO" dirty="0" smtClean="0"/>
+              <a:t>-in </a:t>
+            </a:r>
+            <a:r>
+              <a:rPr lang="nb-NO" dirty="0" err="1" smtClean="0"/>
+              <a:t>evaluation</a:t>
+            </a:r>
+            <a:r>
+              <a:rPr lang="nb-NO" dirty="0" smtClean="0"/>
+              <a:t> </a:t>
+            </a:r>
+            <a:r>
+              <a:rPr lang="nb-NO" dirty="0" err="1" smtClean="0"/>
+              <a:t>function</a:t>
+            </a:r>
+            <a:endParaRPr lang="nb-NO" dirty="0" smtClean="0"/>
           </a:p>
           <a:p>
             <a:pPr lvl="2">
@@ -7087,82 +6444,8 @@
               </a:lnSpc>
             </a:pPr>
             <a:r>
-              <a:rPr lang="en-US" dirty="0" smtClean="0"/>
-              <a:t>edit ad-hoc text documents to serve as input</a:t>
-            </a:r>
-          </a:p>
-          <a:p>
-            <a:pPr lvl="2">
-              <a:lnSpc>
-                <a:spcPct val="120000"/>
-              </a:lnSpc>
-            </a:pPr>
-            <a:r>
-              <a:rPr lang="en-US" dirty="0" smtClean="0"/>
-              <a:t>browse/filter/select available services</a:t>
-            </a:r>
-          </a:p>
-          <a:p>
-            <a:pPr lvl="1">
-              <a:lnSpc>
-                <a:spcPct val="120000"/>
-              </a:lnSpc>
-            </a:pPr>
-            <a:r>
-              <a:rPr lang="en-US" dirty="0" smtClean="0"/>
-              <a:t>Initial prototype of open advancement for LAPPS supports:</a:t>
-            </a:r>
-          </a:p>
-          <a:p>
-            <a:pPr lvl="2">
-              <a:lnSpc>
-                <a:spcPct val="120000"/>
-              </a:lnSpc>
-            </a:pPr>
-            <a:r>
-              <a:rPr lang="en-US" dirty="0" smtClean="0"/>
-              <a:t>drag/drop/re-order/group atomic services to create service pipelines</a:t>
-            </a:r>
-          </a:p>
-          <a:p>
-            <a:pPr lvl="2">
-              <a:lnSpc>
-                <a:spcPct val="120000"/>
-              </a:lnSpc>
-            </a:pPr>
-            <a:r>
-              <a:rPr lang="en-US" dirty="0" smtClean="0"/>
-              <a:t>run services in parallel for "options" group</a:t>
-            </a:r>
-          </a:p>
-          <a:p>
-            <a:pPr lvl="2">
-              <a:lnSpc>
-                <a:spcPct val="120000"/>
-              </a:lnSpc>
-            </a:pPr>
-            <a:r>
-              <a:rPr lang="en-US" dirty="0" smtClean="0"/>
-              <a:t>run services sequentially for "phases" group (the main pipeline is under "phases" group by default)</a:t>
-            </a:r>
-          </a:p>
-          <a:p>
-            <a:pPr lvl="1">
-              <a:lnSpc>
-                <a:spcPct val="120000"/>
-              </a:lnSpc>
-            </a:pPr>
-            <a:r>
               <a:rPr lang="nb-NO" dirty="0" err="1" smtClean="0"/>
-              <a:t>Built</a:t>
-            </a:r>
-            <a:r>
-              <a:rPr lang="nb-NO" dirty="0" smtClean="0"/>
-              <a:t>-in </a:t>
-            </a:r>
-            <a:r>
-              <a:rPr lang="nb-NO" dirty="0" err="1" smtClean="0"/>
-              <a:t>evaluation</a:t>
+              <a:t>click</a:t>
             </a:r>
             <a:r>
               <a:rPr lang="nb-NO" dirty="0" smtClean="0"/>
@@ -7170,19 +6453,7 @@
             </a:r>
             <a:r>
               <a:rPr lang="nb-NO" dirty="0" err="1" smtClean="0"/>
-              <a:t>function</a:t>
-            </a:r>
-            <a:endParaRPr lang="nb-NO" dirty="0" smtClean="0"/>
-          </a:p>
-          <a:p>
-            <a:pPr lvl="2">
-              <a:lnSpc>
-                <a:spcPct val="120000"/>
-              </a:lnSpc>
-            </a:pPr>
-            <a:r>
-              <a:rPr lang="nb-NO" dirty="0" err="1" smtClean="0"/>
-              <a:t>click</a:t>
+              <a:t>intermediate</a:t>
             </a:r>
             <a:r>
               <a:rPr lang="nb-NO" dirty="0" smtClean="0"/>
@@ -7190,7 +6461,39 @@
             </a:r>
             <a:r>
               <a:rPr lang="nb-NO" dirty="0" err="1" smtClean="0"/>
-              <a:t>intermediate</a:t>
+              <a:t>steps</a:t>
+            </a:r>
+            <a:r>
+              <a:rPr lang="nb-NO" dirty="0" smtClean="0"/>
+              <a:t> in </a:t>
+            </a:r>
+            <a:r>
+              <a:rPr lang="nb-NO" dirty="0" err="1" smtClean="0"/>
+              <a:t>the</a:t>
+            </a:r>
+            <a:r>
+              <a:rPr lang="nb-NO" dirty="0" smtClean="0"/>
+              <a:t> trace </a:t>
+            </a:r>
+            <a:r>
+              <a:rPr lang="nb-NO" dirty="0" err="1" smtClean="0"/>
+              <a:t>tree</a:t>
+            </a:r>
+            <a:r>
+              <a:rPr lang="nb-NO" dirty="0" smtClean="0"/>
+              <a:t> to </a:t>
+            </a:r>
+            <a:r>
+              <a:rPr lang="nb-NO" dirty="0" err="1" smtClean="0"/>
+              <a:t>view</a:t>
+            </a:r>
+            <a:r>
+              <a:rPr lang="nb-NO" dirty="0" smtClean="0"/>
+              <a:t> JSON output for </a:t>
+            </a:r>
+            <a:r>
+              <a:rPr lang="nb-NO" dirty="0" err="1" smtClean="0"/>
+              <a:t>that</a:t>
             </a:r>
             <a:r>
               <a:rPr lang="nb-NO" dirty="0" smtClean="0"/>
@@ -7198,39 +6501,15 @@
             </a:r>
             <a:r>
               <a:rPr lang="nb-NO" dirty="0" err="1" smtClean="0"/>
-              <a:t>steps</a:t>
+              <a:t>step</a:t>
             </a:r>
             <a:r>
               <a:rPr lang="nb-NO" dirty="0" smtClean="0"/>
-              <a:t> in </a:t>
+              <a:t>, </a:t>
             </a:r>
             <a:r>
               <a:rPr lang="nb-NO" dirty="0" err="1" smtClean="0"/>
-              <a:t>the</a:t>
-            </a:r>
-            <a:r>
-              <a:rPr lang="nb-NO" dirty="0" smtClean="0"/>
-              <a:t> trace </a:t>
-            </a:r>
-            <a:r>
-              <a:rPr lang="nb-NO" dirty="0" err="1" smtClean="0"/>
-              <a:t>tree</a:t>
-            </a:r>
-            <a:r>
-              <a:rPr lang="nb-NO" dirty="0" smtClean="0"/>
-              <a:t> to </a:t>
-            </a:r>
-            <a:r>
-              <a:rPr lang="nb-NO" dirty="0" err="1" smtClean="0"/>
-              <a:t>view</a:t>
-            </a:r>
-            <a:r>
-              <a:rPr lang="nb-NO" dirty="0" smtClean="0"/>
-              <a:t> JSON output for </a:t>
-            </a:r>
-            <a:r>
-              <a:rPr lang="nb-NO" dirty="0" err="1" smtClean="0"/>
-              <a:t>that</a:t>
+              <a:t>specify</a:t>
             </a:r>
             <a:r>
               <a:rPr lang="nb-NO" dirty="0" smtClean="0"/>
@@ -7238,19 +6517,15 @@
             </a:r>
             <a:r>
               <a:rPr lang="nb-NO" dirty="0" err="1" smtClean="0"/>
-              <a:t>step</a:t>
-            </a:r>
-            <a:endParaRPr lang="nb-NO" dirty="0" smtClean="0"/>
-          </a:p>
-          <a:p>
-            <a:pPr lvl="2">
-              <a:lnSpc>
-                <a:spcPct val="120000"/>
-              </a:lnSpc>
-            </a:pPr>
+              <a:t>annotation</a:t>
+            </a:r>
+            <a:r>
+              <a:rPr lang="nb-NO" dirty="0" smtClean="0"/>
+              <a:t> type, gold standard producer (</a:t>
+            </a:r>
             <a:r>
               <a:rPr lang="nb-NO" dirty="0" err="1" smtClean="0"/>
-              <a:t>specify</a:t>
+              <a:t>annotator</a:t>
             </a:r>
             <a:r>
               <a:rPr lang="nb-NO" dirty="0" smtClean="0"/>
@@ -7258,55 +6533,39 @@
             </a:r>
             <a:r>
               <a:rPr lang="nb-NO" dirty="0" err="1" smtClean="0"/>
-              <a:t>annotation</a:t>
+              <a:t>name</a:t>
             </a:r>
             <a:r>
               <a:rPr lang="nb-NO" dirty="0" smtClean="0"/>
-              <a:t> type, gold standard producer (</a:t>
+              <a:t>), and </a:t>
             </a:r>
             <a:r>
               <a:rPr lang="nb-NO" dirty="0" err="1" smtClean="0"/>
-              <a:t>annotator</a:t>
+              <a:t>prediction</a:t>
+            </a:r>
+            <a:r>
+              <a:rPr lang="nb-NO" dirty="0" smtClean="0"/>
+              <a:t> producer to </a:t>
+            </a:r>
+            <a:r>
+              <a:rPr lang="nb-NO" dirty="0" err="1" smtClean="0"/>
+              <a:t>evaluate</a:t>
+            </a:r>
+            <a:r>
+              <a:rPr lang="nb-NO" dirty="0" smtClean="0"/>
+              <a:t>, </a:t>
+            </a:r>
+            <a:r>
+              <a:rPr lang="nb-NO" dirty="0" err="1" smtClean="0"/>
+              <a:t>generate</a:t>
             </a:r>
             <a:r>
               <a:rPr lang="nb-NO" dirty="0" smtClean="0"/>
               <a:t> </a:t>
             </a:r>
             <a:r>
-              <a:rPr lang="nb-NO" dirty="0" err="1" smtClean="0"/>
-              <a:t>name</a:t>
-            </a:r>
-            <a:r>
               <a:rPr lang="nb-NO" dirty="0" smtClean="0"/>
-              <a:t>), and </a:t>
-            </a:r>
-            <a:r>
-              <a:rPr lang="nb-NO" dirty="0" err="1" smtClean="0"/>
-              <a:t>prediction</a:t>
-            </a:r>
-            <a:r>
-              <a:rPr lang="nb-NO" dirty="0" smtClean="0"/>
-              <a:t> producer to </a:t>
-            </a:r>
-            <a:r>
-              <a:rPr lang="nb-NO" dirty="0" err="1" smtClean="0"/>
-              <a:t>evaluate</a:t>
-            </a:r>
-            <a:endParaRPr lang="nb-NO" dirty="0" smtClean="0"/>
-          </a:p>
-          <a:p>
-            <a:pPr lvl="2">
-              <a:lnSpc>
-                <a:spcPct val="120000"/>
-              </a:lnSpc>
-            </a:pPr>
-            <a:r>
-              <a:rPr lang="nb-NO" dirty="0" err="1" smtClean="0"/>
-              <a:t>generate</a:t>
-            </a:r>
-            <a:r>
-              <a:rPr lang="nb-NO" dirty="0" smtClean="0"/>
-              <a:t> an </a:t>
+              <a:t>an </a:t>
             </a:r>
             <a:r>
               <a:rPr lang="nb-NO" dirty="0" err="1" smtClean="0"/>
@@ -7468,6 +6727,997 @@
     <p:extLst>
       <p:ext uri="{BB962C8B-B14F-4D97-AF65-F5344CB8AC3E}">
         <p14:creationId xmlns:p14="http://schemas.microsoft.com/office/powerpoint/2010/main" val="2613517983"/>
+      </p:ext>
+    </p:extLst>
+  </p:cSld>
+  <p:clrMapOvr>
+    <a:masterClrMapping/>
+  </p:clrMapOvr>
+</p:sld>
+</file>
+
+<file path=ppt/slides/slide18.xml><?xml version="1.0" encoding="utf-8"?>
+<p:sld xmlns:a="http://schemas.openxmlformats.org/drawingml/2006/main" xmlns:r="http://schemas.openxmlformats.org/officeDocument/2006/relationships" xmlns:p="http://schemas.openxmlformats.org/presentationml/2006/main">
+  <p:cSld>
+    <p:spTree>
+      <p:nvGrpSpPr>
+        <p:cNvPr id="1" name=""/>
+        <p:cNvGrpSpPr/>
+        <p:nvPr/>
+      </p:nvGrpSpPr>
+      <p:grpSpPr>
+        <a:xfrm>
+          <a:off x="0" y="0"/>
+          <a:ext cx="0" cy="0"/>
+          <a:chOff x="0" y="0"/>
+          <a:chExt cx="0" cy="0"/>
+        </a:xfrm>
+      </p:grpSpPr>
+      <p:sp>
+        <p:nvSpPr>
+          <p:cNvPr id="2" name="Title 1"/>
+          <p:cNvSpPr>
+            <a:spLocks noGrp="1"/>
+          </p:cNvSpPr>
+          <p:nvPr>
+            <p:ph type="title"/>
+          </p:nvPr>
+        </p:nvSpPr>
+        <p:spPr/>
+        <p:txBody>
+          <a:bodyPr/>
+          <a:lstStyle/>
+          <a:p>
+            <a:r>
+              <a:rPr lang="en-US" dirty="0" smtClean="0"/>
+              <a:t>Current State of the Project</a:t>
+            </a:r>
+            <a:endParaRPr lang="en-US" dirty="0"/>
+          </a:p>
+        </p:txBody>
+      </p:sp>
+      <p:sp>
+        <p:nvSpPr>
+          <p:cNvPr id="3" name="Content Placeholder 2"/>
+          <p:cNvSpPr>
+            <a:spLocks noGrp="1"/>
+          </p:cNvSpPr>
+          <p:nvPr>
+            <p:ph idx="1"/>
+          </p:nvPr>
+        </p:nvSpPr>
+        <p:spPr>
+          <a:xfrm>
+            <a:off x="457200" y="1109656"/>
+            <a:ext cx="4622365" cy="4525963"/>
+          </a:xfrm>
+        </p:spPr>
+        <p:txBody>
+          <a:bodyPr>
+            <a:noAutofit/>
+          </a:bodyPr>
+          <a:lstStyle/>
+          <a:p>
+            <a:pPr>
+              <a:lnSpc>
+                <a:spcPct val="120000"/>
+              </a:lnSpc>
+            </a:pPr>
+            <a:r>
+              <a:rPr lang="en-US" sz="2000" dirty="0" smtClean="0"/>
+              <a:t>Available Data </a:t>
+            </a:r>
+            <a:r>
+              <a:rPr lang="en-US" sz="2000" dirty="0" smtClean="0"/>
+              <a:t>Sources</a:t>
+            </a:r>
+            <a:endParaRPr lang="en-US" sz="2000" dirty="0"/>
+          </a:p>
+          <a:p>
+            <a:pPr lvl="1"/>
+            <a:r>
+              <a:rPr lang="en-US" sz="1600" dirty="0" smtClean="0"/>
+              <a:t>MASC </a:t>
+            </a:r>
+            <a:r>
+              <a:rPr lang="en-US" sz="1600" dirty="0"/>
+              <a:t>(plain text, </a:t>
+            </a:r>
+            <a:r>
+              <a:rPr lang="en-US" sz="1600" dirty="0" err="1"/>
+              <a:t>GrAF</a:t>
+            </a:r>
+            <a:r>
+              <a:rPr lang="en-US" sz="1600" dirty="0"/>
+              <a:t>, JSON-LD</a:t>
+            </a:r>
+            <a:r>
+              <a:rPr lang="en-US" sz="1600" dirty="0" smtClean="0"/>
+              <a:t>)</a:t>
+            </a:r>
+          </a:p>
+          <a:p>
+            <a:pPr lvl="1"/>
+            <a:r>
+              <a:rPr lang="en-US" sz="1600" dirty="0" err="1" smtClean="0"/>
+              <a:t>Gigaword</a:t>
+            </a:r>
+            <a:r>
+              <a:rPr lang="en-US" sz="1600" dirty="0" smtClean="0"/>
+              <a:t> (XML)</a:t>
+            </a:r>
+            <a:endParaRPr lang="en-US" sz="1600" dirty="0"/>
+          </a:p>
+          <a:p>
+            <a:pPr>
+              <a:lnSpc>
+                <a:spcPct val="120000"/>
+              </a:lnSpc>
+            </a:pPr>
+            <a:r>
+              <a:rPr lang="en-US" sz="2000" dirty="0" smtClean="0"/>
+              <a:t>Available Services</a:t>
+            </a:r>
+          </a:p>
+          <a:p>
+            <a:pPr marL="457200" lvl="1" indent="0">
+              <a:buNone/>
+            </a:pPr>
+            <a:r>
+              <a:rPr lang="en-US" sz="1600" dirty="0" smtClean="0"/>
+              <a:t>Composer </a:t>
+            </a:r>
+            <a:endParaRPr lang="en-US" sz="1600" dirty="0" smtClean="0"/>
+          </a:p>
+          <a:p>
+            <a:pPr marL="457200" lvl="1" indent="0">
+              <a:buNone/>
+            </a:pPr>
+            <a:r>
+              <a:rPr lang="en-US" sz="1600" dirty="0" smtClean="0"/>
+              <a:t>Evaluation</a:t>
+            </a:r>
+          </a:p>
+          <a:p>
+            <a:pPr marL="400050" lvl="1" indent="0">
+              <a:buNone/>
+            </a:pPr>
+            <a:r>
+              <a:rPr lang="en-US" sz="1600" dirty="0" smtClean="0"/>
+              <a:t>GATE Tools:</a:t>
+            </a:r>
+            <a:endParaRPr lang="en-US" sz="1600" dirty="0"/>
+          </a:p>
+          <a:p>
+            <a:pPr marL="400050" lvl="1" indent="0">
+              <a:buNone/>
+            </a:pPr>
+            <a:r>
+              <a:rPr lang="en-US" sz="1600" dirty="0"/>
+              <a:t>	</a:t>
+            </a:r>
+            <a:r>
+              <a:rPr lang="en-US" sz="1600" dirty="0" err="1"/>
+              <a:t>Tokenizer</a:t>
+            </a:r>
+            <a:endParaRPr lang="en-US" sz="1600" dirty="0"/>
+          </a:p>
+          <a:p>
+            <a:pPr marL="400050" lvl="1" indent="0">
+              <a:buNone/>
+            </a:pPr>
+            <a:r>
+              <a:rPr lang="en-US" sz="1600" dirty="0"/>
+              <a:t>	Sentence Splitter</a:t>
+            </a:r>
+          </a:p>
+          <a:p>
+            <a:pPr marL="400050" lvl="1" indent="0">
+              <a:buNone/>
+            </a:pPr>
+            <a:r>
+              <a:rPr lang="en-US" sz="1600" dirty="0"/>
+              <a:t>	POS Tagger</a:t>
+            </a:r>
+          </a:p>
+          <a:p>
+            <a:pPr marL="400050" lvl="1" indent="0">
+              <a:buNone/>
+            </a:pPr>
+            <a:r>
+              <a:rPr lang="en-US" sz="1600" dirty="0"/>
+              <a:t>	Gazetteer</a:t>
+            </a:r>
+          </a:p>
+          <a:p>
+            <a:pPr marL="400050" lvl="1" indent="0">
+              <a:buNone/>
+            </a:pPr>
+            <a:r>
+              <a:rPr lang="en-US" sz="1600" dirty="0"/>
+              <a:t>	</a:t>
+            </a:r>
+            <a:r>
+              <a:rPr lang="en-US" sz="1600" dirty="0" err="1"/>
+              <a:t>Orthomatcher</a:t>
+            </a:r>
+            <a:endParaRPr lang="en-US" sz="1600" dirty="0"/>
+          </a:p>
+          <a:p>
+            <a:pPr marL="400050" lvl="1" indent="0">
+              <a:buNone/>
+            </a:pPr>
+            <a:r>
+              <a:rPr lang="en-US" sz="1600" dirty="0"/>
+              <a:t>	NP </a:t>
+            </a:r>
+            <a:r>
+              <a:rPr lang="en-US" sz="1600" dirty="0" err="1"/>
+              <a:t>Chunker</a:t>
+            </a:r>
+            <a:endParaRPr lang="en-US" sz="1600" dirty="0"/>
+          </a:p>
+          <a:p>
+            <a:pPr marL="400050" lvl="1" indent="0">
+              <a:buNone/>
+            </a:pPr>
+            <a:r>
+              <a:rPr lang="en-US" sz="1600" dirty="0"/>
+              <a:t>	VP </a:t>
+            </a:r>
+            <a:r>
+              <a:rPr lang="en-US" sz="1600" dirty="0" err="1"/>
+              <a:t>Chunker</a:t>
+            </a:r>
+            <a:endParaRPr lang="en-US" sz="1600" dirty="0"/>
+          </a:p>
+          <a:p>
+            <a:pPr marL="400050" lvl="1" indent="0">
+              <a:buNone/>
+            </a:pPr>
+            <a:r>
+              <a:rPr lang="en-US" sz="1600" dirty="0"/>
+              <a:t>	</a:t>
+            </a:r>
+            <a:r>
+              <a:rPr lang="en-US" sz="1600" dirty="0" err="1"/>
+              <a:t>Coreferencer</a:t>
+            </a:r>
+            <a:endParaRPr lang="en-US" sz="1600" dirty="0"/>
+          </a:p>
+          <a:p>
+            <a:pPr marL="400050" lvl="1" indent="0">
+              <a:buNone/>
+            </a:pPr>
+            <a:r>
+              <a:rPr lang="en-US" sz="1600" dirty="0"/>
+              <a:t>	Named Entity </a:t>
+            </a:r>
+            <a:r>
+              <a:rPr lang="en-US" sz="1600" dirty="0" smtClean="0"/>
+              <a:t>Recognizer</a:t>
+            </a:r>
+            <a:endParaRPr lang="en-US" sz="1600" dirty="0"/>
+          </a:p>
+          <a:p>
+            <a:pPr lvl="1"/>
+            <a:endParaRPr lang="en-US" sz="1600" dirty="0"/>
+          </a:p>
+        </p:txBody>
+      </p:sp>
+      <p:sp>
+        <p:nvSpPr>
+          <p:cNvPr id="4" name="TextBox 3"/>
+          <p:cNvSpPr txBox="1"/>
+          <p:nvPr/>
+        </p:nvSpPr>
+        <p:spPr>
+          <a:xfrm>
+            <a:off x="3119344" y="3134821"/>
+            <a:ext cx="2975554" cy="2831544"/>
+          </a:xfrm>
+          <a:prstGeom prst="rect">
+            <a:avLst/>
+          </a:prstGeom>
+          <a:noFill/>
+        </p:spPr>
+        <p:txBody>
+          <a:bodyPr wrap="none" rtlCol="0">
+            <a:spAutoFit/>
+          </a:bodyPr>
+          <a:lstStyle/>
+          <a:p>
+            <a:r>
+              <a:rPr lang="en-US" sz="1600" dirty="0" smtClean="0">
+                <a:latin typeface="Avenir Book"/>
+                <a:cs typeface="Avenir Book"/>
+              </a:rPr>
+              <a:t>Stanford Tools</a:t>
+            </a:r>
+            <a:endParaRPr lang="en-US" sz="1600" dirty="0">
+              <a:latin typeface="Avenir Book"/>
+              <a:cs typeface="Avenir Book"/>
+            </a:endParaRPr>
+          </a:p>
+          <a:p>
+            <a:r>
+              <a:rPr lang="en-US" sz="1600" dirty="0">
+                <a:latin typeface="Avenir Book"/>
+                <a:cs typeface="Avenir Book"/>
+              </a:rPr>
+              <a:t>	</a:t>
+            </a:r>
+            <a:r>
+              <a:rPr lang="en-US" sz="1600" dirty="0" err="1">
+                <a:latin typeface="Avenir Book"/>
+                <a:cs typeface="Avenir Book"/>
+              </a:rPr>
+              <a:t>Tokenizer</a:t>
+            </a:r>
+            <a:endParaRPr lang="en-US" sz="1600" dirty="0">
+              <a:latin typeface="Avenir Book"/>
+              <a:cs typeface="Avenir Book"/>
+            </a:endParaRPr>
+          </a:p>
+          <a:p>
+            <a:r>
+              <a:rPr lang="en-US" sz="1600" dirty="0">
+                <a:latin typeface="Avenir Book"/>
+                <a:cs typeface="Avenir Book"/>
+              </a:rPr>
+              <a:t>	Sentence Splitter</a:t>
+            </a:r>
+          </a:p>
+          <a:p>
+            <a:r>
+              <a:rPr lang="en-US" sz="1600" dirty="0">
+                <a:latin typeface="Avenir Book"/>
+                <a:cs typeface="Avenir Book"/>
+              </a:rPr>
+              <a:t>	POS Tagger</a:t>
+            </a:r>
+          </a:p>
+          <a:p>
+            <a:r>
+              <a:rPr lang="en-US" sz="1600" dirty="0">
+                <a:latin typeface="Avenir Book"/>
+                <a:cs typeface="Avenir Book"/>
+              </a:rPr>
+              <a:t>	Named Entity Recognizer</a:t>
+            </a:r>
+          </a:p>
+          <a:p>
+            <a:r>
+              <a:rPr lang="en-US" sz="1600" dirty="0" err="1" smtClean="0">
+                <a:latin typeface="Avenir Book"/>
+                <a:cs typeface="Avenir Book"/>
+              </a:rPr>
+              <a:t>OpenNLP</a:t>
+            </a:r>
+            <a:r>
+              <a:rPr lang="en-US" sz="1600" dirty="0" smtClean="0">
+                <a:latin typeface="Avenir Book"/>
+                <a:cs typeface="Avenir Book"/>
+              </a:rPr>
+              <a:t> Tools</a:t>
+            </a:r>
+            <a:endParaRPr lang="en-US" sz="1600" dirty="0">
+              <a:latin typeface="Avenir Book"/>
+              <a:cs typeface="Avenir Book"/>
+            </a:endParaRPr>
+          </a:p>
+          <a:p>
+            <a:r>
+              <a:rPr lang="en-US" sz="1600" dirty="0">
+                <a:latin typeface="Avenir Book"/>
+                <a:cs typeface="Avenir Book"/>
+              </a:rPr>
+              <a:t>	</a:t>
+            </a:r>
+            <a:r>
+              <a:rPr lang="en-US" sz="1600" dirty="0" err="1">
+                <a:latin typeface="Avenir Book"/>
+                <a:cs typeface="Avenir Book"/>
+              </a:rPr>
+              <a:t>Tokenizer</a:t>
+            </a:r>
+            <a:endParaRPr lang="en-US" sz="1600" dirty="0">
+              <a:latin typeface="Avenir Book"/>
+              <a:cs typeface="Avenir Book"/>
+            </a:endParaRPr>
+          </a:p>
+          <a:p>
+            <a:r>
+              <a:rPr lang="en-US" sz="1600" dirty="0">
+                <a:latin typeface="Avenir Book"/>
+                <a:cs typeface="Avenir Book"/>
+              </a:rPr>
+              <a:t>	Sentence Splitter</a:t>
+            </a:r>
+          </a:p>
+          <a:p>
+            <a:r>
+              <a:rPr lang="en-US" sz="1600" dirty="0">
+                <a:latin typeface="Avenir Book"/>
+                <a:cs typeface="Avenir Book"/>
+              </a:rPr>
+              <a:t>	POS Tagger</a:t>
+            </a:r>
+          </a:p>
+          <a:p>
+            <a:r>
+              <a:rPr lang="en-US" sz="1600" dirty="0">
+                <a:latin typeface="Avenir Book"/>
+                <a:cs typeface="Avenir Book"/>
+              </a:rPr>
+              <a:t>	Named Entity Recognizer</a:t>
+            </a:r>
+          </a:p>
+          <a:p>
+            <a:endParaRPr lang="en-US" sz="1600" dirty="0">
+              <a:latin typeface="Avenir Book"/>
+              <a:cs typeface="Avenir Book"/>
+            </a:endParaRPr>
+          </a:p>
+        </p:txBody>
+      </p:sp>
+    </p:spTree>
+    <p:extLst>
+      <p:ext uri="{BB962C8B-B14F-4D97-AF65-F5344CB8AC3E}">
+        <p14:creationId xmlns:p14="http://schemas.microsoft.com/office/powerpoint/2010/main" val="2689434627"/>
+      </p:ext>
+    </p:extLst>
+  </p:cSld>
+  <p:clrMapOvr>
+    <a:masterClrMapping/>
+  </p:clrMapOvr>
+  <p:timing>
+    <p:tnLst>
+      <p:par>
+        <p:cTn xmlns:p14="http://schemas.microsoft.com/office/powerpoint/2010/main" id="1" dur="indefinite" restart="never" nodeType="tmRoot"/>
+      </p:par>
+    </p:tnLst>
+  </p:timing>
+</p:sld>
+</file>
+
+<file path=ppt/slides/slide19.xml><?xml version="1.0" encoding="utf-8"?>
+<p:sld xmlns:a="http://schemas.openxmlformats.org/drawingml/2006/main" xmlns:r="http://schemas.openxmlformats.org/officeDocument/2006/relationships" xmlns:p="http://schemas.openxmlformats.org/presentationml/2006/main">
+  <p:cSld>
+    <p:spTree>
+      <p:nvGrpSpPr>
+        <p:cNvPr id="1" name=""/>
+        <p:cNvGrpSpPr/>
+        <p:nvPr/>
+      </p:nvGrpSpPr>
+      <p:grpSpPr>
+        <a:xfrm>
+          <a:off x="0" y="0"/>
+          <a:ext cx="0" cy="0"/>
+          <a:chOff x="0" y="0"/>
+          <a:chExt cx="0" cy="0"/>
+        </a:xfrm>
+      </p:grpSpPr>
+      <p:sp>
+        <p:nvSpPr>
+          <p:cNvPr id="2050" name="Rectangle 2"/>
+          <p:cNvSpPr>
+            <a:spLocks noGrp="1" noChangeArrowheads="1"/>
+          </p:cNvSpPr>
+          <p:nvPr>
+            <p:ph type="ctrTitle"/>
+          </p:nvPr>
+        </p:nvSpPr>
+        <p:spPr/>
+        <p:txBody>
+          <a:bodyPr/>
+          <a:lstStyle/>
+          <a:p>
+            <a:r>
+              <a:rPr lang="en-US" dirty="0" smtClean="0"/>
+              <a:t>Overview of LAPPS Web Service Technology</a:t>
+            </a:r>
+            <a:endParaRPr lang="en-US" dirty="0"/>
+          </a:p>
+        </p:txBody>
+      </p:sp>
+    </p:spTree>
+    <p:extLst>
+      <p:ext uri="{BB962C8B-B14F-4D97-AF65-F5344CB8AC3E}">
+        <p14:creationId xmlns:p14="http://schemas.microsoft.com/office/powerpoint/2010/main" val="713355940"/>
+      </p:ext>
+    </p:extLst>
+  </p:cSld>
+  <p:clrMapOvr>
+    <a:masterClrMapping/>
+  </p:clrMapOvr>
+  <p:timing>
+    <p:tnLst>
+      <p:par>
+        <p:cTn xmlns:p14="http://schemas.microsoft.com/office/powerpoint/2010/main" id="1" dur="indefinite" restart="never" nodeType="tmRoot"/>
+      </p:par>
+    </p:tnLst>
+  </p:timing>
+</p:sld>
+</file>
+
+<file path=ppt/slides/slide2.xml><?xml version="1.0" encoding="utf-8"?>
+<p:sld xmlns:a="http://schemas.openxmlformats.org/drawingml/2006/main" xmlns:r="http://schemas.openxmlformats.org/officeDocument/2006/relationships" xmlns:p="http://schemas.openxmlformats.org/presentationml/2006/main">
+  <p:cSld>
+    <p:spTree>
+      <p:nvGrpSpPr>
+        <p:cNvPr id="1" name=""/>
+        <p:cNvGrpSpPr/>
+        <p:nvPr/>
+      </p:nvGrpSpPr>
+      <p:grpSpPr>
+        <a:xfrm>
+          <a:off x="0" y="0"/>
+          <a:ext cx="0" cy="0"/>
+          <a:chOff x="0" y="0"/>
+          <a:chExt cx="0" cy="0"/>
+        </a:xfrm>
+      </p:grpSpPr>
+      <p:sp>
+        <p:nvSpPr>
+          <p:cNvPr id="2" name="Title 1"/>
+          <p:cNvSpPr>
+            <a:spLocks noGrp="1"/>
+          </p:cNvSpPr>
+          <p:nvPr>
+            <p:ph type="title"/>
+          </p:nvPr>
+        </p:nvSpPr>
+        <p:spPr/>
+        <p:txBody>
+          <a:bodyPr/>
+          <a:lstStyle/>
+          <a:p>
+            <a:r>
+              <a:rPr lang="en-US" dirty="0" smtClean="0"/>
+              <a:t>Today’s Outline</a:t>
+            </a:r>
+            <a:endParaRPr lang="en-US" dirty="0"/>
+          </a:p>
+        </p:txBody>
+      </p:sp>
+      <p:sp>
+        <p:nvSpPr>
+          <p:cNvPr id="3" name="Content Placeholder 2"/>
+          <p:cNvSpPr>
+            <a:spLocks noGrp="1"/>
+          </p:cNvSpPr>
+          <p:nvPr>
+            <p:ph idx="1"/>
+          </p:nvPr>
+        </p:nvSpPr>
+        <p:spPr>
+          <a:xfrm>
+            <a:off x="552788" y="1199138"/>
+            <a:ext cx="8229600" cy="4980317"/>
+          </a:xfrm>
+        </p:spPr>
+        <p:txBody>
+          <a:bodyPr>
+            <a:noAutofit/>
+          </a:bodyPr>
+          <a:lstStyle/>
+          <a:p>
+            <a:pPr marL="0" indent="0">
+              <a:buNone/>
+            </a:pPr>
+            <a:r>
+              <a:rPr lang="en-US" sz="1800" dirty="0"/>
+              <a:t>Part I. </a:t>
+            </a:r>
+            <a:r>
+              <a:rPr lang="en-US" sz="1800" dirty="0" smtClean="0"/>
+              <a:t>Introduction</a:t>
+            </a:r>
+          </a:p>
+          <a:p>
+            <a:pPr marL="857250" lvl="1" indent="-457200">
+              <a:buFont typeface="+mj-lt"/>
+              <a:buAutoNum type="arabicPeriod"/>
+            </a:pPr>
+            <a:r>
+              <a:rPr lang="en-US" sz="1600" dirty="0" smtClean="0"/>
+              <a:t>The </a:t>
+            </a:r>
+            <a:r>
+              <a:rPr lang="en-US" sz="1600" dirty="0"/>
+              <a:t>LAPPS </a:t>
+            </a:r>
+            <a:r>
+              <a:rPr lang="en-US" sz="1600" dirty="0" smtClean="0"/>
+              <a:t>Grid</a:t>
+            </a:r>
+          </a:p>
+          <a:p>
+            <a:pPr marL="800100" lvl="2" indent="0">
+              <a:buNone/>
+            </a:pPr>
+            <a:r>
+              <a:rPr lang="en-US" sz="1400" i="1" dirty="0" smtClean="0"/>
+              <a:t>Nancy Ide, James </a:t>
+            </a:r>
+            <a:r>
+              <a:rPr lang="en-US" sz="1400" i="1" dirty="0" err="1" smtClean="0"/>
+              <a:t>Pustejovsky</a:t>
+            </a:r>
+            <a:r>
+              <a:rPr lang="en-US" sz="1400" i="1" dirty="0" smtClean="0"/>
+              <a:t>, Chris </a:t>
+            </a:r>
+            <a:r>
+              <a:rPr lang="en-US" sz="1400" i="1" dirty="0" err="1" smtClean="0"/>
+              <a:t>Cieri</a:t>
+            </a:r>
+            <a:r>
+              <a:rPr lang="en-US" sz="1400" i="1" dirty="0" smtClean="0"/>
+              <a:t>, Denise </a:t>
+            </a:r>
+            <a:r>
+              <a:rPr lang="en-US" sz="1400" i="1" dirty="0" err="1" smtClean="0"/>
+              <a:t>DiPersio</a:t>
+            </a:r>
+            <a:r>
+              <a:rPr lang="en-US" sz="1400" i="1" dirty="0" smtClean="0"/>
+              <a:t> </a:t>
+            </a:r>
+            <a:endParaRPr lang="en-US" sz="1400" dirty="0" smtClean="0"/>
+          </a:p>
+          <a:p>
+            <a:pPr marL="1257300" lvl="2" indent="-457200"/>
+            <a:r>
+              <a:rPr lang="en-US" sz="1400" dirty="0" smtClean="0"/>
+              <a:t>Project </a:t>
+            </a:r>
+            <a:r>
+              <a:rPr lang="en-US" sz="1400" dirty="0"/>
+              <a:t>overview</a:t>
+            </a:r>
+            <a:endParaRPr lang="en-US" sz="800" dirty="0"/>
+          </a:p>
+          <a:p>
+            <a:pPr marL="1257300" lvl="2" indent="-457200"/>
+            <a:r>
+              <a:rPr lang="en-US" sz="1400" dirty="0" smtClean="0"/>
+              <a:t>Architecture</a:t>
+            </a:r>
+            <a:endParaRPr lang="en-US" sz="800" dirty="0"/>
+          </a:p>
+          <a:p>
+            <a:pPr marL="1714500" lvl="3" indent="-457200"/>
+            <a:r>
+              <a:rPr lang="en-US" sz="1200" dirty="0" smtClean="0"/>
+              <a:t>Core </a:t>
+            </a:r>
+            <a:r>
+              <a:rPr lang="en-US" sz="1200" dirty="0"/>
+              <a:t>nodes and distributed services </a:t>
+            </a:r>
+            <a:endParaRPr lang="en-US" sz="700" dirty="0"/>
+          </a:p>
+          <a:p>
+            <a:pPr marL="1714500" lvl="3" indent="-457200"/>
+            <a:r>
+              <a:rPr lang="en-US" sz="1200" dirty="0" smtClean="0"/>
+              <a:t>The </a:t>
+            </a:r>
+            <a:r>
+              <a:rPr lang="en-US" sz="1200" dirty="0"/>
+              <a:t>composer platform</a:t>
+            </a:r>
+            <a:endParaRPr lang="en-US" sz="700" dirty="0"/>
+          </a:p>
+          <a:p>
+            <a:pPr marL="1714500" lvl="3" indent="-457200"/>
+            <a:r>
+              <a:rPr lang="en-US" sz="1200" dirty="0" smtClean="0"/>
+              <a:t>Licensing </a:t>
+            </a:r>
+            <a:endParaRPr lang="en-US" sz="700" dirty="0"/>
+          </a:p>
+          <a:p>
+            <a:pPr marL="1257300" lvl="2" indent="-457200"/>
+            <a:r>
+              <a:rPr lang="en-US" sz="1400" dirty="0" smtClean="0"/>
+              <a:t>Available </a:t>
+            </a:r>
+            <a:r>
+              <a:rPr lang="en-US" sz="1400" dirty="0"/>
+              <a:t>services</a:t>
+            </a:r>
+            <a:endParaRPr lang="en-US" sz="800" dirty="0"/>
+          </a:p>
+          <a:p>
+            <a:pPr marL="1714500" lvl="3" indent="-457200"/>
+            <a:r>
+              <a:rPr lang="en-US" sz="1200" dirty="0" smtClean="0"/>
+              <a:t>Data </a:t>
+            </a:r>
+            <a:r>
+              <a:rPr lang="en-US" sz="1200" dirty="0"/>
+              <a:t>sources</a:t>
+            </a:r>
+            <a:endParaRPr lang="en-US" sz="700" dirty="0"/>
+          </a:p>
+          <a:p>
+            <a:pPr marL="1714500" lvl="3" indent="-457200"/>
+            <a:r>
+              <a:rPr lang="en-US" sz="1200" dirty="0" smtClean="0"/>
+              <a:t>NLP </a:t>
+            </a:r>
+            <a:r>
+              <a:rPr lang="en-US" sz="1200" dirty="0"/>
+              <a:t>components</a:t>
+            </a:r>
+            <a:endParaRPr lang="en-US" sz="700" dirty="0"/>
+          </a:p>
+          <a:p>
+            <a:pPr marL="1714500" lvl="3" indent="-457200"/>
+            <a:r>
+              <a:rPr lang="en-US" sz="1200" dirty="0" smtClean="0"/>
+              <a:t>Open </a:t>
+            </a:r>
+            <a:r>
+              <a:rPr lang="en-US" sz="1200" dirty="0"/>
+              <a:t>Advancement evaluation </a:t>
+            </a:r>
+            <a:r>
+              <a:rPr lang="en-US" sz="1200" dirty="0" smtClean="0"/>
+              <a:t>services</a:t>
+            </a:r>
+          </a:p>
+          <a:p>
+            <a:pPr marL="857250" lvl="1" indent="-457200">
+              <a:buFont typeface="+mj-lt"/>
+              <a:buAutoNum type="arabicPeriod"/>
+            </a:pPr>
+            <a:r>
+              <a:rPr lang="en-US" sz="1600" dirty="0"/>
+              <a:t>Overview of LAPPS web service technology</a:t>
+            </a:r>
+          </a:p>
+          <a:p>
+            <a:pPr marL="400050" lvl="1" indent="0">
+              <a:buNone/>
+            </a:pPr>
+            <a:r>
+              <a:rPr lang="en-US" sz="1600" i="1" dirty="0"/>
+              <a:t>	      </a:t>
+            </a:r>
+            <a:r>
+              <a:rPr lang="en-US" sz="1400" i="1" dirty="0"/>
+              <a:t> Nancy Ide</a:t>
+            </a:r>
+          </a:p>
+          <a:p>
+            <a:pPr lvl="2" indent="-342900"/>
+            <a:r>
+              <a:rPr lang="en-US" sz="1400" dirty="0"/>
+              <a:t>How LAPPS web services work: communication </a:t>
+            </a:r>
+          </a:p>
+          <a:p>
+            <a:pPr lvl="3" indent="-342900"/>
+            <a:r>
+              <a:rPr lang="en-US" sz="1200" dirty="0"/>
+              <a:t>Protocols and wrappers </a:t>
+            </a:r>
+          </a:p>
+          <a:p>
+            <a:pPr lvl="3" indent="-342900"/>
+            <a:r>
+              <a:rPr lang="en-US" sz="1200" dirty="0"/>
+              <a:t>Data interchange: JSON and JSON-LD for syntactic interoperability</a:t>
+            </a:r>
+          </a:p>
+          <a:p>
+            <a:pPr lvl="3" indent="-342900"/>
+            <a:r>
+              <a:rPr lang="en-US" sz="1200" dirty="0"/>
+              <a:t>Data interchange: issues and options for semantic interoperability (LAPPS Web Service Exchange </a:t>
+            </a:r>
+            <a:r>
+              <a:rPr lang="en-US" sz="1200" dirty="0" smtClean="0"/>
+              <a:t>Vocabulary</a:t>
+            </a:r>
+            <a:r>
+              <a:rPr lang="en-US" sz="1200" dirty="0" smtClean="0"/>
+              <a:t>)</a:t>
+            </a:r>
+            <a:endParaRPr lang="en-US" sz="1200" dirty="0" smtClean="0"/>
+          </a:p>
+          <a:p>
+            <a:pPr marL="800100" lvl="2" indent="0">
+              <a:buNone/>
+            </a:pPr>
+            <a:endParaRPr lang="en-US" sz="1400" dirty="0"/>
+          </a:p>
+        </p:txBody>
+      </p:sp>
+    </p:spTree>
+    <p:extLst>
+      <p:ext uri="{BB962C8B-B14F-4D97-AF65-F5344CB8AC3E}">
+        <p14:creationId xmlns:p14="http://schemas.microsoft.com/office/powerpoint/2010/main" val="2404281558"/>
+      </p:ext>
+    </p:extLst>
+  </p:cSld>
+  <p:clrMapOvr>
+    <a:masterClrMapping/>
+  </p:clrMapOvr>
+</p:sld>
+</file>
+
+<file path=ppt/slides/slide20.xml><?xml version="1.0" encoding="utf-8"?>
+<p:sld xmlns:a="http://schemas.openxmlformats.org/drawingml/2006/main" xmlns:r="http://schemas.openxmlformats.org/officeDocument/2006/relationships" xmlns:p="http://schemas.openxmlformats.org/presentationml/2006/main">
+  <p:cSld>
+    <p:spTree>
+      <p:nvGrpSpPr>
+        <p:cNvPr id="1" name=""/>
+        <p:cNvGrpSpPr/>
+        <p:nvPr/>
+      </p:nvGrpSpPr>
+      <p:grpSpPr>
+        <a:xfrm>
+          <a:off x="0" y="0"/>
+          <a:ext cx="0" cy="0"/>
+          <a:chOff x="0" y="0"/>
+          <a:chExt cx="0" cy="0"/>
+        </a:xfrm>
+      </p:grpSpPr>
+      <p:sp>
+        <p:nvSpPr>
+          <p:cNvPr id="2" name="Title 1"/>
+          <p:cNvSpPr>
+            <a:spLocks noGrp="1"/>
+          </p:cNvSpPr>
+          <p:nvPr>
+            <p:ph type="title"/>
+          </p:nvPr>
+        </p:nvSpPr>
+        <p:spPr/>
+        <p:txBody>
+          <a:bodyPr/>
+          <a:lstStyle/>
+          <a:p>
+            <a:r>
+              <a:rPr lang="en-US" dirty="0" smtClean="0"/>
+              <a:t>Web Services Terminology</a:t>
+            </a:r>
+            <a:endParaRPr lang="en-US" dirty="0"/>
+          </a:p>
+        </p:txBody>
+      </p:sp>
+      <p:sp>
+        <p:nvSpPr>
+          <p:cNvPr id="3" name="Content Placeholder 2"/>
+          <p:cNvSpPr>
+            <a:spLocks noGrp="1"/>
+          </p:cNvSpPr>
+          <p:nvPr>
+            <p:ph idx="1"/>
+          </p:nvPr>
+        </p:nvSpPr>
+        <p:spPr/>
+        <p:txBody>
+          <a:bodyPr>
+            <a:normAutofit fontScale="92500" lnSpcReduction="10000"/>
+          </a:bodyPr>
+          <a:lstStyle/>
+          <a:p>
+            <a:r>
+              <a:rPr lang="en-US" dirty="0" smtClean="0"/>
+              <a:t>Protocols such as SOAP allow servers and clients to communicate</a:t>
+            </a:r>
+          </a:p>
+          <a:p>
+            <a:pPr lvl="1"/>
+            <a:r>
+              <a:rPr lang="en-US" dirty="0" smtClean="0"/>
+              <a:t>SOAP: </a:t>
+            </a:r>
+            <a:r>
+              <a:rPr lang="en-US" dirty="0"/>
+              <a:t>Originally stood for "Simple Object Access Protocol</a:t>
+            </a:r>
+            <a:r>
+              <a:rPr lang="en-US" dirty="0" smtClean="0"/>
+              <a:t>”</a:t>
+            </a:r>
+          </a:p>
+          <a:p>
+            <a:r>
+              <a:rPr lang="en-US" dirty="0" smtClean="0"/>
+              <a:t>SOAP uses WSDL to describe the services available</a:t>
+            </a:r>
+          </a:p>
+          <a:p>
+            <a:pPr lvl="1"/>
+            <a:r>
+              <a:rPr lang="en-US" dirty="0" smtClean="0"/>
+              <a:t>WSDL: </a:t>
+            </a:r>
+            <a:r>
+              <a:rPr lang="en-US" dirty="0"/>
+              <a:t>Web Services Description </a:t>
+            </a:r>
+            <a:r>
+              <a:rPr lang="en-US" dirty="0" smtClean="0"/>
+              <a:t>Language</a:t>
+            </a:r>
+          </a:p>
+          <a:p>
+            <a:pPr lvl="1"/>
+            <a:r>
+              <a:rPr lang="en-US" dirty="0" smtClean="0"/>
+              <a:t>Describes services in terms of their</a:t>
+            </a:r>
+          </a:p>
+          <a:p>
+            <a:pPr lvl="2"/>
+            <a:r>
+              <a:rPr lang="en-US" dirty="0"/>
+              <a:t>M</a:t>
+            </a:r>
+            <a:r>
+              <a:rPr lang="en-US" dirty="0" smtClean="0"/>
+              <a:t>ethods </a:t>
+            </a:r>
+          </a:p>
+          <a:p>
+            <a:pPr lvl="2"/>
+            <a:r>
+              <a:rPr lang="en-US" dirty="0" smtClean="0"/>
+              <a:t>Parameters</a:t>
+            </a:r>
+          </a:p>
+          <a:p>
+            <a:pPr lvl="2"/>
+            <a:r>
+              <a:rPr lang="en-US" dirty="0" smtClean="0"/>
+              <a:t>Return Values </a:t>
+            </a:r>
+          </a:p>
+          <a:p>
+            <a:r>
+              <a:rPr lang="en-US" dirty="0" smtClean="0"/>
+              <a:t>REST is an “architectural style” that allows servers and clients to communicate</a:t>
+            </a:r>
+          </a:p>
+          <a:p>
+            <a:pPr lvl="1"/>
+            <a:r>
+              <a:rPr lang="en-US" dirty="0" smtClean="0"/>
+              <a:t>REST: Representational State Transfer</a:t>
+            </a:r>
+          </a:p>
+          <a:p>
+            <a:pPr lvl="1"/>
+            <a:r>
+              <a:rPr lang="en-US" dirty="0" smtClean="0"/>
+              <a:t>Provides base URI, media type</a:t>
+            </a:r>
+          </a:p>
+          <a:p>
+            <a:pPr lvl="1"/>
+            <a:r>
+              <a:rPr lang="en-US" dirty="0"/>
+              <a:t>U</a:t>
+            </a:r>
+            <a:r>
+              <a:rPr lang="en-US" dirty="0" smtClean="0"/>
+              <a:t>ses standard HTTP methods (get, put, post, delete…)</a:t>
+            </a:r>
+          </a:p>
+        </p:txBody>
+      </p:sp>
+    </p:spTree>
+    <p:extLst>
+      <p:ext uri="{BB962C8B-B14F-4D97-AF65-F5344CB8AC3E}">
+        <p14:creationId xmlns:p14="http://schemas.microsoft.com/office/powerpoint/2010/main" val="2475300420"/>
       </p:ext>
     </p:extLst>
   </p:cSld>
@@ -7511,7 +7761,7 @@
           <a:p>
             <a:r>
               <a:rPr lang="en-US" dirty="0" smtClean="0"/>
-              <a:t>Current State of the Project</a:t>
+              <a:t>Web Services in LAPPS</a:t>
             </a:r>
             <a:endParaRPr lang="en-US" dirty="0"/>
           </a:p>
@@ -7529,66 +7779,76 @@
         </p:nvSpPr>
         <p:spPr/>
         <p:txBody>
-          <a:bodyPr/>
+          <a:bodyPr>
+            <a:normAutofit/>
+          </a:bodyPr>
           <a:lstStyle/>
           <a:p>
             <a:r>
-              <a:rPr lang="en-US" dirty="0" smtClean="0"/>
-              <a:t>Available services</a:t>
+              <a:rPr lang="en-US" sz="2800" dirty="0" smtClean="0"/>
+              <a:t>LAPPS SOAP services provide two APIs</a:t>
             </a:r>
           </a:p>
           <a:p>
             <a:pPr lvl="1"/>
             <a:r>
-              <a:rPr lang="en-US" dirty="0" smtClean="0"/>
-              <a:t>Data Sources</a:t>
-            </a:r>
+              <a:rPr lang="en-US" sz="2400" b="1" dirty="0" err="1" smtClean="0">
+                <a:solidFill>
+                  <a:srgbClr val="632523"/>
+                </a:solidFill>
+              </a:rPr>
+              <a:t>org.lappsgrid.api.DataSource</a:t>
+            </a:r>
+            <a:endParaRPr lang="en-US" sz="2400" b="1" dirty="0" smtClean="0">
+              <a:solidFill>
+                <a:srgbClr val="632523"/>
+              </a:solidFill>
+            </a:endParaRPr>
           </a:p>
           <a:p>
             <a:pPr lvl="2"/>
             <a:r>
-              <a:rPr lang="en-US" dirty="0" smtClean="0"/>
-              <a:t>MASC </a:t>
-            </a:r>
-            <a:r>
-              <a:rPr lang="en-US" dirty="0" err="1" smtClean="0"/>
-              <a:t>DataSource</a:t>
-            </a:r>
-            <a:endParaRPr lang="en-US" dirty="0" smtClean="0"/>
+              <a:rPr lang="en-US" sz="2000" dirty="0" smtClean="0"/>
+              <a:t>Provides data to other services</a:t>
+            </a:r>
+          </a:p>
+          <a:p>
+            <a:pPr lvl="1"/>
+            <a:r>
+              <a:rPr lang="en-US" sz="2400" b="1" dirty="0" err="1" smtClean="0">
+                <a:solidFill>
+                  <a:srgbClr val="632523"/>
+                </a:solidFill>
+              </a:rPr>
+              <a:t>org.lappsgrid.api.WebService</a:t>
+            </a:r>
+            <a:endParaRPr lang="en-US" sz="2400" b="1" dirty="0" smtClean="0">
+              <a:solidFill>
+                <a:srgbClr val="632523"/>
+              </a:solidFill>
+            </a:endParaRPr>
           </a:p>
           <a:p>
             <a:pPr lvl="2"/>
             <a:r>
-              <a:rPr lang="en-US" dirty="0" err="1" smtClean="0"/>
-              <a:t>Gigaword</a:t>
-            </a:r>
-            <a:r>
-              <a:rPr lang="en-US" dirty="0" smtClean="0"/>
-              <a:t> </a:t>
-            </a:r>
-            <a:r>
-              <a:rPr lang="en-US" dirty="0" err="1" smtClean="0"/>
-              <a:t>DataSource</a:t>
-            </a:r>
-            <a:endParaRPr lang="en-US" dirty="0" smtClean="0"/>
-          </a:p>
-          <a:p>
-            <a:pPr lvl="2"/>
-            <a:endParaRPr lang="en-US" dirty="0" smtClean="0"/>
-          </a:p>
-          <a:p>
-            <a:pPr lvl="2"/>
-            <a:endParaRPr lang="en-US" dirty="0" smtClean="0"/>
-          </a:p>
-          <a:p>
-            <a:endParaRPr lang="en-US" dirty="0"/>
+              <a:rPr lang="en-US" sz="2000" dirty="0" smtClean="0"/>
+              <a:t>Annotate, transform, or otherwise manipulate data from a </a:t>
+            </a:r>
+            <a:r>
+              <a:rPr lang="en-US" sz="2000" dirty="0" err="1" smtClean="0"/>
+              <a:t>datasource</a:t>
+            </a:r>
+            <a:r>
+              <a:rPr lang="en-US" sz="2000" dirty="0" smtClean="0"/>
+              <a:t> or another web service</a:t>
+            </a:r>
           </a:p>
         </p:txBody>
       </p:sp>
     </p:spTree>
     <p:extLst>
       <p:ext uri="{BB962C8B-B14F-4D97-AF65-F5344CB8AC3E}">
-        <p14:creationId xmlns:p14="http://schemas.microsoft.com/office/powerpoint/2010/main" val="2259164726"/>
+        <p14:creationId xmlns:p14="http://schemas.microsoft.com/office/powerpoint/2010/main" val="825231979"/>
       </p:ext>
     </p:extLst>
   </p:cSld>
@@ -7599,66 +7859,6 @@
 </file>
 
 <file path=ppt/slides/slide22.xml><?xml version="1.0" encoding="utf-8"?>
-<p:sld xmlns:a="http://schemas.openxmlformats.org/drawingml/2006/main" xmlns:r="http://schemas.openxmlformats.org/officeDocument/2006/relationships" xmlns:p="http://schemas.openxmlformats.org/presentationml/2006/main">
-  <p:cSld>
-    <p:spTree>
-      <p:nvGrpSpPr>
-        <p:cNvPr id="1" name=""/>
-        <p:cNvGrpSpPr/>
-        <p:nvPr/>
-      </p:nvGrpSpPr>
-      <p:grpSpPr>
-        <a:xfrm>
-          <a:off x="0" y="0"/>
-          <a:ext cx="0" cy="0"/>
-          <a:chOff x="0" y="0"/>
-          <a:chExt cx="0" cy="0"/>
-        </a:xfrm>
-      </p:grpSpPr>
-      <p:sp>
-        <p:nvSpPr>
-          <p:cNvPr id="2050" name="Rectangle 2"/>
-          <p:cNvSpPr>
-            <a:spLocks noGrp="1" noChangeArrowheads="1"/>
-          </p:cNvSpPr>
-          <p:nvPr>
-            <p:ph type="ctrTitle"/>
-          </p:nvPr>
-        </p:nvSpPr>
-        <p:spPr/>
-        <p:txBody>
-          <a:bodyPr/>
-          <a:lstStyle/>
-          <a:p>
-            <a:r>
-              <a:rPr lang="en-US" dirty="0" smtClean="0"/>
-              <a:t>Overview of LAPPS Web Service Technology</a:t>
-            </a:r>
-            <a:endParaRPr lang="en-US" dirty="0"/>
-          </a:p>
-        </p:txBody>
-      </p:sp>
-    </p:spTree>
-    <p:extLst>
-      <p:ext uri="{BB962C8B-B14F-4D97-AF65-F5344CB8AC3E}">
-        <p14:creationId xmlns:p14="http://schemas.microsoft.com/office/powerpoint/2010/main" val="713355940"/>
-      </p:ext>
-    </p:extLst>
-  </p:cSld>
-  <p:clrMapOvr>
-    <a:masterClrMapping/>
-  </p:clrMapOvr>
-  <p:timing>
-    <p:tnLst>
-      <p:par>
-        <p:cTn xmlns:p14="http://schemas.microsoft.com/office/powerpoint/2010/main" id="1" dur="indefinite" restart="never" nodeType="tmRoot"/>
-      </p:par>
-    </p:tnLst>
-  </p:timing>
-</p:sld>
-</file>
-
-<file path=ppt/slides/slide23.xml><?xml version="1.0" encoding="utf-8"?>
 <p:sld xmlns:a="http://schemas.openxmlformats.org/drawingml/2006/main" xmlns:r="http://schemas.openxmlformats.org/officeDocument/2006/relationships" xmlns:p="http://schemas.openxmlformats.org/presentationml/2006/main">
   <p:cSld>
     <p:spTree>
@@ -7692,183 +7892,7 @@
           <a:p>
             <a:r>
               <a:rPr lang="en-US" dirty="0" smtClean="0"/>
-              <a:t>Web Services Terminology</a:t>
-            </a:r>
-            <a:endParaRPr lang="en-US" dirty="0"/>
-          </a:p>
-        </p:txBody>
-      </p:sp>
-      <p:sp>
-        <p:nvSpPr>
-          <p:cNvPr id="3" name="Content Placeholder 2"/>
-          <p:cNvSpPr>
-            <a:spLocks noGrp="1"/>
-          </p:cNvSpPr>
-          <p:nvPr>
-            <p:ph idx="1"/>
-          </p:nvPr>
-        </p:nvSpPr>
-        <p:spPr/>
-        <p:txBody>
-          <a:bodyPr>
-            <a:normAutofit fontScale="92500" lnSpcReduction="10000"/>
-          </a:bodyPr>
-          <a:lstStyle/>
-          <a:p>
-            <a:r>
-              <a:rPr lang="en-US" dirty="0" smtClean="0"/>
-              <a:t>Protocols such as SOAP allow servers and clients to communicate</a:t>
-            </a:r>
-          </a:p>
-          <a:p>
-            <a:pPr lvl="1"/>
-            <a:r>
-              <a:rPr lang="en-US" dirty="0" smtClean="0"/>
-              <a:t>SOAP: </a:t>
-            </a:r>
-            <a:r>
-              <a:rPr lang="en-US" dirty="0"/>
-              <a:t>Originally stood for "Simple Object Access Protocol</a:t>
-            </a:r>
-            <a:r>
-              <a:rPr lang="en-US" dirty="0" smtClean="0"/>
-              <a:t>”</a:t>
-            </a:r>
-          </a:p>
-          <a:p>
-            <a:r>
-              <a:rPr lang="en-US" dirty="0" smtClean="0"/>
-              <a:t>SOAP uses WSDL to describe the services available</a:t>
-            </a:r>
-          </a:p>
-          <a:p>
-            <a:pPr lvl="1"/>
-            <a:r>
-              <a:rPr lang="en-US" dirty="0" smtClean="0"/>
-              <a:t>WSDL: </a:t>
-            </a:r>
-            <a:r>
-              <a:rPr lang="en-US" dirty="0"/>
-              <a:t>Web Services Description </a:t>
-            </a:r>
-            <a:r>
-              <a:rPr lang="en-US" dirty="0" smtClean="0"/>
-              <a:t>Language</a:t>
-            </a:r>
-          </a:p>
-          <a:p>
-            <a:pPr lvl="1"/>
-            <a:r>
-              <a:rPr lang="en-US" dirty="0" smtClean="0"/>
-              <a:t>Describes services in terms of their</a:t>
-            </a:r>
-          </a:p>
-          <a:p>
-            <a:pPr lvl="2"/>
-            <a:r>
-              <a:rPr lang="en-US" dirty="0"/>
-              <a:t>M</a:t>
-            </a:r>
-            <a:r>
-              <a:rPr lang="en-US" dirty="0" smtClean="0"/>
-              <a:t>ethods </a:t>
-            </a:r>
-          </a:p>
-          <a:p>
-            <a:pPr lvl="2"/>
-            <a:r>
-              <a:rPr lang="en-US" dirty="0" smtClean="0"/>
-              <a:t>Parameters</a:t>
-            </a:r>
-          </a:p>
-          <a:p>
-            <a:pPr lvl="2"/>
-            <a:r>
-              <a:rPr lang="en-US" dirty="0" smtClean="0"/>
-              <a:t>Return Values </a:t>
-            </a:r>
-          </a:p>
-          <a:p>
-            <a:r>
-              <a:rPr lang="en-US" dirty="0" smtClean="0"/>
-              <a:t>REST is an “architectural style” that allows servers and clients to communicate</a:t>
-            </a:r>
-          </a:p>
-          <a:p>
-            <a:pPr lvl="1"/>
-            <a:r>
-              <a:rPr lang="en-US" dirty="0" smtClean="0"/>
-              <a:t>REST: Representational State Transfer</a:t>
-            </a:r>
-          </a:p>
-          <a:p>
-            <a:pPr lvl="1"/>
-            <a:r>
-              <a:rPr lang="en-US" dirty="0" smtClean="0"/>
-              <a:t>Provides base URI, media type</a:t>
-            </a:r>
-          </a:p>
-          <a:p>
-            <a:pPr lvl="1"/>
-            <a:r>
-              <a:rPr lang="en-US" dirty="0"/>
-              <a:t>U</a:t>
-            </a:r>
-            <a:r>
-              <a:rPr lang="en-US" dirty="0" smtClean="0"/>
-              <a:t>ses standard HTTP methods (get, put, post, delete…)</a:t>
-            </a:r>
-          </a:p>
-        </p:txBody>
-      </p:sp>
-    </p:spTree>
-    <p:extLst>
-      <p:ext uri="{BB962C8B-B14F-4D97-AF65-F5344CB8AC3E}">
-        <p14:creationId xmlns:p14="http://schemas.microsoft.com/office/powerpoint/2010/main" val="2475300420"/>
-      </p:ext>
-    </p:extLst>
-  </p:cSld>
-  <p:clrMapOvr>
-    <a:masterClrMapping/>
-  </p:clrMapOvr>
-</p:sld>
-</file>
-
-<file path=ppt/slides/slide24.xml><?xml version="1.0" encoding="utf-8"?>
-<p:sld xmlns:a="http://schemas.openxmlformats.org/drawingml/2006/main" xmlns:r="http://schemas.openxmlformats.org/officeDocument/2006/relationships" xmlns:p="http://schemas.openxmlformats.org/presentationml/2006/main">
-  <p:cSld>
-    <p:spTree>
-      <p:nvGrpSpPr>
-        <p:cNvPr id="1" name=""/>
-        <p:cNvGrpSpPr/>
-        <p:nvPr/>
-      </p:nvGrpSpPr>
-      <p:grpSpPr>
-        <a:xfrm>
-          <a:off x="0" y="0"/>
-          <a:ext cx="0" cy="0"/>
-          <a:chOff x="0" y="0"/>
-          <a:chExt cx="0" cy="0"/>
-        </a:xfrm>
-      </p:grpSpPr>
-      <p:sp>
-        <p:nvSpPr>
-          <p:cNvPr id="2" name="Title 1"/>
-          <p:cNvSpPr>
-            <a:spLocks noGrp="1"/>
-          </p:cNvSpPr>
-          <p:nvPr>
-            <p:ph type="title"/>
-          </p:nvPr>
-        </p:nvSpPr>
-        <p:spPr/>
-        <p:txBody>
-          <a:bodyPr/>
-          <a:lstStyle/>
-          <a:p>
-            <a:r>
-              <a:rPr lang="en-US" dirty="0" smtClean="0"/>
-              <a:t>Web Services in LAPPS</a:t>
+              <a:t>Web Service Communication in LAPPS</a:t>
             </a:r>
             <a:endParaRPr lang="en-US" dirty="0"/>
           </a:p>
@@ -7892,130 +7916,23 @@
           <a:lstStyle/>
           <a:p>
             <a:r>
-              <a:rPr lang="en-US" sz="2800" dirty="0" smtClean="0"/>
-              <a:t>LAPPS SOAP services provide two APIs</a:t>
-            </a:r>
-          </a:p>
-          <a:p>
-            <a:pPr lvl="1"/>
-            <a:r>
-              <a:rPr lang="en-US" sz="2400" dirty="0" err="1" smtClean="0"/>
-              <a:t>org.lappsgrid.api.DataSource</a:t>
-            </a:r>
-            <a:endParaRPr lang="en-US" sz="2400" dirty="0" smtClean="0"/>
-          </a:p>
-          <a:p>
-            <a:pPr lvl="2"/>
-            <a:r>
-              <a:rPr lang="en-US" sz="2000" dirty="0" smtClean="0"/>
-              <a:t>Provides data to other services</a:t>
-            </a:r>
-          </a:p>
-          <a:p>
-            <a:pPr lvl="1"/>
-            <a:r>
-              <a:rPr lang="en-US" sz="2400" dirty="0" err="1" smtClean="0"/>
-              <a:t>org.lappsgrid.api.WebService</a:t>
-            </a:r>
-            <a:endParaRPr lang="en-US" sz="2400" dirty="0" smtClean="0"/>
-          </a:p>
-          <a:p>
-            <a:pPr lvl="2"/>
-            <a:r>
-              <a:rPr lang="en-US" sz="2000" dirty="0" smtClean="0"/>
-              <a:t>Annotate, transform, or otherwise manipulate data from a </a:t>
-            </a:r>
-            <a:r>
-              <a:rPr lang="en-US" sz="2000" dirty="0" err="1" smtClean="0"/>
-              <a:t>datasource</a:t>
-            </a:r>
-            <a:r>
-              <a:rPr lang="en-US" sz="2000" dirty="0" smtClean="0"/>
-              <a:t> or another web service</a:t>
-            </a:r>
-          </a:p>
-        </p:txBody>
-      </p:sp>
-    </p:spTree>
-    <p:extLst>
-      <p:ext uri="{BB962C8B-B14F-4D97-AF65-F5344CB8AC3E}">
-        <p14:creationId xmlns:p14="http://schemas.microsoft.com/office/powerpoint/2010/main" val="825231979"/>
-      </p:ext>
-    </p:extLst>
-  </p:cSld>
-  <p:clrMapOvr>
-    <a:masterClrMapping/>
-  </p:clrMapOvr>
-</p:sld>
-</file>
-
-<file path=ppt/slides/slide25.xml><?xml version="1.0" encoding="utf-8"?>
-<p:sld xmlns:a="http://schemas.openxmlformats.org/drawingml/2006/main" xmlns:r="http://schemas.openxmlformats.org/officeDocument/2006/relationships" xmlns:p="http://schemas.openxmlformats.org/presentationml/2006/main">
-  <p:cSld>
-    <p:spTree>
-      <p:nvGrpSpPr>
-        <p:cNvPr id="1" name=""/>
-        <p:cNvGrpSpPr/>
-        <p:nvPr/>
-      </p:nvGrpSpPr>
-      <p:grpSpPr>
-        <a:xfrm>
-          <a:off x="0" y="0"/>
-          <a:ext cx="0" cy="0"/>
-          <a:chOff x="0" y="0"/>
-          <a:chExt cx="0" cy="0"/>
-        </a:xfrm>
-      </p:grpSpPr>
-      <p:sp>
-        <p:nvSpPr>
-          <p:cNvPr id="2" name="Title 1"/>
-          <p:cNvSpPr>
-            <a:spLocks noGrp="1"/>
-          </p:cNvSpPr>
-          <p:nvPr>
-            <p:ph type="title"/>
-          </p:nvPr>
-        </p:nvSpPr>
-        <p:spPr/>
-        <p:txBody>
-          <a:bodyPr/>
-          <a:lstStyle/>
-          <a:p>
-            <a:r>
-              <a:rPr lang="en-US" dirty="0" smtClean="0"/>
-              <a:t>Web Service Communication in LAPPS</a:t>
-            </a:r>
-            <a:endParaRPr lang="en-US" dirty="0"/>
-          </a:p>
-        </p:txBody>
-      </p:sp>
-      <p:sp>
-        <p:nvSpPr>
-          <p:cNvPr id="3" name="Content Placeholder 2"/>
-          <p:cNvSpPr>
-            <a:spLocks noGrp="1"/>
-          </p:cNvSpPr>
-          <p:nvPr>
-            <p:ph idx="1"/>
-          </p:nvPr>
-        </p:nvSpPr>
-        <p:spPr/>
-        <p:txBody>
-          <a:bodyPr>
-            <a:normAutofit/>
-          </a:bodyPr>
-          <a:lstStyle/>
-          <a:p>
-            <a:r>
               <a:rPr lang="en-US" dirty="0"/>
               <a:t>All LAPPS services exchange </a:t>
             </a:r>
             <a:r>
-              <a:rPr lang="en-US" dirty="0" err="1"/>
+              <a:rPr lang="en-US" b="1" dirty="0" err="1">
+                <a:solidFill>
+                  <a:srgbClr val="632523"/>
+                </a:solidFill>
+              </a:rPr>
               <a:t>org.lappsgrid.api.Data</a:t>
             </a:r>
             <a:r>
-              <a:rPr lang="en-US" dirty="0"/>
+              <a:rPr lang="en-US" b="1" dirty="0">
+                <a:solidFill>
+                  <a:srgbClr val="632523"/>
+                </a:solidFill>
+              </a:rPr>
               <a:t> objects</a:t>
             </a:r>
           </a:p>
@@ -8029,20 +7946,56 @@
             <a:pPr lvl="1"/>
             <a:r>
               <a:rPr lang="en-US" dirty="0"/>
-              <a:t>a discriminator (type) : tells how to interpret the payload</a:t>
+              <a:t>a </a:t>
+            </a:r>
+            <a:r>
+              <a:rPr lang="en-US" b="1" dirty="0">
+                <a:solidFill>
+                  <a:srgbClr val="632523"/>
+                </a:solidFill>
+              </a:rPr>
+              <a:t>discriminator</a:t>
+            </a:r>
+            <a:r>
+              <a:rPr lang="en-US" dirty="0"/>
+              <a:t> (type) : tells how to interpret the payload</a:t>
             </a:r>
           </a:p>
           <a:p>
             <a:pPr lvl="1"/>
             <a:r>
               <a:rPr lang="en-US" dirty="0"/>
-              <a:t>a payload (typically a utf-8 string)</a:t>
-            </a:r>
-          </a:p>
-          <a:p>
+              <a:t>a </a:t>
+            </a:r>
+            <a:r>
+              <a:rPr lang="en-US" b="1" dirty="0">
+                <a:solidFill>
+                  <a:srgbClr val="632523"/>
+                </a:solidFill>
+              </a:rPr>
+              <a:t>payload</a:t>
+            </a:r>
             <a:r>
               <a:rPr lang="en-US" dirty="0"/>
-              <a:t>LAPPS uses JSON-LD as its standard format for the </a:t>
+              <a:t> (typically a utf-8 string)</a:t>
+            </a:r>
+          </a:p>
+          <a:p>
+            <a:r>
+              <a:rPr lang="en-US" dirty="0"/>
+              <a:t>LAPPS uses </a:t>
+            </a:r>
+            <a:r>
+              <a:rPr lang="en-US" b="1" dirty="0">
+                <a:solidFill>
+                  <a:srgbClr val="632523"/>
+                </a:solidFill>
+              </a:rPr>
+              <a:t>JSON-LD </a:t>
+            </a:r>
+            <a:r>
+              <a:rPr lang="en-US" dirty="0"/>
+              <a:t>as its standard format for the </a:t>
             </a:r>
             <a:r>
               <a:rPr lang="en-US" dirty="0" smtClean="0"/>
@@ -8052,17 +8005,37 @@
           <a:p>
             <a:pPr lvl="1"/>
             <a:r>
-              <a:rPr lang="en-US" dirty="0" smtClean="0"/>
-              <a:t>Converters to and from JSON-LD for services that deliver in other formats</a:t>
+              <a:rPr lang="en-US" b="1" dirty="0" smtClean="0">
+                <a:solidFill>
+                  <a:srgbClr val="632523"/>
+                </a:solidFill>
+              </a:rPr>
+              <a:t>Converters</a:t>
+            </a:r>
+            <a:r>
+              <a:rPr lang="en-US" dirty="0" smtClean="0"/>
+              <a:t> to and from JSON-LD for services that deliver in other formats</a:t>
             </a:r>
           </a:p>
           <a:p>
             <a:pPr lvl="1"/>
             <a:r>
               <a:rPr lang="en-US" dirty="0" smtClean="0"/>
-              <a:t>Some LAPPS services are wrapped to produce and consume JSON-LD</a:t>
-            </a:r>
-            <a:endParaRPr lang="en-US" dirty="0"/>
+              <a:t>Some LAPPS services are wrapped to </a:t>
+            </a:r>
+            <a:r>
+              <a:rPr lang="en-US" b="1" dirty="0" smtClean="0">
+                <a:solidFill>
+                  <a:srgbClr val="632523"/>
+                </a:solidFill>
+              </a:rPr>
+              <a:t>produce and consume JSON-LD</a:t>
+            </a:r>
+            <a:endParaRPr lang="en-US" b="1" dirty="0">
+              <a:solidFill>
+                <a:srgbClr val="632523"/>
+              </a:solidFill>
+            </a:endParaRPr>
           </a:p>
           <a:p>
             <a:pPr marL="0" indent="0">
@@ -8085,7 +8058,7 @@
 </p:sld>
 </file>
 
-<file path=ppt/slides/slide26.xml><?xml version="1.0" encoding="utf-8"?>
+<file path=ppt/slides/slide23.xml><?xml version="1.0" encoding="utf-8"?>
 <p:sld xmlns:a="http://schemas.openxmlformats.org/drawingml/2006/main" xmlns:r="http://schemas.openxmlformats.org/officeDocument/2006/relationships" xmlns:p="http://schemas.openxmlformats.org/presentationml/2006/main">
   <p:cSld>
     <p:spTree>
@@ -8110,7 +8083,7 @@
         </p:nvSpPr>
         <p:spPr>
           <a:xfrm>
-            <a:off x="3793395" y="3717791"/>
+            <a:off x="3793395" y="3916241"/>
             <a:ext cx="1309594" cy="1303507"/>
           </a:xfrm>
           <a:prstGeom prst="roundRect">
@@ -8159,7 +8132,7 @@
         </p:nvSpPr>
         <p:spPr>
           <a:xfrm>
-            <a:off x="5267751" y="2323001"/>
+            <a:off x="5267751" y="2521451"/>
             <a:ext cx="1438950" cy="1203472"/>
           </a:xfrm>
           <a:prstGeom prst="roundRect">
@@ -8206,7 +8179,7 @@
         </p:nvSpPr>
         <p:spPr>
           <a:xfrm>
-            <a:off x="738204" y="2170601"/>
+            <a:off x="738204" y="2369051"/>
             <a:ext cx="914400" cy="914400"/>
           </a:xfrm>
           <a:prstGeom prst="rect">
@@ -8255,7 +8228,7 @@
         </p:nvSpPr>
         <p:spPr>
           <a:xfrm>
-            <a:off x="4780885" y="759826"/>
+            <a:off x="4780885" y="958276"/>
             <a:ext cx="914400" cy="914400"/>
           </a:xfrm>
           <a:prstGeom prst="rect">
@@ -8313,7 +8286,7 @@
         </p:nvSpPr>
         <p:spPr>
           <a:xfrm>
-            <a:off x="2683855" y="2170601"/>
+            <a:off x="2683855" y="2369051"/>
             <a:ext cx="914400" cy="914400"/>
           </a:xfrm>
           <a:prstGeom prst="rect">
@@ -8362,7 +8335,7 @@
         </p:nvSpPr>
         <p:spPr>
           <a:xfrm>
-            <a:off x="6673427" y="759826"/>
+            <a:off x="6673427" y="958276"/>
             <a:ext cx="914400" cy="914400"/>
           </a:xfrm>
           <a:prstGeom prst="rect">
@@ -8420,7 +8393,7 @@
         </p:nvSpPr>
         <p:spPr>
           <a:xfrm>
-            <a:off x="3929999" y="3909109"/>
+            <a:off x="3929999" y="4107559"/>
             <a:ext cx="1018021" cy="914400"/>
           </a:xfrm>
           <a:prstGeom prst="rect">
@@ -8477,7 +8450,7 @@
         </p:nvCxnSpPr>
         <p:spPr>
           <a:xfrm>
-            <a:off x="1697911" y="2661555"/>
+            <a:off x="1697911" y="2860005"/>
             <a:ext cx="899518" cy="0"/>
           </a:xfrm>
           <a:prstGeom prst="straightConnector1">
@@ -8510,7 +8483,7 @@
         </p:nvSpPr>
         <p:spPr>
           <a:xfrm>
-            <a:off x="1617159" y="2323001"/>
+            <a:off x="1617159" y="2521451"/>
             <a:ext cx="1047582" cy="338554"/>
           </a:xfrm>
           <a:prstGeom prst="rect">
@@ -8543,7 +8516,7 @@
         </p:nvCxnSpPr>
         <p:spPr>
           <a:xfrm rot="5400000" flipH="1" flipV="1">
-            <a:off x="3484183" y="873899"/>
+            <a:off x="3484183" y="1072349"/>
             <a:ext cx="953575" cy="1639830"/>
           </a:xfrm>
           <a:prstGeom prst="bentConnector2">
@@ -8576,7 +8549,7 @@
         </p:nvCxnSpPr>
         <p:spPr>
           <a:xfrm>
-            <a:off x="5751316" y="1250323"/>
+            <a:off x="5751316" y="1448773"/>
             <a:ext cx="899518" cy="0"/>
           </a:xfrm>
           <a:prstGeom prst="straightConnector1">
@@ -8609,7 +8582,7 @@
         </p:nvSpPr>
         <p:spPr>
           <a:xfrm>
-            <a:off x="5659605" y="880991"/>
+            <a:off x="5659605" y="1079441"/>
             <a:ext cx="1031051" cy="338554"/>
           </a:xfrm>
           <a:prstGeom prst="rect">
@@ -8639,7 +8612,7 @@
         </p:nvSpPr>
         <p:spPr>
           <a:xfrm>
-            <a:off x="3737704" y="998478"/>
+            <a:off x="3737704" y="1196928"/>
             <a:ext cx="534170" cy="529192"/>
           </a:xfrm>
           <a:prstGeom prst="ellipse">
@@ -8685,7 +8658,7 @@
         </p:nvSpPr>
         <p:spPr>
           <a:xfrm>
-            <a:off x="2873970" y="1488459"/>
+            <a:off x="2873970" y="1686909"/>
             <a:ext cx="534170" cy="529192"/>
           </a:xfrm>
           <a:prstGeom prst="ellipse">
@@ -8731,7 +8704,7 @@
         </p:nvCxnSpPr>
         <p:spPr>
           <a:xfrm>
-            <a:off x="7587827" y="1217026"/>
+            <a:off x="7587827" y="1415476"/>
             <a:ext cx="959423" cy="1105975"/>
           </a:xfrm>
           <a:prstGeom prst="bentConnector2">
@@ -8764,7 +8737,7 @@
         </p:nvSpPr>
         <p:spPr>
           <a:xfrm>
-            <a:off x="7849952" y="960369"/>
+            <a:off x="7849952" y="1158819"/>
             <a:ext cx="534170" cy="529192"/>
           </a:xfrm>
           <a:prstGeom prst="ellipse">
@@ -8808,7 +8781,7 @@
         </p:nvSpPr>
         <p:spPr>
           <a:xfrm>
-            <a:off x="5447432" y="2502190"/>
+            <a:off x="5447432" y="2700640"/>
             <a:ext cx="1047618" cy="839683"/>
           </a:xfrm>
           <a:prstGeom prst="rect">
@@ -8866,7 +8839,7 @@
         </p:nvCxnSpPr>
         <p:spPr>
           <a:xfrm flipH="1">
-            <a:off x="6706701" y="2924737"/>
+            <a:off x="6706701" y="3123187"/>
             <a:ext cx="892598" cy="0"/>
           </a:xfrm>
           <a:prstGeom prst="straightConnector1">
@@ -8902,7 +8875,7 @@
         </p:nvSpPr>
         <p:spPr>
           <a:xfrm>
-            <a:off x="7599299" y="2323001"/>
+            <a:off x="7599299" y="2521451"/>
             <a:ext cx="1438950" cy="1203472"/>
           </a:xfrm>
           <a:prstGeom prst="roundRect">
@@ -8949,7 +8922,7 @@
         </p:nvSpPr>
         <p:spPr>
           <a:xfrm>
-            <a:off x="7778980" y="2502190"/>
+            <a:off x="7778980" y="2700640"/>
             <a:ext cx="1047618" cy="839683"/>
           </a:xfrm>
           <a:prstGeom prst="rect">
@@ -9004,7 +8977,7 @@
         </p:nvSpPr>
         <p:spPr>
           <a:xfrm>
-            <a:off x="1658227" y="3731021"/>
+            <a:off x="1658227" y="3929471"/>
             <a:ext cx="1309594" cy="1303507"/>
           </a:xfrm>
           <a:prstGeom prst="roundRect">
@@ -9053,7 +9026,7 @@
         </p:nvSpPr>
         <p:spPr>
           <a:xfrm>
-            <a:off x="1808611" y="3936341"/>
+            <a:off x="1808611" y="4134791"/>
             <a:ext cx="1018021" cy="914400"/>
           </a:xfrm>
           <a:prstGeom prst="rect">
@@ -9113,7 +9086,7 @@
         </p:nvCxnSpPr>
         <p:spPr>
           <a:xfrm rot="10800000" flipV="1">
-            <a:off x="4448193" y="2924737"/>
+            <a:off x="4448193" y="3123187"/>
             <a:ext cx="819559" cy="793054"/>
           </a:xfrm>
           <a:prstGeom prst="bentConnector2">
@@ -9151,7 +9124,7 @@
         </p:nvCxnSpPr>
         <p:spPr>
           <a:xfrm flipH="1">
-            <a:off x="2967464" y="4369545"/>
+            <a:off x="2967464" y="4567995"/>
             <a:ext cx="825931" cy="17343"/>
           </a:xfrm>
           <a:prstGeom prst="straightConnector1">
@@ -9187,7 +9160,7 @@
         </p:nvSpPr>
         <p:spPr>
           <a:xfrm>
-            <a:off x="440108" y="368007"/>
+            <a:off x="440108" y="566457"/>
             <a:ext cx="1510592" cy="1184723"/>
           </a:xfrm>
           <a:prstGeom prst="diamond">
@@ -9246,7 +9219,7 @@
         </p:nvSpPr>
         <p:spPr>
           <a:xfrm>
-            <a:off x="6250170" y="5340244"/>
+            <a:off x="6250170" y="5538694"/>
             <a:ext cx="534170" cy="529192"/>
           </a:xfrm>
           <a:prstGeom prst="ellipse">
@@ -9292,7 +9265,7 @@
         </p:nvCxnSpPr>
         <p:spPr>
           <a:xfrm flipH="1">
-            <a:off x="1195404" y="1550136"/>
+            <a:off x="1195404" y="1748586"/>
             <a:ext cx="13064" cy="620465"/>
           </a:xfrm>
           <a:prstGeom prst="straightConnector1">
@@ -9325,7 +9298,7 @@
         </p:nvSpPr>
         <p:spPr>
           <a:xfrm>
-            <a:off x="6824056" y="5396375"/>
+            <a:off x="6824056" y="5594825"/>
             <a:ext cx="1991751" cy="338554"/>
           </a:xfrm>
           <a:prstGeom prst="rect">
@@ -9355,7 +9328,7 @@
         </p:nvSpPr>
         <p:spPr>
           <a:xfrm>
-            <a:off x="6820612" y="6079333"/>
+            <a:off x="6820612" y="6277783"/>
             <a:ext cx="2221081" cy="338554"/>
           </a:xfrm>
           <a:prstGeom prst="rect">
@@ -9385,7 +9358,7 @@
         </p:nvSpPr>
         <p:spPr>
           <a:xfrm>
-            <a:off x="6250170" y="5992987"/>
+            <a:off x="6250170" y="6191437"/>
             <a:ext cx="534170" cy="529192"/>
           </a:xfrm>
           <a:prstGeom prst="ellipse">
@@ -9433,7 +9406,7 @@
         </p:nvCxnSpPr>
         <p:spPr>
           <a:xfrm rot="10800000" flipV="1">
-            <a:off x="1065699" y="4382775"/>
+            <a:off x="1065699" y="4581225"/>
             <a:ext cx="592529" cy="1073790"/>
           </a:xfrm>
           <a:prstGeom prst="bentConnector2">
@@ -9466,7 +9439,7 @@
         </p:nvSpPr>
         <p:spPr>
           <a:xfrm>
-            <a:off x="311978" y="5519757"/>
+            <a:off x="311978" y="5718207"/>
             <a:ext cx="1672253" cy="369332"/>
           </a:xfrm>
           <a:prstGeom prst="rect">
@@ -9501,7 +9474,7 @@
         </p:nvSpPr>
         <p:spPr>
           <a:xfrm>
-            <a:off x="5852853" y="3951173"/>
+            <a:off x="5852853" y="4149623"/>
             <a:ext cx="3099818" cy="1200329"/>
           </a:xfrm>
           <a:prstGeom prst="rect">
@@ -9537,6 +9510,44 @@
           </a:p>
         </p:txBody>
       </p:sp>
+      <p:sp>
+        <p:nvSpPr>
+          <p:cNvPr id="2" name="TextBox 1"/>
+          <p:cNvSpPr txBox="1"/>
+          <p:nvPr/>
+        </p:nvSpPr>
+        <p:spPr>
+          <a:xfrm>
+            <a:off x="1945962" y="-1325"/>
+            <a:ext cx="4589643" cy="738664"/>
+          </a:xfrm>
+          <a:prstGeom prst="rect">
+            <a:avLst/>
+          </a:prstGeom>
+          <a:noFill/>
+        </p:spPr>
+        <p:txBody>
+          <a:bodyPr wrap="none" rtlCol="0">
+            <a:spAutoFit/>
+          </a:bodyPr>
+          <a:lstStyle/>
+          <a:p>
+            <a:pPr algn="ctr"/>
+            <a:r>
+              <a:rPr lang="en-US" sz="2400" dirty="0" smtClean="0"/>
+              <a:t>Logical flow</a:t>
+            </a:r>
+          </a:p>
+          <a:p>
+            <a:pPr algn="ctr"/>
+            <a:r>
+              <a:rPr lang="en-US" dirty="0" smtClean="0"/>
+              <a:t>(client-server communication not represented) </a:t>
+            </a:r>
+            <a:endParaRPr lang="en-US" dirty="0"/>
+          </a:p>
+        </p:txBody>
+      </p:sp>
     </p:spTree>
     <p:extLst>
       <p:ext uri="{BB962C8B-B14F-4D97-AF65-F5344CB8AC3E}">
@@ -9550,7 +9561,7 @@
 </p:sld>
 </file>
 
-<file path=ppt/slides/slide27.xml><?xml version="1.0" encoding="utf-8"?>
+<file path=ppt/slides/slide24.xml><?xml version="1.0" encoding="utf-8"?>
 <p:sld xmlns:a="http://schemas.openxmlformats.org/drawingml/2006/main" xmlns:r="http://schemas.openxmlformats.org/officeDocument/2006/relationships" xmlns:p="http://schemas.openxmlformats.org/presentationml/2006/main">
   <p:cSld>
     <p:spTree>
@@ -9622,17 +9633,7 @@
                   </a:schemeClr>
                 </a:solidFill>
               </a:rPr>
-              <a:t>SOAP/</a:t>
-            </a:r>
-            <a:r>
-              <a:rPr lang="en-US" dirty="0" smtClean="0">
-                <a:solidFill>
-                  <a:schemeClr val="accent2">
-                    <a:lumMod val="50000"/>
-                  </a:schemeClr>
-                </a:solidFill>
-              </a:rPr>
-              <a:t>WSDL</a:t>
+              <a:t>SOAP/WSDL</a:t>
             </a:r>
           </a:p>
           <a:p>
@@ -9652,7 +9653,16 @@
                   <a:srgbClr val="632523"/>
                 </a:solidFill>
               </a:rPr>
-              <a:t>JSON-</a:t>
+              <a:t>JSON-LD</a:t>
+            </a:r>
+          </a:p>
+          <a:p>
+            <a:endParaRPr lang="en-US" dirty="0" smtClean="0"/>
+          </a:p>
+          <a:p>
+            <a:r>
+              <a:rPr lang="en-US" dirty="0" smtClean="0"/>
+              <a:t>Semantic interoperability among NLP tools handled with the </a:t>
             </a:r>
             <a:r>
               <a:rPr lang="en-US" dirty="0" smtClean="0">
@@ -9660,32 +9670,7 @@
                   <a:srgbClr val="632523"/>
                 </a:solidFill>
               </a:rPr>
-              <a:t>LD</a:t>
-            </a:r>
-          </a:p>
-          <a:p>
-            <a:endParaRPr lang="en-US" dirty="0" smtClean="0"/>
-          </a:p>
-          <a:p>
-            <a:r>
-              <a:rPr lang="en-US" dirty="0" smtClean="0"/>
-              <a:t>Semantic interoperability among NLP tools handled with the </a:t>
-            </a:r>
-            <a:r>
-              <a:rPr lang="en-US" dirty="0" smtClean="0">
-                <a:solidFill>
-                  <a:srgbClr val="632523"/>
-                </a:solidFill>
-              </a:rPr>
-              <a:t>LAPPS Exchange </a:t>
-            </a:r>
-            <a:r>
-              <a:rPr lang="en-US" dirty="0" smtClean="0">
-                <a:solidFill>
-                  <a:srgbClr val="632523"/>
-                </a:solidFill>
-              </a:rPr>
-              <a:t>Vocabulary</a:t>
+              <a:t>LAPPS Exchange Vocabulary</a:t>
             </a:r>
             <a:endParaRPr lang="en-US" dirty="0">
               <a:solidFill>
@@ -9708,7 +9693,7 @@
 </p:sld>
 </file>
 
-<file path=ppt/slides/slide28.xml><?xml version="1.0" encoding="utf-8"?>
+<file path=ppt/slides/slide25.xml><?xml version="1.0" encoding="utf-8"?>
 <p:sld xmlns:a="http://schemas.openxmlformats.org/drawingml/2006/main" xmlns:r="http://schemas.openxmlformats.org/officeDocument/2006/relationships" xmlns:p="http://schemas.openxmlformats.org/presentationml/2006/main">
   <p:cSld>
     <p:spTree>
@@ -10608,7 +10593,7 @@
         </p:nvSpPr>
         <p:spPr>
           <a:xfrm>
-            <a:off x="457200" y="801309"/>
+            <a:off x="517554" y="642552"/>
             <a:ext cx="8229600" cy="5487395"/>
           </a:xfrm>
         </p:spPr>
@@ -10626,8 +10611,29 @@
             </a:pPr>
             <a:r>
               <a:rPr lang="en-US" dirty="0"/>
-              <a:t>Part II. Contributing to the LAPPS Grid: Hands-on exercise</a:t>
-            </a:r>
+              <a:t>Part II</a:t>
+            </a:r>
+            <a:r>
+              <a:rPr lang="en-US" dirty="0"/>
+              <a:t>. Using the LAPPS Grid: Hands-on exercise</a:t>
+            </a:r>
+          </a:p>
+          <a:p>
+            <a:pPr marL="0" lvl="1" indent="0">
+              <a:lnSpc>
+                <a:spcPct val="110000"/>
+              </a:lnSpc>
+              <a:buNone/>
+            </a:pPr>
+            <a:r>
+              <a:rPr lang="en-US" sz="2300" i="1" dirty="0"/>
+              <a:t>Di Wang, Keith </a:t>
+            </a:r>
+            <a:r>
+              <a:rPr lang="en-US" sz="2300" i="1" dirty="0" err="1"/>
+              <a:t>Suderman</a:t>
+            </a:r>
+            <a:endParaRPr lang="en-US" sz="2300" dirty="0"/>
           </a:p>
           <a:p>
             <a:pPr marL="457200" indent="-457200">
@@ -10638,42 +10644,139 @@
               <a:buAutoNum type="arabicPeriod"/>
             </a:pPr>
             <a:r>
-              <a:rPr lang="en-US" dirty="0" smtClean="0"/>
-              <a:t>Wrapping </a:t>
-            </a:r>
-            <a:r>
               <a:rPr lang="en-US" dirty="0"/>
-              <a:t>tools as web </a:t>
-            </a:r>
-            <a:r>
-              <a:rPr lang="en-US" dirty="0" smtClean="0"/>
-              <a:t>services</a:t>
-            </a:r>
-          </a:p>
-          <a:p>
-            <a:pPr marL="400050" lvl="1" indent="0">
+              <a:t>Using the composer</a:t>
+            </a:r>
+          </a:p>
+          <a:p>
+            <a:pPr lvl="1" indent="-342900">
+              <a:lnSpc>
+                <a:spcPct val="110000"/>
+              </a:lnSpc>
+            </a:pPr>
+            <a:r>
+              <a:rPr lang="en-US" dirty="0"/>
+              <a:t>Selecting a data source</a:t>
+            </a:r>
+          </a:p>
+          <a:p>
+            <a:pPr lvl="1" indent="-342900">
+              <a:lnSpc>
+                <a:spcPct val="110000"/>
+              </a:lnSpc>
+            </a:pPr>
+            <a:r>
+              <a:rPr lang="en-US" dirty="0"/>
+              <a:t>Creating a processing pipeline: Sample task: Co-reference annotation</a:t>
+            </a:r>
+          </a:p>
+          <a:p>
+            <a:pPr lvl="1" indent="-342900">
+              <a:lnSpc>
+                <a:spcPct val="110000"/>
+              </a:lnSpc>
+            </a:pPr>
+            <a:r>
+              <a:rPr lang="en-US" dirty="0"/>
+              <a:t>Deploying the pipeline</a:t>
+            </a:r>
+          </a:p>
+          <a:p>
+            <a:pPr lvl="1" indent="-342900">
+              <a:lnSpc>
+                <a:spcPct val="110000"/>
+              </a:lnSpc>
+            </a:pPr>
+            <a:r>
+              <a:rPr lang="en-US" dirty="0"/>
+              <a:t>Evaluating performance: Using the Open Advancement Evaluation Environment</a:t>
+            </a:r>
+          </a:p>
+          <a:p>
+            <a:pPr lvl="1" indent="-342900">
+              <a:lnSpc>
+                <a:spcPct val="110000"/>
+              </a:lnSpc>
+            </a:pPr>
+            <a:r>
+              <a:rPr lang="en-US" dirty="0"/>
+              <a:t>Iterative improvement</a:t>
+            </a:r>
+          </a:p>
+          <a:p>
+            <a:pPr marL="1085850" lvl="2" indent="-285750">
+              <a:lnSpc>
+                <a:spcPct val="110000"/>
+              </a:lnSpc>
+            </a:pPr>
+            <a:r>
+              <a:rPr lang="en-US" dirty="0"/>
+              <a:t>Modifying the pipeline on the basis of OA analysis</a:t>
+            </a:r>
+          </a:p>
+          <a:p>
+            <a:pPr marL="1085850" lvl="2" indent="-285750">
+              <a:lnSpc>
+                <a:spcPct val="110000"/>
+              </a:lnSpc>
+            </a:pPr>
+            <a:r>
+              <a:rPr lang="en-US" dirty="0"/>
+              <a:t>Assessing results </a:t>
+            </a:r>
+          </a:p>
+          <a:p>
+            <a:pPr marL="0" indent="0">
               <a:lnSpc>
                 <a:spcPct val="110000"/>
               </a:lnSpc>
               <a:buNone/>
             </a:pPr>
             <a:r>
-              <a:rPr lang="en-US" sz="1400" i="1" dirty="0" smtClean="0"/>
-              <a:t> </a:t>
-            </a:r>
-            <a:r>
-              <a:rPr lang="en-US" sz="1500" i="1" dirty="0" err="1" smtClean="0"/>
-              <a:t>Chunqi</a:t>
-            </a:r>
-            <a:r>
-              <a:rPr lang="en-US" sz="1500" i="1" dirty="0" smtClean="0"/>
-              <a:t> Shi, Marc </a:t>
-            </a:r>
-            <a:r>
-              <a:rPr lang="en-US" sz="1500" i="1" dirty="0" err="1" smtClean="0"/>
-              <a:t>Verhagen</a:t>
-            </a:r>
-            <a:endParaRPr lang="en-US" sz="1600" i="1" dirty="0"/>
+              <a:rPr lang="en-US" dirty="0"/>
+              <a:t> </a:t>
+            </a:r>
+          </a:p>
+          <a:p>
+            <a:pPr marL="0" indent="0">
+              <a:lnSpc>
+                <a:spcPct val="110000"/>
+              </a:lnSpc>
+              <a:buNone/>
+            </a:pPr>
+            <a:r>
+              <a:rPr lang="en-US" dirty="0" smtClean="0"/>
+              <a:t>-- Coffee Break --</a:t>
+            </a:r>
+            <a:endParaRPr lang="en-US" dirty="0"/>
+          </a:p>
+          <a:p>
+            <a:pPr marL="0" indent="0">
+              <a:lnSpc>
+                <a:spcPct val="110000"/>
+              </a:lnSpc>
+              <a:buNone/>
+            </a:pPr>
+            <a:r>
+              <a:rPr lang="en-US" dirty="0"/>
+              <a:t> </a:t>
+            </a:r>
+          </a:p>
+          <a:p>
+            <a:pPr marL="0" indent="0">
+              <a:lnSpc>
+                <a:spcPct val="110000"/>
+              </a:lnSpc>
+              <a:buNone/>
+            </a:pPr>
+            <a:r>
+              <a:rPr lang="en-US" dirty="0"/>
+              <a:t>Part III. </a:t>
+            </a:r>
+            <a:r>
+              <a:rPr lang="en-US" dirty="0"/>
+              <a:t>Contributing to the LAPPS Grid: Hands-on exercise</a:t>
+            </a:r>
           </a:p>
           <a:p>
             <a:pPr marL="457200" indent="-457200">
@@ -10684,16 +10787,8 @@
               <a:buAutoNum type="arabicPeriod"/>
             </a:pPr>
             <a:r>
-              <a:rPr lang="en-US" dirty="0" smtClean="0"/>
-              <a:t>Mapping </a:t>
-            </a:r>
-            <a:r>
               <a:rPr lang="en-US" dirty="0"/>
-              <a:t>input and output to the exchange </a:t>
-            </a:r>
-            <a:r>
-              <a:rPr lang="en-US" dirty="0" smtClean="0"/>
-              <a:t>vocabulary</a:t>
+              <a:t>Wrapping tools as web services</a:t>
             </a:r>
           </a:p>
           <a:p>
@@ -10704,22 +10799,22 @@
               <a:buNone/>
             </a:pPr>
             <a:r>
-              <a:rPr lang="en-US" dirty="0" smtClean="0"/>
+              <a:rPr lang="en-US" sz="1700" i="1" dirty="0"/>
               <a:t> </a:t>
             </a:r>
             <a:r>
-              <a:rPr lang="en-US" sz="1500" i="1" dirty="0" smtClean="0"/>
-              <a:t>Keith </a:t>
-            </a:r>
-            <a:r>
-              <a:rPr lang="en-US" sz="1500" i="1" dirty="0" err="1" smtClean="0"/>
-              <a:t>Suderman</a:t>
-            </a:r>
-            <a:r>
-              <a:rPr lang="en-US" sz="1500" i="1" dirty="0" smtClean="0"/>
-              <a:t>, Nancy Ide </a:t>
-            </a:r>
-            <a:endParaRPr lang="en-US" i="1" dirty="0"/>
+              <a:rPr lang="en-US" sz="2300" i="1" dirty="0" err="1"/>
+              <a:t>Chunqi</a:t>
+            </a:r>
+            <a:r>
+              <a:rPr lang="en-US" sz="2300" i="1" dirty="0"/>
+              <a:t> Shi, Marc </a:t>
+            </a:r>
+            <a:r>
+              <a:rPr lang="en-US" sz="2300" i="1" dirty="0" err="1"/>
+              <a:t>Verhagen</a:t>
+            </a:r>
+            <a:endParaRPr lang="en-US" sz="2300" i="1" dirty="0"/>
           </a:p>
           <a:p>
             <a:pPr marL="457200" indent="-457200">
@@ -10730,116 +10825,30 @@
               <a:buAutoNum type="arabicPeriod"/>
             </a:pPr>
             <a:r>
-              <a:rPr lang="en-US" dirty="0" smtClean="0"/>
-              <a:t>Registering services in </a:t>
-            </a:r>
-            <a:r>
               <a:rPr lang="en-US" dirty="0"/>
-              <a:t>the LAPPS </a:t>
-            </a:r>
-            <a:r>
-              <a:rPr lang="en-US" dirty="0" smtClean="0"/>
-              <a:t>Grid</a:t>
-            </a:r>
-          </a:p>
-          <a:p>
-            <a:pPr marL="0" lvl="1" indent="0">
+              <a:t>Mapping input and output to the exchange vocabulary</a:t>
+            </a:r>
+          </a:p>
+          <a:p>
+            <a:pPr marL="400050" lvl="1" indent="0">
               <a:lnSpc>
                 <a:spcPct val="110000"/>
               </a:lnSpc>
               <a:buNone/>
             </a:pPr>
             <a:r>
-              <a:rPr lang="en-US" dirty="0" smtClean="0"/>
-              <a:t>	</a:t>
-            </a:r>
-            <a:r>
-              <a:rPr lang="en-US" sz="1500" i="1" dirty="0" err="1"/>
-              <a:t>Chunqi</a:t>
-            </a:r>
-            <a:r>
-              <a:rPr lang="en-US" sz="1500" i="1" dirty="0"/>
-              <a:t> Shi, Marc </a:t>
-            </a:r>
-            <a:r>
-              <a:rPr lang="en-US" sz="1500" i="1" dirty="0" err="1" smtClean="0"/>
-              <a:t>Verhagen</a:t>
-            </a:r>
-            <a:endParaRPr lang="en-US" i="1" dirty="0"/>
-          </a:p>
-          <a:p>
-            <a:pPr marL="0" indent="0">
-              <a:lnSpc>
-                <a:spcPct val="110000"/>
-              </a:lnSpc>
-              <a:buNone/>
-            </a:pPr>
-            <a:r>
-              <a:rPr lang="en-US" dirty="0"/>
-              <a:t> </a:t>
-            </a:r>
-          </a:p>
-          <a:p>
-            <a:pPr marL="0" indent="0">
-              <a:lnSpc>
-                <a:spcPct val="110000"/>
-              </a:lnSpc>
-              <a:buNone/>
-            </a:pPr>
-            <a:r>
-              <a:rPr lang="en-US" dirty="0" smtClean="0"/>
-              <a:t>-- Coffee Break --</a:t>
-            </a:r>
-            <a:endParaRPr lang="en-US" dirty="0"/>
-          </a:p>
-          <a:p>
-            <a:pPr marL="0" indent="0">
-              <a:lnSpc>
-                <a:spcPct val="110000"/>
-              </a:lnSpc>
-              <a:buNone/>
-            </a:pPr>
-            <a:r>
-              <a:rPr lang="en-US" dirty="0"/>
-              <a:t> </a:t>
-            </a:r>
-          </a:p>
-          <a:p>
-            <a:pPr marL="0" indent="0">
-              <a:lnSpc>
-                <a:spcPct val="110000"/>
-              </a:lnSpc>
-              <a:buNone/>
-            </a:pPr>
-            <a:r>
-              <a:rPr lang="en-US" dirty="0"/>
-              <a:t>Part III. Using the LAPPS Grid: Hands-on </a:t>
-            </a:r>
-            <a:r>
-              <a:rPr lang="en-US" dirty="0" smtClean="0"/>
-              <a:t>exercise</a:t>
-            </a:r>
-          </a:p>
-          <a:p>
-            <a:pPr marL="0" lvl="1" indent="0">
-              <a:lnSpc>
-                <a:spcPct val="110000"/>
-              </a:lnSpc>
-              <a:buNone/>
-            </a:pPr>
-            <a:r>
-              <a:rPr lang="en-US" sz="1600" i="1" dirty="0"/>
-              <a:t>Di </a:t>
-            </a:r>
-            <a:r>
-              <a:rPr lang="en-US" sz="1600" i="1" dirty="0" smtClean="0"/>
-              <a:t>Wang, Keith </a:t>
-            </a:r>
-            <a:r>
-              <a:rPr lang="en-US" sz="1600" i="1" dirty="0" err="1" smtClean="0"/>
+              <a:rPr lang="en-US" sz="2600" dirty="0"/>
+              <a:t> </a:t>
+            </a:r>
+            <a:r>
+              <a:rPr lang="en-US" sz="2300" i="1" dirty="0"/>
+              <a:t>Keith </a:t>
+            </a:r>
+            <a:r>
+              <a:rPr lang="en-US" sz="2300" i="1" dirty="0" err="1" smtClean="0"/>
               <a:t>Suderman</a:t>
             </a:r>
-            <a:endParaRPr lang="en-US" dirty="0"/>
+            <a:endParaRPr lang="en-US" sz="2900" i="1" dirty="0"/>
           </a:p>
           <a:p>
             <a:pPr marL="457200" indent="-457200">
@@ -10850,124 +10859,34 @@
               <a:buAutoNum type="arabicPeriod"/>
             </a:pPr>
             <a:r>
-              <a:rPr lang="en-US" dirty="0" smtClean="0"/>
-              <a:t>Using </a:t>
-            </a:r>
-            <a:r>
               <a:rPr lang="en-US" dirty="0"/>
-              <a:t>the </a:t>
-            </a:r>
-            <a:r>
-              <a:rPr lang="en-US" dirty="0" smtClean="0"/>
-              <a:t>composer</a:t>
-            </a:r>
-          </a:p>
-          <a:p>
-            <a:pPr lvl="1" indent="-342900">
-              <a:lnSpc>
-                <a:spcPct val="110000"/>
-              </a:lnSpc>
-            </a:pPr>
-            <a:r>
-              <a:rPr lang="en-US" dirty="0" smtClean="0"/>
-              <a:t>Selecting </a:t>
-            </a:r>
-            <a:r>
-              <a:rPr lang="en-US" dirty="0"/>
-              <a:t>a data source</a:t>
-            </a:r>
-          </a:p>
-          <a:p>
-            <a:pPr lvl="1" indent="-342900">
-              <a:lnSpc>
-                <a:spcPct val="110000"/>
-              </a:lnSpc>
-            </a:pPr>
-            <a:r>
-              <a:rPr lang="en-US" dirty="0" smtClean="0"/>
-              <a:t>Creating </a:t>
-            </a:r>
-            <a:r>
-              <a:rPr lang="en-US" dirty="0"/>
-              <a:t>a processing pipeline: Sample task: Co-reference annotation</a:t>
-            </a:r>
-          </a:p>
-          <a:p>
-            <a:pPr lvl="1" indent="-342900">
-              <a:lnSpc>
-                <a:spcPct val="110000"/>
-              </a:lnSpc>
-            </a:pPr>
-            <a:r>
-              <a:rPr lang="en-US" dirty="0" smtClean="0"/>
-              <a:t>Deploying </a:t>
-            </a:r>
-            <a:r>
-              <a:rPr lang="en-US" dirty="0"/>
-              <a:t>the pipeline</a:t>
-            </a:r>
-          </a:p>
-          <a:p>
-            <a:pPr lvl="1" indent="-342900">
-              <a:lnSpc>
-                <a:spcPct val="110000"/>
-              </a:lnSpc>
-            </a:pPr>
-            <a:r>
-              <a:rPr lang="en-US" dirty="0" smtClean="0"/>
-              <a:t>Evaluating </a:t>
-            </a:r>
-            <a:r>
-              <a:rPr lang="en-US" dirty="0"/>
-              <a:t>performance: Using the Open Advancement Evaluation Environment</a:t>
-            </a:r>
-          </a:p>
-          <a:p>
-            <a:pPr lvl="1" indent="-342900">
-              <a:lnSpc>
-                <a:spcPct val="110000"/>
-              </a:lnSpc>
-            </a:pPr>
-            <a:r>
-              <a:rPr lang="en-US" dirty="0" smtClean="0"/>
-              <a:t>Iterative </a:t>
-            </a:r>
-            <a:r>
-              <a:rPr lang="en-US" dirty="0"/>
-              <a:t>improvement</a:t>
-            </a:r>
-          </a:p>
-          <a:p>
-            <a:pPr marL="800100" lvl="2" indent="0">
+              <a:t>Registering services in the LAPPS Grid</a:t>
+            </a:r>
+          </a:p>
+          <a:p>
+            <a:pPr marL="0" lvl="1" indent="0">
               <a:lnSpc>
                 <a:spcPct val="110000"/>
               </a:lnSpc>
               <a:buNone/>
             </a:pPr>
             <a:r>
-              <a:rPr lang="en-US" dirty="0" smtClean="0"/>
-              <a:t>Modifying </a:t>
-            </a:r>
-            <a:r>
               <a:rPr lang="en-US" dirty="0"/>
-              <a:t>the pipeline on the basis of OA analysis</a:t>
-            </a:r>
-          </a:p>
-          <a:p>
-            <a:pPr marL="800100" lvl="2" indent="0">
-              <a:lnSpc>
-                <a:spcPct val="110000"/>
-              </a:lnSpc>
-              <a:buNone/>
-            </a:pPr>
-            <a:r>
-              <a:rPr lang="en-US" dirty="0" smtClean="0"/>
-              <a:t>Assessing </a:t>
-            </a:r>
-            <a:r>
-              <a:rPr lang="en-US" dirty="0"/>
-              <a:t>results </a:t>
-            </a:r>
+              <a:t>	</a:t>
+            </a:r>
+            <a:r>
+              <a:rPr lang="en-US" sz="2300" i="1" dirty="0" err="1"/>
+              <a:t>Chunqi</a:t>
+            </a:r>
+            <a:r>
+              <a:rPr lang="en-US" sz="2300" i="1" dirty="0"/>
+              <a:t> Shi, Marc </a:t>
+            </a:r>
+            <a:r>
+              <a:rPr lang="en-US" sz="2300" i="1" dirty="0" err="1"/>
+              <a:t>Verhagen</a:t>
+            </a:r>
+            <a:endParaRPr lang="en-US" dirty="0"/>
           </a:p>
         </p:txBody>
       </p:sp>
@@ -11024,45 +10943,45 @@
           <a:lstStyle/>
           <a:p>
             <a:r>
-              <a:rPr lang="en-US" sz="2000" dirty="0" smtClean="0"/>
+              <a:rPr lang="en-US" dirty="0" smtClean="0"/>
               <a:t>Collaborative effort among US partners </a:t>
             </a:r>
           </a:p>
           <a:p>
             <a:pPr lvl="1"/>
             <a:r>
-              <a:rPr lang="en-US" sz="1800" dirty="0" smtClean="0"/>
+              <a:rPr lang="en-US" dirty="0" smtClean="0"/>
               <a:t>Brandeis University</a:t>
             </a:r>
           </a:p>
           <a:p>
             <a:pPr lvl="1"/>
             <a:r>
-              <a:rPr lang="en-US" sz="1800" dirty="0" smtClean="0"/>
+              <a:rPr lang="en-US" dirty="0" smtClean="0"/>
               <a:t>Vassar College</a:t>
             </a:r>
           </a:p>
           <a:p>
             <a:pPr lvl="1"/>
             <a:r>
-              <a:rPr lang="en-US" sz="1800" dirty="0" smtClean="0"/>
+              <a:rPr lang="en-US" dirty="0" smtClean="0"/>
               <a:t>Carnegie-Mellon University</a:t>
             </a:r>
           </a:p>
           <a:p>
             <a:pPr lvl="1"/>
             <a:r>
-              <a:rPr lang="en-US" sz="1800" dirty="0" smtClean="0"/>
+              <a:rPr lang="en-US" dirty="0" smtClean="0"/>
               <a:t>Linguistic Data Consortium (University of Pennsylvania)</a:t>
             </a:r>
           </a:p>
           <a:p>
             <a:r>
-              <a:rPr lang="en-US" sz="2000" dirty="0" smtClean="0"/>
+              <a:rPr lang="en-US" dirty="0" smtClean="0"/>
               <a:t>Funded by the </a:t>
             </a:r>
             <a:r>
-              <a:rPr lang="en-US" sz="2000" b="1" dirty="0" smtClean="0">
+              <a:rPr lang="en-US" b="1" dirty="0" smtClean="0">
                 <a:solidFill>
                   <a:srgbClr val="953735"/>
                 </a:solidFill>
@@ -11071,35 +10990,10 @@
             </a:r>
           </a:p>
           <a:p>
-            <a:r>
-              <a:rPr lang="en-US" sz="2000" dirty="0" smtClean="0"/>
-              <a:t>Builds on </a:t>
-            </a:r>
-          </a:p>
-          <a:p>
-            <a:pPr lvl="1"/>
-            <a:r>
-              <a:rPr lang="en-US" sz="1800" dirty="0" smtClean="0"/>
-              <a:t>foundation laid in several projects: SILT (Ide et al., 2009), The Language Grid, PANACEA, </a:t>
-            </a:r>
-            <a:r>
-              <a:rPr lang="en-US" sz="1800" dirty="0" err="1" smtClean="0"/>
-              <a:t>LinguaGrid</a:t>
-            </a:r>
-            <a:r>
-              <a:rPr lang="en-US" sz="1800" dirty="0" smtClean="0"/>
-              <a:t>…</a:t>
-            </a:r>
-          </a:p>
-          <a:p>
-            <a:pPr lvl="1"/>
-            <a:r>
-              <a:rPr lang="en-US" sz="1800" dirty="0" smtClean="0"/>
-              <a:t>momentum toward a comprehensive network of web services and resources within the NLP community</a:t>
-            </a:r>
-          </a:p>
-          <a:p>
-            <a:endParaRPr lang="en-US" sz="2000" dirty="0"/>
+            <a:pPr marL="0" indent="0">
+              <a:buNone/>
+            </a:pPr>
+            <a:endParaRPr lang="en-US" dirty="0"/>
           </a:p>
         </p:txBody>
       </p:sp>
@@ -11718,403 +11612,6 @@
 </file>
 
 <file path=ppt/slides/slide7.xml><?xml version="1.0" encoding="utf-8"?>
-<p:sld xmlns:a="http://schemas.openxmlformats.org/drawingml/2006/main" xmlns:r="http://schemas.openxmlformats.org/officeDocument/2006/relationships" xmlns:p="http://schemas.openxmlformats.org/presentationml/2006/main">
-  <p:cSld>
-    <p:spTree>
-      <p:nvGrpSpPr>
-        <p:cNvPr id="1" name=""/>
-        <p:cNvGrpSpPr/>
-        <p:nvPr/>
-      </p:nvGrpSpPr>
-      <p:grpSpPr>
-        <a:xfrm>
-          <a:off x="0" y="0"/>
-          <a:ext cx="0" cy="0"/>
-          <a:chOff x="0" y="0"/>
-          <a:chExt cx="0" cy="0"/>
-        </a:xfrm>
-      </p:grpSpPr>
-      <p:sp>
-        <p:nvSpPr>
-          <p:cNvPr id="2" name="Title 1"/>
-          <p:cNvSpPr>
-            <a:spLocks noGrp="1"/>
-          </p:cNvSpPr>
-          <p:nvPr>
-            <p:ph type="title"/>
-          </p:nvPr>
-        </p:nvSpPr>
-        <p:spPr/>
-        <p:txBody>
-          <a:bodyPr/>
-          <a:lstStyle/>
-          <a:p>
-            <a:r>
-              <a:rPr lang="en-US" dirty="0" smtClean="0"/>
-              <a:t>Overall Architecture</a:t>
-            </a:r>
-            <a:endParaRPr lang="en-US" dirty="0"/>
-          </a:p>
-        </p:txBody>
-      </p:sp>
-      <p:sp>
-        <p:nvSpPr>
-          <p:cNvPr id="3" name="Content Placeholder 2"/>
-          <p:cNvSpPr>
-            <a:spLocks noGrp="1"/>
-          </p:cNvSpPr>
-          <p:nvPr>
-            <p:ph idx="1"/>
-          </p:nvPr>
-        </p:nvSpPr>
-        <p:spPr/>
-        <p:txBody>
-          <a:bodyPr>
-            <a:normAutofit/>
-          </a:bodyPr>
-          <a:lstStyle/>
-          <a:p>
-            <a:r>
-              <a:rPr lang="en-US" dirty="0" smtClean="0"/>
-              <a:t>Based </a:t>
-            </a:r>
-            <a:r>
-              <a:rPr lang="en-US" dirty="0"/>
-              <a:t>on the </a:t>
-            </a:r>
-            <a:r>
-              <a:rPr lang="en-US" b="1" dirty="0">
-                <a:solidFill>
-                  <a:srgbClr val="953735"/>
-                </a:solidFill>
-              </a:rPr>
-              <a:t>Open Service Grid Initiative’s Service Grid Server Software </a:t>
-            </a:r>
-            <a:endParaRPr lang="en-US" b="1" dirty="0" smtClean="0">
-              <a:solidFill>
-                <a:srgbClr val="953735"/>
-              </a:solidFill>
-            </a:endParaRPr>
-          </a:p>
-          <a:p>
-            <a:pPr lvl="1"/>
-            <a:r>
-              <a:rPr lang="en-US" dirty="0" smtClean="0"/>
-              <a:t>Developed </a:t>
-            </a:r>
-            <a:r>
-              <a:rPr lang="en-US" dirty="0"/>
-              <a:t>by the National Institute of Information and Communications Technology (NICT) in Japan </a:t>
-            </a:r>
-            <a:endParaRPr lang="en-US" dirty="0" smtClean="0"/>
-          </a:p>
-          <a:p>
-            <a:pPr lvl="1"/>
-            <a:r>
-              <a:rPr lang="en-US" dirty="0" smtClean="0"/>
-              <a:t>Used </a:t>
-            </a:r>
-            <a:r>
-              <a:rPr lang="en-US" dirty="0"/>
-              <a:t>to implement Kyoto University’s Language </a:t>
-            </a:r>
-            <a:r>
-              <a:rPr lang="en-US" dirty="0" smtClean="0"/>
-              <a:t>Grid</a:t>
-            </a:r>
-          </a:p>
-        </p:txBody>
-      </p:sp>
-    </p:spTree>
-    <p:extLst>
-      <p:ext uri="{BB962C8B-B14F-4D97-AF65-F5344CB8AC3E}">
-        <p14:creationId xmlns:p14="http://schemas.microsoft.com/office/powerpoint/2010/main" val="1258841087"/>
-      </p:ext>
-    </p:extLst>
-  </p:cSld>
-  <p:clrMapOvr>
-    <a:masterClrMapping/>
-  </p:clrMapOvr>
-  <p:timing>
-    <p:tnLst>
-      <p:par>
-        <p:cTn xmlns:p14="http://schemas.microsoft.com/office/powerpoint/2010/main" id="1" dur="indefinite" restart="never" nodeType="tmRoot"/>
-      </p:par>
-    </p:tnLst>
-  </p:timing>
-</p:sld>
-</file>
-
-<file path=ppt/slides/slide8.xml><?xml version="1.0" encoding="utf-8"?>
-<p:sld xmlns:a="http://schemas.openxmlformats.org/drawingml/2006/main" xmlns:r="http://schemas.openxmlformats.org/officeDocument/2006/relationships" xmlns:p="http://schemas.openxmlformats.org/presentationml/2006/main">
-  <p:cSld>
-    <p:spTree>
-      <p:nvGrpSpPr>
-        <p:cNvPr id="1" name=""/>
-        <p:cNvGrpSpPr/>
-        <p:nvPr/>
-      </p:nvGrpSpPr>
-      <p:grpSpPr>
-        <a:xfrm>
-          <a:off x="0" y="0"/>
-          <a:ext cx="0" cy="0"/>
-          <a:chOff x="0" y="0"/>
-          <a:chExt cx="0" cy="0"/>
-        </a:xfrm>
-      </p:grpSpPr>
-      <p:sp>
-        <p:nvSpPr>
-          <p:cNvPr id="2" name="Title 1"/>
-          <p:cNvSpPr>
-            <a:spLocks noGrp="1"/>
-          </p:cNvSpPr>
-          <p:nvPr>
-            <p:ph type="title"/>
-          </p:nvPr>
-        </p:nvSpPr>
-        <p:spPr/>
-        <p:txBody>
-          <a:bodyPr>
-            <a:normAutofit/>
-          </a:bodyPr>
-          <a:lstStyle/>
-          <a:p>
-            <a:r>
-              <a:rPr lang="en-US" dirty="0" smtClean="0"/>
-              <a:t>Extension of Service Grid Software </a:t>
-            </a:r>
-            <a:endParaRPr lang="en-US" dirty="0"/>
-          </a:p>
-        </p:txBody>
-      </p:sp>
-      <p:sp>
-        <p:nvSpPr>
-          <p:cNvPr id="3" name="Content Placeholder 2"/>
-          <p:cNvSpPr>
-            <a:spLocks noGrp="1"/>
-          </p:cNvSpPr>
-          <p:nvPr>
-            <p:ph idx="1"/>
-          </p:nvPr>
-        </p:nvSpPr>
-        <p:spPr/>
-        <p:txBody>
-          <a:bodyPr>
-            <a:normAutofit/>
-          </a:bodyPr>
-          <a:lstStyle/>
-          <a:p>
-            <a:r>
-              <a:rPr lang="en-US" sz="2000" b="1" dirty="0" smtClean="0">
-                <a:solidFill>
-                  <a:srgbClr val="953735"/>
-                </a:solidFill>
-              </a:rPr>
-              <a:t>Enhances capabilities </a:t>
-            </a:r>
-            <a:r>
-              <a:rPr lang="en-US" sz="2000" dirty="0" smtClean="0"/>
-              <a:t>for composition </a:t>
-            </a:r>
-            <a:r>
-              <a:rPr lang="en-US" sz="2000" dirty="0"/>
-              <a:t>of tool and resource </a:t>
-            </a:r>
-            <a:r>
-              <a:rPr lang="en-US" sz="2000" dirty="0" smtClean="0"/>
-              <a:t>chains</a:t>
-            </a:r>
-          </a:p>
-          <a:p>
-            <a:r>
-              <a:rPr lang="en-US" sz="2000" dirty="0" smtClean="0"/>
-              <a:t>Provides </a:t>
-            </a:r>
-            <a:r>
-              <a:rPr lang="en-US" sz="2000" dirty="0"/>
-              <a:t>sophisticated </a:t>
-            </a:r>
-            <a:r>
-              <a:rPr lang="en-US" sz="2000" b="1" dirty="0">
-                <a:solidFill>
-                  <a:srgbClr val="953735"/>
-                </a:solidFill>
-              </a:rPr>
-              <a:t>evaluation </a:t>
-            </a:r>
-            <a:r>
-              <a:rPr lang="en-US" sz="2000" b="1" dirty="0" smtClean="0">
-                <a:solidFill>
-                  <a:srgbClr val="953735"/>
-                </a:solidFill>
-              </a:rPr>
-              <a:t>services</a:t>
-            </a:r>
-          </a:p>
-          <a:p>
-            <a:r>
-              <a:rPr lang="en-US" sz="2000" dirty="0" smtClean="0"/>
-              <a:t>Implements </a:t>
-            </a:r>
-            <a:r>
-              <a:rPr lang="en-US" sz="2000" dirty="0"/>
-              <a:t>a </a:t>
-            </a:r>
-            <a:r>
-              <a:rPr lang="en-US" sz="2000" b="1" dirty="0">
-                <a:solidFill>
-                  <a:srgbClr val="953735"/>
-                </a:solidFill>
-              </a:rPr>
-              <a:t>dynamic licensing</a:t>
-            </a:r>
-            <a:r>
-              <a:rPr lang="en-US" sz="2000" b="1" i="1" dirty="0">
-                <a:solidFill>
-                  <a:srgbClr val="953735"/>
-                </a:solidFill>
-              </a:rPr>
-              <a:t> </a:t>
-            </a:r>
-            <a:r>
-              <a:rPr lang="en-US" sz="2000" dirty="0"/>
-              <a:t>system for handling license agreements on the </a:t>
-            </a:r>
-            <a:r>
-              <a:rPr lang="en-US" sz="2000" dirty="0" smtClean="0"/>
-              <a:t>fly</a:t>
-            </a:r>
-          </a:p>
-          <a:p>
-            <a:r>
-              <a:rPr lang="en-US" sz="2000" dirty="0" smtClean="0"/>
-              <a:t>Provides </a:t>
-            </a:r>
-            <a:r>
-              <a:rPr lang="en-US" sz="2000" dirty="0"/>
-              <a:t>the </a:t>
-            </a:r>
-            <a:r>
-              <a:rPr lang="en-US" sz="2000" dirty="0" smtClean="0"/>
-              <a:t>option </a:t>
-            </a:r>
-            <a:r>
-              <a:rPr lang="en-US" sz="2000" dirty="0"/>
-              <a:t>to </a:t>
-            </a:r>
-            <a:r>
-              <a:rPr lang="en-US" sz="2000" b="1" dirty="0">
-                <a:solidFill>
-                  <a:srgbClr val="953735"/>
-                </a:solidFill>
-              </a:rPr>
-              <a:t>run services locally</a:t>
-            </a:r>
-            <a:r>
-              <a:rPr lang="en-US" sz="2000" dirty="0"/>
-              <a:t>, with high-security technology to protect sensitive </a:t>
-            </a:r>
-            <a:r>
-              <a:rPr lang="en-US" sz="2000" dirty="0" smtClean="0"/>
-              <a:t>information</a:t>
-            </a:r>
-          </a:p>
-          <a:p>
-            <a:r>
-              <a:rPr lang="en-US" sz="2000" b="1" dirty="0" smtClean="0">
-                <a:solidFill>
-                  <a:srgbClr val="953735"/>
-                </a:solidFill>
-              </a:rPr>
-              <a:t>Improves </a:t>
-            </a:r>
-            <a:r>
-              <a:rPr lang="en-US" sz="2000" b="1" dirty="0">
-                <a:solidFill>
-                  <a:srgbClr val="953735"/>
-                </a:solidFill>
-              </a:rPr>
-              <a:t>data delivery </a:t>
-            </a:r>
-            <a:r>
-              <a:rPr lang="en-US" sz="2000" dirty="0" smtClean="0"/>
-              <a:t>services</a:t>
-            </a:r>
-          </a:p>
-          <a:p>
-            <a:r>
-              <a:rPr lang="en-US" sz="2000" dirty="0" smtClean="0"/>
-              <a:t>Enables </a:t>
-            </a:r>
-            <a:r>
-              <a:rPr lang="en-US" sz="2000" b="1" dirty="0">
-                <a:solidFill>
-                  <a:srgbClr val="953735"/>
-                </a:solidFill>
-              </a:rPr>
-              <a:t>access to grids </a:t>
-            </a:r>
-            <a:r>
-              <a:rPr lang="en-US" sz="2000" dirty="0"/>
-              <a:t>other than those based on the Service Grid </a:t>
-            </a:r>
-            <a:r>
-              <a:rPr lang="en-US" sz="2000" dirty="0" smtClean="0"/>
-              <a:t>technology</a:t>
-            </a:r>
-          </a:p>
-          <a:p>
-            <a:r>
-              <a:rPr lang="en-US" sz="2000" dirty="0" smtClean="0"/>
-              <a:t>Provides </a:t>
-            </a:r>
-            <a:r>
-              <a:rPr lang="en-US" sz="2000" dirty="0"/>
-              <a:t>user-friendly, transparent </a:t>
-            </a:r>
-            <a:r>
-              <a:rPr lang="en-US" sz="2000" b="1" dirty="0">
-                <a:solidFill>
-                  <a:srgbClr val="953735"/>
-                </a:solidFill>
-              </a:rPr>
-              <a:t>facilities for wrapping user-provided </a:t>
-            </a:r>
-            <a:r>
-              <a:rPr lang="en-US" sz="2000" b="1" dirty="0" smtClean="0">
-                <a:solidFill>
-                  <a:srgbClr val="953735"/>
-                </a:solidFill>
-              </a:rPr>
-              <a:t>services </a:t>
-            </a:r>
-          </a:p>
-          <a:p>
-            <a:endParaRPr lang="en-US" sz="2000" dirty="0"/>
-          </a:p>
-        </p:txBody>
-      </p:sp>
-    </p:spTree>
-    <p:extLst>
-      <p:ext uri="{BB962C8B-B14F-4D97-AF65-F5344CB8AC3E}">
-        <p14:creationId xmlns:p14="http://schemas.microsoft.com/office/powerpoint/2010/main" val="3547225235"/>
-      </p:ext>
-    </p:extLst>
-  </p:cSld>
-  <p:clrMapOvr>
-    <a:masterClrMapping/>
-  </p:clrMapOvr>
-  <p:timing>
-    <p:tnLst>
-      <p:par>
-        <p:cTn xmlns:p14="http://schemas.microsoft.com/office/powerpoint/2010/main" id="1" dur="indefinite" restart="never" nodeType="tmRoot"/>
-      </p:par>
-    </p:tnLst>
-  </p:timing>
-</p:sld>
-</file>
-
-<file path=ppt/slides/slide9.xml><?xml version="1.0" encoding="utf-8"?>
 <p:sld xmlns:a="http://schemas.openxmlformats.org/drawingml/2006/main" xmlns:r="http://schemas.openxmlformats.org/officeDocument/2006/relationships" xmlns:p="http://schemas.openxmlformats.org/presentationml/2006/main">
   <p:cSld>
     <p:spTree>
@@ -13726,6 +13223,569 @@
 </p:sld>
 </file>
 
+<file path=ppt/slides/slide8.xml><?xml version="1.0" encoding="utf-8"?>
+<p:sld xmlns:a="http://schemas.openxmlformats.org/drawingml/2006/main" xmlns:r="http://schemas.openxmlformats.org/officeDocument/2006/relationships" xmlns:p="http://schemas.openxmlformats.org/presentationml/2006/main">
+  <p:cSld>
+    <p:spTree>
+      <p:nvGrpSpPr>
+        <p:cNvPr id="1" name=""/>
+        <p:cNvGrpSpPr/>
+        <p:nvPr/>
+      </p:nvGrpSpPr>
+      <p:grpSpPr>
+        <a:xfrm>
+          <a:off x="0" y="0"/>
+          <a:ext cx="0" cy="0"/>
+          <a:chOff x="0" y="0"/>
+          <a:chExt cx="0" cy="0"/>
+        </a:xfrm>
+      </p:grpSpPr>
+      <p:sp>
+        <p:nvSpPr>
+          <p:cNvPr id="2" name="Title 1"/>
+          <p:cNvSpPr>
+            <a:spLocks noGrp="1"/>
+          </p:cNvSpPr>
+          <p:nvPr>
+            <p:ph type="title"/>
+          </p:nvPr>
+        </p:nvSpPr>
+        <p:spPr/>
+        <p:txBody>
+          <a:bodyPr/>
+          <a:lstStyle/>
+          <a:p>
+            <a:r>
+              <a:rPr lang="en-US" dirty="0" smtClean="0"/>
+              <a:t>Interoperability among Services</a:t>
+            </a:r>
+            <a:endParaRPr lang="en-US" dirty="0"/>
+          </a:p>
+        </p:txBody>
+      </p:sp>
+      <p:sp>
+        <p:nvSpPr>
+          <p:cNvPr id="3" name="Content Placeholder 2"/>
+          <p:cNvSpPr>
+            <a:spLocks noGrp="1"/>
+          </p:cNvSpPr>
+          <p:nvPr>
+            <p:ph idx="1"/>
+          </p:nvPr>
+        </p:nvSpPr>
+        <p:spPr/>
+        <p:txBody>
+          <a:bodyPr>
+            <a:noAutofit/>
+          </a:bodyPr>
+          <a:lstStyle/>
+          <a:p>
+            <a:pPr>
+              <a:lnSpc>
+                <a:spcPct val="120000"/>
+              </a:lnSpc>
+            </a:pPr>
+            <a:r>
+              <a:rPr lang="en-US" sz="1800" dirty="0"/>
+              <a:t>Each </a:t>
+            </a:r>
+            <a:r>
+              <a:rPr lang="en-US" sz="1800" dirty="0" smtClean="0"/>
+              <a:t>service in the LAPPS Grid publishes </a:t>
+            </a:r>
+            <a:r>
+              <a:rPr lang="en-US" sz="1800" dirty="0">
+                <a:solidFill>
+                  <a:srgbClr val="800000"/>
+                </a:solidFill>
+              </a:rPr>
+              <a:t>metadata</a:t>
+            </a:r>
+            <a:r>
+              <a:rPr lang="en-US" sz="1800" dirty="0"/>
+              <a:t> </a:t>
+            </a:r>
+            <a:r>
+              <a:rPr lang="en-US" sz="1800" dirty="0" smtClean="0"/>
+              <a:t>describing what </a:t>
+            </a:r>
+            <a:r>
+              <a:rPr lang="en-US" sz="1800" dirty="0"/>
+              <a:t>it requires for input </a:t>
+            </a:r>
+            <a:r>
+              <a:rPr lang="en-US" sz="1800" dirty="0" smtClean="0"/>
+              <a:t>and what </a:t>
+            </a:r>
+            <a:r>
+              <a:rPr lang="en-US" sz="1800" dirty="0"/>
+              <a:t>it produces as </a:t>
+            </a:r>
+            <a:r>
+              <a:rPr lang="en-US" sz="1800" dirty="0" smtClean="0"/>
+              <a:t>output</a:t>
+            </a:r>
+          </a:p>
+          <a:p>
+            <a:pPr lvl="1">
+              <a:lnSpc>
+                <a:spcPct val="120000"/>
+              </a:lnSpc>
+            </a:pPr>
+            <a:r>
+              <a:rPr lang="en-US" sz="1600" dirty="0" smtClean="0"/>
+              <a:t>Processes constructing </a:t>
+            </a:r>
+            <a:r>
+              <a:rPr lang="en-US" sz="1600" dirty="0"/>
+              <a:t>a service pipeline </a:t>
+            </a:r>
+            <a:r>
+              <a:rPr lang="en-US" sz="1600" dirty="0" smtClean="0"/>
+              <a:t>query </a:t>
+            </a:r>
+            <a:r>
+              <a:rPr lang="en-US" sz="1600" dirty="0"/>
+              <a:t>each service to determine </a:t>
+            </a:r>
+            <a:r>
+              <a:rPr lang="en-US" sz="1600" dirty="0" smtClean="0"/>
+              <a:t>compatibility</a:t>
+            </a:r>
+          </a:p>
+          <a:p>
+            <a:pPr>
+              <a:lnSpc>
+                <a:spcPct val="120000"/>
+              </a:lnSpc>
+            </a:pPr>
+            <a:r>
+              <a:rPr lang="en-US" sz="1800" dirty="0" smtClean="0"/>
+              <a:t>Use </a:t>
+            </a:r>
+            <a:r>
+              <a:rPr lang="en-US" sz="1800" b="1" dirty="0" smtClean="0">
+                <a:solidFill>
+                  <a:srgbClr val="800000"/>
+                </a:solidFill>
+              </a:rPr>
+              <a:t>JSON</a:t>
+            </a:r>
+            <a:r>
+              <a:rPr lang="en-US" sz="1800" b="1" dirty="0">
+                <a:solidFill>
+                  <a:srgbClr val="800000"/>
+                </a:solidFill>
+              </a:rPr>
+              <a:t>-based serialization for Linked Data (JSON-LD) </a:t>
+            </a:r>
+            <a:r>
+              <a:rPr lang="en-US" sz="1800" dirty="0"/>
+              <a:t>to represent linguistically annotated data for </a:t>
+            </a:r>
+            <a:r>
+              <a:rPr lang="en-US" sz="1800" dirty="0" smtClean="0"/>
+              <a:t>web </a:t>
+            </a:r>
+            <a:r>
+              <a:rPr lang="en-US" sz="1800" dirty="0"/>
+              <a:t>service exchange. </a:t>
+            </a:r>
+            <a:endParaRPr lang="en-US" sz="1800" dirty="0" smtClean="0"/>
+          </a:p>
+          <a:p>
+            <a:pPr lvl="1">
+              <a:lnSpc>
+                <a:spcPct val="120000"/>
+              </a:lnSpc>
+            </a:pPr>
+            <a:r>
+              <a:rPr lang="en-US" sz="1600" dirty="0" smtClean="0"/>
+              <a:t>lightweight</a:t>
+            </a:r>
+            <a:r>
+              <a:rPr lang="en-US" sz="1600" dirty="0"/>
+              <a:t>, text-based, language-independent data interchange </a:t>
+            </a:r>
+            <a:r>
+              <a:rPr lang="en-US" sz="1600" dirty="0" smtClean="0"/>
+              <a:t>format</a:t>
+            </a:r>
+          </a:p>
+          <a:p>
+            <a:pPr lvl="1">
+              <a:lnSpc>
+                <a:spcPct val="120000"/>
+              </a:lnSpc>
+            </a:pPr>
+            <a:r>
+              <a:rPr lang="en-US" sz="1600" dirty="0" smtClean="0"/>
+              <a:t>small </a:t>
+            </a:r>
+            <a:r>
+              <a:rPr lang="en-US" sz="1600" dirty="0"/>
+              <a:t>set of formatting rules for </a:t>
+            </a:r>
+            <a:r>
+              <a:rPr lang="en-US" sz="1600" dirty="0" smtClean="0"/>
+              <a:t>portable representation </a:t>
+            </a:r>
+            <a:r>
+              <a:rPr lang="en-US" sz="1600" dirty="0"/>
+              <a:t>of structured </a:t>
+            </a:r>
+            <a:r>
+              <a:rPr lang="en-US" sz="1600" dirty="0" smtClean="0"/>
+              <a:t>data </a:t>
+            </a:r>
+          </a:p>
+          <a:p>
+            <a:pPr lvl="1">
+              <a:lnSpc>
+                <a:spcPct val="120000"/>
+              </a:lnSpc>
+            </a:pPr>
+            <a:r>
+              <a:rPr lang="en-US" sz="1600" dirty="0" smtClean="0"/>
+              <a:t>based </a:t>
+            </a:r>
+            <a:r>
+              <a:rPr lang="en-US" sz="1600" dirty="0"/>
+              <a:t>on the W3C Resource Definition Framework (RDF</a:t>
+            </a:r>
+            <a:r>
+              <a:rPr lang="en-US" sz="1600" dirty="0" smtClean="0"/>
+              <a:t>)</a:t>
+            </a:r>
+          </a:p>
+          <a:p>
+            <a:pPr lvl="2">
+              <a:lnSpc>
+                <a:spcPct val="120000"/>
+              </a:lnSpc>
+            </a:pPr>
+            <a:r>
+              <a:rPr lang="en-US" sz="1400" dirty="0" smtClean="0"/>
+              <a:t>trivially </a:t>
+            </a:r>
+            <a:r>
+              <a:rPr lang="en-US" sz="1400" dirty="0" err="1"/>
+              <a:t>mappable</a:t>
+            </a:r>
+            <a:r>
+              <a:rPr lang="en-US" sz="1400" dirty="0"/>
+              <a:t> to and from other graph-based formats such as ISO LAF/</a:t>
+            </a:r>
+            <a:r>
+              <a:rPr lang="en-US" sz="1400" dirty="0" err="1"/>
+              <a:t>GrAF</a:t>
+            </a:r>
+            <a:r>
+              <a:rPr lang="en-US" sz="1400" dirty="0"/>
+              <a:t> </a:t>
+            </a:r>
+            <a:r>
+              <a:rPr lang="en-US" sz="1400" dirty="0" smtClean="0"/>
+              <a:t>, UIMA CAS </a:t>
+            </a:r>
+          </a:p>
+          <a:p>
+            <a:pPr lvl="1">
+              <a:lnSpc>
+                <a:spcPct val="120000"/>
+              </a:lnSpc>
+            </a:pPr>
+            <a:r>
+              <a:rPr lang="en-US" sz="1600" dirty="0" smtClean="0"/>
+              <a:t>enables </a:t>
+            </a:r>
+            <a:r>
+              <a:rPr lang="en-US" sz="1600" dirty="0"/>
+              <a:t>services to reference categories and definitions in web-based repositories and ontologies </a:t>
+            </a:r>
+            <a:r>
+              <a:rPr lang="en-US" sz="1600" dirty="0" smtClean="0"/>
+              <a:t>or </a:t>
+            </a:r>
+            <a:r>
+              <a:rPr lang="en-US" sz="1600" dirty="0"/>
+              <a:t>any </a:t>
+            </a:r>
+            <a:r>
+              <a:rPr lang="en-US" sz="1600" dirty="0" smtClean="0"/>
+              <a:t>concept defined at </a:t>
+            </a:r>
+            <a:r>
+              <a:rPr lang="en-US" sz="1600" dirty="0"/>
+              <a:t>a given </a:t>
+            </a:r>
+            <a:r>
+              <a:rPr lang="en-US" sz="1600" dirty="0" smtClean="0"/>
+              <a:t>URI </a:t>
+            </a:r>
+          </a:p>
+        </p:txBody>
+      </p:sp>
+    </p:spTree>
+    <p:extLst>
+      <p:ext uri="{BB962C8B-B14F-4D97-AF65-F5344CB8AC3E}">
+        <p14:creationId xmlns:p14="http://schemas.microsoft.com/office/powerpoint/2010/main" val="3689712268"/>
+      </p:ext>
+    </p:extLst>
+  </p:cSld>
+  <p:clrMapOvr>
+    <a:masterClrMapping/>
+  </p:clrMapOvr>
+  <p:timing>
+    <p:tnLst>
+      <p:par>
+        <p:cTn xmlns:p14="http://schemas.microsoft.com/office/powerpoint/2010/main" id="1" dur="indefinite" restart="never" nodeType="tmRoot"/>
+      </p:par>
+    </p:tnLst>
+  </p:timing>
+</p:sld>
+</file>
+
+<file path=ppt/slides/slide9.xml><?xml version="1.0" encoding="utf-8"?>
+<p:sld xmlns:a="http://schemas.openxmlformats.org/drawingml/2006/main" xmlns:r="http://schemas.openxmlformats.org/officeDocument/2006/relationships" xmlns:p="http://schemas.openxmlformats.org/presentationml/2006/main">
+  <p:cSld>
+    <p:spTree>
+      <p:nvGrpSpPr>
+        <p:cNvPr id="1" name=""/>
+        <p:cNvGrpSpPr/>
+        <p:nvPr/>
+      </p:nvGrpSpPr>
+      <p:grpSpPr>
+        <a:xfrm>
+          <a:off x="0" y="0"/>
+          <a:ext cx="0" cy="0"/>
+          <a:chOff x="0" y="0"/>
+          <a:chExt cx="0" cy="0"/>
+        </a:xfrm>
+      </p:grpSpPr>
+      <p:sp>
+        <p:nvSpPr>
+          <p:cNvPr id="2" name="Title 1"/>
+          <p:cNvSpPr>
+            <a:spLocks noGrp="1"/>
+          </p:cNvSpPr>
+          <p:nvPr>
+            <p:ph type="title"/>
+          </p:nvPr>
+        </p:nvSpPr>
+        <p:spPr/>
+        <p:txBody>
+          <a:bodyPr/>
+          <a:lstStyle/>
+          <a:p>
+            <a:r>
+              <a:rPr lang="en-US" dirty="0" smtClean="0"/>
+              <a:t>LAPPS/ISO Exchange Vocabulary</a:t>
+            </a:r>
+            <a:endParaRPr lang="en-US" dirty="0"/>
+          </a:p>
+        </p:txBody>
+      </p:sp>
+      <p:sp>
+        <p:nvSpPr>
+          <p:cNvPr id="3" name="Content Placeholder 2"/>
+          <p:cNvSpPr>
+            <a:spLocks noGrp="1"/>
+          </p:cNvSpPr>
+          <p:nvPr>
+            <p:ph idx="1"/>
+          </p:nvPr>
+        </p:nvSpPr>
+        <p:spPr/>
+        <p:txBody>
+          <a:bodyPr>
+            <a:normAutofit/>
+          </a:bodyPr>
+          <a:lstStyle/>
+          <a:p>
+            <a:r>
+              <a:rPr lang="en-US" dirty="0" smtClean="0"/>
+              <a:t>No </a:t>
+            </a:r>
+            <a:r>
+              <a:rPr lang="en-US" dirty="0"/>
+              <a:t>accepted standard for module description or input/output interchange </a:t>
+            </a:r>
+            <a:r>
+              <a:rPr lang="en-US" dirty="0" smtClean="0"/>
+              <a:t>in </a:t>
+            </a:r>
+            <a:r>
+              <a:rPr lang="en-US" dirty="0"/>
+              <a:t>the language application domain </a:t>
+            </a:r>
+            <a:r>
+              <a:rPr lang="en-US" dirty="0" smtClean="0"/>
+              <a:t>currently exists</a:t>
+            </a:r>
+          </a:p>
+          <a:p>
+            <a:r>
+              <a:rPr lang="en-US" b="1" dirty="0" smtClean="0">
+                <a:solidFill>
+                  <a:srgbClr val="800000"/>
+                </a:solidFill>
+              </a:rPr>
+              <a:t>LAPPS/ISO Web </a:t>
+            </a:r>
+            <a:r>
+              <a:rPr lang="en-US" b="1" dirty="0">
+                <a:solidFill>
+                  <a:srgbClr val="800000"/>
+                </a:solidFill>
+              </a:rPr>
+              <a:t>Service Exchange Vocabulary (WS-EV) </a:t>
+            </a:r>
+            <a:endParaRPr lang="en-US" b="1" dirty="0" smtClean="0">
+              <a:solidFill>
+                <a:srgbClr val="800000"/>
+              </a:solidFill>
+            </a:endParaRPr>
+          </a:p>
+          <a:p>
+            <a:pPr lvl="1"/>
+            <a:r>
+              <a:rPr lang="en-US" dirty="0" smtClean="0"/>
+              <a:t>specifies </a:t>
+            </a:r>
+            <a:r>
+              <a:rPr lang="en-US" dirty="0"/>
+              <a:t>a </a:t>
+            </a:r>
+            <a:r>
+              <a:rPr lang="en-US" dirty="0" smtClean="0"/>
+              <a:t>terminology </a:t>
+            </a:r>
+            <a:r>
+              <a:rPr lang="en-US" dirty="0"/>
+              <a:t>for a core of linguistic objects and features exchanged among NLP tools that consume and produce linguistically annotated </a:t>
+            </a:r>
+            <a:r>
+              <a:rPr lang="en-US" dirty="0" smtClean="0"/>
+              <a:t>data </a:t>
+            </a:r>
+          </a:p>
+          <a:p>
+            <a:pPr lvl="1"/>
+            <a:r>
+              <a:rPr lang="en-US" dirty="0" smtClean="0"/>
+              <a:t>addresses </a:t>
+            </a:r>
+            <a:r>
+              <a:rPr lang="en-US" dirty="0"/>
+              <a:t>a need within the </a:t>
+            </a:r>
+            <a:r>
+              <a:rPr lang="en-US" dirty="0" smtClean="0"/>
+              <a:t>community </a:t>
+            </a:r>
+            <a:r>
+              <a:rPr lang="en-US" dirty="0"/>
+              <a:t>to </a:t>
+            </a:r>
+            <a:r>
+              <a:rPr lang="en-US" dirty="0" smtClean="0"/>
+              <a:t>identify </a:t>
+            </a:r>
+            <a:r>
+              <a:rPr lang="en-US" dirty="0"/>
+              <a:t>a standard </a:t>
+            </a:r>
+            <a:r>
+              <a:rPr lang="en-US" dirty="0" smtClean="0"/>
+              <a:t>terminology and indicate </a:t>
+            </a:r>
+            <a:r>
+              <a:rPr lang="en-US" dirty="0"/>
+              <a:t>the relations among </a:t>
+            </a:r>
+            <a:r>
+              <a:rPr lang="en-US" dirty="0" smtClean="0"/>
+              <a:t>them</a:t>
+            </a:r>
+          </a:p>
+          <a:p>
+            <a:pPr marL="457200" lvl="1" indent="0">
+              <a:buNone/>
+            </a:pPr>
+            <a:r>
+              <a:rPr lang="en-US" dirty="0" smtClean="0"/>
+              <a:t> </a:t>
+            </a:r>
+          </a:p>
+          <a:p>
+            <a:pPr marL="400050" lvl="1" indent="0" algn="ctr">
+              <a:buNone/>
+            </a:pPr>
+            <a:r>
+              <a:rPr lang="en-US" sz="1600" dirty="0" smtClean="0">
+                <a:solidFill>
+                  <a:schemeClr val="tx2">
+                    <a:lumMod val="60000"/>
+                    <a:lumOff val="40000"/>
+                  </a:schemeClr>
+                </a:solidFill>
+              </a:rPr>
+              <a:t>Repositories such as </a:t>
+            </a:r>
+            <a:r>
+              <a:rPr lang="en-US" sz="1600" dirty="0" err="1" smtClean="0">
+                <a:solidFill>
+                  <a:schemeClr val="tx2">
+                    <a:lumMod val="60000"/>
+                    <a:lumOff val="40000"/>
+                  </a:schemeClr>
+                </a:solidFill>
+              </a:rPr>
+              <a:t>ISOCat</a:t>
+            </a:r>
+            <a:r>
+              <a:rPr lang="en-US" sz="1600" dirty="0" smtClean="0">
+                <a:solidFill>
+                  <a:schemeClr val="tx2">
+                    <a:lumMod val="60000"/>
+                    <a:lumOff val="40000"/>
+                  </a:schemeClr>
+                </a:solidFill>
+              </a:rPr>
+              <a:t> etc. focus on data categories, do not define items such as Token, provide multiple definitions for the same concept, do not specify relations among terms, etc.</a:t>
+            </a:r>
+            <a:endParaRPr lang="en-US" sz="1600" dirty="0">
+              <a:solidFill>
+                <a:schemeClr val="tx2">
+                  <a:lumMod val="60000"/>
+                  <a:lumOff val="40000"/>
+                </a:schemeClr>
+              </a:solidFill>
+            </a:endParaRPr>
+          </a:p>
+        </p:txBody>
+      </p:sp>
+    </p:spTree>
+    <p:extLst>
+      <p:ext uri="{BB962C8B-B14F-4D97-AF65-F5344CB8AC3E}">
+        <p14:creationId xmlns:p14="http://schemas.microsoft.com/office/powerpoint/2010/main" val="1214842164"/>
+      </p:ext>
+    </p:extLst>
+  </p:cSld>
+  <p:clrMapOvr>
+    <a:masterClrMapping/>
+  </p:clrMapOvr>
+  <p:timing>
+    <p:tnLst>
+      <p:par>
+        <p:cTn xmlns:p14="http://schemas.microsoft.com/office/powerpoint/2010/main" id="1" dur="indefinite" restart="never" nodeType="tmRoot"/>
+      </p:par>
+    </p:tnLst>
+  </p:timing>
+</p:sld>
+</file>
+
 <file path=ppt/theme/theme1.xml><?xml version="1.0" encoding="utf-8"?>
 <a:theme xmlns:a="http://schemas.openxmlformats.org/drawingml/2006/main" name="Office Theme">
   <a:themeElements>

--- a/lapps-tutorial-intro-lrec2014.pptx
+++ b/lapps-tutorial-intro-lrec2014.pptx
@@ -18,18 +18,20 @@
     <p:sldId id="270" r:id="rId12"/>
     <p:sldId id="272" r:id="rId13"/>
     <p:sldId id="273" r:id="rId14"/>
-    <p:sldId id="285" r:id="rId15"/>
-    <p:sldId id="297" r:id="rId16"/>
+    <p:sldId id="297" r:id="rId15"/>
+    <p:sldId id="285" r:id="rId16"/>
     <p:sldId id="275" r:id="rId17"/>
-    <p:sldId id="296" r:id="rId18"/>
-    <p:sldId id="298" r:id="rId19"/>
-    <p:sldId id="289" r:id="rId20"/>
-    <p:sldId id="290" r:id="rId21"/>
-    <p:sldId id="291" r:id="rId22"/>
-    <p:sldId id="292" r:id="rId23"/>
-    <p:sldId id="293" r:id="rId24"/>
-    <p:sldId id="294" r:id="rId25"/>
-    <p:sldId id="295" r:id="rId26"/>
+    <p:sldId id="299" r:id="rId18"/>
+    <p:sldId id="300" r:id="rId19"/>
+    <p:sldId id="296" r:id="rId20"/>
+    <p:sldId id="298" r:id="rId21"/>
+    <p:sldId id="289" r:id="rId22"/>
+    <p:sldId id="290" r:id="rId23"/>
+    <p:sldId id="291" r:id="rId24"/>
+    <p:sldId id="292" r:id="rId25"/>
+    <p:sldId id="293" r:id="rId26"/>
+    <p:sldId id="294" r:id="rId27"/>
+    <p:sldId id="295" r:id="rId28"/>
   </p:sldIdLst>
   <p:sldSz cx="9144000" cy="6858000" type="screen4x3"/>
   <p:notesSz cx="6858000" cy="9144000"/>
@@ -425,7 +427,7 @@
           <a:p>
             <a:fld id="{96581693-F97A-9B4B-8826-3E3FB14A6760}" type="datetimeFigureOut">
               <a:rPr lang="en-US" smtClean="0"/>
-              <a:t>5/25/14</a:t>
+              <a:t>5/26/14</a:t>
             </a:fld>
             <a:endParaRPr lang="en-US"/>
           </a:p>
@@ -629,7 +631,7 @@
           <a:p>
             <a:fld id="{96581693-F97A-9B4B-8826-3E3FB14A6760}" type="datetimeFigureOut">
               <a:rPr lang="en-US" smtClean="0"/>
-              <a:t>5/25/14</a:t>
+              <a:t>5/26/14</a:t>
             </a:fld>
             <a:endParaRPr lang="en-US"/>
           </a:p>
@@ -823,7 +825,7 @@
           <a:p>
             <a:fld id="{96581693-F97A-9B4B-8826-3E3FB14A6760}" type="datetimeFigureOut">
               <a:rPr lang="en-US" smtClean="0"/>
-              <a:t>5/25/14</a:t>
+              <a:t>5/26/14</a:t>
             </a:fld>
             <a:endParaRPr lang="en-US"/>
           </a:p>
@@ -1093,7 +1095,7 @@
           <a:p>
             <a:fld id="{96581693-F97A-9B4B-8826-3E3FB14A6760}" type="datetimeFigureOut">
               <a:rPr lang="en-US" smtClean="0"/>
-              <a:t>5/25/14</a:t>
+              <a:t>5/26/14</a:t>
             </a:fld>
             <a:endParaRPr lang="en-US"/>
           </a:p>
@@ -1405,7 +1407,7 @@
           <a:p>
             <a:fld id="{96581693-F97A-9B4B-8826-3E3FB14A6760}" type="datetimeFigureOut">
               <a:rPr lang="en-US" smtClean="0"/>
-              <a:t>5/25/14</a:t>
+              <a:t>5/26/14</a:t>
             </a:fld>
             <a:endParaRPr lang="en-US"/>
           </a:p>
@@ -1851,7 +1853,7 @@
           <a:p>
             <a:fld id="{96581693-F97A-9B4B-8826-3E3FB14A6760}" type="datetimeFigureOut">
               <a:rPr lang="en-US" smtClean="0"/>
-              <a:t>5/25/14</a:t>
+              <a:t>5/26/14</a:t>
             </a:fld>
             <a:endParaRPr lang="en-US"/>
           </a:p>
@@ -1993,7 +1995,7 @@
           <a:p>
             <a:fld id="{96581693-F97A-9B4B-8826-3E3FB14A6760}" type="datetimeFigureOut">
               <a:rPr lang="en-US" smtClean="0"/>
-              <a:t>5/25/14</a:t>
+              <a:t>5/26/14</a:t>
             </a:fld>
             <a:endParaRPr lang="en-US"/>
           </a:p>
@@ -2112,7 +2114,7 @@
           <a:p>
             <a:fld id="{96581693-F97A-9B4B-8826-3E3FB14A6760}" type="datetimeFigureOut">
               <a:rPr lang="en-US" smtClean="0"/>
-              <a:t>5/25/14</a:t>
+              <a:t>5/26/14</a:t>
             </a:fld>
             <a:endParaRPr lang="en-US"/>
           </a:p>
@@ -2413,7 +2415,7 @@
           <a:p>
             <a:fld id="{96581693-F97A-9B4B-8826-3E3FB14A6760}" type="datetimeFigureOut">
               <a:rPr lang="en-US" smtClean="0"/>
-              <a:t>5/25/14</a:t>
+              <a:t>5/26/14</a:t>
             </a:fld>
             <a:endParaRPr lang="en-US"/>
           </a:p>
@@ -2690,7 +2692,7 @@
           <a:p>
             <a:fld id="{96581693-F97A-9B4B-8826-3E3FB14A6760}" type="datetimeFigureOut">
               <a:rPr lang="en-US" smtClean="0"/>
-              <a:t>5/25/14</a:t>
+              <a:t>5/26/14</a:t>
             </a:fld>
             <a:endParaRPr lang="en-US"/>
           </a:p>
@@ -2916,27 +2918,7 @@
                   </a:schemeClr>
                 </a:solidFill>
               </a:rPr>
-              <a:t>LREC 2014 • </a:t>
-            </a:r>
-            <a:r>
-              <a:rPr lang="en-US" sz="1200" dirty="0" err="1" smtClean="0">
-                <a:solidFill>
-                  <a:schemeClr val="bg1">
-                    <a:lumMod val="65000"/>
-                  </a:schemeClr>
-                </a:solidFill>
-              </a:rPr>
-              <a:t>Reykjavic</a:t>
-            </a:r>
-            <a:r>
-              <a:rPr lang="en-US" sz="1200" dirty="0" smtClean="0">
-                <a:solidFill>
-                  <a:schemeClr val="bg1">
-                    <a:lumMod val="65000"/>
-                  </a:schemeClr>
-                </a:solidFill>
-              </a:rPr>
-              <a:t>, Iceland</a:t>
+              <a:t>LREC 2014 • Reykjavik, Iceland</a:t>
             </a:r>
             <a:endParaRPr lang="en-US" sz="1200" dirty="0">
               <a:solidFill>
@@ -3342,27 +3324,69 @@
           <a:lstStyle/>
           <a:p>
             <a:r>
-              <a:rPr lang="en-US" sz="1600" dirty="0"/>
+              <a:rPr lang="en-US" sz="1600" dirty="0">
+                <a:solidFill>
+                  <a:schemeClr val="tx1">
+                    <a:lumMod val="85000"/>
+                    <a:lumOff val="15000"/>
+                  </a:schemeClr>
+                </a:solidFill>
+              </a:rPr>
               <a:t>Nancy </a:t>
             </a:r>
             <a:r>
-              <a:rPr lang="en-US" sz="1600" dirty="0" smtClean="0"/>
+              <a:rPr lang="en-US" sz="1600" dirty="0" smtClean="0">
+                <a:solidFill>
+                  <a:schemeClr val="tx1">
+                    <a:lumMod val="85000"/>
+                    <a:lumOff val="15000"/>
+                  </a:schemeClr>
+                </a:solidFill>
+              </a:rPr>
               <a:t>Ide, Keith </a:t>
             </a:r>
             <a:r>
-              <a:rPr lang="en-US" sz="1600" dirty="0" err="1" smtClean="0"/>
+              <a:rPr lang="en-US" sz="1600" dirty="0" err="1" smtClean="0">
+                <a:solidFill>
+                  <a:schemeClr val="tx1">
+                    <a:lumMod val="85000"/>
+                    <a:lumOff val="15000"/>
+                  </a:schemeClr>
+                </a:solidFill>
+              </a:rPr>
               <a:t>Suderman</a:t>
             </a:r>
-            <a:endParaRPr lang="en-US" sz="1600" dirty="0" smtClean="0"/>
-          </a:p>
-          <a:p>
-            <a:r>
-              <a:rPr lang="en-US" sz="1600" dirty="0" smtClean="0"/>
+            <a:endParaRPr lang="en-US" sz="1600" dirty="0" smtClean="0">
+              <a:solidFill>
+                <a:schemeClr val="tx1">
+                  <a:lumMod val="85000"/>
+                  <a:lumOff val="15000"/>
+                </a:schemeClr>
+              </a:solidFill>
+            </a:endParaRPr>
+          </a:p>
+          <a:p>
+            <a:r>
+              <a:rPr lang="en-US" sz="1600" dirty="0" smtClean="0">
+                <a:solidFill>
+                  <a:schemeClr val="tx1">
+                    <a:lumMod val="85000"/>
+                    <a:lumOff val="15000"/>
+                  </a:schemeClr>
+                </a:solidFill>
+              </a:rPr>
               <a:t>Vassar College </a:t>
             </a:r>
           </a:p>
           <a:p>
-            <a:endParaRPr lang="en-US" sz="1600" dirty="0"/>
+            <a:endParaRPr lang="en-US" sz="1600" dirty="0">
+              <a:solidFill>
+                <a:schemeClr val="tx1">
+                  <a:lumMod val="85000"/>
+                  <a:lumOff val="15000"/>
+                </a:schemeClr>
+              </a:solidFill>
+            </a:endParaRPr>
           </a:p>
         </p:txBody>
       </p:sp>
@@ -3544,34 +3568,83 @@
           </a:lstStyle>
           <a:p>
             <a:r>
-              <a:rPr lang="en-US" sz="1600" dirty="0" smtClean="0"/>
+              <a:rPr lang="en-US" sz="1600" dirty="0" smtClean="0">
+                <a:solidFill>
+                  <a:schemeClr val="tx1">
+                    <a:lumMod val="85000"/>
+                    <a:lumOff val="15000"/>
+                  </a:schemeClr>
+                </a:solidFill>
+              </a:rPr>
               <a:t>Christopher </a:t>
             </a:r>
             <a:r>
-              <a:rPr lang="en-US" sz="1600" dirty="0" err="1" smtClean="0"/>
+              <a:rPr lang="en-US" sz="1600" dirty="0" err="1" smtClean="0">
+                <a:solidFill>
+                  <a:schemeClr val="tx1">
+                    <a:lumMod val="85000"/>
+                    <a:lumOff val="15000"/>
+                  </a:schemeClr>
+                </a:solidFill>
+              </a:rPr>
               <a:t>Cieri</a:t>
             </a:r>
             <a:r>
-              <a:rPr lang="en-US" sz="1600" dirty="0" smtClean="0"/>
+              <a:rPr lang="en-US" sz="1600" dirty="0" smtClean="0">
+                <a:solidFill>
+                  <a:schemeClr val="tx1">
+                    <a:lumMod val="85000"/>
+                    <a:lumOff val="15000"/>
+                  </a:schemeClr>
+                </a:solidFill>
+              </a:rPr>
               <a:t>, Denise </a:t>
             </a:r>
             <a:r>
-              <a:rPr lang="en-US" sz="1600" dirty="0" err="1" smtClean="0"/>
+              <a:rPr lang="en-US" sz="1600" dirty="0" err="1" smtClean="0">
+                <a:solidFill>
+                  <a:schemeClr val="tx1">
+                    <a:lumMod val="85000"/>
+                    <a:lumOff val="15000"/>
+                  </a:schemeClr>
+                </a:solidFill>
+              </a:rPr>
               <a:t>DiPersio</a:t>
             </a:r>
             <a:r>
-              <a:rPr lang="en-US" sz="1600" dirty="0" smtClean="0"/>
+              <a:rPr lang="en-US" sz="1600" dirty="0" smtClean="0">
+                <a:solidFill>
+                  <a:schemeClr val="tx1">
+                    <a:lumMod val="85000"/>
+                    <a:lumOff val="15000"/>
+                  </a:schemeClr>
+                </a:solidFill>
+              </a:rPr>
               <a:t>, Jonathan Wright </a:t>
             </a:r>
           </a:p>
           <a:p>
             <a:r>
-              <a:rPr lang="en-US" sz="1600" dirty="0" smtClean="0"/>
+              <a:rPr lang="en-US" sz="1600" dirty="0" smtClean="0">
+                <a:solidFill>
+                  <a:schemeClr val="tx1">
+                    <a:lumMod val="85000"/>
+                    <a:lumOff val="15000"/>
+                  </a:schemeClr>
+                </a:solidFill>
+              </a:rPr>
               <a:t>Linguistic Data Consortium</a:t>
             </a:r>
           </a:p>
           <a:p>
-            <a:endParaRPr lang="en-US" sz="1600" dirty="0"/>
+            <a:endParaRPr lang="en-US" sz="1600" dirty="0">
+              <a:solidFill>
+                <a:schemeClr val="tx1">
+                  <a:lumMod val="85000"/>
+                  <a:lumOff val="15000"/>
+                </a:schemeClr>
+              </a:solidFill>
+            </a:endParaRPr>
           </a:p>
         </p:txBody>
       </p:sp>
@@ -3753,37 +3826,100 @@
           </a:lstStyle>
           <a:p>
             <a:r>
-              <a:rPr lang="en-US" sz="1600" dirty="0" smtClean="0"/>
+              <a:rPr lang="en-US" sz="1600" dirty="0" smtClean="0">
+                <a:solidFill>
+                  <a:schemeClr val="tx1">
+                    <a:lumMod val="85000"/>
+                    <a:lumOff val="15000"/>
+                  </a:schemeClr>
+                </a:solidFill>
+              </a:rPr>
               <a:t>James </a:t>
             </a:r>
             <a:r>
-              <a:rPr lang="en-US" sz="1600" dirty="0" err="1" smtClean="0"/>
+              <a:rPr lang="en-US" sz="1600" dirty="0" err="1" smtClean="0">
+                <a:solidFill>
+                  <a:schemeClr val="tx1">
+                    <a:lumMod val="85000"/>
+                    <a:lumOff val="15000"/>
+                  </a:schemeClr>
+                </a:solidFill>
+              </a:rPr>
               <a:t>Pustejovsky</a:t>
             </a:r>
             <a:r>
-              <a:rPr lang="en-US" sz="1600" dirty="0" smtClean="0"/>
+              <a:rPr lang="en-US" sz="1600" dirty="0" smtClean="0">
+                <a:solidFill>
+                  <a:schemeClr val="tx1">
+                    <a:lumMod val="85000"/>
+                    <a:lumOff val="15000"/>
+                  </a:schemeClr>
+                </a:solidFill>
+              </a:rPr>
               <a:t>, </a:t>
             </a:r>
             <a:r>
-              <a:rPr lang="en-US" sz="1600" dirty="0" err="1" smtClean="0"/>
+              <a:rPr lang="en-US" sz="1600" dirty="0" err="1" smtClean="0">
+                <a:solidFill>
+                  <a:schemeClr val="tx1">
+                    <a:lumMod val="85000"/>
+                    <a:lumOff val="15000"/>
+                  </a:schemeClr>
+                </a:solidFill>
+              </a:rPr>
               <a:t>Chunqi</a:t>
             </a:r>
             <a:r>
-              <a:rPr lang="en-US" sz="1600" dirty="0" smtClean="0"/>
+              <a:rPr lang="en-US" sz="1600" dirty="0" smtClean="0">
+                <a:solidFill>
+                  <a:schemeClr val="tx1">
+                    <a:lumMod val="85000"/>
+                    <a:lumOff val="15000"/>
+                  </a:schemeClr>
+                </a:solidFill>
+              </a:rPr>
               <a:t> Shi, Marc </a:t>
             </a:r>
             <a:r>
-              <a:rPr lang="en-US" sz="1600" dirty="0" err="1" smtClean="0"/>
+              <a:rPr lang="en-US" sz="1600" dirty="0" err="1" smtClean="0">
+                <a:solidFill>
+                  <a:schemeClr val="tx1">
+                    <a:lumMod val="85000"/>
+                    <a:lumOff val="15000"/>
+                  </a:schemeClr>
+                </a:solidFill>
+              </a:rPr>
               <a:t>Verhagen</a:t>
             </a:r>
-            <a:endParaRPr lang="en-US" sz="1600" dirty="0" smtClean="0"/>
-          </a:p>
-          <a:p>
-            <a:r>
-              <a:rPr lang="en-US" sz="1600" dirty="0" smtClean="0"/>
+            <a:endParaRPr lang="en-US" sz="1600" dirty="0" smtClean="0">
+              <a:solidFill>
+                <a:schemeClr val="tx1">
+                  <a:lumMod val="85000"/>
+                  <a:lumOff val="15000"/>
+                </a:schemeClr>
+              </a:solidFill>
+            </a:endParaRPr>
+          </a:p>
+          <a:p>
+            <a:r>
+              <a:rPr lang="en-US" sz="1600" dirty="0" smtClean="0">
+                <a:solidFill>
+                  <a:schemeClr val="tx1">
+                    <a:lumMod val="85000"/>
+                    <a:lumOff val="15000"/>
+                  </a:schemeClr>
+                </a:solidFill>
+              </a:rPr>
               <a:t>Brandeis University</a:t>
             </a:r>
-            <a:endParaRPr lang="en-US" sz="1600" dirty="0"/>
+            <a:endParaRPr lang="en-US" sz="1600" dirty="0">
+              <a:solidFill>
+                <a:schemeClr val="tx1">
+                  <a:lumMod val="85000"/>
+                  <a:lumOff val="15000"/>
+                </a:schemeClr>
+              </a:solidFill>
+            </a:endParaRPr>
           </a:p>
         </p:txBody>
       </p:sp>
@@ -3965,16 +4101,37 @@
           </a:lstStyle>
           <a:p>
             <a:r>
-              <a:rPr lang="en-US" sz="1600" dirty="0" smtClean="0"/>
+              <a:rPr lang="en-US" sz="1600" dirty="0" smtClean="0">
+                <a:solidFill>
+                  <a:schemeClr val="tx1">
+                    <a:lumMod val="85000"/>
+                    <a:lumOff val="15000"/>
+                  </a:schemeClr>
+                </a:solidFill>
+              </a:rPr>
               <a:t>Eric Nyberg, Di Wang</a:t>
             </a:r>
           </a:p>
           <a:p>
             <a:r>
-              <a:rPr lang="en-US" sz="1600" dirty="0" smtClean="0"/>
+              <a:rPr lang="en-US" sz="1600" dirty="0" smtClean="0">
+                <a:solidFill>
+                  <a:schemeClr val="tx1">
+                    <a:lumMod val="85000"/>
+                    <a:lumOff val="15000"/>
+                  </a:schemeClr>
+                </a:solidFill>
+              </a:rPr>
               <a:t>Carnegie-Mellon University</a:t>
             </a:r>
-            <a:endParaRPr lang="en-US" sz="1600" dirty="0"/>
+            <a:endParaRPr lang="en-US" sz="1600" dirty="0">
+              <a:solidFill>
+                <a:schemeClr val="tx1">
+                  <a:lumMod val="85000"/>
+                  <a:lumOff val="15000"/>
+                </a:schemeClr>
+              </a:solidFill>
+            </a:endParaRPr>
           </a:p>
         </p:txBody>
       </p:sp>
@@ -4093,7 +4250,7 @@
             <a:r>
               <a:rPr lang="en-US" sz="2000" b="1" dirty="0" smtClean="0">
                 <a:solidFill>
-                  <a:srgbClr val="953735"/>
+                  <a:srgbClr val="800000"/>
                 </a:solidFill>
               </a:rPr>
               <a:t>http://vocab.lappsgrid.org</a:t>
@@ -4838,6 +4995,634 @@
 </file>
 
 <file path=ppt/slides/slide14.xml><?xml version="1.0" encoding="utf-8"?>
+<p:sld xmlns:a="http://schemas.openxmlformats.org/drawingml/2006/main" xmlns:r="http://schemas.openxmlformats.org/officeDocument/2006/relationships" xmlns:p="http://schemas.openxmlformats.org/presentationml/2006/main">
+  <p:cSld>
+    <p:spTree>
+      <p:nvGrpSpPr>
+        <p:cNvPr id="1" name=""/>
+        <p:cNvGrpSpPr/>
+        <p:nvPr/>
+      </p:nvGrpSpPr>
+      <p:grpSpPr>
+        <a:xfrm>
+          <a:off x="0" y="0"/>
+          <a:ext cx="0" cy="0"/>
+          <a:chOff x="0" y="0"/>
+          <a:chExt cx="0" cy="0"/>
+        </a:xfrm>
+      </p:grpSpPr>
+      <p:sp>
+        <p:nvSpPr>
+          <p:cNvPr id="2" name="Title 1"/>
+          <p:cNvSpPr>
+            <a:spLocks noGrp="1"/>
+          </p:cNvSpPr>
+          <p:nvPr>
+            <p:ph type="title"/>
+          </p:nvPr>
+        </p:nvSpPr>
+        <p:spPr>
+          <a:xfrm>
+            <a:off x="457200" y="274638"/>
+            <a:ext cx="8229600" cy="483284"/>
+          </a:xfrm>
+        </p:spPr>
+        <p:txBody>
+          <a:bodyPr>
+            <a:normAutofit fontScale="90000"/>
+          </a:bodyPr>
+          <a:lstStyle/>
+          <a:p>
+            <a:r>
+              <a:rPr lang="en-US" dirty="0" smtClean="0"/>
+              <a:t>Composer</a:t>
+            </a:r>
+            <a:endParaRPr lang="en-US" dirty="0"/>
+          </a:p>
+        </p:txBody>
+      </p:sp>
+      <p:pic>
+        <p:nvPicPr>
+          <p:cNvPr id="4" name="Picture 3"/>
+          <p:cNvPicPr>
+            <a:picLocks noChangeAspect="1"/>
+          </p:cNvPicPr>
+          <p:nvPr/>
+        </p:nvPicPr>
+        <p:blipFill>
+          <a:blip r:embed="rId2"/>
+          <a:stretch>
+            <a:fillRect/>
+          </a:stretch>
+        </p:blipFill>
+        <p:spPr>
+          <a:xfrm>
+            <a:off x="1358713" y="640318"/>
+            <a:ext cx="5816787" cy="5575603"/>
+          </a:xfrm>
+          <a:prstGeom prst="rect">
+            <a:avLst/>
+          </a:prstGeom>
+          <a:ln>
+            <a:noFill/>
+          </a:ln>
+        </p:spPr>
+      </p:pic>
+      <p:cxnSp>
+        <p:nvCxnSpPr>
+          <p:cNvPr id="8" name="Straight Connector 7"/>
+          <p:cNvCxnSpPr/>
+          <p:nvPr/>
+        </p:nvCxnSpPr>
+        <p:spPr>
+          <a:xfrm flipH="1">
+            <a:off x="3932757" y="1891391"/>
+            <a:ext cx="1153881" cy="1944132"/>
+          </a:xfrm>
+          <a:prstGeom prst="line">
+            <a:avLst/>
+          </a:prstGeom>
+          <a:ln w="12700" cmpd="sng">
+            <a:solidFill>
+              <a:schemeClr val="tx2">
+                <a:lumMod val="60000"/>
+                <a:lumOff val="40000"/>
+              </a:schemeClr>
+            </a:solidFill>
+          </a:ln>
+        </p:spPr>
+        <p:style>
+          <a:lnRef idx="2">
+            <a:schemeClr val="accent1"/>
+          </a:lnRef>
+          <a:fillRef idx="0">
+            <a:schemeClr val="accent1"/>
+          </a:fillRef>
+          <a:effectRef idx="1">
+            <a:schemeClr val="accent1"/>
+          </a:effectRef>
+          <a:fontRef idx="minor">
+            <a:schemeClr val="tx1"/>
+          </a:fontRef>
+        </p:style>
+      </p:cxnSp>
+      <p:sp>
+        <p:nvSpPr>
+          <p:cNvPr id="6" name="Line Callout 1 5"/>
+          <p:cNvSpPr/>
+          <p:nvPr/>
+        </p:nvSpPr>
+        <p:spPr>
+          <a:xfrm>
+            <a:off x="4847667" y="1153953"/>
+            <a:ext cx="2731081" cy="612648"/>
+          </a:xfrm>
+          <a:prstGeom prst="borderCallout1">
+            <a:avLst>
+              <a:gd name="adj1" fmla="val 18750"/>
+              <a:gd name="adj2" fmla="val -8333"/>
+              <a:gd name="adj3" fmla="val 191631"/>
+              <a:gd name="adj4" fmla="val -55833"/>
+            </a:avLst>
+          </a:prstGeom>
+          <a:solidFill>
+            <a:srgbClr val="DCE6F2"/>
+          </a:solidFill>
+        </p:spPr>
+        <p:style>
+          <a:lnRef idx="1">
+            <a:schemeClr val="accent1"/>
+          </a:lnRef>
+          <a:fillRef idx="3">
+            <a:schemeClr val="accent1"/>
+          </a:fillRef>
+          <a:effectRef idx="2">
+            <a:schemeClr val="accent1"/>
+          </a:effectRef>
+          <a:fontRef idx="minor">
+            <a:schemeClr val="lt1"/>
+          </a:fontRef>
+        </p:style>
+        <p:txBody>
+          <a:bodyPr rtlCol="0" anchor="ctr"/>
+          <a:lstStyle/>
+          <a:p>
+            <a:pPr algn="ctr"/>
+            <a:r>
+              <a:rPr lang="en-US" baseline="30000" dirty="0">
+                <a:solidFill>
+                  <a:schemeClr val="tx1"/>
+                </a:solidFill>
+                <a:latin typeface="Avenir Book"/>
+                <a:cs typeface="Avenir Book"/>
+              </a:rPr>
+              <a:t>Drag</a:t>
+            </a:r>
+            <a:r>
+              <a:rPr lang="en-US" dirty="0">
+                <a:solidFill>
+                  <a:schemeClr val="tx1"/>
+                </a:solidFill>
+                <a:latin typeface="Avenir Book"/>
+                <a:cs typeface="Avenir Book"/>
+              </a:rPr>
+              <a:t> </a:t>
+            </a:r>
+            <a:r>
+              <a:rPr lang="en-US" baseline="30000" dirty="0">
+                <a:solidFill>
+                  <a:schemeClr val="tx1"/>
+                </a:solidFill>
+                <a:latin typeface="Avenir Book"/>
+                <a:cs typeface="Avenir Book"/>
+              </a:rPr>
+              <a:t>service names from the </a:t>
+            </a:r>
+            <a:r>
+              <a:rPr lang="en-US" baseline="30000" dirty="0" smtClean="0">
+                <a:solidFill>
+                  <a:schemeClr val="tx1"/>
+                </a:solidFill>
+                <a:latin typeface="Avenir Book"/>
+                <a:cs typeface="Avenir Book"/>
+              </a:rPr>
+              <a:t>available services </a:t>
+            </a:r>
+            <a:r>
+              <a:rPr lang="en-US" baseline="30000" dirty="0">
+                <a:solidFill>
+                  <a:schemeClr val="tx1"/>
+                </a:solidFill>
+                <a:latin typeface="Avenir Book"/>
+                <a:cs typeface="Avenir Book"/>
+              </a:rPr>
+              <a:t>tab, drop into </a:t>
+            </a:r>
+            <a:r>
+              <a:rPr lang="en-US" baseline="30000" dirty="0" smtClean="0">
+                <a:solidFill>
+                  <a:schemeClr val="tx1"/>
+                </a:solidFill>
+                <a:latin typeface="Avenir Book"/>
+                <a:cs typeface="Avenir Book"/>
+              </a:rPr>
+              <a:t>selected </a:t>
+            </a:r>
+            <a:r>
+              <a:rPr lang="en-US" baseline="30000" dirty="0">
+                <a:solidFill>
+                  <a:schemeClr val="tx1"/>
+                </a:solidFill>
+                <a:latin typeface="Avenir Book"/>
+                <a:cs typeface="Avenir Book"/>
+              </a:rPr>
+              <a:t>services tab</a:t>
+            </a:r>
+            <a:endParaRPr lang="en-US" dirty="0"/>
+          </a:p>
+        </p:txBody>
+      </p:sp>
+      <p:sp>
+        <p:nvSpPr>
+          <p:cNvPr id="12" name="Line Callout 1 11"/>
+          <p:cNvSpPr/>
+          <p:nvPr/>
+        </p:nvSpPr>
+        <p:spPr>
+          <a:xfrm>
+            <a:off x="4246831" y="464313"/>
+            <a:ext cx="1734236" cy="600875"/>
+          </a:xfrm>
+          <a:prstGeom prst="borderCallout1">
+            <a:avLst>
+              <a:gd name="adj1" fmla="val 18750"/>
+              <a:gd name="adj2" fmla="val -8333"/>
+              <a:gd name="adj3" fmla="val 136364"/>
+              <a:gd name="adj4" fmla="val -37939"/>
+            </a:avLst>
+          </a:prstGeom>
+          <a:solidFill>
+            <a:schemeClr val="accent6">
+              <a:lumMod val="20000"/>
+              <a:lumOff val="80000"/>
+            </a:schemeClr>
+          </a:solidFill>
+          <a:ln>
+            <a:solidFill>
+              <a:srgbClr val="E46C0A"/>
+            </a:solidFill>
+          </a:ln>
+        </p:spPr>
+        <p:style>
+          <a:lnRef idx="1">
+            <a:schemeClr val="accent1"/>
+          </a:lnRef>
+          <a:fillRef idx="3">
+            <a:schemeClr val="accent1"/>
+          </a:fillRef>
+          <a:effectRef idx="2">
+            <a:schemeClr val="accent1"/>
+          </a:effectRef>
+          <a:fontRef idx="minor">
+            <a:schemeClr val="lt1"/>
+          </a:fontRef>
+        </p:style>
+        <p:txBody>
+          <a:bodyPr rtlCol="0" anchor="ctr"/>
+          <a:lstStyle/>
+          <a:p>
+            <a:pPr algn="ctr"/>
+            <a:r>
+              <a:rPr lang="en-US" sz="1600" baseline="30000" dirty="0" smtClean="0">
+                <a:solidFill>
+                  <a:srgbClr val="000000"/>
+                </a:solidFill>
+                <a:latin typeface="Avenir Book"/>
+                <a:cs typeface="Avenir Book"/>
+              </a:rPr>
+              <a:t>Select </a:t>
+            </a:r>
+            <a:r>
+              <a:rPr lang="en-US" sz="1600" baseline="30000" dirty="0">
+                <a:solidFill>
+                  <a:srgbClr val="000000"/>
+                </a:solidFill>
+                <a:latin typeface="Avenir Book"/>
+                <a:cs typeface="Avenir Book"/>
+              </a:rPr>
+              <a:t>a data source service or upload text in ad-hoc document </a:t>
+            </a:r>
+            <a:r>
+              <a:rPr lang="en-US" sz="1600" baseline="30000" dirty="0" smtClean="0">
+                <a:solidFill>
+                  <a:srgbClr val="000000"/>
+                </a:solidFill>
+                <a:latin typeface="Avenir Book"/>
+                <a:cs typeface="Avenir Book"/>
+              </a:rPr>
+              <a:t>field</a:t>
+            </a:r>
+            <a:endParaRPr lang="en-US" sz="1600" dirty="0">
+              <a:solidFill>
+                <a:srgbClr val="000000"/>
+              </a:solidFill>
+              <a:latin typeface="Avenir Book"/>
+              <a:cs typeface="Avenir Book"/>
+            </a:endParaRPr>
+          </a:p>
+        </p:txBody>
+      </p:sp>
+      <p:sp>
+        <p:nvSpPr>
+          <p:cNvPr id="13" name="Line Callout 1 12"/>
+          <p:cNvSpPr/>
+          <p:nvPr/>
+        </p:nvSpPr>
+        <p:spPr>
+          <a:xfrm>
+            <a:off x="6616042" y="4342690"/>
+            <a:ext cx="2070757" cy="675984"/>
+          </a:xfrm>
+          <a:prstGeom prst="borderCallout1">
+            <a:avLst>
+              <a:gd name="adj1" fmla="val 18750"/>
+              <a:gd name="adj2" fmla="val -8333"/>
+              <a:gd name="adj3" fmla="val 85751"/>
+              <a:gd name="adj4" fmla="val -53831"/>
+            </a:avLst>
+          </a:prstGeom>
+          <a:solidFill>
+            <a:schemeClr val="accent3">
+              <a:lumMod val="20000"/>
+              <a:lumOff val="80000"/>
+            </a:schemeClr>
+          </a:solidFill>
+          <a:ln>
+            <a:solidFill>
+              <a:schemeClr val="accent3">
+                <a:lumMod val="75000"/>
+              </a:schemeClr>
+            </a:solidFill>
+          </a:ln>
+        </p:spPr>
+        <p:style>
+          <a:lnRef idx="1">
+            <a:schemeClr val="accent1"/>
+          </a:lnRef>
+          <a:fillRef idx="3">
+            <a:schemeClr val="accent1"/>
+          </a:fillRef>
+          <a:effectRef idx="2">
+            <a:schemeClr val="accent1"/>
+          </a:effectRef>
+          <a:fontRef idx="minor">
+            <a:schemeClr val="lt1"/>
+          </a:fontRef>
+        </p:style>
+        <p:txBody>
+          <a:bodyPr rtlCol="0" anchor="ctr"/>
+          <a:lstStyle/>
+          <a:p>
+            <a:pPr algn="ctr"/>
+            <a:r>
+              <a:rPr lang="en-US" baseline="30000" dirty="0" smtClean="0">
+                <a:solidFill>
+                  <a:srgbClr val="000000"/>
+                </a:solidFill>
+                <a:latin typeface="Avenir Book"/>
+                <a:cs typeface="Avenir Book"/>
+              </a:rPr>
+              <a:t>User configures </a:t>
+            </a:r>
+            <a:r>
+              <a:rPr lang="en-US" baseline="30000" dirty="0">
+                <a:solidFill>
+                  <a:srgbClr val="000000"/>
+                </a:solidFill>
+                <a:latin typeface="Avenir Book"/>
+                <a:cs typeface="Avenir Book"/>
+              </a:rPr>
+              <a:t>which steps generate the gold and predicted annotations</a:t>
+            </a:r>
+            <a:endParaRPr lang="en-US" dirty="0">
+              <a:solidFill>
+                <a:srgbClr val="000000"/>
+              </a:solidFill>
+              <a:latin typeface="Avenir Book"/>
+              <a:cs typeface="Avenir Book"/>
+            </a:endParaRPr>
+          </a:p>
+        </p:txBody>
+      </p:sp>
+    </p:spTree>
+    <p:extLst>
+      <p:ext uri="{BB962C8B-B14F-4D97-AF65-F5344CB8AC3E}">
+        <p14:creationId xmlns:p14="http://schemas.microsoft.com/office/powerpoint/2010/main" val="2374174980"/>
+      </p:ext>
+    </p:extLst>
+  </p:cSld>
+  <p:clrMapOvr>
+    <a:masterClrMapping/>
+  </p:clrMapOvr>
+  <p:timing>
+    <p:tnLst>
+      <p:par>
+        <p:cTn xmlns:p14="http://schemas.microsoft.com/office/powerpoint/2010/main" id="1" dur="indefinite" restart="never" nodeType="tmRoot">
+          <p:childTnLst>
+            <p:seq concurrent="1" nextAc="seek">
+              <p:cTn id="2" dur="indefinite" nodeType="mainSeq">
+                <p:childTnLst>
+                  <p:par>
+                    <p:cTn id="3" fill="hold">
+                      <p:stCondLst>
+                        <p:cond delay="indefinite"/>
+                      </p:stCondLst>
+                      <p:childTnLst>
+                        <p:par>
+                          <p:cTn id="4" fill="hold">
+                            <p:stCondLst>
+                              <p:cond delay="0"/>
+                            </p:stCondLst>
+                            <p:childTnLst>
+                              <p:par>
+                                <p:cTn id="5" presetID="1" presetClass="entr" presetSubtype="0" fill="hold" grpId="0" nodeType="clickEffect">
+                                  <p:stCondLst>
+                                    <p:cond delay="0"/>
+                                  </p:stCondLst>
+                                  <p:childTnLst>
+                                    <p:set>
+                                      <p:cBhvr>
+                                        <p:cTn id="6" dur="1" fill="hold">
+                                          <p:stCondLst>
+                                            <p:cond delay="0"/>
+                                          </p:stCondLst>
+                                        </p:cTn>
+                                        <p:tgtEl>
+                                          <p:spTgt spid="12"/>
+                                        </p:tgtEl>
+                                        <p:attrNameLst>
+                                          <p:attrName>style.visibility</p:attrName>
+                                        </p:attrNameLst>
+                                      </p:cBhvr>
+                                      <p:to>
+                                        <p:strVal val="visible"/>
+                                      </p:to>
+                                    </p:set>
+                                  </p:childTnLst>
+                                </p:cTn>
+                              </p:par>
+                            </p:childTnLst>
+                          </p:cTn>
+                        </p:par>
+                      </p:childTnLst>
+                    </p:cTn>
+                  </p:par>
+                  <p:par>
+                    <p:cTn id="7" fill="hold">
+                      <p:stCondLst>
+                        <p:cond delay="indefinite"/>
+                      </p:stCondLst>
+                      <p:childTnLst>
+                        <p:par>
+                          <p:cTn id="8" fill="hold">
+                            <p:stCondLst>
+                              <p:cond delay="0"/>
+                            </p:stCondLst>
+                            <p:childTnLst>
+                              <p:par>
+                                <p:cTn id="9" presetID="1" presetClass="entr" presetSubtype="0" fill="hold" grpId="0" nodeType="clickEffect">
+                                  <p:stCondLst>
+                                    <p:cond delay="0"/>
+                                  </p:stCondLst>
+                                  <p:childTnLst>
+                                    <p:set>
+                                      <p:cBhvr>
+                                        <p:cTn id="10" dur="1" fill="hold">
+                                          <p:stCondLst>
+                                            <p:cond delay="0"/>
+                                          </p:stCondLst>
+                                        </p:cTn>
+                                        <p:tgtEl>
+                                          <p:spTgt spid="6"/>
+                                        </p:tgtEl>
+                                        <p:attrNameLst>
+                                          <p:attrName>style.visibility</p:attrName>
+                                        </p:attrNameLst>
+                                      </p:cBhvr>
+                                      <p:to>
+                                        <p:strVal val="visible"/>
+                                      </p:to>
+                                    </p:set>
+                                  </p:childTnLst>
+                                </p:cTn>
+                              </p:par>
+                            </p:childTnLst>
+                          </p:cTn>
+                        </p:par>
+                      </p:childTnLst>
+                    </p:cTn>
+                  </p:par>
+                  <p:par>
+                    <p:cTn id="11" fill="hold">
+                      <p:stCondLst>
+                        <p:cond delay="indefinite"/>
+                      </p:stCondLst>
+                      <p:childTnLst>
+                        <p:par>
+                          <p:cTn id="12" fill="hold">
+                            <p:stCondLst>
+                              <p:cond delay="0"/>
+                            </p:stCondLst>
+                            <p:childTnLst>
+                              <p:par>
+                                <p:cTn id="13" presetID="1" presetClass="entr" presetSubtype="0" fill="hold" nodeType="clickEffect">
+                                  <p:stCondLst>
+                                    <p:cond delay="0"/>
+                                  </p:stCondLst>
+                                  <p:childTnLst>
+                                    <p:set>
+                                      <p:cBhvr>
+                                        <p:cTn id="14" dur="1" fill="hold">
+                                          <p:stCondLst>
+                                            <p:cond delay="0"/>
+                                          </p:stCondLst>
+                                        </p:cTn>
+                                        <p:tgtEl>
+                                          <p:spTgt spid="8"/>
+                                        </p:tgtEl>
+                                        <p:attrNameLst>
+                                          <p:attrName>style.visibility</p:attrName>
+                                        </p:attrNameLst>
+                                      </p:cBhvr>
+                                      <p:to>
+                                        <p:strVal val="visible"/>
+                                      </p:to>
+                                    </p:set>
+                                  </p:childTnLst>
+                                </p:cTn>
+                              </p:par>
+                            </p:childTnLst>
+                          </p:cTn>
+                        </p:par>
+                      </p:childTnLst>
+                    </p:cTn>
+                  </p:par>
+                  <p:par>
+                    <p:cTn id="15" fill="hold">
+                      <p:stCondLst>
+                        <p:cond delay="indefinite"/>
+                      </p:stCondLst>
+                      <p:childTnLst>
+                        <p:par>
+                          <p:cTn id="16" fill="hold">
+                            <p:stCondLst>
+                              <p:cond delay="0"/>
+                            </p:stCondLst>
+                            <p:childTnLst>
+                              <p:par>
+                                <p:cTn id="17" presetID="1" presetClass="entr" presetSubtype="0" fill="hold" grpId="0" nodeType="clickEffect">
+                                  <p:stCondLst>
+                                    <p:cond delay="0"/>
+                                  </p:stCondLst>
+                                  <p:childTnLst>
+                                    <p:set>
+                                      <p:cBhvr>
+                                        <p:cTn id="18" dur="1" fill="hold">
+                                          <p:stCondLst>
+                                            <p:cond delay="0"/>
+                                          </p:stCondLst>
+                                        </p:cTn>
+                                        <p:tgtEl>
+                                          <p:spTgt spid="13"/>
+                                        </p:tgtEl>
+                                        <p:attrNameLst>
+                                          <p:attrName>style.visibility</p:attrName>
+                                        </p:attrNameLst>
+                                      </p:cBhvr>
+                                      <p:to>
+                                        <p:strVal val="visible"/>
+                                      </p:to>
+                                    </p:set>
+                                  </p:childTnLst>
+                                </p:cTn>
+                              </p:par>
+                            </p:childTnLst>
+                          </p:cTn>
+                        </p:par>
+                      </p:childTnLst>
+                    </p:cTn>
+                  </p:par>
+                </p:childTnLst>
+              </p:cTn>
+              <p:prevCondLst>
+                <p:cond evt="onPrev" delay="0">
+                  <p:tgtEl>
+                    <p:sldTgt/>
+                  </p:tgtEl>
+                </p:cond>
+              </p:prevCondLst>
+              <p:nextCondLst>
+                <p:cond evt="onNext" delay="0">
+                  <p:tgtEl>
+                    <p:sldTgt/>
+                  </p:tgtEl>
+                </p:cond>
+              </p:nextCondLst>
+            </p:seq>
+          </p:childTnLst>
+        </p:cTn>
+      </p:par>
+    </p:tnLst>
+    <p:bldLst>
+      <p:bldP spid="6" grpId="0" animBg="1"/>
+      <p:bldP spid="12" grpId="0" animBg="1"/>
+      <p:bldP spid="13" grpId="0" animBg="1"/>
+    </p:bldLst>
+  </p:timing>
+</p:sld>
+</file>
+
+<file path=ppt/slides/slide15.xml><?xml version="1.0" encoding="utf-8"?>
 <p:sld xmlns:a="http://schemas.openxmlformats.org/drawingml/2006/main" xmlns:r="http://schemas.openxmlformats.org/officeDocument/2006/relationships" xmlns:p="http://schemas.openxmlformats.org/presentationml/2006/main">
   <p:cSld>
     <p:spTree>
@@ -5198,603 +5983,6 @@
 </p:sld>
 </file>
 
-<file path=ppt/slides/slide15.xml><?xml version="1.0" encoding="utf-8"?>
-<p:sld xmlns:a="http://schemas.openxmlformats.org/drawingml/2006/main" xmlns:r="http://schemas.openxmlformats.org/officeDocument/2006/relationships" xmlns:p="http://schemas.openxmlformats.org/presentationml/2006/main">
-  <p:cSld>
-    <p:spTree>
-      <p:nvGrpSpPr>
-        <p:cNvPr id="1" name=""/>
-        <p:cNvGrpSpPr/>
-        <p:nvPr/>
-      </p:nvGrpSpPr>
-      <p:grpSpPr>
-        <a:xfrm>
-          <a:off x="0" y="0"/>
-          <a:ext cx="0" cy="0"/>
-          <a:chOff x="0" y="0"/>
-          <a:chExt cx="0" cy="0"/>
-        </a:xfrm>
-      </p:grpSpPr>
-      <p:sp>
-        <p:nvSpPr>
-          <p:cNvPr id="2" name="Title 1"/>
-          <p:cNvSpPr>
-            <a:spLocks noGrp="1"/>
-          </p:cNvSpPr>
-          <p:nvPr>
-            <p:ph type="title"/>
-          </p:nvPr>
-        </p:nvSpPr>
-        <p:spPr>
-          <a:xfrm>
-            <a:off x="457200" y="274638"/>
-            <a:ext cx="8229600" cy="483284"/>
-          </a:xfrm>
-        </p:spPr>
-        <p:txBody>
-          <a:bodyPr>
-            <a:normAutofit fontScale="90000"/>
-          </a:bodyPr>
-          <a:lstStyle/>
-          <a:p>
-            <a:r>
-              <a:rPr lang="en-US" dirty="0" smtClean="0"/>
-              <a:t>Composer</a:t>
-            </a:r>
-            <a:endParaRPr lang="en-US" dirty="0"/>
-          </a:p>
-        </p:txBody>
-      </p:sp>
-      <p:pic>
-        <p:nvPicPr>
-          <p:cNvPr id="4" name="Picture 3"/>
-          <p:cNvPicPr>
-            <a:picLocks noChangeAspect="1"/>
-          </p:cNvPicPr>
-          <p:nvPr/>
-        </p:nvPicPr>
-        <p:blipFill>
-          <a:blip r:embed="rId2"/>
-          <a:stretch>
-            <a:fillRect/>
-          </a:stretch>
-        </p:blipFill>
-        <p:spPr>
-          <a:xfrm>
-            <a:off x="1358713" y="640318"/>
-            <a:ext cx="5816787" cy="5575603"/>
-          </a:xfrm>
-          <a:prstGeom prst="rect">
-            <a:avLst/>
-          </a:prstGeom>
-          <a:ln>
-            <a:noFill/>
-          </a:ln>
-        </p:spPr>
-      </p:pic>
-      <p:grpSp>
-        <p:nvGrpSpPr>
-          <p:cNvPr id="11" name="Group 10"/>
-          <p:cNvGrpSpPr/>
-          <p:nvPr/>
-        </p:nvGrpSpPr>
-        <p:grpSpPr>
-          <a:xfrm>
-            <a:off x="3932757" y="1153953"/>
-            <a:ext cx="3645991" cy="2681570"/>
-            <a:chOff x="3932757" y="1153953"/>
-            <a:chExt cx="3645991" cy="2681570"/>
-          </a:xfrm>
-        </p:grpSpPr>
-        <p:cxnSp>
-          <p:nvCxnSpPr>
-            <p:cNvPr id="8" name="Straight Connector 7"/>
-            <p:cNvCxnSpPr/>
-            <p:nvPr/>
-          </p:nvCxnSpPr>
-          <p:spPr>
-            <a:xfrm flipH="1">
-              <a:off x="3932757" y="1891391"/>
-              <a:ext cx="1153881" cy="1944132"/>
-            </a:xfrm>
-            <a:prstGeom prst="line">
-              <a:avLst/>
-            </a:prstGeom>
-            <a:ln w="12700" cmpd="sng">
-              <a:solidFill>
-                <a:schemeClr val="tx2">
-                  <a:lumMod val="60000"/>
-                  <a:lumOff val="40000"/>
-                </a:schemeClr>
-              </a:solidFill>
-            </a:ln>
-          </p:spPr>
-          <p:style>
-            <a:lnRef idx="2">
-              <a:schemeClr val="accent1"/>
-            </a:lnRef>
-            <a:fillRef idx="0">
-              <a:schemeClr val="accent1"/>
-            </a:fillRef>
-            <a:effectRef idx="1">
-              <a:schemeClr val="accent1"/>
-            </a:effectRef>
-            <a:fontRef idx="minor">
-              <a:schemeClr val="tx1"/>
-            </a:fontRef>
-          </p:style>
-        </p:cxnSp>
-        <p:sp>
-          <p:nvSpPr>
-            <p:cNvPr id="6" name="Line Callout 1 5"/>
-            <p:cNvSpPr/>
-            <p:nvPr/>
-          </p:nvSpPr>
-          <p:spPr>
-            <a:xfrm>
-              <a:off x="4847667" y="1153953"/>
-              <a:ext cx="2731081" cy="612648"/>
-            </a:xfrm>
-            <a:prstGeom prst="borderCallout1">
-              <a:avLst>
-                <a:gd name="adj1" fmla="val 18750"/>
-                <a:gd name="adj2" fmla="val -8333"/>
-                <a:gd name="adj3" fmla="val 191631"/>
-                <a:gd name="adj4" fmla="val -55833"/>
-              </a:avLst>
-            </a:prstGeom>
-            <a:solidFill>
-              <a:srgbClr val="DCE6F2"/>
-            </a:solidFill>
-          </p:spPr>
-          <p:style>
-            <a:lnRef idx="1">
-              <a:schemeClr val="accent1"/>
-            </a:lnRef>
-            <a:fillRef idx="3">
-              <a:schemeClr val="accent1"/>
-            </a:fillRef>
-            <a:effectRef idx="2">
-              <a:schemeClr val="accent1"/>
-            </a:effectRef>
-            <a:fontRef idx="minor">
-              <a:schemeClr val="lt1"/>
-            </a:fontRef>
-          </p:style>
-          <p:txBody>
-            <a:bodyPr rtlCol="0" anchor="ctr"/>
-            <a:lstStyle/>
-            <a:p>
-              <a:pPr algn="ctr"/>
-              <a:r>
-                <a:rPr lang="en-US" baseline="30000" dirty="0">
-                  <a:solidFill>
-                    <a:schemeClr val="tx1"/>
-                  </a:solidFill>
-                  <a:latin typeface="Avenir Book"/>
-                  <a:cs typeface="Avenir Book"/>
-                </a:rPr>
-                <a:t>Drag</a:t>
-              </a:r>
-              <a:r>
-                <a:rPr lang="en-US" dirty="0">
-                  <a:solidFill>
-                    <a:schemeClr val="tx1"/>
-                  </a:solidFill>
-                  <a:latin typeface="Avenir Book"/>
-                  <a:cs typeface="Avenir Book"/>
-                </a:rPr>
-                <a:t> </a:t>
-              </a:r>
-              <a:r>
-                <a:rPr lang="en-US" baseline="30000" dirty="0">
-                  <a:solidFill>
-                    <a:schemeClr val="tx1"/>
-                  </a:solidFill>
-                  <a:latin typeface="Avenir Book"/>
-                  <a:cs typeface="Avenir Book"/>
-                </a:rPr>
-                <a:t>service names from the </a:t>
-              </a:r>
-              <a:r>
-                <a:rPr lang="en-US" baseline="30000" dirty="0" smtClean="0">
-                  <a:solidFill>
-                    <a:schemeClr val="tx1"/>
-                  </a:solidFill>
-                  <a:latin typeface="Avenir Book"/>
-                  <a:cs typeface="Avenir Book"/>
-                </a:rPr>
-                <a:t>available services </a:t>
-              </a:r>
-              <a:r>
-                <a:rPr lang="en-US" baseline="30000" dirty="0">
-                  <a:solidFill>
-                    <a:schemeClr val="tx1"/>
-                  </a:solidFill>
-                  <a:latin typeface="Avenir Book"/>
-                  <a:cs typeface="Avenir Book"/>
-                </a:rPr>
-                <a:t>tab, drop into </a:t>
-              </a:r>
-              <a:r>
-                <a:rPr lang="en-US" baseline="30000" dirty="0" smtClean="0">
-                  <a:solidFill>
-                    <a:schemeClr val="tx1"/>
-                  </a:solidFill>
-                  <a:latin typeface="Avenir Book"/>
-                  <a:cs typeface="Avenir Book"/>
-                </a:rPr>
-                <a:t>selected </a:t>
-              </a:r>
-              <a:r>
-                <a:rPr lang="en-US" baseline="30000" dirty="0">
-                  <a:solidFill>
-                    <a:schemeClr val="tx1"/>
-                  </a:solidFill>
-                  <a:latin typeface="Avenir Book"/>
-                  <a:cs typeface="Avenir Book"/>
-                </a:rPr>
-                <a:t>services tab</a:t>
-              </a:r>
-              <a:endParaRPr lang="en-US" dirty="0"/>
-            </a:p>
-          </p:txBody>
-        </p:sp>
-      </p:grpSp>
-      <p:sp>
-        <p:nvSpPr>
-          <p:cNvPr id="12" name="Line Callout 1 11"/>
-          <p:cNvSpPr/>
-          <p:nvPr/>
-        </p:nvSpPr>
-        <p:spPr>
-          <a:xfrm>
-            <a:off x="4246831" y="464313"/>
-            <a:ext cx="1734236" cy="600875"/>
-          </a:xfrm>
-          <a:prstGeom prst="borderCallout1">
-            <a:avLst>
-              <a:gd name="adj1" fmla="val 18750"/>
-              <a:gd name="adj2" fmla="val -8333"/>
-              <a:gd name="adj3" fmla="val 136364"/>
-              <a:gd name="adj4" fmla="val -37939"/>
-            </a:avLst>
-          </a:prstGeom>
-          <a:solidFill>
-            <a:schemeClr val="accent6">
-              <a:lumMod val="20000"/>
-              <a:lumOff val="80000"/>
-            </a:schemeClr>
-          </a:solidFill>
-          <a:ln>
-            <a:solidFill>
-              <a:srgbClr val="E46C0A"/>
-            </a:solidFill>
-          </a:ln>
-        </p:spPr>
-        <p:style>
-          <a:lnRef idx="1">
-            <a:schemeClr val="accent1"/>
-          </a:lnRef>
-          <a:fillRef idx="3">
-            <a:schemeClr val="accent1"/>
-          </a:fillRef>
-          <a:effectRef idx="2">
-            <a:schemeClr val="accent1"/>
-          </a:effectRef>
-          <a:fontRef idx="minor">
-            <a:schemeClr val="lt1"/>
-          </a:fontRef>
-        </p:style>
-        <p:txBody>
-          <a:bodyPr rtlCol="0" anchor="ctr"/>
-          <a:lstStyle/>
-          <a:p>
-            <a:pPr algn="ctr"/>
-            <a:r>
-              <a:rPr lang="en-US" sz="1600" baseline="30000" dirty="0" smtClean="0">
-                <a:solidFill>
-                  <a:srgbClr val="000000"/>
-                </a:solidFill>
-                <a:latin typeface="Avenir Book"/>
-                <a:cs typeface="Avenir Book"/>
-              </a:rPr>
-              <a:t>Select </a:t>
-            </a:r>
-            <a:r>
-              <a:rPr lang="en-US" sz="1600" baseline="30000" dirty="0">
-                <a:solidFill>
-                  <a:srgbClr val="000000"/>
-                </a:solidFill>
-                <a:latin typeface="Avenir Book"/>
-                <a:cs typeface="Avenir Book"/>
-              </a:rPr>
-              <a:t>a data source service or upload text in ad-hoc document </a:t>
-            </a:r>
-            <a:r>
-              <a:rPr lang="en-US" sz="1600" baseline="30000" dirty="0" smtClean="0">
-                <a:solidFill>
-                  <a:srgbClr val="000000"/>
-                </a:solidFill>
-                <a:latin typeface="Avenir Book"/>
-                <a:cs typeface="Avenir Book"/>
-              </a:rPr>
-              <a:t>field</a:t>
-            </a:r>
-            <a:endParaRPr lang="en-US" sz="1600" dirty="0">
-              <a:solidFill>
-                <a:srgbClr val="000000"/>
-              </a:solidFill>
-              <a:latin typeface="Avenir Book"/>
-              <a:cs typeface="Avenir Book"/>
-            </a:endParaRPr>
-          </a:p>
-        </p:txBody>
-      </p:sp>
-      <p:sp>
-        <p:nvSpPr>
-          <p:cNvPr id="13" name="Line Callout 1 12"/>
-          <p:cNvSpPr/>
-          <p:nvPr/>
-        </p:nvSpPr>
-        <p:spPr>
-          <a:xfrm>
-            <a:off x="6616042" y="4342690"/>
-            <a:ext cx="2070757" cy="675984"/>
-          </a:xfrm>
-          <a:prstGeom prst="borderCallout1">
-            <a:avLst>
-              <a:gd name="adj1" fmla="val 18750"/>
-              <a:gd name="adj2" fmla="val -8333"/>
-              <a:gd name="adj3" fmla="val 85751"/>
-              <a:gd name="adj4" fmla="val -53831"/>
-            </a:avLst>
-          </a:prstGeom>
-          <a:solidFill>
-            <a:schemeClr val="accent3">
-              <a:lumMod val="20000"/>
-              <a:lumOff val="80000"/>
-            </a:schemeClr>
-          </a:solidFill>
-          <a:ln>
-            <a:solidFill>
-              <a:schemeClr val="accent3">
-                <a:lumMod val="75000"/>
-              </a:schemeClr>
-            </a:solidFill>
-          </a:ln>
-        </p:spPr>
-        <p:style>
-          <a:lnRef idx="1">
-            <a:schemeClr val="accent1"/>
-          </a:lnRef>
-          <a:fillRef idx="3">
-            <a:schemeClr val="accent1"/>
-          </a:fillRef>
-          <a:effectRef idx="2">
-            <a:schemeClr val="accent1"/>
-          </a:effectRef>
-          <a:fontRef idx="minor">
-            <a:schemeClr val="lt1"/>
-          </a:fontRef>
-        </p:style>
-        <p:txBody>
-          <a:bodyPr rtlCol="0" anchor="ctr"/>
-          <a:lstStyle/>
-          <a:p>
-            <a:pPr algn="ctr"/>
-            <a:r>
-              <a:rPr lang="en-US" baseline="30000" dirty="0" smtClean="0">
-                <a:solidFill>
-                  <a:srgbClr val="000000"/>
-                </a:solidFill>
-                <a:latin typeface="Avenir Book"/>
-                <a:cs typeface="Avenir Book"/>
-              </a:rPr>
-              <a:t>User configures </a:t>
-            </a:r>
-            <a:r>
-              <a:rPr lang="en-US" baseline="30000" dirty="0">
-                <a:solidFill>
-                  <a:srgbClr val="000000"/>
-                </a:solidFill>
-                <a:latin typeface="Avenir Book"/>
-                <a:cs typeface="Avenir Book"/>
-              </a:rPr>
-              <a:t>which steps generate the gold and predicted annotations</a:t>
-            </a:r>
-            <a:endParaRPr lang="en-US" dirty="0">
-              <a:solidFill>
-                <a:srgbClr val="000000"/>
-              </a:solidFill>
-              <a:latin typeface="Avenir Book"/>
-              <a:cs typeface="Avenir Book"/>
-            </a:endParaRPr>
-          </a:p>
-        </p:txBody>
-      </p:sp>
-    </p:spTree>
-    <p:extLst>
-      <p:ext uri="{BB962C8B-B14F-4D97-AF65-F5344CB8AC3E}">
-        <p14:creationId xmlns:p14="http://schemas.microsoft.com/office/powerpoint/2010/main" val="2374174980"/>
-      </p:ext>
-    </p:extLst>
-  </p:cSld>
-  <p:clrMapOvr>
-    <a:masterClrMapping/>
-  </p:clrMapOvr>
-  <p:timing>
-    <p:tnLst>
-      <p:par>
-        <p:cTn xmlns:p14="http://schemas.microsoft.com/office/powerpoint/2010/main" id="1" dur="indefinite" restart="never" nodeType="tmRoot">
-          <p:childTnLst>
-            <p:seq concurrent="1" nextAc="seek">
-              <p:cTn id="2" dur="indefinite" nodeType="mainSeq">
-                <p:childTnLst>
-                  <p:par>
-                    <p:cTn id="3" fill="hold">
-                      <p:stCondLst>
-                        <p:cond delay="indefinite"/>
-                      </p:stCondLst>
-                      <p:childTnLst>
-                        <p:par>
-                          <p:cTn id="4" fill="hold">
-                            <p:stCondLst>
-                              <p:cond delay="0"/>
-                            </p:stCondLst>
-                            <p:childTnLst>
-                              <p:par>
-                                <p:cTn id="5" presetID="1" presetClass="entr" presetSubtype="0" fill="hold" grpId="0" nodeType="clickEffect">
-                                  <p:stCondLst>
-                                    <p:cond delay="0"/>
-                                  </p:stCondLst>
-                                  <p:childTnLst>
-                                    <p:set>
-                                      <p:cBhvr>
-                                        <p:cTn id="6" dur="1" fill="hold">
-                                          <p:stCondLst>
-                                            <p:cond delay="0"/>
-                                          </p:stCondLst>
-                                        </p:cTn>
-                                        <p:tgtEl>
-                                          <p:spTgt spid="12"/>
-                                        </p:tgtEl>
-                                        <p:attrNameLst>
-                                          <p:attrName>style.visibility</p:attrName>
-                                        </p:attrNameLst>
-                                      </p:cBhvr>
-                                      <p:to>
-                                        <p:strVal val="visible"/>
-                                      </p:to>
-                                    </p:set>
-                                  </p:childTnLst>
-                                </p:cTn>
-                              </p:par>
-                            </p:childTnLst>
-                          </p:cTn>
-                        </p:par>
-                      </p:childTnLst>
-                    </p:cTn>
-                  </p:par>
-                  <p:par>
-                    <p:cTn id="7" fill="hold">
-                      <p:stCondLst>
-                        <p:cond delay="indefinite"/>
-                      </p:stCondLst>
-                      <p:childTnLst>
-                        <p:par>
-                          <p:cTn id="8" fill="hold">
-                            <p:stCondLst>
-                              <p:cond delay="0"/>
-                            </p:stCondLst>
-                            <p:childTnLst>
-                              <p:par>
-                                <p:cTn id="9" presetID="1" presetClass="entr" presetSubtype="0" fill="hold" nodeType="clickEffect">
-                                  <p:stCondLst>
-                                    <p:cond delay="0"/>
-                                  </p:stCondLst>
-                                  <p:childTnLst>
-                                    <p:set>
-                                      <p:cBhvr>
-                                        <p:cTn id="10" dur="1" fill="hold">
-                                          <p:stCondLst>
-                                            <p:cond delay="0"/>
-                                          </p:stCondLst>
-                                        </p:cTn>
-                                        <p:tgtEl>
-                                          <p:spTgt spid="11"/>
-                                        </p:tgtEl>
-                                        <p:attrNameLst>
-                                          <p:attrName>style.visibility</p:attrName>
-                                        </p:attrNameLst>
-                                      </p:cBhvr>
-                                      <p:to>
-                                        <p:strVal val="visible"/>
-                                      </p:to>
-                                    </p:set>
-                                  </p:childTnLst>
-                                </p:cTn>
-                              </p:par>
-                            </p:childTnLst>
-                          </p:cTn>
-                        </p:par>
-                      </p:childTnLst>
-                    </p:cTn>
-                  </p:par>
-                  <p:par>
-                    <p:cTn id="11" fill="hold">
-                      <p:stCondLst>
-                        <p:cond delay="indefinite"/>
-                      </p:stCondLst>
-                      <p:childTnLst>
-                        <p:par>
-                          <p:cTn id="12" fill="hold">
-                            <p:stCondLst>
-                              <p:cond delay="0"/>
-                            </p:stCondLst>
-                            <p:childTnLst>
-                              <p:par>
-                                <p:cTn id="13" presetID="1" presetClass="entr" presetSubtype="0" fill="hold" grpId="0" nodeType="clickEffect">
-                                  <p:stCondLst>
-                                    <p:cond delay="0"/>
-                                  </p:stCondLst>
-                                  <p:childTnLst>
-                                    <p:set>
-                                      <p:cBhvr>
-                                        <p:cTn id="14" dur="1" fill="hold">
-                                          <p:stCondLst>
-                                            <p:cond delay="0"/>
-                                          </p:stCondLst>
-                                        </p:cTn>
-                                        <p:tgtEl>
-                                          <p:spTgt spid="13"/>
-                                        </p:tgtEl>
-                                        <p:attrNameLst>
-                                          <p:attrName>style.visibility</p:attrName>
-                                        </p:attrNameLst>
-                                      </p:cBhvr>
-                                      <p:to>
-                                        <p:strVal val="visible"/>
-                                      </p:to>
-                                    </p:set>
-                                  </p:childTnLst>
-                                </p:cTn>
-                              </p:par>
-                            </p:childTnLst>
-                          </p:cTn>
-                        </p:par>
-                      </p:childTnLst>
-                    </p:cTn>
-                  </p:par>
-                </p:childTnLst>
-              </p:cTn>
-              <p:prevCondLst>
-                <p:cond evt="onPrev" delay="0">
-                  <p:tgtEl>
-                    <p:sldTgt/>
-                  </p:tgtEl>
-                </p:cond>
-              </p:prevCondLst>
-              <p:nextCondLst>
-                <p:cond evt="onNext" delay="0">
-                  <p:tgtEl>
-                    <p:sldTgt/>
-                  </p:tgtEl>
-                </p:cond>
-              </p:nextCondLst>
-            </p:seq>
-          </p:childTnLst>
-        </p:cTn>
-      </p:par>
-    </p:tnLst>
-    <p:bldLst>
-      <p:bldP spid="12" grpId="0" animBg="1"/>
-      <p:bldP spid="13" grpId="0" animBg="1"/>
-    </p:bldLst>
-  </p:timing>
-</p:sld>
-</file>
-
 <file path=ppt/slides/slide16.xml><?xml version="1.0" encoding="utf-8"?>
 <p:sld xmlns:a="http://schemas.openxmlformats.org/drawingml/2006/main" xmlns:r="http://schemas.openxmlformats.org/officeDocument/2006/relationships" xmlns:p="http://schemas.openxmlformats.org/presentationml/2006/main">
   <p:cSld>
@@ -5845,7 +6033,12 @@
             <p:ph idx="1"/>
           </p:nvPr>
         </p:nvSpPr>
-        <p:spPr/>
+        <p:spPr>
+          <a:xfrm>
+            <a:off x="457200" y="1440364"/>
+            <a:ext cx="8229600" cy="4525963"/>
+          </a:xfrm>
+        </p:spPr>
         <p:txBody>
           <a:bodyPr>
             <a:normAutofit/>
@@ -6085,6 +6278,414 @@
       </p:grpSpPr>
       <p:sp>
         <p:nvSpPr>
+          <p:cNvPr id="15361" name="Title 1"/>
+          <p:cNvSpPr>
+            <a:spLocks noGrp="1"/>
+          </p:cNvSpPr>
+          <p:nvPr>
+            <p:ph type="title"/>
+          </p:nvPr>
+        </p:nvSpPr>
+        <p:spPr>
+          <a:xfrm>
+            <a:off x="553453" y="492544"/>
+            <a:ext cx="7788442" cy="792162"/>
+          </a:xfrm>
+        </p:spPr>
+        <p:txBody>
+          <a:bodyPr>
+            <a:normAutofit/>
+          </a:bodyPr>
+          <a:lstStyle/>
+          <a:p>
+            <a:r>
+              <a:rPr lang="en-US" dirty="0" smtClean="0">
+                <a:ea typeface="ＭＳ Ｐゴシック" charset="0"/>
+              </a:rPr>
+              <a:t>Licensing: Web </a:t>
+            </a:r>
+            <a:r>
+              <a:rPr lang="en-US" dirty="0">
+                <a:ea typeface="ＭＳ Ｐゴシック" charset="0"/>
+              </a:rPr>
+              <a:t>Service Complexities</a:t>
+            </a:r>
+          </a:p>
+        </p:txBody>
+      </p:sp>
+      <p:sp>
+        <p:nvSpPr>
+          <p:cNvPr id="15362" name="Content Placeholder 2"/>
+          <p:cNvSpPr>
+            <a:spLocks noGrp="1"/>
+          </p:cNvSpPr>
+          <p:nvPr>
+            <p:ph idx="1"/>
+          </p:nvPr>
+        </p:nvSpPr>
+        <p:spPr>
+          <a:xfrm>
+            <a:off x="647032" y="1426410"/>
+            <a:ext cx="8229600" cy="4525963"/>
+          </a:xfrm>
+        </p:spPr>
+        <p:txBody>
+          <a:bodyPr/>
+          <a:lstStyle/>
+          <a:p>
+            <a:r>
+              <a:rPr lang="en-US" sz="2000" dirty="0" smtClean="0">
+                <a:ea typeface="ＭＳ Ｐゴシック" charset="0"/>
+              </a:rPr>
+              <a:t>New </a:t>
+            </a:r>
+            <a:r>
+              <a:rPr lang="en-US" sz="2000" dirty="0">
+                <a:ea typeface="ＭＳ Ｐゴシック" charset="0"/>
+              </a:rPr>
+              <a:t>ecosystem, licensing has not caught up</a:t>
+            </a:r>
+          </a:p>
+          <a:p>
+            <a:pPr lvl="1"/>
+            <a:r>
+              <a:rPr lang="en-US" sz="1800" dirty="0">
+                <a:ea typeface="ＭＳ Ｐゴシック" charset="0"/>
+              </a:rPr>
+              <a:t>no bright line between derivative and transformative works</a:t>
+            </a:r>
+          </a:p>
+          <a:p>
+            <a:r>
+              <a:rPr lang="en-US" sz="2000" dirty="0" smtClean="0">
+                <a:ea typeface="ＭＳ Ｐゴシック" charset="0"/>
+              </a:rPr>
+              <a:t>Multiple </a:t>
+            </a:r>
+            <a:r>
+              <a:rPr lang="en-US" sz="2000" dirty="0">
+                <a:ea typeface="ＭＳ Ｐゴシック" charset="0"/>
+              </a:rPr>
+              <a:t>configurations of web services</a:t>
+            </a:r>
+          </a:p>
+          <a:p>
+            <a:r>
+              <a:rPr lang="en-US" sz="2000" dirty="0" smtClean="0">
+                <a:ea typeface="ＭＳ Ｐゴシック" charset="0"/>
+              </a:rPr>
+              <a:t>Distributed</a:t>
+            </a:r>
+            <a:r>
+              <a:rPr lang="en-US" sz="2000" dirty="0">
+                <a:ea typeface="ＭＳ Ｐゴシック" charset="0"/>
+              </a:rPr>
+              <a:t>: no provider or user controls whole ecosystem</a:t>
+            </a:r>
+          </a:p>
+          <a:p>
+            <a:r>
+              <a:rPr lang="en-US" sz="2000" dirty="0" smtClean="0">
+                <a:ea typeface="ＭＳ Ｐゴシック" charset="0"/>
+              </a:rPr>
+              <a:t>Multiple </a:t>
+            </a:r>
+            <a:r>
+              <a:rPr lang="en-US" sz="2000" dirty="0">
+                <a:ea typeface="ＭＳ Ｐゴシック" charset="0"/>
+              </a:rPr>
+              <a:t>types of stakeholder, in the grid case</a:t>
+            </a:r>
+          </a:p>
+          <a:p>
+            <a:pPr lvl="1"/>
+            <a:r>
+              <a:rPr lang="en-US" sz="1800" dirty="0">
+                <a:ea typeface="ＭＳ Ｐゴシック" charset="0"/>
+              </a:rPr>
+              <a:t>grid operator</a:t>
+            </a:r>
+          </a:p>
+          <a:p>
+            <a:pPr lvl="1"/>
+            <a:r>
+              <a:rPr lang="en-US" sz="1800" dirty="0">
+                <a:ea typeface="ＭＳ Ｐゴシック" charset="0"/>
+              </a:rPr>
+              <a:t>software service provider</a:t>
+            </a:r>
+          </a:p>
+          <a:p>
+            <a:pPr lvl="1"/>
+            <a:r>
+              <a:rPr lang="en-US" sz="1800" dirty="0">
+                <a:ea typeface="ＭＳ Ｐゴシック" charset="0"/>
+              </a:rPr>
+              <a:t>data service provider</a:t>
+            </a:r>
+          </a:p>
+          <a:p>
+            <a:pPr lvl="1"/>
+            <a:r>
+              <a:rPr lang="en-US" sz="1800" dirty="0">
+                <a:ea typeface="ＭＳ Ｐゴシック" charset="0"/>
+              </a:rPr>
+              <a:t>user</a:t>
+            </a:r>
+          </a:p>
+          <a:p>
+            <a:r>
+              <a:rPr lang="en-US" sz="2000" dirty="0" smtClean="0">
+                <a:ea typeface="ＭＳ Ｐゴシック" charset="0"/>
+              </a:rPr>
+              <a:t>Approaches</a:t>
+            </a:r>
+            <a:endParaRPr lang="en-US" sz="2000" dirty="0">
+              <a:ea typeface="ＭＳ Ｐゴシック" charset="0"/>
+            </a:endParaRPr>
+          </a:p>
+          <a:p>
+            <a:pPr lvl="1"/>
+            <a:r>
+              <a:rPr lang="en-US" sz="1800" dirty="0">
+                <a:ea typeface="ＭＳ Ｐゴシック" charset="0"/>
+              </a:rPr>
+              <a:t>control providers and/or</a:t>
+            </a:r>
+          </a:p>
+          <a:p>
+            <a:pPr lvl="1"/>
+            <a:r>
+              <a:rPr lang="en-US" sz="1800" dirty="0">
+                <a:ea typeface="ＭＳ Ｐゴシック" charset="0"/>
+              </a:rPr>
+              <a:t>control users</a:t>
+            </a:r>
+          </a:p>
+          <a:p>
+            <a:pPr lvl="1"/>
+            <a:r>
+              <a:rPr lang="en-US" sz="1800" dirty="0">
+                <a:ea typeface="ＭＳ Ｐゴシック" charset="0"/>
+              </a:rPr>
+              <a:t>laissez faire</a:t>
+            </a:r>
+          </a:p>
+          <a:p>
+            <a:pPr lvl="1"/>
+            <a:endParaRPr lang="en-US" sz="1800" dirty="0">
+              <a:ea typeface="ＭＳ Ｐゴシック" charset="0"/>
+            </a:endParaRPr>
+          </a:p>
+        </p:txBody>
+      </p:sp>
+    </p:spTree>
+    <p:extLst>
+      <p:ext uri="{BB962C8B-B14F-4D97-AF65-F5344CB8AC3E}">
+        <p14:creationId xmlns:p14="http://schemas.microsoft.com/office/powerpoint/2010/main" val="1959990681"/>
+      </p:ext>
+    </p:extLst>
+  </p:cSld>
+  <p:clrMapOvr>
+    <a:masterClrMapping/>
+  </p:clrMapOvr>
+</p:sld>
+</file>
+
+<file path=ppt/slides/slide18.xml><?xml version="1.0" encoding="utf-8"?>
+<p:sld xmlns:a="http://schemas.openxmlformats.org/drawingml/2006/main" xmlns:r="http://schemas.openxmlformats.org/officeDocument/2006/relationships" xmlns:p="http://schemas.openxmlformats.org/presentationml/2006/main">
+  <p:cSld>
+    <p:spTree>
+      <p:nvGrpSpPr>
+        <p:cNvPr id="1" name=""/>
+        <p:cNvGrpSpPr/>
+        <p:nvPr/>
+      </p:nvGrpSpPr>
+      <p:grpSpPr>
+        <a:xfrm>
+          <a:off x="0" y="0"/>
+          <a:ext cx="0" cy="0"/>
+          <a:chOff x="0" y="0"/>
+          <a:chExt cx="0" cy="0"/>
+        </a:xfrm>
+      </p:grpSpPr>
+      <p:sp>
+        <p:nvSpPr>
+          <p:cNvPr id="16385" name="Title 1"/>
+          <p:cNvSpPr>
+            <a:spLocks noGrp="1"/>
+          </p:cNvSpPr>
+          <p:nvPr>
+            <p:ph type="title"/>
+          </p:nvPr>
+        </p:nvSpPr>
+        <p:spPr>
+          <a:xfrm>
+            <a:off x="614947" y="372227"/>
+            <a:ext cx="8071853" cy="792162"/>
+          </a:xfrm>
+        </p:spPr>
+        <p:txBody>
+          <a:bodyPr>
+            <a:normAutofit/>
+          </a:bodyPr>
+          <a:lstStyle/>
+          <a:p>
+            <a:r>
+              <a:rPr lang="en-US" dirty="0" smtClean="0">
+                <a:ea typeface="ＭＳ Ｐゴシック" charset="0"/>
+              </a:rPr>
+              <a:t>Licensing: Web </a:t>
+            </a:r>
+            <a:r>
+              <a:rPr lang="en-US" dirty="0">
+                <a:ea typeface="ＭＳ Ｐゴシック" charset="0"/>
+              </a:rPr>
+              <a:t>Service Complexities</a:t>
+            </a:r>
+          </a:p>
+        </p:txBody>
+      </p:sp>
+      <p:sp>
+        <p:nvSpPr>
+          <p:cNvPr id="16386" name="Content Placeholder 2"/>
+          <p:cNvSpPr>
+            <a:spLocks noGrp="1"/>
+          </p:cNvSpPr>
+          <p:nvPr>
+            <p:ph idx="1"/>
+          </p:nvPr>
+        </p:nvSpPr>
+        <p:spPr>
+          <a:xfrm>
+            <a:off x="644352" y="1164389"/>
+            <a:ext cx="8042448" cy="5181600"/>
+          </a:xfrm>
+        </p:spPr>
+        <p:txBody>
+          <a:bodyPr/>
+          <a:lstStyle/>
+          <a:p>
+            <a:r>
+              <a:rPr lang="en-US" dirty="0">
+                <a:ea typeface="ＭＳ Ｐゴシック" charset="0"/>
+              </a:rPr>
+              <a:t>Licensing types differ</a:t>
+            </a:r>
+          </a:p>
+          <a:p>
+            <a:pPr lvl="1"/>
+            <a:r>
+              <a:rPr lang="en-US" dirty="0">
+                <a:ea typeface="ＭＳ Ｐゴシック" charset="0"/>
+              </a:rPr>
+              <a:t>software licenses: typically constrain use of software and derived works, typically considered other software</a:t>
+            </a:r>
+          </a:p>
+          <a:p>
+            <a:pPr lvl="1"/>
+            <a:r>
+              <a:rPr lang="en-US" dirty="0">
+                <a:ea typeface="ＭＳ Ｐゴシック" charset="0"/>
+              </a:rPr>
+              <a:t>no software licenses surveyed attempt to constrain their output</a:t>
+            </a:r>
+          </a:p>
+          <a:p>
+            <a:pPr lvl="1"/>
+            <a:r>
+              <a:rPr lang="en-US" dirty="0">
+                <a:ea typeface="ＭＳ Ｐゴシック" charset="0"/>
+              </a:rPr>
+              <a:t>data licenses: typically constrain use of data and derived works, typically considered other data (which is output)</a:t>
+            </a:r>
+          </a:p>
+          <a:p>
+            <a:r>
+              <a:rPr lang="en-US" dirty="0">
+                <a:ea typeface="ＭＳ Ｐゴシック" charset="0"/>
+              </a:rPr>
+              <a:t>No calculus of licensing constraints</a:t>
+            </a:r>
+          </a:p>
+          <a:p>
+            <a:pPr lvl="1"/>
+            <a:r>
+              <a:rPr lang="en-US" dirty="0">
+                <a:ea typeface="ＭＳ Ｐゴシック" charset="0"/>
+              </a:rPr>
+              <a:t>1 LR constraints against commercial use; 1 LR allows it. What is the impact on a product that uses both?</a:t>
+            </a:r>
+          </a:p>
+          <a:p>
+            <a:r>
+              <a:rPr lang="en-US" dirty="0">
+                <a:ea typeface="ＭＳ Ｐゴシック" charset="0"/>
+              </a:rPr>
+              <a:t>Nevertheless, motivations to correctly handle IP</a:t>
+            </a:r>
+          </a:p>
+          <a:p>
+            <a:pPr lvl="1"/>
+            <a:r>
+              <a:rPr lang="en-US" dirty="0">
+                <a:ea typeface="ＭＳ Ｐゴシック" charset="0"/>
+              </a:rPr>
+              <a:t>protection for contributors</a:t>
+            </a:r>
+          </a:p>
+          <a:p>
+            <a:pPr lvl="1"/>
+            <a:r>
+              <a:rPr lang="en-US" dirty="0">
+                <a:ea typeface="ＭＳ Ｐゴシック" charset="0"/>
+              </a:rPr>
+              <a:t>peace of mind for users</a:t>
+            </a:r>
+          </a:p>
+          <a:p>
+            <a:pPr lvl="1"/>
+            <a:r>
+              <a:rPr lang="en-US" dirty="0">
+                <a:ea typeface="ＭＳ Ｐゴシック" charset="0"/>
+              </a:rPr>
+              <a:t>legal requirement, contractual obligation</a:t>
+            </a:r>
+          </a:p>
+        </p:txBody>
+      </p:sp>
+    </p:spTree>
+    <p:extLst>
+      <p:ext uri="{BB962C8B-B14F-4D97-AF65-F5344CB8AC3E}">
+        <p14:creationId xmlns:p14="http://schemas.microsoft.com/office/powerpoint/2010/main" val="193178400"/>
+      </p:ext>
+    </p:extLst>
+  </p:cSld>
+  <p:clrMapOvr>
+    <a:masterClrMapping/>
+  </p:clrMapOvr>
+</p:sld>
+</file>
+
+<file path=ppt/slides/slide19.xml><?xml version="1.0" encoding="utf-8"?>
+<p:sld xmlns:a="http://schemas.openxmlformats.org/drawingml/2006/main" xmlns:r="http://schemas.openxmlformats.org/officeDocument/2006/relationships" xmlns:p="http://schemas.openxmlformats.org/presentationml/2006/main">
+  <p:cSld>
+    <p:spTree>
+      <p:nvGrpSpPr>
+        <p:cNvPr id="1" name=""/>
+        <p:cNvGrpSpPr/>
+        <p:nvPr/>
+      </p:nvGrpSpPr>
+      <p:grpSpPr>
+        <a:xfrm>
+          <a:off x="0" y="0"/>
+          <a:ext cx="0" cy="0"/>
+          <a:chOff x="0" y="0"/>
+          <a:chExt cx="0" cy="0"/>
+        </a:xfrm>
+      </p:grpSpPr>
+      <p:sp>
+        <p:nvSpPr>
           <p:cNvPr id="2" name="Title 1"/>
           <p:cNvSpPr>
             <a:spLocks noGrp="1"/>
@@ -6293,9 +6894,7 @@
             <a:r>
               <a:rPr lang="en-US" b="1" dirty="0" smtClean="0">
                 <a:solidFill>
-                  <a:schemeClr val="accent2">
-                    <a:lumMod val="50000"/>
-                  </a:schemeClr>
+                  <a:srgbClr val="800000"/>
                 </a:solidFill>
               </a:rPr>
               <a:t>Prototype of eventual LAPPS functionality</a:t>
@@ -6311,7 +6910,6 @@
               <a:rPr lang="en-US" dirty="0" smtClean="0"/>
               <a:t>Composer </a:t>
             </a:r>
-            <a:endParaRPr lang="en-US" dirty="0" smtClean="0"/>
           </a:p>
           <a:p>
             <a:pPr lvl="1">
@@ -6332,31 +6930,7 @@
             </a:pPr>
             <a:r>
               <a:rPr lang="en-US" dirty="0" smtClean="0"/>
-              <a:t>register/delete LAPPS data sources and web </a:t>
-            </a:r>
-            <a:r>
-              <a:rPr lang="en-US" dirty="0" smtClean="0"/>
-              <a:t>services, choose </a:t>
-            </a:r>
-            <a:r>
-              <a:rPr lang="en-US" dirty="0" smtClean="0"/>
-              <a:t>a registered data source as the input </a:t>
-            </a:r>
-            <a:r>
-              <a:rPr lang="en-US" dirty="0" smtClean="0"/>
-              <a:t>document, edit </a:t>
-            </a:r>
-            <a:r>
-              <a:rPr lang="en-US" dirty="0" smtClean="0"/>
-              <a:t>ad-hoc text documents to serve as </a:t>
-            </a:r>
-            <a:r>
-              <a:rPr lang="en-US" dirty="0" smtClean="0"/>
-              <a:t>input, browse</a:t>
-            </a:r>
-            <a:r>
-              <a:rPr lang="en-US" dirty="0" smtClean="0"/>
-              <a:t>/filter/select available services</a:t>
+              <a:t>register/delete LAPPS data sources and web services, choose a registered data source as the input document, edit ad-hoc text documents to serve as input, browse/filter/select available services</a:t>
             </a:r>
           </a:p>
           <a:p>
@@ -6367,11 +6941,7 @@
             </a:pPr>
             <a:r>
               <a:rPr lang="en-US" dirty="0" smtClean="0"/>
-              <a:t>Initial prototype of open advancement for </a:t>
-            </a:r>
-            <a:r>
-              <a:rPr lang="en-US" dirty="0" smtClean="0"/>
-              <a:t>LAPPS </a:t>
+              <a:t>Initial prototype of open advancement for LAPPS </a:t>
             </a:r>
           </a:p>
           <a:p>
@@ -6382,31 +6952,7 @@
             </a:pPr>
             <a:r>
               <a:rPr lang="en-US" dirty="0" smtClean="0"/>
-              <a:t>supports </a:t>
-            </a:r>
-            <a:r>
-              <a:rPr lang="en-US" dirty="0" smtClean="0"/>
-              <a:t>drag</a:t>
-            </a:r>
-            <a:r>
-              <a:rPr lang="en-US" dirty="0" smtClean="0"/>
-              <a:t>/drop/re-order/group atomic services to create service </a:t>
-            </a:r>
-            <a:r>
-              <a:rPr lang="en-US" dirty="0" smtClean="0"/>
-              <a:t>pipelines, run </a:t>
-            </a:r>
-            <a:r>
-              <a:rPr lang="en-US" dirty="0" smtClean="0"/>
-              <a:t>services in parallel for "options" </a:t>
-            </a:r>
-            <a:r>
-              <a:rPr lang="en-US" dirty="0" smtClean="0"/>
-              <a:t>group, run </a:t>
-            </a:r>
-            <a:r>
-              <a:rPr lang="en-US" dirty="0" smtClean="0"/>
-              <a:t>services sequentially for "phases" group (the main pipeline is under "phases" group by default)</a:t>
+              <a:t>supports drag/drop/re-order/group atomic services to create service pipelines, run services in parallel for "options" group, run services sequentially for "phases" group (the main pipeline is under "phases" group by default)</a:t>
             </a:r>
           </a:p>
           <a:p>
@@ -6416,20 +6962,8 @@
               </a:lnSpc>
             </a:pPr>
             <a:r>
-              <a:rPr lang="nb-NO" dirty="0" err="1" smtClean="0"/>
-              <a:t>Built</a:t>
-            </a:r>
-            <a:r>
               <a:rPr lang="nb-NO" dirty="0" smtClean="0"/>
-              <a:t>-in </a:t>
-            </a:r>
-            <a:r>
-              <a:rPr lang="nb-NO" dirty="0" err="1" smtClean="0"/>
-              <a:t>evaluation</a:t>
-            </a:r>
-            <a:r>
-              <a:rPr lang="nb-NO" dirty="0" smtClean="0"/>
-              <a:t> </a:t>
+              <a:t>Evaluation </a:t>
             </a:r>
             <a:r>
               <a:rPr lang="nb-NO" dirty="0" err="1" smtClean="0"/>
@@ -6561,11 +7095,7 @@
             </a:r>
             <a:r>
               <a:rPr lang="nb-NO" dirty="0" smtClean="0"/>
-              <a:t> </a:t>
-            </a:r>
-            <a:r>
-              <a:rPr lang="nb-NO" dirty="0" smtClean="0"/>
-              <a:t>an </a:t>
+              <a:t> an </a:t>
             </a:r>
             <a:r>
               <a:rPr lang="nb-NO" dirty="0" err="1" smtClean="0"/>
@@ -6727,504 +7257,6 @@
     <p:extLst>
       <p:ext uri="{BB962C8B-B14F-4D97-AF65-F5344CB8AC3E}">
         <p14:creationId xmlns:p14="http://schemas.microsoft.com/office/powerpoint/2010/main" val="2613517983"/>
-      </p:ext>
-    </p:extLst>
-  </p:cSld>
-  <p:clrMapOvr>
-    <a:masterClrMapping/>
-  </p:clrMapOvr>
-</p:sld>
-</file>
-
-<file path=ppt/slides/slide18.xml><?xml version="1.0" encoding="utf-8"?>
-<p:sld xmlns:a="http://schemas.openxmlformats.org/drawingml/2006/main" xmlns:r="http://schemas.openxmlformats.org/officeDocument/2006/relationships" xmlns:p="http://schemas.openxmlformats.org/presentationml/2006/main">
-  <p:cSld>
-    <p:spTree>
-      <p:nvGrpSpPr>
-        <p:cNvPr id="1" name=""/>
-        <p:cNvGrpSpPr/>
-        <p:nvPr/>
-      </p:nvGrpSpPr>
-      <p:grpSpPr>
-        <a:xfrm>
-          <a:off x="0" y="0"/>
-          <a:ext cx="0" cy="0"/>
-          <a:chOff x="0" y="0"/>
-          <a:chExt cx="0" cy="0"/>
-        </a:xfrm>
-      </p:grpSpPr>
-      <p:sp>
-        <p:nvSpPr>
-          <p:cNvPr id="2" name="Title 1"/>
-          <p:cNvSpPr>
-            <a:spLocks noGrp="1"/>
-          </p:cNvSpPr>
-          <p:nvPr>
-            <p:ph type="title"/>
-          </p:nvPr>
-        </p:nvSpPr>
-        <p:spPr/>
-        <p:txBody>
-          <a:bodyPr/>
-          <a:lstStyle/>
-          <a:p>
-            <a:r>
-              <a:rPr lang="en-US" dirty="0" smtClean="0"/>
-              <a:t>Current State of the Project</a:t>
-            </a:r>
-            <a:endParaRPr lang="en-US" dirty="0"/>
-          </a:p>
-        </p:txBody>
-      </p:sp>
-      <p:sp>
-        <p:nvSpPr>
-          <p:cNvPr id="3" name="Content Placeholder 2"/>
-          <p:cNvSpPr>
-            <a:spLocks noGrp="1"/>
-          </p:cNvSpPr>
-          <p:nvPr>
-            <p:ph idx="1"/>
-          </p:nvPr>
-        </p:nvSpPr>
-        <p:spPr>
-          <a:xfrm>
-            <a:off x="457200" y="1109656"/>
-            <a:ext cx="4622365" cy="4525963"/>
-          </a:xfrm>
-        </p:spPr>
-        <p:txBody>
-          <a:bodyPr>
-            <a:noAutofit/>
-          </a:bodyPr>
-          <a:lstStyle/>
-          <a:p>
-            <a:pPr>
-              <a:lnSpc>
-                <a:spcPct val="120000"/>
-              </a:lnSpc>
-            </a:pPr>
-            <a:r>
-              <a:rPr lang="en-US" sz="2000" dirty="0" smtClean="0"/>
-              <a:t>Available Data </a:t>
-            </a:r>
-            <a:r>
-              <a:rPr lang="en-US" sz="2000" dirty="0" smtClean="0"/>
-              <a:t>Sources</a:t>
-            </a:r>
-            <a:endParaRPr lang="en-US" sz="2000" dirty="0"/>
-          </a:p>
-          <a:p>
-            <a:pPr lvl="1"/>
-            <a:r>
-              <a:rPr lang="en-US" sz="1600" dirty="0" smtClean="0"/>
-              <a:t>MASC </a:t>
-            </a:r>
-            <a:r>
-              <a:rPr lang="en-US" sz="1600" dirty="0"/>
-              <a:t>(plain text, </a:t>
-            </a:r>
-            <a:r>
-              <a:rPr lang="en-US" sz="1600" dirty="0" err="1"/>
-              <a:t>GrAF</a:t>
-            </a:r>
-            <a:r>
-              <a:rPr lang="en-US" sz="1600" dirty="0"/>
-              <a:t>, JSON-LD</a:t>
-            </a:r>
-            <a:r>
-              <a:rPr lang="en-US" sz="1600" dirty="0" smtClean="0"/>
-              <a:t>)</a:t>
-            </a:r>
-          </a:p>
-          <a:p>
-            <a:pPr lvl="1"/>
-            <a:r>
-              <a:rPr lang="en-US" sz="1600" dirty="0" err="1" smtClean="0"/>
-              <a:t>Gigaword</a:t>
-            </a:r>
-            <a:r>
-              <a:rPr lang="en-US" sz="1600" dirty="0" smtClean="0"/>
-              <a:t> (XML)</a:t>
-            </a:r>
-            <a:endParaRPr lang="en-US" sz="1600" dirty="0"/>
-          </a:p>
-          <a:p>
-            <a:pPr>
-              <a:lnSpc>
-                <a:spcPct val="120000"/>
-              </a:lnSpc>
-            </a:pPr>
-            <a:r>
-              <a:rPr lang="en-US" sz="2000" dirty="0" smtClean="0"/>
-              <a:t>Available Services</a:t>
-            </a:r>
-          </a:p>
-          <a:p>
-            <a:pPr marL="457200" lvl="1" indent="0">
-              <a:buNone/>
-            </a:pPr>
-            <a:r>
-              <a:rPr lang="en-US" sz="1600" dirty="0" smtClean="0"/>
-              <a:t>Composer </a:t>
-            </a:r>
-            <a:endParaRPr lang="en-US" sz="1600" dirty="0" smtClean="0"/>
-          </a:p>
-          <a:p>
-            <a:pPr marL="457200" lvl="1" indent="0">
-              <a:buNone/>
-            </a:pPr>
-            <a:r>
-              <a:rPr lang="en-US" sz="1600" dirty="0" smtClean="0"/>
-              <a:t>Evaluation</a:t>
-            </a:r>
-          </a:p>
-          <a:p>
-            <a:pPr marL="400050" lvl="1" indent="0">
-              <a:buNone/>
-            </a:pPr>
-            <a:r>
-              <a:rPr lang="en-US" sz="1600" dirty="0" smtClean="0"/>
-              <a:t>GATE Tools:</a:t>
-            </a:r>
-            <a:endParaRPr lang="en-US" sz="1600" dirty="0"/>
-          </a:p>
-          <a:p>
-            <a:pPr marL="400050" lvl="1" indent="0">
-              <a:buNone/>
-            </a:pPr>
-            <a:r>
-              <a:rPr lang="en-US" sz="1600" dirty="0"/>
-              <a:t>	</a:t>
-            </a:r>
-            <a:r>
-              <a:rPr lang="en-US" sz="1600" dirty="0" err="1"/>
-              <a:t>Tokenizer</a:t>
-            </a:r>
-            <a:endParaRPr lang="en-US" sz="1600" dirty="0"/>
-          </a:p>
-          <a:p>
-            <a:pPr marL="400050" lvl="1" indent="0">
-              <a:buNone/>
-            </a:pPr>
-            <a:r>
-              <a:rPr lang="en-US" sz="1600" dirty="0"/>
-              <a:t>	Sentence Splitter</a:t>
-            </a:r>
-          </a:p>
-          <a:p>
-            <a:pPr marL="400050" lvl="1" indent="0">
-              <a:buNone/>
-            </a:pPr>
-            <a:r>
-              <a:rPr lang="en-US" sz="1600" dirty="0"/>
-              <a:t>	POS Tagger</a:t>
-            </a:r>
-          </a:p>
-          <a:p>
-            <a:pPr marL="400050" lvl="1" indent="0">
-              <a:buNone/>
-            </a:pPr>
-            <a:r>
-              <a:rPr lang="en-US" sz="1600" dirty="0"/>
-              <a:t>	Gazetteer</a:t>
-            </a:r>
-          </a:p>
-          <a:p>
-            <a:pPr marL="400050" lvl="1" indent="0">
-              <a:buNone/>
-            </a:pPr>
-            <a:r>
-              <a:rPr lang="en-US" sz="1600" dirty="0"/>
-              <a:t>	</a:t>
-            </a:r>
-            <a:r>
-              <a:rPr lang="en-US" sz="1600" dirty="0" err="1"/>
-              <a:t>Orthomatcher</a:t>
-            </a:r>
-            <a:endParaRPr lang="en-US" sz="1600" dirty="0"/>
-          </a:p>
-          <a:p>
-            <a:pPr marL="400050" lvl="1" indent="0">
-              <a:buNone/>
-            </a:pPr>
-            <a:r>
-              <a:rPr lang="en-US" sz="1600" dirty="0"/>
-              <a:t>	NP </a:t>
-            </a:r>
-            <a:r>
-              <a:rPr lang="en-US" sz="1600" dirty="0" err="1"/>
-              <a:t>Chunker</a:t>
-            </a:r>
-            <a:endParaRPr lang="en-US" sz="1600" dirty="0"/>
-          </a:p>
-          <a:p>
-            <a:pPr marL="400050" lvl="1" indent="0">
-              <a:buNone/>
-            </a:pPr>
-            <a:r>
-              <a:rPr lang="en-US" sz="1600" dirty="0"/>
-              <a:t>	VP </a:t>
-            </a:r>
-            <a:r>
-              <a:rPr lang="en-US" sz="1600" dirty="0" err="1"/>
-              <a:t>Chunker</a:t>
-            </a:r>
-            <a:endParaRPr lang="en-US" sz="1600" dirty="0"/>
-          </a:p>
-          <a:p>
-            <a:pPr marL="400050" lvl="1" indent="0">
-              <a:buNone/>
-            </a:pPr>
-            <a:r>
-              <a:rPr lang="en-US" sz="1600" dirty="0"/>
-              <a:t>	</a:t>
-            </a:r>
-            <a:r>
-              <a:rPr lang="en-US" sz="1600" dirty="0" err="1"/>
-              <a:t>Coreferencer</a:t>
-            </a:r>
-            <a:endParaRPr lang="en-US" sz="1600" dirty="0"/>
-          </a:p>
-          <a:p>
-            <a:pPr marL="400050" lvl="1" indent="0">
-              <a:buNone/>
-            </a:pPr>
-            <a:r>
-              <a:rPr lang="en-US" sz="1600" dirty="0"/>
-              <a:t>	Named Entity </a:t>
-            </a:r>
-            <a:r>
-              <a:rPr lang="en-US" sz="1600" dirty="0" smtClean="0"/>
-              <a:t>Recognizer</a:t>
-            </a:r>
-            <a:endParaRPr lang="en-US" sz="1600" dirty="0"/>
-          </a:p>
-          <a:p>
-            <a:pPr lvl="1"/>
-            <a:endParaRPr lang="en-US" sz="1600" dirty="0"/>
-          </a:p>
-        </p:txBody>
-      </p:sp>
-      <p:sp>
-        <p:nvSpPr>
-          <p:cNvPr id="4" name="TextBox 3"/>
-          <p:cNvSpPr txBox="1"/>
-          <p:nvPr/>
-        </p:nvSpPr>
-        <p:spPr>
-          <a:xfrm>
-            <a:off x="3119344" y="3134821"/>
-            <a:ext cx="2975554" cy="2831544"/>
-          </a:xfrm>
-          <a:prstGeom prst="rect">
-            <a:avLst/>
-          </a:prstGeom>
-          <a:noFill/>
-        </p:spPr>
-        <p:txBody>
-          <a:bodyPr wrap="none" rtlCol="0">
-            <a:spAutoFit/>
-          </a:bodyPr>
-          <a:lstStyle/>
-          <a:p>
-            <a:r>
-              <a:rPr lang="en-US" sz="1600" dirty="0" smtClean="0">
-                <a:latin typeface="Avenir Book"/>
-                <a:cs typeface="Avenir Book"/>
-              </a:rPr>
-              <a:t>Stanford Tools</a:t>
-            </a:r>
-            <a:endParaRPr lang="en-US" sz="1600" dirty="0">
-              <a:latin typeface="Avenir Book"/>
-              <a:cs typeface="Avenir Book"/>
-            </a:endParaRPr>
-          </a:p>
-          <a:p>
-            <a:r>
-              <a:rPr lang="en-US" sz="1600" dirty="0">
-                <a:latin typeface="Avenir Book"/>
-                <a:cs typeface="Avenir Book"/>
-              </a:rPr>
-              <a:t>	</a:t>
-            </a:r>
-            <a:r>
-              <a:rPr lang="en-US" sz="1600" dirty="0" err="1">
-                <a:latin typeface="Avenir Book"/>
-                <a:cs typeface="Avenir Book"/>
-              </a:rPr>
-              <a:t>Tokenizer</a:t>
-            </a:r>
-            <a:endParaRPr lang="en-US" sz="1600" dirty="0">
-              <a:latin typeface="Avenir Book"/>
-              <a:cs typeface="Avenir Book"/>
-            </a:endParaRPr>
-          </a:p>
-          <a:p>
-            <a:r>
-              <a:rPr lang="en-US" sz="1600" dirty="0">
-                <a:latin typeface="Avenir Book"/>
-                <a:cs typeface="Avenir Book"/>
-              </a:rPr>
-              <a:t>	Sentence Splitter</a:t>
-            </a:r>
-          </a:p>
-          <a:p>
-            <a:r>
-              <a:rPr lang="en-US" sz="1600" dirty="0">
-                <a:latin typeface="Avenir Book"/>
-                <a:cs typeface="Avenir Book"/>
-              </a:rPr>
-              <a:t>	POS Tagger</a:t>
-            </a:r>
-          </a:p>
-          <a:p>
-            <a:r>
-              <a:rPr lang="en-US" sz="1600" dirty="0">
-                <a:latin typeface="Avenir Book"/>
-                <a:cs typeface="Avenir Book"/>
-              </a:rPr>
-              <a:t>	Named Entity Recognizer</a:t>
-            </a:r>
-          </a:p>
-          <a:p>
-            <a:r>
-              <a:rPr lang="en-US" sz="1600" dirty="0" err="1" smtClean="0">
-                <a:latin typeface="Avenir Book"/>
-                <a:cs typeface="Avenir Book"/>
-              </a:rPr>
-              <a:t>OpenNLP</a:t>
-            </a:r>
-            <a:r>
-              <a:rPr lang="en-US" sz="1600" dirty="0" smtClean="0">
-                <a:latin typeface="Avenir Book"/>
-                <a:cs typeface="Avenir Book"/>
-              </a:rPr>
-              <a:t> Tools</a:t>
-            </a:r>
-            <a:endParaRPr lang="en-US" sz="1600" dirty="0">
-              <a:latin typeface="Avenir Book"/>
-              <a:cs typeface="Avenir Book"/>
-            </a:endParaRPr>
-          </a:p>
-          <a:p>
-            <a:r>
-              <a:rPr lang="en-US" sz="1600" dirty="0">
-                <a:latin typeface="Avenir Book"/>
-                <a:cs typeface="Avenir Book"/>
-              </a:rPr>
-              <a:t>	</a:t>
-            </a:r>
-            <a:r>
-              <a:rPr lang="en-US" sz="1600" dirty="0" err="1">
-                <a:latin typeface="Avenir Book"/>
-                <a:cs typeface="Avenir Book"/>
-              </a:rPr>
-              <a:t>Tokenizer</a:t>
-            </a:r>
-            <a:endParaRPr lang="en-US" sz="1600" dirty="0">
-              <a:latin typeface="Avenir Book"/>
-              <a:cs typeface="Avenir Book"/>
-            </a:endParaRPr>
-          </a:p>
-          <a:p>
-            <a:r>
-              <a:rPr lang="en-US" sz="1600" dirty="0">
-                <a:latin typeface="Avenir Book"/>
-                <a:cs typeface="Avenir Book"/>
-              </a:rPr>
-              <a:t>	Sentence Splitter</a:t>
-            </a:r>
-          </a:p>
-          <a:p>
-            <a:r>
-              <a:rPr lang="en-US" sz="1600" dirty="0">
-                <a:latin typeface="Avenir Book"/>
-                <a:cs typeface="Avenir Book"/>
-              </a:rPr>
-              <a:t>	POS Tagger</a:t>
-            </a:r>
-          </a:p>
-          <a:p>
-            <a:r>
-              <a:rPr lang="en-US" sz="1600" dirty="0">
-                <a:latin typeface="Avenir Book"/>
-                <a:cs typeface="Avenir Book"/>
-              </a:rPr>
-              <a:t>	Named Entity Recognizer</a:t>
-            </a:r>
-          </a:p>
-          <a:p>
-            <a:endParaRPr lang="en-US" sz="1600" dirty="0">
-              <a:latin typeface="Avenir Book"/>
-              <a:cs typeface="Avenir Book"/>
-            </a:endParaRPr>
-          </a:p>
-        </p:txBody>
-      </p:sp>
-    </p:spTree>
-    <p:extLst>
-      <p:ext uri="{BB962C8B-B14F-4D97-AF65-F5344CB8AC3E}">
-        <p14:creationId xmlns:p14="http://schemas.microsoft.com/office/powerpoint/2010/main" val="2689434627"/>
-      </p:ext>
-    </p:extLst>
-  </p:cSld>
-  <p:clrMapOvr>
-    <a:masterClrMapping/>
-  </p:clrMapOvr>
-  <p:timing>
-    <p:tnLst>
-      <p:par>
-        <p:cTn xmlns:p14="http://schemas.microsoft.com/office/powerpoint/2010/main" id="1" dur="indefinite" restart="never" nodeType="tmRoot"/>
-      </p:par>
-    </p:tnLst>
-  </p:timing>
-</p:sld>
-</file>
-
-<file path=ppt/slides/slide19.xml><?xml version="1.0" encoding="utf-8"?>
-<p:sld xmlns:a="http://schemas.openxmlformats.org/drawingml/2006/main" xmlns:r="http://schemas.openxmlformats.org/officeDocument/2006/relationships" xmlns:p="http://schemas.openxmlformats.org/presentationml/2006/main">
-  <p:cSld>
-    <p:spTree>
-      <p:nvGrpSpPr>
-        <p:cNvPr id="1" name=""/>
-        <p:cNvGrpSpPr/>
-        <p:nvPr/>
-      </p:nvGrpSpPr>
-      <p:grpSpPr>
-        <a:xfrm>
-          <a:off x="0" y="0"/>
-          <a:ext cx="0" cy="0"/>
-          <a:chOff x="0" y="0"/>
-          <a:chExt cx="0" cy="0"/>
-        </a:xfrm>
-      </p:grpSpPr>
-      <p:sp>
-        <p:nvSpPr>
-          <p:cNvPr id="2050" name="Rectangle 2"/>
-          <p:cNvSpPr>
-            <a:spLocks noGrp="1" noChangeArrowheads="1"/>
-          </p:cNvSpPr>
-          <p:nvPr>
-            <p:ph type="ctrTitle"/>
-          </p:nvPr>
-        </p:nvSpPr>
-        <p:spPr/>
-        <p:txBody>
-          <a:bodyPr/>
-          <a:lstStyle/>
-          <a:p>
-            <a:r>
-              <a:rPr lang="en-US" dirty="0" smtClean="0"/>
-              <a:t>Overview of LAPPS Web Service Technology</a:t>
-            </a:r>
-            <a:endParaRPr lang="en-US" dirty="0"/>
-          </a:p>
-        </p:txBody>
-      </p:sp>
-    </p:spTree>
-    <p:extLst>
-      <p:ext uri="{BB962C8B-B14F-4D97-AF65-F5344CB8AC3E}">
-        <p14:creationId xmlns:p14="http://schemas.microsoft.com/office/powerpoint/2010/main" val="713355940"/>
       </p:ext>
     </p:extLst>
   </p:cSld>
@@ -7307,11 +7339,11 @@
               <a:buNone/>
             </a:pPr>
             <a:r>
-              <a:rPr lang="en-US" sz="1800" dirty="0"/>
+              <a:rPr lang="en-US" sz="2000" dirty="0"/>
               <a:t>Part I. </a:t>
             </a:r>
             <a:r>
-              <a:rPr lang="en-US" sz="1800" dirty="0" smtClean="0"/>
+              <a:rPr lang="en-US" sz="2000" dirty="0" smtClean="0"/>
               <a:t>Introduction</a:t>
             </a:r>
           </a:p>
@@ -7321,15 +7353,15 @@
               <a:buAutoNum type="arabicPeriod"/>
             </a:pPr>
             <a:r>
-              <a:rPr lang="en-US" sz="1600" dirty="0" smtClean="0"/>
+              <a:rPr lang="en-US" sz="1800" dirty="0" smtClean="0"/>
               <a:t>The </a:t>
             </a:r>
             <a:r>
-              <a:rPr lang="en-US" sz="1600" dirty="0"/>
+              <a:rPr lang="en-US" sz="1800" dirty="0"/>
               <a:t>LAPPS </a:t>
             </a:r>
             <a:r>
-              <a:rPr lang="en-US" sz="1600" dirty="0" smtClean="0"/>
+              <a:rPr lang="en-US" sz="1800" dirty="0" smtClean="0"/>
               <a:t>Grid</a:t>
             </a:r>
           </a:p>
@@ -7338,137 +7370,82 @@
               <a:buNone/>
             </a:pPr>
             <a:r>
-              <a:rPr lang="en-US" sz="1400" i="1" dirty="0" smtClean="0"/>
-              <a:t>Nancy Ide, James </a:t>
-            </a:r>
-            <a:r>
-              <a:rPr lang="en-US" sz="1400" i="1" dirty="0" err="1" smtClean="0"/>
-              <a:t>Pustejovsky</a:t>
-            </a:r>
-            <a:r>
-              <a:rPr lang="en-US" sz="1400" i="1" dirty="0" smtClean="0"/>
-              <a:t>, Chris </a:t>
-            </a:r>
-            <a:r>
-              <a:rPr lang="en-US" sz="1400" i="1" dirty="0" err="1" smtClean="0"/>
+              <a:rPr lang="en-US" sz="1600" i="1" dirty="0" smtClean="0"/>
+              <a:t>Nancy Ide, </a:t>
+            </a:r>
+            <a:r>
+              <a:rPr lang="en-US" sz="1600" i="1" dirty="0" smtClean="0"/>
+              <a:t>Chris </a:t>
+            </a:r>
+            <a:r>
+              <a:rPr lang="en-US" sz="1600" i="1" dirty="0" err="1" smtClean="0"/>
               <a:t>Cieri</a:t>
             </a:r>
-            <a:r>
-              <a:rPr lang="en-US" sz="1400" i="1" dirty="0" smtClean="0"/>
-              <a:t>, Denise </a:t>
-            </a:r>
-            <a:r>
-              <a:rPr lang="en-US" sz="1400" i="1" dirty="0" err="1" smtClean="0"/>
-              <a:t>DiPersio</a:t>
-            </a:r>
-            <a:r>
-              <a:rPr lang="en-US" sz="1400" i="1" dirty="0" smtClean="0"/>
-              <a:t> </a:t>
-            </a:r>
-            <a:endParaRPr lang="en-US" sz="1400" dirty="0" smtClean="0"/>
+            <a:endParaRPr lang="en-US" sz="1600" dirty="0" smtClean="0"/>
           </a:p>
           <a:p>
             <a:pPr marL="1257300" lvl="2" indent="-457200"/>
             <a:r>
+              <a:rPr lang="en-US" sz="1600" dirty="0" smtClean="0"/>
+              <a:t>Project </a:t>
+            </a:r>
+            <a:r>
+              <a:rPr lang="en-US" sz="1600" dirty="0"/>
+              <a:t>overview</a:t>
+            </a:r>
+            <a:endParaRPr lang="en-US" sz="900" dirty="0"/>
+          </a:p>
+          <a:p>
+            <a:pPr marL="1257300" lvl="2" indent="-457200"/>
+            <a:r>
+              <a:rPr lang="en-US" sz="1600" dirty="0" smtClean="0"/>
+              <a:t>Architecture</a:t>
+            </a:r>
+            <a:endParaRPr lang="en-US" sz="900" dirty="0"/>
+          </a:p>
+          <a:p>
+            <a:pPr marL="1714500" lvl="3" indent="-457200"/>
+            <a:r>
               <a:rPr lang="en-US" sz="1400" dirty="0" smtClean="0"/>
-              <a:t>Project </a:t>
+              <a:t>Core </a:t>
             </a:r>
             <a:r>
               <a:rPr lang="en-US" sz="1400" dirty="0"/>
-              <a:t>overview</a:t>
+              <a:t>nodes and distributed services </a:t>
             </a:r>
             <a:endParaRPr lang="en-US" sz="800" dirty="0"/>
           </a:p>
           <a:p>
+            <a:pPr marL="1714500" lvl="3" indent="-457200"/>
+            <a:r>
+              <a:rPr lang="en-US" sz="1400" dirty="0" smtClean="0"/>
+              <a:t>The </a:t>
+            </a:r>
+            <a:r>
+              <a:rPr lang="en-US" sz="1400" dirty="0"/>
+              <a:t>composer platform</a:t>
+            </a:r>
+            <a:endParaRPr lang="en-US" sz="800" dirty="0"/>
+          </a:p>
+          <a:p>
+            <a:pPr marL="1714500" lvl="3" indent="-457200"/>
+            <a:r>
+              <a:rPr lang="en-US" sz="1400" dirty="0" smtClean="0"/>
+              <a:t>Licensing </a:t>
+            </a:r>
+            <a:endParaRPr lang="en-US" sz="800" dirty="0"/>
+          </a:p>
+          <a:p>
             <a:pPr marL="1257300" lvl="2" indent="-457200"/>
             <a:r>
-              <a:rPr lang="en-US" sz="1400" dirty="0" smtClean="0"/>
-              <a:t>Architecture</a:t>
-            </a:r>
-            <a:endParaRPr lang="en-US" sz="800" dirty="0"/>
-          </a:p>
-          <a:p>
-            <a:pPr marL="1714500" lvl="3" indent="-457200"/>
-            <a:r>
-              <a:rPr lang="en-US" sz="1200" dirty="0" smtClean="0"/>
-              <a:t>Core </a:t>
-            </a:r>
-            <a:r>
-              <a:rPr lang="en-US" sz="1200" dirty="0"/>
-              <a:t>nodes and distributed services </a:t>
-            </a:r>
-            <a:endParaRPr lang="en-US" sz="700" dirty="0"/>
-          </a:p>
-          <a:p>
-            <a:pPr marL="1714500" lvl="3" indent="-457200"/>
-            <a:r>
-              <a:rPr lang="en-US" sz="1200" dirty="0" smtClean="0"/>
-              <a:t>The </a:t>
-            </a:r>
-            <a:r>
-              <a:rPr lang="en-US" sz="1200" dirty="0"/>
-              <a:t>composer platform</a:t>
-            </a:r>
-            <a:endParaRPr lang="en-US" sz="700" dirty="0"/>
-          </a:p>
-          <a:p>
-            <a:pPr marL="1714500" lvl="3" indent="-457200"/>
-            <a:r>
-              <a:rPr lang="en-US" sz="1200" dirty="0" smtClean="0"/>
-              <a:t>Licensing </a:t>
-            </a:r>
-            <a:endParaRPr lang="en-US" sz="700" dirty="0"/>
-          </a:p>
-          <a:p>
-            <a:pPr marL="1257300" lvl="2" indent="-457200"/>
-            <a:r>
-              <a:rPr lang="en-US" sz="1400" dirty="0" smtClean="0"/>
+              <a:rPr lang="en-US" sz="1600" dirty="0" smtClean="0"/>
               <a:t>Available </a:t>
             </a:r>
             <a:r>
-              <a:rPr lang="en-US" sz="1400" dirty="0"/>
+              <a:rPr lang="en-US" sz="1600" dirty="0"/>
               <a:t>services</a:t>
             </a:r>
-            <a:endParaRPr lang="en-US" sz="800" dirty="0"/>
-          </a:p>
-          <a:p>
-            <a:pPr marL="1714500" lvl="3" indent="-457200"/>
-            <a:r>
-              <a:rPr lang="en-US" sz="1200" dirty="0" smtClean="0"/>
-              <a:t>Data </a:t>
-            </a:r>
-            <a:r>
-              <a:rPr lang="en-US" sz="1200" dirty="0"/>
-              <a:t>sources</a:t>
-            </a:r>
-            <a:endParaRPr lang="en-US" sz="700" dirty="0"/>
-          </a:p>
-          <a:p>
-            <a:pPr marL="1714500" lvl="3" indent="-457200"/>
-            <a:r>
-              <a:rPr lang="en-US" sz="1200" dirty="0" smtClean="0"/>
-              <a:t>NLP </a:t>
-            </a:r>
-            <a:r>
-              <a:rPr lang="en-US" sz="1200" dirty="0"/>
-              <a:t>components</a:t>
-            </a:r>
-            <a:endParaRPr lang="en-US" sz="700" dirty="0"/>
-          </a:p>
-          <a:p>
-            <a:pPr marL="1714500" lvl="3" indent="-457200"/>
-            <a:r>
-              <a:rPr lang="en-US" sz="1200" dirty="0" smtClean="0"/>
-              <a:t>Open </a:t>
-            </a:r>
-            <a:r>
-              <a:rPr lang="en-US" sz="1200" dirty="0"/>
-              <a:t>Advancement evaluation </a:t>
-            </a:r>
-            <a:r>
-              <a:rPr lang="en-US" sz="1200" dirty="0" smtClean="0"/>
-              <a:t>services</a:t>
-            </a:r>
+            <a:endParaRPr lang="en-US" sz="900" dirty="0"/>
           </a:p>
           <a:p>
             <a:pPr marL="857250" lvl="1" indent="-457200">
@@ -7476,8 +7453,12 @@
               <a:buAutoNum type="arabicPeriod"/>
             </a:pPr>
             <a:r>
-              <a:rPr lang="en-US" sz="1600" dirty="0"/>
-              <a:t>Overview of LAPPS web service technology</a:t>
+              <a:rPr lang="en-US" sz="1800" dirty="0" smtClean="0"/>
+              <a:t>Overview </a:t>
+            </a:r>
+            <a:r>
+              <a:rPr lang="en-US" sz="1800" dirty="0"/>
+              <a:t>of LAPPS web service technology</a:t>
             </a:r>
           </a:p>
           <a:p>
@@ -7485,56 +7466,51 @@
               <a:buNone/>
             </a:pPr>
             <a:r>
+              <a:rPr lang="en-US" sz="1800" i="1" dirty="0"/>
+              <a:t>	      </a:t>
+            </a:r>
+            <a:r>
               <a:rPr lang="en-US" sz="1600" i="1" dirty="0"/>
-              <a:t>	      </a:t>
-            </a:r>
-            <a:r>
-              <a:rPr lang="en-US" sz="1400" i="1" dirty="0"/>
               <a:t> Nancy Ide</a:t>
             </a:r>
           </a:p>
           <a:p>
             <a:pPr lvl="2" indent="-342900"/>
             <a:r>
+              <a:rPr lang="en-US" sz="1600" dirty="0"/>
+              <a:t>How LAPPS web services work: communication </a:t>
+            </a:r>
+          </a:p>
+          <a:p>
+            <a:pPr lvl="3" indent="-342900"/>
+            <a:r>
               <a:rPr lang="en-US" sz="1400" dirty="0"/>
-              <a:t>How LAPPS web services work: communication </a:t>
+              <a:t>Protocols and wrappers </a:t>
             </a:r>
           </a:p>
           <a:p>
             <a:pPr lvl="3" indent="-342900"/>
             <a:r>
-              <a:rPr lang="en-US" sz="1200" dirty="0"/>
-              <a:t>Protocols and wrappers </a:t>
+              <a:rPr lang="en-US" sz="1400" dirty="0"/>
+              <a:t>Data interchange: JSON and JSON-LD for syntactic interoperability</a:t>
             </a:r>
           </a:p>
           <a:p>
             <a:pPr lvl="3" indent="-342900"/>
             <a:r>
-              <a:rPr lang="en-US" sz="1200" dirty="0"/>
-              <a:t>Data interchange: JSON and JSON-LD for syntactic interoperability</a:t>
-            </a:r>
-          </a:p>
-          <a:p>
-            <a:pPr lvl="3" indent="-342900"/>
-            <a:r>
-              <a:rPr lang="en-US" sz="1200" dirty="0"/>
+              <a:rPr lang="en-US" sz="1400" dirty="0"/>
               <a:t>Data interchange: issues and options for semantic interoperability (LAPPS Web Service Exchange </a:t>
             </a:r>
             <a:r>
-              <a:rPr lang="en-US" sz="1200" dirty="0" smtClean="0"/>
-              <a:t>Vocabulary</a:t>
-            </a:r>
-            <a:r>
-              <a:rPr lang="en-US" sz="1200" dirty="0" smtClean="0"/>
-              <a:t>)</a:t>
-            </a:r>
-            <a:endParaRPr lang="en-US" sz="1200" dirty="0" smtClean="0"/>
+              <a:rPr lang="en-US" sz="1400" dirty="0" smtClean="0"/>
+              <a:t>Vocabulary)</a:t>
+            </a:r>
           </a:p>
           <a:p>
             <a:pPr marL="800100" lvl="2" indent="0">
               <a:buNone/>
             </a:pPr>
-            <a:endParaRPr lang="en-US" sz="1400" dirty="0"/>
+            <a:endParaRPr lang="en-US" sz="1600" dirty="0"/>
           </a:p>
         </p:txBody>
       </p:sp>
@@ -7548,6 +7524,13 @@
   <p:clrMapOvr>
     <a:masterClrMapping/>
   </p:clrMapOvr>
+  <p:timing>
+    <p:tnLst>
+      <p:par>
+        <p:cTn xmlns:p14="http://schemas.microsoft.com/office/powerpoint/2010/main" id="1" dur="indefinite" restart="never" nodeType="tmRoot"/>
+      </p:par>
+    </p:tnLst>
+  </p:timing>
 </p:sld>
 </file>
 
@@ -7585,7 +7568,7 @@
           <a:p>
             <a:r>
               <a:rPr lang="en-US" dirty="0" smtClean="0"/>
-              <a:t>Web Services Terminology</a:t>
+              <a:t>Current State of the Project</a:t>
             </a:r>
             <a:endParaRPr lang="en-US" dirty="0"/>
           </a:p>
@@ -7601,129 +7584,484 @@
             <p:ph idx="1"/>
           </p:nvPr>
         </p:nvSpPr>
-        <p:spPr/>
+        <p:spPr>
+          <a:xfrm>
+            <a:off x="457200" y="1109656"/>
+            <a:ext cx="4622365" cy="4525963"/>
+          </a:xfrm>
+        </p:spPr>
         <p:txBody>
           <a:bodyPr>
-            <a:normAutofit fontScale="92500" lnSpcReduction="10000"/>
+            <a:noAutofit/>
           </a:bodyPr>
           <a:lstStyle/>
           <a:p>
-            <a:r>
-              <a:rPr lang="en-US" dirty="0" smtClean="0"/>
-              <a:t>Protocols such as SOAP allow servers and clients to communicate</a:t>
-            </a:r>
-          </a:p>
-          <a:p>
-            <a:pPr lvl="1"/>
-            <a:r>
-              <a:rPr lang="en-US" dirty="0" smtClean="0"/>
-              <a:t>SOAP: </a:t>
-            </a:r>
-            <a:r>
-              <a:rPr lang="en-US" dirty="0"/>
-              <a:t>Originally stood for "Simple Object Access Protocol</a:t>
-            </a:r>
-            <a:r>
-              <a:rPr lang="en-US" dirty="0" smtClean="0"/>
-              <a:t>”</a:t>
-            </a:r>
-          </a:p>
-          <a:p>
-            <a:r>
-              <a:rPr lang="en-US" dirty="0" smtClean="0"/>
-              <a:t>SOAP uses WSDL to describe the services available</a:t>
-            </a:r>
-          </a:p>
-          <a:p>
-            <a:pPr lvl="1"/>
-            <a:r>
-              <a:rPr lang="en-US" dirty="0" smtClean="0"/>
-              <a:t>WSDL: </a:t>
-            </a:r>
-            <a:r>
-              <a:rPr lang="en-US" dirty="0"/>
-              <a:t>Web Services Description </a:t>
-            </a:r>
-            <a:r>
-              <a:rPr lang="en-US" dirty="0" smtClean="0"/>
-              <a:t>Language</a:t>
-            </a:r>
-          </a:p>
-          <a:p>
-            <a:pPr lvl="1"/>
-            <a:r>
-              <a:rPr lang="en-US" dirty="0" smtClean="0"/>
-              <a:t>Describes services in terms of their</a:t>
-            </a:r>
-          </a:p>
-          <a:p>
-            <a:pPr lvl="2"/>
-            <a:r>
-              <a:rPr lang="en-US" dirty="0"/>
-              <a:t>M</a:t>
-            </a:r>
-            <a:r>
-              <a:rPr lang="en-US" dirty="0" smtClean="0"/>
-              <a:t>ethods </a:t>
-            </a:r>
-          </a:p>
-          <a:p>
-            <a:pPr lvl="2"/>
-            <a:r>
-              <a:rPr lang="en-US" dirty="0" smtClean="0"/>
-              <a:t>Parameters</a:t>
-            </a:r>
-          </a:p>
-          <a:p>
-            <a:pPr lvl="2"/>
-            <a:r>
-              <a:rPr lang="en-US" dirty="0" smtClean="0"/>
-              <a:t>Return Values </a:t>
-            </a:r>
-          </a:p>
-          <a:p>
-            <a:r>
-              <a:rPr lang="en-US" dirty="0" smtClean="0"/>
-              <a:t>REST is an “architectural style” that allows servers and clients to communicate</a:t>
-            </a:r>
-          </a:p>
-          <a:p>
-            <a:pPr lvl="1"/>
-            <a:r>
-              <a:rPr lang="en-US" dirty="0" smtClean="0"/>
-              <a:t>REST: Representational State Transfer</a:t>
-            </a:r>
-          </a:p>
-          <a:p>
-            <a:pPr lvl="1"/>
-            <a:r>
-              <a:rPr lang="en-US" dirty="0" smtClean="0"/>
-              <a:t>Provides base URI, media type</a:t>
-            </a:r>
-          </a:p>
-          <a:p>
-            <a:pPr lvl="1"/>
-            <a:r>
-              <a:rPr lang="en-US" dirty="0"/>
-              <a:t>U</a:t>
-            </a:r>
-            <a:r>
-              <a:rPr lang="en-US" dirty="0" smtClean="0"/>
-              <a:t>ses standard HTTP methods (get, put, post, delete…)</a:t>
-            </a:r>
+            <a:pPr>
+              <a:lnSpc>
+                <a:spcPct val="120000"/>
+              </a:lnSpc>
+              <a:spcBef>
+                <a:spcPts val="0"/>
+              </a:spcBef>
+            </a:pPr>
+            <a:r>
+              <a:rPr lang="en-US" sz="2000" dirty="0" smtClean="0"/>
+              <a:t>Available Data Sources</a:t>
+            </a:r>
+            <a:endParaRPr lang="en-US" sz="2000" dirty="0"/>
+          </a:p>
+          <a:p>
+            <a:pPr lvl="1">
+              <a:spcBef>
+                <a:spcPts val="0"/>
+              </a:spcBef>
+            </a:pPr>
+            <a:r>
+              <a:rPr lang="en-US" sz="1600" dirty="0" smtClean="0"/>
+              <a:t>MASC </a:t>
+            </a:r>
+            <a:r>
+              <a:rPr lang="en-US" sz="1600" dirty="0"/>
+              <a:t>(plain text, </a:t>
+            </a:r>
+            <a:r>
+              <a:rPr lang="en-US" sz="1600" dirty="0" err="1"/>
+              <a:t>GrAF</a:t>
+            </a:r>
+            <a:r>
+              <a:rPr lang="en-US" sz="1600" dirty="0"/>
+              <a:t>, JSON-LD</a:t>
+            </a:r>
+            <a:r>
+              <a:rPr lang="en-US" sz="1600" dirty="0" smtClean="0"/>
+              <a:t>)</a:t>
+            </a:r>
+          </a:p>
+          <a:p>
+            <a:pPr lvl="1">
+              <a:spcBef>
+                <a:spcPts val="0"/>
+              </a:spcBef>
+            </a:pPr>
+            <a:r>
+              <a:rPr lang="en-US" sz="1600" dirty="0" err="1" smtClean="0"/>
+              <a:t>Gigaword</a:t>
+            </a:r>
+            <a:r>
+              <a:rPr lang="en-US" sz="1600" dirty="0" smtClean="0"/>
+              <a:t> (XML</a:t>
+            </a:r>
+            <a:r>
+              <a:rPr lang="en-US" sz="1600" dirty="0" smtClean="0"/>
+              <a:t>)</a:t>
+            </a:r>
+          </a:p>
+          <a:p>
+            <a:pPr lvl="1">
+              <a:spcBef>
+                <a:spcPts val="0"/>
+              </a:spcBef>
+            </a:pPr>
+            <a:endParaRPr lang="en-US" sz="1600" dirty="0"/>
+          </a:p>
+          <a:p>
+            <a:pPr>
+              <a:lnSpc>
+                <a:spcPct val="120000"/>
+              </a:lnSpc>
+              <a:spcBef>
+                <a:spcPts val="0"/>
+              </a:spcBef>
+            </a:pPr>
+            <a:r>
+              <a:rPr lang="en-US" sz="2000" dirty="0" smtClean="0"/>
+              <a:t>Available Services</a:t>
+            </a:r>
+          </a:p>
+          <a:p>
+            <a:pPr marL="457200" lvl="1" indent="0">
+              <a:spcBef>
+                <a:spcPts val="0"/>
+              </a:spcBef>
+              <a:buNone/>
+            </a:pPr>
+            <a:r>
+              <a:rPr lang="en-US" sz="1600" dirty="0" smtClean="0"/>
+              <a:t>Composer </a:t>
+            </a:r>
+          </a:p>
+          <a:p>
+            <a:pPr marL="457200" lvl="1" indent="0">
+              <a:spcBef>
+                <a:spcPts val="0"/>
+              </a:spcBef>
+              <a:buNone/>
+            </a:pPr>
+            <a:r>
+              <a:rPr lang="en-US" sz="1600" dirty="0" smtClean="0"/>
+              <a:t>Evaluation</a:t>
+            </a:r>
+          </a:p>
+          <a:p>
+            <a:pPr marL="400050" lvl="1" indent="0">
+              <a:spcBef>
+                <a:spcPts val="0"/>
+              </a:spcBef>
+              <a:buNone/>
+            </a:pPr>
+            <a:endParaRPr lang="en-US" sz="1600" dirty="0" smtClean="0"/>
+          </a:p>
+          <a:p>
+            <a:pPr marL="400050" lvl="1" indent="0">
+              <a:spcBef>
+                <a:spcPts val="0"/>
+              </a:spcBef>
+              <a:buNone/>
+            </a:pPr>
+            <a:r>
+              <a:rPr lang="en-US" sz="1600" dirty="0" smtClean="0"/>
+              <a:t>GATE </a:t>
+            </a:r>
+            <a:r>
+              <a:rPr lang="en-US" sz="1600" dirty="0" smtClean="0"/>
+              <a:t>Tools:</a:t>
+            </a:r>
+            <a:endParaRPr lang="en-US" sz="1600" dirty="0"/>
+          </a:p>
+          <a:p>
+            <a:pPr marL="400050" lvl="1" indent="0">
+              <a:spcBef>
+                <a:spcPts val="0"/>
+              </a:spcBef>
+              <a:buNone/>
+            </a:pPr>
+            <a:r>
+              <a:rPr lang="en-US" sz="1600" dirty="0"/>
+              <a:t>	</a:t>
+            </a:r>
+            <a:r>
+              <a:rPr lang="en-US" sz="1600" dirty="0" err="1"/>
+              <a:t>Tokenizer</a:t>
+            </a:r>
+            <a:endParaRPr lang="en-US" sz="1600" dirty="0"/>
+          </a:p>
+          <a:p>
+            <a:pPr marL="400050" lvl="1" indent="0">
+              <a:spcBef>
+                <a:spcPts val="0"/>
+              </a:spcBef>
+              <a:buNone/>
+            </a:pPr>
+            <a:r>
+              <a:rPr lang="en-US" sz="1600" dirty="0"/>
+              <a:t>	Sentence Splitter</a:t>
+            </a:r>
+          </a:p>
+          <a:p>
+            <a:pPr marL="400050" lvl="1" indent="0">
+              <a:spcBef>
+                <a:spcPts val="0"/>
+              </a:spcBef>
+              <a:buNone/>
+            </a:pPr>
+            <a:r>
+              <a:rPr lang="en-US" sz="1600" dirty="0"/>
+              <a:t>	POS Tagger</a:t>
+            </a:r>
+          </a:p>
+          <a:p>
+            <a:pPr marL="400050" lvl="1" indent="0">
+              <a:spcBef>
+                <a:spcPts val="0"/>
+              </a:spcBef>
+              <a:buNone/>
+            </a:pPr>
+            <a:r>
+              <a:rPr lang="en-US" sz="1600" dirty="0"/>
+              <a:t>	Gazetteer</a:t>
+            </a:r>
+          </a:p>
+          <a:p>
+            <a:pPr marL="400050" lvl="1" indent="0">
+              <a:spcBef>
+                <a:spcPts val="0"/>
+              </a:spcBef>
+              <a:buNone/>
+            </a:pPr>
+            <a:r>
+              <a:rPr lang="en-US" sz="1600" dirty="0"/>
+              <a:t>	</a:t>
+            </a:r>
+            <a:r>
+              <a:rPr lang="en-US" sz="1600" dirty="0" err="1"/>
+              <a:t>Orthomatcher</a:t>
+            </a:r>
+            <a:endParaRPr lang="en-US" sz="1600" dirty="0"/>
+          </a:p>
+          <a:p>
+            <a:pPr marL="400050" lvl="1" indent="0">
+              <a:spcBef>
+                <a:spcPts val="0"/>
+              </a:spcBef>
+              <a:buNone/>
+            </a:pPr>
+            <a:r>
+              <a:rPr lang="en-US" sz="1600" dirty="0"/>
+              <a:t>	NP </a:t>
+            </a:r>
+            <a:r>
+              <a:rPr lang="en-US" sz="1600" dirty="0" err="1"/>
+              <a:t>Chunker</a:t>
+            </a:r>
+            <a:endParaRPr lang="en-US" sz="1600" dirty="0"/>
+          </a:p>
+          <a:p>
+            <a:pPr marL="400050" lvl="1" indent="0">
+              <a:spcBef>
+                <a:spcPts val="0"/>
+              </a:spcBef>
+              <a:buNone/>
+            </a:pPr>
+            <a:r>
+              <a:rPr lang="en-US" sz="1600" dirty="0"/>
+              <a:t>	VP </a:t>
+            </a:r>
+            <a:r>
+              <a:rPr lang="en-US" sz="1600" dirty="0" err="1"/>
+              <a:t>Chunker</a:t>
+            </a:r>
+            <a:endParaRPr lang="en-US" sz="1600" dirty="0"/>
+          </a:p>
+          <a:p>
+            <a:pPr marL="400050" lvl="1" indent="0">
+              <a:spcBef>
+                <a:spcPts val="0"/>
+              </a:spcBef>
+              <a:buNone/>
+            </a:pPr>
+            <a:r>
+              <a:rPr lang="en-US" sz="1600" dirty="0"/>
+              <a:t>	</a:t>
+            </a:r>
+            <a:r>
+              <a:rPr lang="en-US" sz="1600" dirty="0" err="1"/>
+              <a:t>Coreferencer</a:t>
+            </a:r>
+            <a:endParaRPr lang="en-US" sz="1600" dirty="0"/>
+          </a:p>
+          <a:p>
+            <a:pPr marL="400050" lvl="1" indent="0">
+              <a:spcBef>
+                <a:spcPts val="0"/>
+              </a:spcBef>
+              <a:buNone/>
+            </a:pPr>
+            <a:r>
+              <a:rPr lang="en-US" sz="1600" dirty="0"/>
+              <a:t>	Named Entity </a:t>
+            </a:r>
+            <a:r>
+              <a:rPr lang="en-US" sz="1600" dirty="0" smtClean="0"/>
+              <a:t>Recognizer</a:t>
+            </a:r>
+            <a:endParaRPr lang="en-US" sz="1600" dirty="0"/>
+          </a:p>
+          <a:p>
+            <a:pPr lvl="1">
+              <a:spcBef>
+                <a:spcPts val="0"/>
+              </a:spcBef>
+            </a:pPr>
+            <a:endParaRPr lang="en-US" sz="1600" dirty="0"/>
+          </a:p>
+        </p:txBody>
+      </p:sp>
+      <p:sp>
+        <p:nvSpPr>
+          <p:cNvPr id="4" name="TextBox 3"/>
+          <p:cNvSpPr txBox="1"/>
+          <p:nvPr/>
+        </p:nvSpPr>
+        <p:spPr>
+          <a:xfrm>
+            <a:off x="3732471" y="3071447"/>
+            <a:ext cx="2975554" cy="3046988"/>
+          </a:xfrm>
+          <a:prstGeom prst="rect">
+            <a:avLst/>
+          </a:prstGeom>
+          <a:noFill/>
+        </p:spPr>
+        <p:txBody>
+          <a:bodyPr wrap="none" rtlCol="0">
+            <a:spAutoFit/>
+          </a:bodyPr>
+          <a:lstStyle/>
+          <a:p>
+            <a:r>
+              <a:rPr lang="en-US" sz="1600" dirty="0" smtClean="0">
+                <a:latin typeface="Avenir Book"/>
+                <a:cs typeface="Avenir Book"/>
+              </a:rPr>
+              <a:t>Stanford Tools:</a:t>
+            </a:r>
+            <a:endParaRPr lang="en-US" sz="1600" dirty="0">
+              <a:latin typeface="Avenir Book"/>
+              <a:cs typeface="Avenir Book"/>
+            </a:endParaRPr>
+          </a:p>
+          <a:p>
+            <a:r>
+              <a:rPr lang="en-US" sz="1600" dirty="0">
+                <a:latin typeface="Avenir Book"/>
+                <a:cs typeface="Avenir Book"/>
+              </a:rPr>
+              <a:t>	</a:t>
+            </a:r>
+            <a:r>
+              <a:rPr lang="en-US" sz="1600" dirty="0" err="1">
+                <a:latin typeface="Avenir Book"/>
+                <a:cs typeface="Avenir Book"/>
+              </a:rPr>
+              <a:t>Tokenizer</a:t>
+            </a:r>
+            <a:endParaRPr lang="en-US" sz="1600" dirty="0">
+              <a:latin typeface="Avenir Book"/>
+              <a:cs typeface="Avenir Book"/>
+            </a:endParaRPr>
+          </a:p>
+          <a:p>
+            <a:r>
+              <a:rPr lang="en-US" sz="1600" dirty="0">
+                <a:latin typeface="Avenir Book"/>
+                <a:cs typeface="Avenir Book"/>
+              </a:rPr>
+              <a:t>	Sentence Splitter</a:t>
+            </a:r>
+          </a:p>
+          <a:p>
+            <a:r>
+              <a:rPr lang="en-US" sz="1600" dirty="0">
+                <a:latin typeface="Avenir Book"/>
+                <a:cs typeface="Avenir Book"/>
+              </a:rPr>
+              <a:t>	POS Tagger</a:t>
+            </a:r>
+          </a:p>
+          <a:p>
+            <a:r>
+              <a:rPr lang="en-US" sz="1600" dirty="0">
+                <a:latin typeface="Avenir Book"/>
+                <a:cs typeface="Avenir Book"/>
+              </a:rPr>
+              <a:t>	Named Entity Recognizer</a:t>
+            </a:r>
+          </a:p>
+          <a:p>
+            <a:endParaRPr lang="en-US" sz="1600" dirty="0" smtClean="0">
+              <a:latin typeface="Avenir Book"/>
+              <a:cs typeface="Avenir Book"/>
+            </a:endParaRPr>
+          </a:p>
+          <a:p>
+            <a:r>
+              <a:rPr lang="en-US" sz="1600" dirty="0" err="1" smtClean="0">
+                <a:latin typeface="Avenir Book"/>
+                <a:cs typeface="Avenir Book"/>
+              </a:rPr>
+              <a:t>OpenNLP</a:t>
+            </a:r>
+            <a:r>
+              <a:rPr lang="en-US" sz="1600" dirty="0" smtClean="0">
+                <a:latin typeface="Avenir Book"/>
+                <a:cs typeface="Avenir Book"/>
+              </a:rPr>
+              <a:t> </a:t>
+            </a:r>
+            <a:r>
+              <a:rPr lang="en-US" sz="1600" dirty="0" smtClean="0">
+                <a:latin typeface="Avenir Book"/>
+                <a:cs typeface="Avenir Book"/>
+              </a:rPr>
+              <a:t>Tools:</a:t>
+            </a:r>
+            <a:endParaRPr lang="en-US" sz="1600" dirty="0">
+              <a:latin typeface="Avenir Book"/>
+              <a:cs typeface="Avenir Book"/>
+            </a:endParaRPr>
+          </a:p>
+          <a:p>
+            <a:r>
+              <a:rPr lang="en-US" sz="1600" dirty="0">
+                <a:latin typeface="Avenir Book"/>
+                <a:cs typeface="Avenir Book"/>
+              </a:rPr>
+              <a:t>	</a:t>
+            </a:r>
+            <a:r>
+              <a:rPr lang="en-US" sz="1600" dirty="0" err="1">
+                <a:latin typeface="Avenir Book"/>
+                <a:cs typeface="Avenir Book"/>
+              </a:rPr>
+              <a:t>Tokenizer</a:t>
+            </a:r>
+            <a:endParaRPr lang="en-US" sz="1600" dirty="0">
+              <a:latin typeface="Avenir Book"/>
+              <a:cs typeface="Avenir Book"/>
+            </a:endParaRPr>
+          </a:p>
+          <a:p>
+            <a:r>
+              <a:rPr lang="en-US" sz="1600" dirty="0">
+                <a:latin typeface="Avenir Book"/>
+                <a:cs typeface="Avenir Book"/>
+              </a:rPr>
+              <a:t>	Sentence Splitter</a:t>
+            </a:r>
+          </a:p>
+          <a:p>
+            <a:r>
+              <a:rPr lang="en-US" sz="1600" dirty="0">
+                <a:latin typeface="Avenir Book"/>
+                <a:cs typeface="Avenir Book"/>
+              </a:rPr>
+              <a:t>	POS Tagger</a:t>
+            </a:r>
+          </a:p>
+          <a:p>
+            <a:r>
+              <a:rPr lang="en-US" sz="1600" dirty="0">
+                <a:latin typeface="Avenir Book"/>
+                <a:cs typeface="Avenir Book"/>
+              </a:rPr>
+              <a:t>	Named Entity Recognizer</a:t>
+            </a:r>
+          </a:p>
+          <a:p>
+            <a:endParaRPr lang="en-US" sz="1600" dirty="0">
+              <a:latin typeface="Avenir Book"/>
+              <a:cs typeface="Avenir Book"/>
+            </a:endParaRPr>
           </a:p>
         </p:txBody>
       </p:sp>
     </p:spTree>
     <p:extLst>
       <p:ext uri="{BB962C8B-B14F-4D97-AF65-F5344CB8AC3E}">
-        <p14:creationId xmlns:p14="http://schemas.microsoft.com/office/powerpoint/2010/main" val="2475300420"/>
+        <p14:creationId xmlns:p14="http://schemas.microsoft.com/office/powerpoint/2010/main" val="2689434627"/>
       </p:ext>
     </p:extLst>
   </p:cSld>
   <p:clrMapOvr>
     <a:masterClrMapping/>
   </p:clrMapOvr>
+  <p:timing>
+    <p:tnLst>
+      <p:par>
+        <p:cTn xmlns:p14="http://schemas.microsoft.com/office/powerpoint/2010/main" id="1" dur="indefinite" restart="never" nodeType="tmRoot"/>
+      </p:par>
+    </p:tnLst>
+  </p:timing>
 </p:sld>
 </file>
 
@@ -7746,12 +8084,12 @@
       </p:grpSpPr>
       <p:sp>
         <p:nvSpPr>
-          <p:cNvPr id="2" name="Title 1"/>
+          <p:cNvPr id="2050" name="Rectangle 2"/>
           <p:cNvSpPr>
-            <a:spLocks noGrp="1"/>
+            <a:spLocks noGrp="1" noChangeArrowheads="1"/>
           </p:cNvSpPr>
           <p:nvPr>
-            <p:ph type="title"/>
+            <p:ph type="ctrTitle"/>
           </p:nvPr>
         </p:nvSpPr>
         <p:spPr/>
@@ -7761,100 +8099,29 @@
           <a:p>
             <a:r>
               <a:rPr lang="en-US" dirty="0" smtClean="0"/>
-              <a:t>Web Services in LAPPS</a:t>
+              <a:t>Overview of LAPPS Web Service Technology</a:t>
             </a:r>
             <a:endParaRPr lang="en-US" dirty="0"/>
-          </a:p>
-        </p:txBody>
-      </p:sp>
-      <p:sp>
-        <p:nvSpPr>
-          <p:cNvPr id="3" name="Content Placeholder 2"/>
-          <p:cNvSpPr>
-            <a:spLocks noGrp="1"/>
-          </p:cNvSpPr>
-          <p:nvPr>
-            <p:ph idx="1"/>
-          </p:nvPr>
-        </p:nvSpPr>
-        <p:spPr/>
-        <p:txBody>
-          <a:bodyPr>
-            <a:normAutofit/>
-          </a:bodyPr>
-          <a:lstStyle/>
-          <a:p>
-            <a:r>
-              <a:rPr lang="en-US" sz="2800" dirty="0" smtClean="0"/>
-              <a:t>LAPPS SOAP services provide two APIs</a:t>
-            </a:r>
-          </a:p>
-          <a:p>
-            <a:pPr lvl="1"/>
-            <a:r>
-              <a:rPr lang="en-US" sz="2400" b="1" dirty="0" err="1" smtClean="0">
-                <a:solidFill>
-                  <a:srgbClr val="632523"/>
-                </a:solidFill>
-              </a:rPr>
-              <a:t>org.lappsgrid.api.DataSource</a:t>
-            </a:r>
-            <a:endParaRPr lang="en-US" sz="2400" b="1" dirty="0" smtClean="0">
-              <a:solidFill>
-                <a:srgbClr val="632523"/>
-              </a:solidFill>
-            </a:endParaRPr>
-          </a:p>
-          <a:p>
-            <a:pPr lvl="2"/>
-            <a:r>
-              <a:rPr lang="en-US" sz="2000" dirty="0" smtClean="0"/>
-              <a:t>Provides data to other services</a:t>
-            </a:r>
-          </a:p>
-          <a:p>
-            <a:pPr lvl="1"/>
-            <a:r>
-              <a:rPr lang="en-US" sz="2400" b="1" dirty="0" err="1" smtClean="0">
-                <a:solidFill>
-                  <a:srgbClr val="632523"/>
-                </a:solidFill>
-              </a:rPr>
-              <a:t>org.lappsgrid.api.WebService</a:t>
-            </a:r>
-            <a:endParaRPr lang="en-US" sz="2400" b="1" dirty="0" smtClean="0">
-              <a:solidFill>
-                <a:srgbClr val="632523"/>
-              </a:solidFill>
-            </a:endParaRPr>
-          </a:p>
-          <a:p>
-            <a:pPr lvl="2"/>
-            <a:r>
-              <a:rPr lang="en-US" sz="2000" dirty="0" smtClean="0"/>
-              <a:t>Annotate, transform, or otherwise manipulate data from a </a:t>
-            </a:r>
-            <a:r>
-              <a:rPr lang="en-US" sz="2000" dirty="0" err="1" smtClean="0"/>
-              <a:t>datasource</a:t>
-            </a:r>
-            <a:r>
-              <a:rPr lang="en-US" sz="2000" dirty="0" smtClean="0"/>
-              <a:t> or another web service</a:t>
-            </a:r>
           </a:p>
         </p:txBody>
       </p:sp>
     </p:spTree>
     <p:extLst>
       <p:ext uri="{BB962C8B-B14F-4D97-AF65-F5344CB8AC3E}">
-        <p14:creationId xmlns:p14="http://schemas.microsoft.com/office/powerpoint/2010/main" val="825231979"/>
+        <p14:creationId xmlns:p14="http://schemas.microsoft.com/office/powerpoint/2010/main" val="713355940"/>
       </p:ext>
     </p:extLst>
   </p:cSld>
   <p:clrMapOvr>
     <a:masterClrMapping/>
   </p:clrMapOvr>
+  <p:timing>
+    <p:tnLst>
+      <p:par>
+        <p:cTn xmlns:p14="http://schemas.microsoft.com/office/powerpoint/2010/main" id="1" dur="indefinite" restart="never" nodeType="tmRoot"/>
+      </p:par>
+    </p:tnLst>
+  </p:timing>
 </p:sld>
 </file>
 
@@ -7892,7 +8159,218 @@
           <a:p>
             <a:r>
               <a:rPr lang="en-US" dirty="0" smtClean="0"/>
-              <a:t>Web Service Communication in LAPPS</a:t>
+              <a:t>Web Services Terminology</a:t>
+            </a:r>
+            <a:endParaRPr lang="en-US" dirty="0"/>
+          </a:p>
+        </p:txBody>
+      </p:sp>
+      <p:sp>
+        <p:nvSpPr>
+          <p:cNvPr id="3" name="Content Placeholder 2"/>
+          <p:cNvSpPr>
+            <a:spLocks noGrp="1"/>
+          </p:cNvSpPr>
+          <p:nvPr>
+            <p:ph idx="1"/>
+          </p:nvPr>
+        </p:nvSpPr>
+        <p:spPr/>
+        <p:txBody>
+          <a:bodyPr>
+            <a:normAutofit fontScale="92500" lnSpcReduction="10000"/>
+          </a:bodyPr>
+          <a:lstStyle/>
+          <a:p>
+            <a:r>
+              <a:rPr lang="en-US" dirty="0" smtClean="0"/>
+              <a:t>Protocols such as </a:t>
+            </a:r>
+            <a:r>
+              <a:rPr lang="en-US" dirty="0" smtClean="0">
+                <a:solidFill>
+                  <a:srgbClr val="800000"/>
+                </a:solidFill>
+              </a:rPr>
+              <a:t>SOAP</a:t>
+            </a:r>
+            <a:r>
+              <a:rPr lang="en-US" dirty="0" smtClean="0"/>
+              <a:t> allow servers and clients to communicate</a:t>
+            </a:r>
+          </a:p>
+          <a:p>
+            <a:pPr lvl="1"/>
+            <a:r>
+              <a:rPr lang="en-US" dirty="0" smtClean="0"/>
+              <a:t>SOAP: </a:t>
+            </a:r>
+            <a:r>
+              <a:rPr lang="en-US" dirty="0"/>
+              <a:t>Originally stood for "Simple Object Access Protocol</a:t>
+            </a:r>
+            <a:r>
+              <a:rPr lang="en-US" dirty="0" smtClean="0"/>
+              <a:t>”</a:t>
+            </a:r>
+          </a:p>
+          <a:p>
+            <a:r>
+              <a:rPr lang="en-US" dirty="0" smtClean="0"/>
+              <a:t>SOAP uses WSDL to </a:t>
+            </a:r>
+            <a:r>
+              <a:rPr lang="en-US" dirty="0" smtClean="0">
+                <a:solidFill>
+                  <a:srgbClr val="800000"/>
+                </a:solidFill>
+              </a:rPr>
+              <a:t>describe the services available</a:t>
+            </a:r>
+          </a:p>
+          <a:p>
+            <a:pPr lvl="1"/>
+            <a:r>
+              <a:rPr lang="en-US" dirty="0" smtClean="0"/>
+              <a:t>WSDL: </a:t>
+            </a:r>
+            <a:r>
+              <a:rPr lang="en-US" dirty="0"/>
+              <a:t>Web Services Description </a:t>
+            </a:r>
+            <a:r>
+              <a:rPr lang="en-US" dirty="0" smtClean="0"/>
+              <a:t>Language</a:t>
+            </a:r>
+          </a:p>
+          <a:p>
+            <a:pPr lvl="1"/>
+            <a:r>
+              <a:rPr lang="en-US" dirty="0" smtClean="0"/>
+              <a:t>Describes services in terms of their</a:t>
+            </a:r>
+          </a:p>
+          <a:p>
+            <a:pPr lvl="2"/>
+            <a:r>
+              <a:rPr lang="en-US" dirty="0"/>
+              <a:t>M</a:t>
+            </a:r>
+            <a:r>
+              <a:rPr lang="en-US" dirty="0" smtClean="0"/>
+              <a:t>ethods </a:t>
+            </a:r>
+          </a:p>
+          <a:p>
+            <a:pPr lvl="2"/>
+            <a:r>
+              <a:rPr lang="en-US" dirty="0" smtClean="0"/>
+              <a:t>Parameters</a:t>
+            </a:r>
+          </a:p>
+          <a:p>
+            <a:pPr lvl="2"/>
+            <a:r>
+              <a:rPr lang="en-US" dirty="0" smtClean="0"/>
+              <a:t>Return Values </a:t>
+            </a:r>
+          </a:p>
+          <a:p>
+            <a:r>
+              <a:rPr lang="en-US" dirty="0" smtClean="0">
+                <a:solidFill>
+                  <a:srgbClr val="800000"/>
+                </a:solidFill>
+              </a:rPr>
+              <a:t>REST</a:t>
+            </a:r>
+            <a:r>
+              <a:rPr lang="en-US" dirty="0" smtClean="0"/>
+              <a:t> is an “architectural style” that allows servers and clients to communicate</a:t>
+            </a:r>
+          </a:p>
+          <a:p>
+            <a:pPr lvl="1"/>
+            <a:r>
+              <a:rPr lang="en-US" dirty="0" smtClean="0"/>
+              <a:t>REST: Representational State Transfer</a:t>
+            </a:r>
+          </a:p>
+          <a:p>
+            <a:pPr lvl="1"/>
+            <a:r>
+              <a:rPr lang="en-US" dirty="0" smtClean="0"/>
+              <a:t>Provides base URI, media type</a:t>
+            </a:r>
+          </a:p>
+          <a:p>
+            <a:pPr lvl="1"/>
+            <a:r>
+              <a:rPr lang="en-US" dirty="0"/>
+              <a:t>U</a:t>
+            </a:r>
+            <a:r>
+              <a:rPr lang="en-US" dirty="0" smtClean="0"/>
+              <a:t>ses standard HTTP methods (get, put, post, delete…)</a:t>
+            </a:r>
+          </a:p>
+        </p:txBody>
+      </p:sp>
+    </p:spTree>
+    <p:extLst>
+      <p:ext uri="{BB962C8B-B14F-4D97-AF65-F5344CB8AC3E}">
+        <p14:creationId xmlns:p14="http://schemas.microsoft.com/office/powerpoint/2010/main" val="2475300420"/>
+      </p:ext>
+    </p:extLst>
+  </p:cSld>
+  <p:clrMapOvr>
+    <a:masterClrMapping/>
+  </p:clrMapOvr>
+  <p:timing>
+    <p:tnLst>
+      <p:par>
+        <p:cTn xmlns:p14="http://schemas.microsoft.com/office/powerpoint/2010/main" id="1" dur="indefinite" restart="never" nodeType="tmRoot"/>
+      </p:par>
+    </p:tnLst>
+  </p:timing>
+</p:sld>
+</file>
+
+<file path=ppt/slides/slide23.xml><?xml version="1.0" encoding="utf-8"?>
+<p:sld xmlns:a="http://schemas.openxmlformats.org/drawingml/2006/main" xmlns:r="http://schemas.openxmlformats.org/officeDocument/2006/relationships" xmlns:p="http://schemas.openxmlformats.org/presentationml/2006/main">
+  <p:cSld>
+    <p:spTree>
+      <p:nvGrpSpPr>
+        <p:cNvPr id="1" name=""/>
+        <p:cNvGrpSpPr/>
+        <p:nvPr/>
+      </p:nvGrpSpPr>
+      <p:grpSpPr>
+        <a:xfrm>
+          <a:off x="0" y="0"/>
+          <a:ext cx="0" cy="0"/>
+          <a:chOff x="0" y="0"/>
+          <a:chExt cx="0" cy="0"/>
+        </a:xfrm>
+      </p:grpSpPr>
+      <p:sp>
+        <p:nvSpPr>
+          <p:cNvPr id="2" name="Title 1"/>
+          <p:cNvSpPr>
+            <a:spLocks noGrp="1"/>
+          </p:cNvSpPr>
+          <p:nvPr>
+            <p:ph type="title"/>
+          </p:nvPr>
+        </p:nvSpPr>
+        <p:spPr/>
+        <p:txBody>
+          <a:bodyPr/>
+          <a:lstStyle/>
+          <a:p>
+            <a:r>
+              <a:rPr lang="en-US" dirty="0" smtClean="0"/>
+              <a:t>Web Services in LAPPS</a:t>
             </a:r>
             <a:endParaRPr lang="en-US" dirty="0"/>
           </a:p>
@@ -7916,13 +8394,151 @@
           <a:lstStyle/>
           <a:p>
             <a:r>
+              <a:rPr lang="en-US" sz="2800" dirty="0" smtClean="0"/>
+              <a:t>LAPPS SOAP services provide two APIs</a:t>
+            </a:r>
+          </a:p>
+          <a:p>
+            <a:pPr lvl="1"/>
+            <a:r>
+              <a:rPr lang="en-US" sz="2400" b="1" dirty="0" err="1" smtClean="0">
+                <a:solidFill>
+                  <a:srgbClr val="800000"/>
+                </a:solidFill>
+              </a:rPr>
+              <a:t>org.lappsgrid.api.DataSource</a:t>
+            </a:r>
+            <a:endParaRPr lang="en-US" sz="2400" b="1" dirty="0" smtClean="0">
+              <a:solidFill>
+                <a:srgbClr val="800000"/>
+              </a:solidFill>
+            </a:endParaRPr>
+          </a:p>
+          <a:p>
+            <a:pPr lvl="2"/>
+            <a:r>
+              <a:rPr lang="en-US" sz="2000" dirty="0" smtClean="0"/>
+              <a:t>Provides data to other services</a:t>
+            </a:r>
+          </a:p>
+          <a:p>
+            <a:pPr lvl="1"/>
+            <a:r>
+              <a:rPr lang="en-US" sz="2400" b="1" dirty="0" err="1" smtClean="0">
+                <a:solidFill>
+                  <a:srgbClr val="800000"/>
+                </a:solidFill>
+              </a:rPr>
+              <a:t>org.lappsgrid.api.WebService</a:t>
+            </a:r>
+            <a:endParaRPr lang="en-US" sz="2400" b="1" dirty="0" smtClean="0">
+              <a:solidFill>
+                <a:srgbClr val="800000"/>
+              </a:solidFill>
+            </a:endParaRPr>
+          </a:p>
+          <a:p>
+            <a:pPr lvl="2"/>
+            <a:r>
+              <a:rPr lang="en-US" sz="2000" dirty="0" smtClean="0"/>
+              <a:t>Annotate, transform, or otherwise manipulate data from a </a:t>
+            </a:r>
+            <a:r>
+              <a:rPr lang="en-US" sz="2000" dirty="0" err="1" smtClean="0"/>
+              <a:t>datasource</a:t>
+            </a:r>
+            <a:r>
+              <a:rPr lang="en-US" sz="2000" dirty="0" smtClean="0"/>
+              <a:t> or another web service</a:t>
+            </a:r>
+          </a:p>
+        </p:txBody>
+      </p:sp>
+    </p:spTree>
+    <p:extLst>
+      <p:ext uri="{BB962C8B-B14F-4D97-AF65-F5344CB8AC3E}">
+        <p14:creationId xmlns:p14="http://schemas.microsoft.com/office/powerpoint/2010/main" val="825231979"/>
+      </p:ext>
+    </p:extLst>
+  </p:cSld>
+  <p:clrMapOvr>
+    <a:masterClrMapping/>
+  </p:clrMapOvr>
+  <p:timing>
+    <p:tnLst>
+      <p:par>
+        <p:cTn xmlns:p14="http://schemas.microsoft.com/office/powerpoint/2010/main" id="1" dur="indefinite" restart="never" nodeType="tmRoot"/>
+      </p:par>
+    </p:tnLst>
+  </p:timing>
+</p:sld>
+</file>
+
+<file path=ppt/slides/slide24.xml><?xml version="1.0" encoding="utf-8"?>
+<p:sld xmlns:a="http://schemas.openxmlformats.org/drawingml/2006/main" xmlns:r="http://schemas.openxmlformats.org/officeDocument/2006/relationships" xmlns:p="http://schemas.openxmlformats.org/presentationml/2006/main">
+  <p:cSld>
+    <p:spTree>
+      <p:nvGrpSpPr>
+        <p:cNvPr id="1" name=""/>
+        <p:cNvGrpSpPr/>
+        <p:nvPr/>
+      </p:nvGrpSpPr>
+      <p:grpSpPr>
+        <a:xfrm>
+          <a:off x="0" y="0"/>
+          <a:ext cx="0" cy="0"/>
+          <a:chOff x="0" y="0"/>
+          <a:chExt cx="0" cy="0"/>
+        </a:xfrm>
+      </p:grpSpPr>
+      <p:sp>
+        <p:nvSpPr>
+          <p:cNvPr id="2" name="Title 1"/>
+          <p:cNvSpPr>
+            <a:spLocks noGrp="1"/>
+          </p:cNvSpPr>
+          <p:nvPr>
+            <p:ph type="title"/>
+          </p:nvPr>
+        </p:nvSpPr>
+        <p:spPr/>
+        <p:txBody>
+          <a:bodyPr/>
+          <a:lstStyle/>
+          <a:p>
+            <a:r>
+              <a:rPr lang="en-US" dirty="0" smtClean="0"/>
+              <a:t>Web Service Communication in LAPPS</a:t>
+            </a:r>
+            <a:endParaRPr lang="en-US" dirty="0"/>
+          </a:p>
+        </p:txBody>
+      </p:sp>
+      <p:sp>
+        <p:nvSpPr>
+          <p:cNvPr id="3" name="Content Placeholder 2"/>
+          <p:cNvSpPr>
+            <a:spLocks noGrp="1"/>
+          </p:cNvSpPr>
+          <p:nvPr>
+            <p:ph idx="1"/>
+          </p:nvPr>
+        </p:nvSpPr>
+        <p:spPr/>
+        <p:txBody>
+          <a:bodyPr>
+            <a:normAutofit/>
+          </a:bodyPr>
+          <a:lstStyle/>
+          <a:p>
+            <a:r>
               <a:rPr lang="en-US" dirty="0"/>
               <a:t>All LAPPS services exchange </a:t>
             </a:r>
             <a:r>
               <a:rPr lang="en-US" b="1" dirty="0" err="1">
                 <a:solidFill>
-                  <a:srgbClr val="632523"/>
+                  <a:srgbClr val="800000"/>
                 </a:solidFill>
               </a:rPr>
               <a:t>org.lappsgrid.api.Data</a:t>
@@ -7930,7 +8546,7 @@
             <a:r>
               <a:rPr lang="en-US" b="1" dirty="0">
                 <a:solidFill>
-                  <a:srgbClr val="632523"/>
+                  <a:srgbClr val="800000"/>
                 </a:solidFill>
               </a:rPr>
               <a:t> objects</a:t>
@@ -7951,14 +8567,22 @@
             <a:r>
               <a:rPr lang="en-US" b="1" dirty="0">
                 <a:solidFill>
-                  <a:srgbClr val="632523"/>
+                  <a:srgbClr val="800000"/>
                 </a:solidFill>
               </a:rPr>
               <a:t>discriminator</a:t>
             </a:r>
             <a:r>
+              <a:rPr lang="en-US" dirty="0">
+                <a:solidFill>
+                  <a:srgbClr val="800000"/>
+                </a:solidFill>
+              </a:rPr>
+              <a:t> </a:t>
+            </a:r>
+            <a:r>
               <a:rPr lang="en-US" dirty="0"/>
-              <a:t> (type) : tells how to interpret the payload</a:t>
+              <a:t>(type) : tells how to interpret the payload</a:t>
             </a:r>
           </a:p>
           <a:p>
@@ -7970,14 +8594,22 @@
             <a:r>
               <a:rPr lang="en-US" b="1" dirty="0">
                 <a:solidFill>
-                  <a:srgbClr val="632523"/>
+                  <a:srgbClr val="800000"/>
                 </a:solidFill>
               </a:rPr>
               <a:t>payload</a:t>
             </a:r>
             <a:r>
+              <a:rPr lang="en-US" dirty="0">
+                <a:solidFill>
+                  <a:srgbClr val="800000"/>
+                </a:solidFill>
+              </a:rPr>
+              <a:t> </a:t>
+            </a:r>
+            <a:r>
               <a:rPr lang="en-US" dirty="0"/>
-              <a:t> (typically a utf-8 string)</a:t>
+              <a:t>(typically a utf-8 string)</a:t>
             </a:r>
           </a:p>
           <a:p>
@@ -7988,7 +8620,7 @@
             <a:r>
               <a:rPr lang="en-US" b="1" dirty="0">
                 <a:solidFill>
-                  <a:srgbClr val="632523"/>
+                  <a:srgbClr val="800000"/>
                 </a:solidFill>
               </a:rPr>
               <a:t>JSON-LD </a:t>
@@ -8007,14 +8639,22 @@
             <a:r>
               <a:rPr lang="en-US" b="1" dirty="0" smtClean="0">
                 <a:solidFill>
-                  <a:srgbClr val="632523"/>
+                  <a:srgbClr val="800000"/>
                 </a:solidFill>
               </a:rPr>
               <a:t>Converters</a:t>
             </a:r>
             <a:r>
+              <a:rPr lang="en-US" dirty="0" smtClean="0">
+                <a:solidFill>
+                  <a:srgbClr val="800000"/>
+                </a:solidFill>
+              </a:rPr>
+              <a:t> </a:t>
+            </a:r>
+            <a:r>
               <a:rPr lang="en-US" dirty="0" smtClean="0"/>
-              <a:t> to and from JSON-LD for services that deliver in other formats</a:t>
+              <a:t>to and from JSON-LD for services that deliver in other formats</a:t>
             </a:r>
           </a:p>
           <a:p>
@@ -8026,14 +8666,14 @@
             <a:r>
               <a:rPr lang="en-US" b="1" dirty="0" smtClean="0">
                 <a:solidFill>
-                  <a:srgbClr val="632523"/>
+                  <a:srgbClr val="800000"/>
                 </a:solidFill>
               </a:rPr>
               <a:t>produce and consume JSON-LD</a:t>
             </a:r>
             <a:endParaRPr lang="en-US" b="1" dirty="0">
               <a:solidFill>
-                <a:srgbClr val="632523"/>
+                <a:srgbClr val="800000"/>
               </a:solidFill>
             </a:endParaRPr>
           </a:p>
@@ -8055,10 +8695,17 @@
   <p:clrMapOvr>
     <a:masterClrMapping/>
   </p:clrMapOvr>
+  <p:timing>
+    <p:tnLst>
+      <p:par>
+        <p:cTn xmlns:p14="http://schemas.microsoft.com/office/powerpoint/2010/main" id="1" dur="indefinite" restart="never" nodeType="tmRoot"/>
+      </p:par>
+    </p:tnLst>
+  </p:timing>
 </p:sld>
 </file>
 
-<file path=ppt/slides/slide23.xml><?xml version="1.0" encoding="utf-8"?>
+<file path=ppt/slides/slide25.xml><?xml version="1.0" encoding="utf-8"?>
 <p:sld xmlns:a="http://schemas.openxmlformats.org/drawingml/2006/main" xmlns:r="http://schemas.openxmlformats.org/officeDocument/2006/relationships" xmlns:p="http://schemas.openxmlformats.org/presentationml/2006/main">
   <p:cSld>
     <p:spTree>
@@ -8120,7 +8767,10 @@
           <a:lstStyle/>
           <a:p>
             <a:pPr algn="ctr"/>
-            <a:endParaRPr lang="en-US"/>
+            <a:endParaRPr lang="en-US">
+              <a:latin typeface="Avenir Book"/>
+              <a:cs typeface="Avenir Book"/>
+            </a:endParaRPr>
           </a:p>
         </p:txBody>
       </p:sp>
@@ -8167,7 +8817,10 @@
           <a:lstStyle/>
           <a:p>
             <a:pPr algn="ctr"/>
-            <a:endParaRPr lang="en-US"/>
+            <a:endParaRPr lang="en-US">
+              <a:latin typeface="Avenir Book"/>
+              <a:cs typeface="Avenir Book"/>
+            </a:endParaRPr>
           </a:p>
         </p:txBody>
       </p:sp>
@@ -8206,17 +8859,26 @@
           <a:p>
             <a:pPr algn="ctr"/>
             <a:r>
-              <a:rPr lang="en-US" dirty="0" smtClean="0"/>
+              <a:rPr lang="en-US" dirty="0" smtClean="0">
+                <a:latin typeface="Avenir Book"/>
+                <a:cs typeface="Avenir Book"/>
+              </a:rPr>
               <a:t>GATE</a:t>
             </a:r>
           </a:p>
           <a:p>
             <a:pPr algn="ctr"/>
             <a:r>
-              <a:rPr lang="en-US" dirty="0" smtClean="0"/>
+              <a:rPr lang="en-US" dirty="0" smtClean="0">
+                <a:latin typeface="Avenir Book"/>
+                <a:cs typeface="Avenir Book"/>
+              </a:rPr>
               <a:t>service</a:t>
             </a:r>
-            <a:endParaRPr lang="en-US" dirty="0"/>
+            <a:endParaRPr lang="en-US" dirty="0">
+              <a:latin typeface="Avenir Book"/>
+              <a:cs typeface="Avenir Book"/>
+            </a:endParaRPr>
           </a:p>
         </p:txBody>
       </p:sp>
@@ -8264,17 +8926,26 @@
           <a:p>
             <a:pPr algn="ctr"/>
             <a:r>
-              <a:rPr lang="en-US" dirty="0" smtClean="0"/>
+              <a:rPr lang="en-US" dirty="0" smtClean="0">
+                <a:latin typeface="Avenir Book"/>
+                <a:cs typeface="Avenir Book"/>
+              </a:rPr>
               <a:t>UIMA</a:t>
             </a:r>
           </a:p>
           <a:p>
             <a:pPr algn="ctr"/>
             <a:r>
-              <a:rPr lang="en-US" dirty="0" smtClean="0"/>
+              <a:rPr lang="en-US" dirty="0" smtClean="0">
+                <a:latin typeface="Avenir Book"/>
+                <a:cs typeface="Avenir Book"/>
+              </a:rPr>
               <a:t>service</a:t>
             </a:r>
-            <a:endParaRPr lang="en-US" dirty="0"/>
+            <a:endParaRPr lang="en-US" dirty="0">
+              <a:latin typeface="Avenir Book"/>
+              <a:cs typeface="Avenir Book"/>
+            </a:endParaRPr>
           </a:p>
         </p:txBody>
       </p:sp>
@@ -8313,17 +8984,26 @@
           <a:p>
             <a:pPr algn="ctr"/>
             <a:r>
-              <a:rPr lang="en-US" dirty="0" smtClean="0"/>
+              <a:rPr lang="en-US" dirty="0" smtClean="0">
+                <a:latin typeface="Avenir Book"/>
+                <a:cs typeface="Avenir Book"/>
+              </a:rPr>
               <a:t>GATE</a:t>
             </a:r>
           </a:p>
           <a:p>
             <a:pPr algn="ctr"/>
             <a:r>
-              <a:rPr lang="en-US" dirty="0" smtClean="0"/>
+              <a:rPr lang="en-US" dirty="0" smtClean="0">
+                <a:latin typeface="Avenir Book"/>
+                <a:cs typeface="Avenir Book"/>
+              </a:rPr>
               <a:t>service</a:t>
             </a:r>
-            <a:endParaRPr lang="en-US" dirty="0"/>
+            <a:endParaRPr lang="en-US" dirty="0">
+              <a:latin typeface="Avenir Book"/>
+              <a:cs typeface="Avenir Book"/>
+            </a:endParaRPr>
           </a:p>
         </p:txBody>
       </p:sp>
@@ -8371,17 +9051,26 @@
           <a:p>
             <a:pPr algn="ctr"/>
             <a:r>
-              <a:rPr lang="en-US" dirty="0" smtClean="0"/>
+              <a:rPr lang="en-US" dirty="0" smtClean="0">
+                <a:latin typeface="Avenir Book"/>
+                <a:cs typeface="Avenir Book"/>
+              </a:rPr>
               <a:t>UIMA</a:t>
             </a:r>
           </a:p>
           <a:p>
             <a:pPr algn="ctr"/>
             <a:r>
-              <a:rPr lang="en-US" dirty="0" smtClean="0"/>
+              <a:rPr lang="en-US" dirty="0" smtClean="0">
+                <a:latin typeface="Avenir Book"/>
+                <a:cs typeface="Avenir Book"/>
+              </a:rPr>
               <a:t>service</a:t>
             </a:r>
-            <a:endParaRPr lang="en-US" dirty="0"/>
+            <a:endParaRPr lang="en-US" dirty="0">
+              <a:latin typeface="Avenir Book"/>
+              <a:cs typeface="Avenir Book"/>
+            </a:endParaRPr>
           </a:p>
         </p:txBody>
       </p:sp>
@@ -8428,17 +9117,26 @@
           <a:p>
             <a:pPr algn="ctr"/>
             <a:r>
-              <a:rPr lang="en-US" dirty="0" smtClean="0"/>
+              <a:rPr lang="en-US" dirty="0" smtClean="0">
+                <a:latin typeface="Avenir Book"/>
+                <a:cs typeface="Avenir Book"/>
+              </a:rPr>
               <a:t>Stanford NLP</a:t>
             </a:r>
           </a:p>
           <a:p>
             <a:pPr algn="ctr"/>
             <a:r>
-              <a:rPr lang="en-US" dirty="0" smtClean="0"/>
+              <a:rPr lang="en-US" dirty="0" smtClean="0">
+                <a:latin typeface="Avenir Book"/>
+                <a:cs typeface="Avenir Book"/>
+              </a:rPr>
               <a:t>service</a:t>
             </a:r>
-            <a:endParaRPr lang="en-US" dirty="0"/>
+            <a:endParaRPr lang="en-US" dirty="0">
+              <a:latin typeface="Avenir Book"/>
+              <a:cs typeface="Avenir Book"/>
+            </a:endParaRPr>
           </a:p>
         </p:txBody>
       </p:sp>
@@ -8484,7 +9182,7 @@
         <p:spPr>
           <a:xfrm>
             <a:off x="1617159" y="2521451"/>
-            <a:ext cx="1047582" cy="338554"/>
+            <a:ext cx="1057384" cy="307777"/>
           </a:xfrm>
           <a:prstGeom prst="rect">
             <a:avLst/>
@@ -8498,10 +9196,16 @@
           <a:lstStyle/>
           <a:p>
             <a:r>
-              <a:rPr lang="en-US" sz="1600" dirty="0" smtClean="0"/>
+              <a:rPr lang="en-US" sz="1400" dirty="0" smtClean="0">
+                <a:latin typeface="Avenir Book"/>
+                <a:cs typeface="Avenir Book"/>
+              </a:rPr>
               <a:t>GATE XML</a:t>
             </a:r>
-            <a:endParaRPr lang="en-US" sz="1600" dirty="0"/>
+            <a:endParaRPr lang="en-US" sz="1400" dirty="0">
+              <a:latin typeface="Avenir Book"/>
+              <a:cs typeface="Avenir Book"/>
+            </a:endParaRPr>
           </a:p>
         </p:txBody>
       </p:sp>
@@ -8583,7 +9287,7 @@
         <p:spPr>
           <a:xfrm>
             <a:off x="5659605" y="1079441"/>
-            <a:ext cx="1031051" cy="338554"/>
+            <a:ext cx="1037455" cy="307777"/>
           </a:xfrm>
           <a:prstGeom prst="rect">
             <a:avLst/>
@@ -8597,10 +9301,16 @@
           <a:lstStyle/>
           <a:p>
             <a:r>
-              <a:rPr lang="en-US" sz="1600" dirty="0" smtClean="0"/>
+              <a:rPr lang="en-US" sz="1400" dirty="0" smtClean="0">
+                <a:latin typeface="Avenir Book"/>
+                <a:cs typeface="Avenir Book"/>
+              </a:rPr>
               <a:t>UIMA CAS</a:t>
             </a:r>
-            <a:endParaRPr lang="en-US" sz="1600" dirty="0"/>
+            <a:endParaRPr lang="en-US" sz="1400" dirty="0">
+              <a:latin typeface="Avenir Book"/>
+              <a:cs typeface="Avenir Book"/>
+            </a:endParaRPr>
           </a:p>
         </p:txBody>
       </p:sp>
@@ -8646,7 +9356,10 @@
           <a:lstStyle/>
           <a:p>
             <a:pPr algn="ctr"/>
-            <a:endParaRPr lang="en-US"/>
+            <a:endParaRPr lang="en-US">
+              <a:latin typeface="Avenir Book"/>
+              <a:cs typeface="Avenir Book"/>
+            </a:endParaRPr>
           </a:p>
         </p:txBody>
       </p:sp>
@@ -8690,7 +9403,10 @@
           <a:lstStyle/>
           <a:p>
             <a:pPr algn="ctr"/>
-            <a:endParaRPr lang="en-US"/>
+            <a:endParaRPr lang="en-US">
+              <a:latin typeface="Avenir Book"/>
+              <a:cs typeface="Avenir Book"/>
+            </a:endParaRPr>
           </a:p>
         </p:txBody>
       </p:sp>
@@ -8769,7 +9485,10 @@
           <a:lstStyle/>
           <a:p>
             <a:pPr algn="ctr"/>
-            <a:endParaRPr lang="en-US"/>
+            <a:endParaRPr lang="en-US">
+              <a:latin typeface="Avenir Book"/>
+              <a:cs typeface="Avenir Book"/>
+            </a:endParaRPr>
           </a:p>
         </p:txBody>
       </p:sp>
@@ -8813,18 +9532,30 @@
           <a:p>
             <a:pPr algn="ctr"/>
             <a:r>
-              <a:rPr lang="en-US" dirty="0" err="1" smtClean="0"/>
+              <a:rPr lang="en-US" dirty="0" err="1" smtClean="0">
+                <a:latin typeface="Avenir Book"/>
+                <a:cs typeface="Avenir Book"/>
+              </a:rPr>
               <a:t>OpenNLP</a:t>
             </a:r>
-            <a:endParaRPr lang="en-US" dirty="0" smtClean="0"/>
+            <a:endParaRPr lang="en-US" dirty="0" smtClean="0">
+              <a:latin typeface="Avenir Book"/>
+              <a:cs typeface="Avenir Book"/>
+            </a:endParaRPr>
           </a:p>
           <a:p>
             <a:pPr algn="ctr"/>
             <a:r>
-              <a:rPr lang="en-US" dirty="0" smtClean="0"/>
+              <a:rPr lang="en-US" dirty="0" smtClean="0">
+                <a:latin typeface="Avenir Book"/>
+                <a:cs typeface="Avenir Book"/>
+              </a:rPr>
               <a:t>service</a:t>
             </a:r>
-            <a:endParaRPr lang="en-US" dirty="0"/>
+            <a:endParaRPr lang="en-US" dirty="0">
+              <a:latin typeface="Avenir Book"/>
+              <a:cs typeface="Avenir Book"/>
+            </a:endParaRPr>
           </a:p>
         </p:txBody>
       </p:sp>
@@ -8910,7 +9641,10 @@
           <a:lstStyle/>
           <a:p>
             <a:pPr algn="ctr"/>
-            <a:endParaRPr lang="en-US"/>
+            <a:endParaRPr lang="en-US">
+              <a:latin typeface="Avenir Book"/>
+              <a:cs typeface="Avenir Book"/>
+            </a:endParaRPr>
           </a:p>
         </p:txBody>
       </p:sp>
@@ -8954,18 +9688,30 @@
           <a:p>
             <a:pPr algn="ctr"/>
             <a:r>
-              <a:rPr lang="en-US" dirty="0" err="1" smtClean="0"/>
+              <a:rPr lang="en-US" dirty="0" err="1" smtClean="0">
+                <a:latin typeface="Avenir Book"/>
+                <a:cs typeface="Avenir Book"/>
+              </a:rPr>
               <a:t>OpenNLP</a:t>
             </a:r>
-            <a:endParaRPr lang="en-US" dirty="0" smtClean="0"/>
+            <a:endParaRPr lang="en-US" dirty="0" smtClean="0">
+              <a:latin typeface="Avenir Book"/>
+              <a:cs typeface="Avenir Book"/>
+            </a:endParaRPr>
           </a:p>
           <a:p>
             <a:pPr algn="ctr"/>
             <a:r>
-              <a:rPr lang="en-US" dirty="0" smtClean="0"/>
+              <a:rPr lang="en-US" dirty="0" smtClean="0">
+                <a:latin typeface="Avenir Book"/>
+                <a:cs typeface="Avenir Book"/>
+              </a:rPr>
               <a:t>service</a:t>
             </a:r>
-            <a:endParaRPr lang="en-US" dirty="0"/>
+            <a:endParaRPr lang="en-US" dirty="0">
+              <a:latin typeface="Avenir Book"/>
+              <a:cs typeface="Avenir Book"/>
+            </a:endParaRPr>
           </a:p>
         </p:txBody>
       </p:sp>
@@ -9014,7 +9760,10 @@
           <a:lstStyle/>
           <a:p>
             <a:pPr algn="ctr"/>
-            <a:endParaRPr lang="en-US"/>
+            <a:endParaRPr lang="en-US">
+              <a:latin typeface="Avenir Book"/>
+              <a:cs typeface="Avenir Book"/>
+            </a:endParaRPr>
           </a:p>
         </p:txBody>
       </p:sp>
@@ -9061,17 +9810,26 @@
           <a:p>
             <a:pPr algn="ctr"/>
             <a:r>
-              <a:rPr lang="en-US" dirty="0" smtClean="0"/>
+              <a:rPr lang="en-US" dirty="0" smtClean="0">
+                <a:latin typeface="Avenir Book"/>
+                <a:cs typeface="Avenir Book"/>
+              </a:rPr>
               <a:t>Stanford NLP</a:t>
             </a:r>
           </a:p>
           <a:p>
             <a:pPr algn="ctr"/>
             <a:r>
-              <a:rPr lang="en-US" dirty="0" smtClean="0"/>
+              <a:rPr lang="en-US" dirty="0" smtClean="0">
+                <a:latin typeface="Avenir Book"/>
+                <a:cs typeface="Avenir Book"/>
+              </a:rPr>
               <a:t>service</a:t>
             </a:r>
-            <a:endParaRPr lang="en-US" dirty="0"/>
+            <a:endParaRPr lang="en-US" dirty="0">
+              <a:latin typeface="Avenir Book"/>
+              <a:cs typeface="Avenir Book"/>
+            </a:endParaRPr>
           </a:p>
         </p:txBody>
       </p:sp>
@@ -9160,8 +9918,8 @@
         </p:nvSpPr>
         <p:spPr>
           <a:xfrm>
-            <a:off x="440108" y="566457"/>
-            <a:ext cx="1510592" cy="1184723"/>
+            <a:off x="400003" y="566457"/>
+            <a:ext cx="1631997" cy="1184723"/>
           </a:xfrm>
           <a:prstGeom prst="diamond">
             <a:avLst/>
@@ -9197,17 +9955,26 @@
           <a:p>
             <a:pPr algn="ctr"/>
             <a:r>
-              <a:rPr lang="en-US" sz="1600" dirty="0" smtClean="0"/>
+              <a:rPr lang="en-US" sz="1600" dirty="0" smtClean="0">
+                <a:latin typeface="Avenir Book"/>
+                <a:cs typeface="Avenir Book"/>
+              </a:rPr>
               <a:t>Data</a:t>
             </a:r>
           </a:p>
           <a:p>
             <a:pPr algn="ctr"/>
             <a:r>
-              <a:rPr lang="en-US" sz="1600" dirty="0" smtClean="0"/>
+              <a:rPr lang="en-US" sz="1600" dirty="0" smtClean="0">
+                <a:latin typeface="Avenir Book"/>
+                <a:cs typeface="Avenir Book"/>
+              </a:rPr>
               <a:t>source</a:t>
             </a:r>
-            <a:endParaRPr lang="en-US" sz="1600" dirty="0"/>
+            <a:endParaRPr lang="en-US" sz="1600" dirty="0">
+              <a:latin typeface="Avenir Book"/>
+              <a:cs typeface="Avenir Book"/>
+            </a:endParaRPr>
           </a:p>
         </p:txBody>
       </p:sp>
@@ -9219,7 +9986,7 @@
         </p:nvSpPr>
         <p:spPr>
           <a:xfrm>
-            <a:off x="6250170" y="5538694"/>
+            <a:off x="5924608" y="5538694"/>
             <a:ext cx="534170" cy="529192"/>
           </a:xfrm>
           <a:prstGeom prst="ellipse">
@@ -9251,7 +10018,10 @@
           <a:lstStyle/>
           <a:p>
             <a:pPr algn="ctr"/>
-            <a:endParaRPr lang="en-US"/>
+            <a:endParaRPr lang="en-US">
+              <a:latin typeface="Avenir Book"/>
+              <a:cs typeface="Avenir Book"/>
+            </a:endParaRPr>
           </a:p>
         </p:txBody>
       </p:sp>
@@ -9298,8 +10068,8 @@
         </p:nvSpPr>
         <p:spPr>
           <a:xfrm>
-            <a:off x="6824056" y="5594825"/>
-            <a:ext cx="1991751" cy="338554"/>
+            <a:off x="6498494" y="5594825"/>
+            <a:ext cx="2266854" cy="338554"/>
           </a:xfrm>
           <a:prstGeom prst="rect">
             <a:avLst/>
@@ -9313,10 +10083,16 @@
           <a:lstStyle/>
           <a:p>
             <a:r>
-              <a:rPr lang="en-US" sz="1600" dirty="0" smtClean="0"/>
+              <a:rPr lang="en-US" sz="1600" dirty="0" smtClean="0">
+                <a:latin typeface="Avenir Book"/>
+                <a:cs typeface="Avenir Book"/>
+              </a:rPr>
               <a:t>Converter to JSON-LD</a:t>
             </a:r>
-            <a:endParaRPr lang="en-US" sz="1600" dirty="0"/>
+            <a:endParaRPr lang="en-US" sz="1600" dirty="0">
+              <a:latin typeface="Avenir Book"/>
+              <a:cs typeface="Avenir Book"/>
+            </a:endParaRPr>
           </a:p>
         </p:txBody>
       </p:sp>
@@ -9328,8 +10104,8 @@
         </p:nvSpPr>
         <p:spPr>
           <a:xfrm>
-            <a:off x="6820612" y="6277783"/>
-            <a:ext cx="2221081" cy="338554"/>
+            <a:off x="6495050" y="6277783"/>
+            <a:ext cx="2498708" cy="338554"/>
           </a:xfrm>
           <a:prstGeom prst="rect">
             <a:avLst/>
@@ -9343,10 +10119,16 @@
           <a:lstStyle/>
           <a:p>
             <a:r>
-              <a:rPr lang="en-US" sz="1600" dirty="0" smtClean="0"/>
+              <a:rPr lang="en-US" sz="1600" dirty="0" smtClean="0">
+                <a:latin typeface="Avenir Book"/>
+                <a:cs typeface="Avenir Book"/>
+              </a:rPr>
               <a:t>Converter from JSON-LD</a:t>
             </a:r>
-            <a:endParaRPr lang="en-US" sz="1600" dirty="0"/>
+            <a:endParaRPr lang="en-US" sz="1600" dirty="0">
+              <a:latin typeface="Avenir Book"/>
+              <a:cs typeface="Avenir Book"/>
+            </a:endParaRPr>
           </a:p>
         </p:txBody>
       </p:sp>
@@ -9358,7 +10140,7 @@
         </p:nvSpPr>
         <p:spPr>
           <a:xfrm>
-            <a:off x="6250170" y="6191437"/>
+            <a:off x="5924608" y="6191437"/>
             <a:ext cx="534170" cy="529192"/>
           </a:xfrm>
           <a:prstGeom prst="ellipse">
@@ -9392,7 +10174,10 @@
           <a:lstStyle/>
           <a:p>
             <a:pPr algn="ctr"/>
-            <a:endParaRPr lang="en-US"/>
+            <a:endParaRPr lang="en-US">
+              <a:latin typeface="Avenir Book"/>
+              <a:cs typeface="Avenir Book"/>
+            </a:endParaRPr>
           </a:p>
         </p:txBody>
       </p:sp>
@@ -9413,6 +10198,9 @@
             <a:avLst/>
           </a:prstGeom>
           <a:ln>
+            <a:solidFill>
+              <a:schemeClr val="accent2"/>
+            </a:solidFill>
             <a:tailEnd type="arrow"/>
           </a:ln>
         </p:spPr>
@@ -9439,13 +10227,15 @@
         </p:nvSpPr>
         <p:spPr>
           <a:xfrm>
-            <a:off x="311978" y="5718207"/>
-            <a:ext cx="1672253" cy="369332"/>
+            <a:off x="195882" y="5701361"/>
+            <a:ext cx="1915909" cy="369332"/>
           </a:xfrm>
           <a:prstGeom prst="rect">
             <a:avLst/>
           </a:prstGeom>
-          <a:noFill/>
+          <a:solidFill>
+            <a:srgbClr val="FF0000"/>
+          </a:solidFill>
           <a:ln w="28575" cmpd="sng">
             <a:solidFill>
               <a:srgbClr val="C0504D"/>
@@ -9459,10 +10249,22 @@
           <a:lstStyle/>
           <a:p>
             <a:r>
-              <a:rPr lang="en-US" dirty="0" smtClean="0"/>
+              <a:rPr lang="en-US" dirty="0" smtClean="0">
+                <a:solidFill>
+                  <a:schemeClr val="bg1"/>
+                </a:solidFill>
+                <a:latin typeface="Avenir Book"/>
+                <a:cs typeface="Avenir Book"/>
+              </a:rPr>
               <a:t>JSON-LD output</a:t>
             </a:r>
-            <a:endParaRPr lang="en-US" dirty="0"/>
+            <a:endParaRPr lang="en-US" dirty="0">
+              <a:solidFill>
+                <a:schemeClr val="bg1"/>
+              </a:solidFill>
+              <a:latin typeface="Avenir Book"/>
+              <a:cs typeface="Avenir Book"/>
+            </a:endParaRPr>
           </a:p>
         </p:txBody>
       </p:sp>
@@ -9475,7 +10277,7 @@
         <p:spPr>
           <a:xfrm>
             <a:off x="5852853" y="4149623"/>
-            <a:ext cx="3099818" cy="1200329"/>
+            <a:ext cx="3099818" cy="1077218"/>
           </a:xfrm>
           <a:prstGeom prst="rect">
             <a:avLst/>
@@ -9495,18 +10297,30 @@
           <a:p>
             <a:pPr algn="r"/>
             <a:r>
-              <a:rPr lang="en-US" dirty="0" smtClean="0"/>
+              <a:rPr lang="en-US" sz="1600" dirty="0" smtClean="0">
+                <a:latin typeface="Avenir Book"/>
+                <a:cs typeface="Avenir Book"/>
+              </a:rPr>
               <a:t>LAPPS services for </a:t>
             </a:r>
             <a:r>
-              <a:rPr lang="en-US" dirty="0" err="1" smtClean="0"/>
+              <a:rPr lang="en-US" sz="1600" dirty="0" err="1" smtClean="0">
+                <a:latin typeface="Avenir Book"/>
+                <a:cs typeface="Avenir Book"/>
+              </a:rPr>
               <a:t>OpenNLP</a:t>
             </a:r>
             <a:r>
-              <a:rPr lang="en-US" dirty="0" smtClean="0"/>
+              <a:rPr lang="en-US" sz="1600" dirty="0" smtClean="0">
+                <a:latin typeface="Avenir Book"/>
+                <a:cs typeface="Avenir Book"/>
+              </a:rPr>
               <a:t> and Stanford NLP tools are wrapped to produce and consume JSON-LD</a:t>
             </a:r>
-            <a:endParaRPr lang="en-US" dirty="0"/>
+            <a:endParaRPr lang="en-US" sz="1600" dirty="0">
+              <a:latin typeface="Avenir Book"/>
+              <a:cs typeface="Avenir Book"/>
+            </a:endParaRPr>
           </a:p>
         </p:txBody>
       </p:sp>
@@ -9518,8 +10332,8 @@
         </p:nvSpPr>
         <p:spPr>
           <a:xfrm>
-            <a:off x="1945962" y="-1325"/>
-            <a:ext cx="4589643" cy="738664"/>
+            <a:off x="1782568" y="-1325"/>
+            <a:ext cx="4916432" cy="738664"/>
           </a:xfrm>
           <a:prstGeom prst="rect">
             <a:avLst/>
@@ -9534,17 +10348,26 @@
           <a:p>
             <a:pPr algn="ctr"/>
             <a:r>
-              <a:rPr lang="en-US" sz="2400" dirty="0" smtClean="0"/>
+              <a:rPr lang="en-US" sz="2400" dirty="0" smtClean="0">
+                <a:latin typeface="Avenir Book"/>
+                <a:cs typeface="Avenir Book"/>
+              </a:rPr>
               <a:t>Logical flow</a:t>
             </a:r>
           </a:p>
           <a:p>
             <a:pPr algn="ctr"/>
             <a:r>
-              <a:rPr lang="en-US" dirty="0" smtClean="0"/>
+              <a:rPr lang="en-US" dirty="0" smtClean="0">
+                <a:latin typeface="Avenir Book"/>
+                <a:cs typeface="Avenir Book"/>
+              </a:rPr>
               <a:t>(client-server communication not represented) </a:t>
             </a:r>
-            <a:endParaRPr lang="en-US" dirty="0"/>
+            <a:endParaRPr lang="en-US" dirty="0">
+              <a:latin typeface="Avenir Book"/>
+              <a:cs typeface="Avenir Book"/>
+            </a:endParaRPr>
           </a:p>
         </p:txBody>
       </p:sp>
@@ -9558,10 +10381,17 @@
   <p:clrMapOvr>
     <a:masterClrMapping/>
   </p:clrMapOvr>
+  <p:timing>
+    <p:tnLst>
+      <p:par>
+        <p:cTn xmlns:p14="http://schemas.microsoft.com/office/powerpoint/2010/main" id="1" dur="indefinite" restart="never" nodeType="tmRoot"/>
+      </p:par>
+    </p:tnLst>
+  </p:timing>
 </p:sld>
 </file>
 
-<file path=ppt/slides/slide24.xml><?xml version="1.0" encoding="utf-8"?>
+<file path=ppt/slides/slide26.xml><?xml version="1.0" encoding="utf-8"?>
 <p:sld xmlns:a="http://schemas.openxmlformats.org/drawingml/2006/main" xmlns:r="http://schemas.openxmlformats.org/officeDocument/2006/relationships" xmlns:p="http://schemas.openxmlformats.org/presentationml/2006/main">
   <p:cSld>
     <p:spTree>
@@ -9626,11 +10456,9 @@
               <a:t>Basic interoperability handled by </a:t>
             </a:r>
             <a:r>
-              <a:rPr lang="en-US" dirty="0" smtClean="0">
-                <a:solidFill>
-                  <a:schemeClr val="accent2">
-                    <a:lumMod val="50000"/>
-                  </a:schemeClr>
+              <a:rPr lang="en-US" b="1" dirty="0" smtClean="0">
+                <a:solidFill>
+                  <a:srgbClr val="800000"/>
                 </a:solidFill>
               </a:rPr>
               <a:t>SOAP/WSDL</a:t>
@@ -9648,7 +10476,7 @@
               <a:t>Syntactic interoperability among NLP tools handled by </a:t>
             </a:r>
             <a:r>
-              <a:rPr lang="en-US" dirty="0" smtClean="0">
+              <a:rPr lang="en-US" b="1" dirty="0" smtClean="0">
                 <a:solidFill>
                   <a:srgbClr val="632523"/>
                 </a:solidFill>
@@ -9665,14 +10493,14 @@
               <a:t>Semantic interoperability among NLP tools handled with the </a:t>
             </a:r>
             <a:r>
-              <a:rPr lang="en-US" dirty="0" smtClean="0">
+              <a:rPr lang="en-US" b="1" dirty="0" smtClean="0">
                 <a:solidFill>
                   <a:srgbClr val="632523"/>
                 </a:solidFill>
               </a:rPr>
               <a:t>LAPPS Exchange Vocabulary</a:t>
             </a:r>
-            <a:endParaRPr lang="en-US" dirty="0">
+            <a:endParaRPr lang="en-US" b="1" dirty="0">
               <a:solidFill>
                 <a:srgbClr val="632523"/>
               </a:solidFill>
@@ -9690,10 +10518,17 @@
   <p:clrMapOvr>
     <a:masterClrMapping/>
   </p:clrMapOvr>
+  <p:timing>
+    <p:tnLst>
+      <p:par>
+        <p:cTn xmlns:p14="http://schemas.microsoft.com/office/powerpoint/2010/main" id="1" dur="indefinite" restart="never" nodeType="tmRoot"/>
+      </p:par>
+    </p:tnLst>
+  </p:timing>
 </p:sld>
 </file>
 
-<file path=ppt/slides/slide25.xml><?xml version="1.0" encoding="utf-8"?>
+<file path=ppt/slides/slide27.xml><?xml version="1.0" encoding="utf-8"?>
 <p:sld xmlns:a="http://schemas.openxmlformats.org/drawingml/2006/main" xmlns:r="http://schemas.openxmlformats.org/officeDocument/2006/relationships" xmlns:p="http://schemas.openxmlformats.org/presentationml/2006/main">
   <p:cSld>
     <p:spTree>
@@ -10611,11 +11446,7 @@
             </a:pPr>
             <a:r>
               <a:rPr lang="en-US" dirty="0"/>
-              <a:t>Part II</a:t>
-            </a:r>
-            <a:r>
-              <a:rPr lang="en-US" dirty="0"/>
-              <a:t>. Using the LAPPS Grid: Hands-on exercise</a:t>
+              <a:t>Part II. Using the LAPPS Grid: Hands-on exercise</a:t>
             </a:r>
           </a:p>
           <a:p>
@@ -10771,11 +11602,7 @@
             </a:pPr>
             <a:r>
               <a:rPr lang="en-US" dirty="0"/>
-              <a:t>Part III. </a:t>
-            </a:r>
-            <a:r>
-              <a:rPr lang="en-US" dirty="0"/>
-              <a:t>Contributing to the LAPPS Grid: Hands-on exercise</a:t>
+              <a:t>Part III. Contributing to the LAPPS Grid: Hands-on exercise</a:t>
             </a:r>
           </a:p>
           <a:p>
@@ -10900,6 +11727,13 @@
   <p:clrMapOvr>
     <a:masterClrMapping/>
   </p:clrMapOvr>
+  <p:timing>
+    <p:tnLst>
+      <p:par>
+        <p:cTn xmlns:p14="http://schemas.microsoft.com/office/powerpoint/2010/main" id="1" dur="indefinite" restart="never" nodeType="tmRoot"/>
+      </p:par>
+    </p:tnLst>
+  </p:timing>
 </p:sld>
 </file>
 
@@ -10922,6 +11756,39 @@
       </p:grpSpPr>
       <p:sp>
         <p:nvSpPr>
+          <p:cNvPr id="4" name="Title 1"/>
+          <p:cNvSpPr>
+            <a:spLocks noGrp="1"/>
+          </p:cNvSpPr>
+          <p:nvPr>
+            <p:ph type="title"/>
+          </p:nvPr>
+        </p:nvSpPr>
+        <p:spPr/>
+        <p:txBody>
+          <a:bodyPr>
+            <a:normAutofit/>
+          </a:bodyPr>
+          <a:lstStyle/>
+          <a:p>
+            <a:r>
+              <a:rPr lang="en-US" sz="3200" dirty="0" smtClean="0"/>
+              <a:t>The LAPPS </a:t>
+            </a:r>
+            <a:r>
+              <a:rPr lang="en-US" sz="3200" dirty="0"/>
+              <a:t>Grid </a:t>
+            </a:r>
+            <a:r>
+              <a:rPr lang="en-US" sz="3200" dirty="0" smtClean="0"/>
+              <a:t>Project</a:t>
+            </a:r>
+            <a:endParaRPr lang="en-US" sz="3200" dirty="0"/>
+          </a:p>
+        </p:txBody>
+      </p:sp>
+      <p:sp>
+        <p:nvSpPr>
           <p:cNvPr id="3" name="Content Placeholder 2"/>
           <p:cNvSpPr>
             <a:spLocks noGrp="1"/>
@@ -10986,47 +11853,79 @@
                   <a:srgbClr val="953735"/>
                 </a:solidFill>
               </a:rPr>
-              <a:t>US National Science Foundation</a:t>
-            </a:r>
+              <a:t>US National Science </a:t>
+            </a:r>
+            <a:r>
+              <a:rPr lang="en-US" b="1" dirty="0" smtClean="0">
+                <a:solidFill>
+                  <a:srgbClr val="953735"/>
+                </a:solidFill>
+              </a:rPr>
+              <a:t>Foundation</a:t>
+            </a:r>
+          </a:p>
+          <a:p>
+            <a:r>
+              <a:rPr lang="en-US" dirty="0"/>
+              <a:t>Builds on </a:t>
+            </a:r>
+          </a:p>
+          <a:p>
+            <a:pPr lvl="1"/>
+            <a:r>
+              <a:rPr lang="en-US" dirty="0"/>
+              <a:t>foundation laid in several projects: </a:t>
+            </a:r>
+            <a:r>
+              <a:rPr lang="en-US" dirty="0" smtClean="0"/>
+              <a:t>US/NSF SILT, Japanese Language </a:t>
+            </a:r>
+            <a:r>
+              <a:rPr lang="en-US" dirty="0"/>
+              <a:t>Grid, </a:t>
+            </a:r>
+            <a:r>
+              <a:rPr lang="en-US" dirty="0" smtClean="0"/>
+              <a:t>EU PANACEA</a:t>
+            </a:r>
+            <a:r>
+              <a:rPr lang="en-US" dirty="0"/>
+              <a:t>, </a:t>
+            </a:r>
+            <a:r>
+              <a:rPr lang="en-US" dirty="0" smtClean="0"/>
+              <a:t>CELI </a:t>
+            </a:r>
+            <a:r>
+              <a:rPr lang="en-US" dirty="0" err="1" smtClean="0"/>
+              <a:t>LinguaGrid</a:t>
+            </a:r>
+            <a:r>
+              <a:rPr lang="en-US" dirty="0"/>
+              <a:t>…</a:t>
+            </a:r>
+          </a:p>
+          <a:p>
+            <a:pPr lvl="1"/>
+            <a:r>
+              <a:rPr lang="en-US" dirty="0"/>
+              <a:t>momentum toward a comprehensive network of web services and resources within the NLP </a:t>
+            </a:r>
+            <a:r>
+              <a:rPr lang="en-US" dirty="0" smtClean="0"/>
+              <a:t>community</a:t>
+            </a:r>
+            <a:endParaRPr lang="en-US" sz="2400" b="1" dirty="0" smtClean="0">
+              <a:solidFill>
+                <a:srgbClr val="953735"/>
+              </a:solidFill>
+            </a:endParaRPr>
           </a:p>
           <a:p>
             <a:pPr marL="0" indent="0">
               <a:buNone/>
             </a:pPr>
             <a:endParaRPr lang="en-US" dirty="0"/>
-          </a:p>
-        </p:txBody>
-      </p:sp>
-      <p:sp>
-        <p:nvSpPr>
-          <p:cNvPr id="4" name="Title 1"/>
-          <p:cNvSpPr>
-            <a:spLocks noGrp="1"/>
-          </p:cNvSpPr>
-          <p:nvPr>
-            <p:ph type="title"/>
-          </p:nvPr>
-        </p:nvSpPr>
-        <p:spPr/>
-        <p:txBody>
-          <a:bodyPr>
-            <a:normAutofit/>
-          </a:bodyPr>
-          <a:lstStyle/>
-          <a:p>
-            <a:r>
-              <a:rPr lang="en-US" sz="3200" dirty="0" smtClean="0"/>
-              <a:t>The LAPPS </a:t>
-            </a:r>
-            <a:r>
-              <a:rPr lang="en-US" sz="3200" dirty="0"/>
-              <a:t>Grid </a:t>
-            </a:r>
-            <a:r>
-              <a:rPr lang="en-US" sz="3200" dirty="0" smtClean="0"/>
-              <a:t>Project</a:t>
-            </a:r>
-            <a:endParaRPr lang="en-US" sz="3200" dirty="0"/>
           </a:p>
         </p:txBody>
       </p:sp>
@@ -11143,9 +12042,7 @@
             <a:r>
               <a:rPr lang="en-US" b="1" dirty="0" smtClean="0">
                 <a:solidFill>
-                  <a:schemeClr val="accent2">
-                    <a:lumMod val="75000"/>
-                  </a:schemeClr>
+                  <a:srgbClr val="800000"/>
                 </a:solidFill>
               </a:rPr>
               <a:t>development and deployment of integrated natural language applications </a:t>
@@ -11162,9 +12059,9 @@
               <a:t>Enable </a:t>
             </a:r>
             <a:r>
-              <a:rPr lang="en-US" dirty="0" smtClean="0">
-                <a:solidFill>
-                  <a:srgbClr val="953735"/>
+              <a:rPr lang="en-US" b="1" dirty="0" smtClean="0">
+                <a:solidFill>
+                  <a:srgbClr val="800000"/>
                 </a:solidFill>
               </a:rPr>
               <a:t>federation of grids and services </a:t>
@@ -11187,7 +12084,7 @@
             <a:r>
               <a:rPr lang="en-US" b="1" dirty="0">
                 <a:solidFill>
-                  <a:srgbClr val="953735"/>
+                  <a:srgbClr val="800000"/>
                 </a:solidFill>
               </a:rPr>
               <a:t>open advancement (OA) framework </a:t>
@@ -11218,7 +12115,7 @@
             <a:r>
               <a:rPr lang="en-US" b="1" dirty="0">
                 <a:solidFill>
-                  <a:srgbClr val="953735"/>
+                  <a:srgbClr val="800000"/>
                 </a:solidFill>
               </a:rPr>
               <a:t>access to </a:t>
@@ -11226,7 +12123,7 @@
             <a:r>
               <a:rPr lang="en-US" b="1" dirty="0" smtClean="0">
                 <a:solidFill>
-                  <a:srgbClr val="953735"/>
+                  <a:srgbClr val="800000"/>
                 </a:solidFill>
               </a:rPr>
               <a:t>language </a:t>
@@ -11234,7 +12131,7 @@
             <a:r>
               <a:rPr lang="en-US" b="1" dirty="0">
                 <a:solidFill>
-                  <a:srgbClr val="953735"/>
+                  <a:srgbClr val="800000"/>
                 </a:solidFill>
               </a:rPr>
               <a:t>resources </a:t>
@@ -11265,7 +12162,7 @@
             <a:r>
               <a:rPr lang="en-US" b="1" dirty="0">
                 <a:solidFill>
-                  <a:srgbClr val="953735"/>
+                  <a:srgbClr val="800000"/>
                 </a:solidFill>
               </a:rPr>
               <a:t>navigation through licensing </a:t>
@@ -11273,7 +12170,7 @@
             <a:r>
               <a:rPr lang="en-US" b="1" dirty="0" smtClean="0">
                 <a:solidFill>
-                  <a:srgbClr val="953735"/>
+                  <a:srgbClr val="800000"/>
                 </a:solidFill>
               </a:rPr>
               <a:t>issues</a:t>
@@ -11292,7 +12189,7 @@
             <a:r>
               <a:rPr lang="en-US" b="1" dirty="0">
                 <a:solidFill>
-                  <a:srgbClr val="953735"/>
+                  <a:srgbClr val="800000"/>
                 </a:solidFill>
               </a:rPr>
               <a:t>promote adoption, use, and community involvement</a:t>
@@ -11481,7 +12378,7 @@
             <a:r>
               <a:rPr lang="en-US" b="1" dirty="0">
                 <a:solidFill>
-                  <a:srgbClr val="953735"/>
+                  <a:srgbClr val="800000"/>
                 </a:solidFill>
               </a:rPr>
               <a:t>custom NLP applications and composite services</a:t>
@@ -11524,7 +12421,7 @@
             <a:r>
               <a:rPr lang="en-US" b="1" dirty="0">
                 <a:solidFill>
-                  <a:srgbClr val="953735"/>
+                  <a:srgbClr val="800000"/>
                 </a:solidFill>
               </a:rPr>
               <a:t>community-based </a:t>
@@ -11532,7 +12429,7 @@
             <a:r>
               <a:rPr lang="en-US" b="1" dirty="0" smtClean="0">
                 <a:solidFill>
-                  <a:srgbClr val="953735"/>
+                  <a:srgbClr val="800000"/>
                 </a:solidFill>
               </a:rPr>
               <a:t>project</a:t>
@@ -13273,7 +14170,12 @@
             <p:ph idx="1"/>
           </p:nvPr>
         </p:nvSpPr>
-        <p:spPr/>
+        <p:spPr>
+          <a:xfrm>
+            <a:off x="457200" y="1600200"/>
+            <a:ext cx="7479726" cy="4644268"/>
+          </a:xfrm>
+        </p:spPr>
         <p:txBody>
           <a:bodyPr>
             <a:noAutofit/>
@@ -13294,7 +14196,7 @@
               <a:t>service in the LAPPS Grid publishes </a:t>
             </a:r>
             <a:r>
-              <a:rPr lang="en-US" sz="1800" dirty="0">
+              <a:rPr lang="en-US" sz="1800" b="1" dirty="0">
                 <a:solidFill>
                   <a:srgbClr val="800000"/>
                 </a:solidFill>
@@ -13389,9 +14291,12 @@
             </a:r>
             <a:r>
               <a:rPr lang="en-US" sz="1800" dirty="0"/>
-              <a:t>service exchange. </a:t>
-            </a:r>
-            <a:endParaRPr lang="en-US" sz="1800" dirty="0" smtClean="0"/>
+              <a:t>service </a:t>
+            </a:r>
+            <a:r>
+              <a:rPr lang="en-US" sz="1800" dirty="0" smtClean="0"/>
+              <a:t>exchange </a:t>
+            </a:r>
           </a:p>
           <a:p>
             <a:pPr lvl="1">
@@ -13466,23 +14371,15 @@
             </a:pPr>
             <a:r>
               <a:rPr lang="en-US" sz="1400" dirty="0" smtClean="0"/>
-              <a:t>trivially </a:t>
-            </a:r>
-            <a:r>
-              <a:rPr lang="en-US" sz="1400" dirty="0" err="1"/>
-              <a:t>mappable</a:t>
+              <a:t>trivially maps to </a:t>
             </a:r>
             <a:r>
               <a:rPr lang="en-US" sz="1400" dirty="0"/>
-              <a:t> to and from other graph-based formats such as ISO LAF/</a:t>
-            </a:r>
-            <a:r>
-              <a:rPr lang="en-US" sz="1400" dirty="0" err="1"/>
+              <a:t>and from other graph-based formats such as ISO LAF/</a:t>
+            </a:r>
+            <a:r>
+              <a:rPr lang="en-US" sz="1400" dirty="0" err="1" smtClean="0"/>
               <a:t>GrAF</a:t>
-            </a:r>
-            <a:r>
-              <a:rPr lang="en-US" sz="1400" dirty="0"/>
-              <a:t> </a:t>
             </a:r>
             <a:r>
               <a:rPr lang="en-US" sz="1400" dirty="0" smtClean="0"/>
@@ -13580,7 +14477,7 @@
           <a:p>
             <a:r>
               <a:rPr lang="en-US" dirty="0" smtClean="0"/>
-              <a:t>LAPPS/ISO Exchange Vocabulary</a:t>
+              <a:t>LAPPS Exchange Vocabulary</a:t>
             </a:r>
             <a:endParaRPr lang="en-US" dirty="0"/>
           </a:p>
@@ -13631,7 +14528,7 @@
                   <a:srgbClr val="800000"/>
                 </a:solidFill>
               </a:rPr>
-              <a:t>LAPPS/ISO Web </a:t>
+              <a:t>LAPPS Web </a:t>
             </a:r>
             <a:r>
               <a:rPr lang="en-US" b="1" dirty="0">
@@ -13723,43 +14620,79 @@
               <a:buNone/>
             </a:pPr>
             <a:r>
-              <a:rPr lang="en-US" sz="1600" dirty="0" smtClean="0">
+              <a:rPr lang="en-US" sz="1600" b="1" dirty="0" smtClean="0">
                 <a:solidFill>
                   <a:schemeClr val="tx2">
-                    <a:lumMod val="60000"/>
-                    <a:lumOff val="40000"/>
+                    <a:lumMod val="75000"/>
                   </a:schemeClr>
                 </a:solidFill>
               </a:rPr>
               <a:t>Repositories such as </a:t>
             </a:r>
             <a:r>
-              <a:rPr lang="en-US" sz="1600" dirty="0" err="1" smtClean="0">
+              <a:rPr lang="en-US" sz="1600" b="1" dirty="0" err="1" smtClean="0">
                 <a:solidFill>
                   <a:schemeClr val="tx2">
-                    <a:lumMod val="60000"/>
-                    <a:lumOff val="40000"/>
+                    <a:lumMod val="75000"/>
                   </a:schemeClr>
                 </a:solidFill>
               </a:rPr>
               <a:t>ISOCat</a:t>
             </a:r>
             <a:r>
-              <a:rPr lang="en-US" sz="1600" dirty="0" smtClean="0">
+              <a:rPr lang="en-US" sz="1600" b="1" dirty="0" smtClean="0">
                 <a:solidFill>
                   <a:schemeClr val="tx2">
-                    <a:lumMod val="60000"/>
-                    <a:lumOff val="40000"/>
+                    <a:lumMod val="75000"/>
                   </a:schemeClr>
                 </a:solidFill>
               </a:rPr>
-              <a:t> etc. focus on data categories, do not define items such as Token, provide multiple definitions for the same concept, do not specify relations among terms, etc.</a:t>
-            </a:r>
-            <a:endParaRPr lang="en-US" sz="1600" dirty="0">
+              <a:t> etc. focus on data categories, do not </a:t>
+            </a:r>
+            <a:r>
+              <a:rPr lang="en-US" sz="1600" b="1" dirty="0" smtClean="0">
+                <a:solidFill>
+                  <a:schemeClr val="tx2">
+                    <a:lumMod val="75000"/>
+                  </a:schemeClr>
+                </a:solidFill>
+              </a:rPr>
+              <a:t>always define </a:t>
+            </a:r>
+            <a:r>
+              <a:rPr lang="en-US" sz="1600" b="1" dirty="0" smtClean="0">
+                <a:solidFill>
+                  <a:schemeClr val="tx2">
+                    <a:lumMod val="75000"/>
+                  </a:schemeClr>
+                </a:solidFill>
+              </a:rPr>
+              <a:t>items such as </a:t>
+            </a:r>
+            <a:r>
+              <a:rPr lang="en-US" sz="1600" b="1" dirty="0" smtClean="0">
+                <a:solidFill>
+                  <a:schemeClr val="tx2">
+                    <a:lumMod val="75000"/>
+                  </a:schemeClr>
+                </a:solidFill>
+              </a:rPr>
+              <a:t>“token”, </a:t>
+            </a:r>
+            <a:r>
+              <a:rPr lang="en-US" sz="1600" b="1" dirty="0" smtClean="0">
+                <a:solidFill>
+                  <a:schemeClr val="tx2">
+                    <a:lumMod val="75000"/>
+                  </a:schemeClr>
+                </a:solidFill>
+              </a:rPr>
+              <a:t>provide multiple definitions for the same concept, do not specify relations among terms, etc.</a:t>
+            </a:r>
+            <a:endParaRPr lang="en-US" sz="1600" b="1" dirty="0">
               <a:solidFill>
                 <a:schemeClr val="tx2">
-                  <a:lumMod val="60000"/>
-                  <a:lumOff val="40000"/>
+                  <a:lumMod val="75000"/>
                 </a:schemeClr>
               </a:solidFill>
             </a:endParaRPr>
